--- a/Monrado/Reports/ECNPPoster.pptx
+++ b/Monrado/Reports/ECNPPoster.pptx
@@ -3550,8 +3550,8 @@
         </p:nvGrpSpPr>
         <p:grpSpPr>
           <a:xfrm>
-            <a:off x="0" y="21921373"/>
-            <a:ext cx="33929617" cy="28279437"/>
+            <a:off x="0" y="25094410"/>
+            <a:ext cx="30207213" cy="24073920"/>
             <a:chOff x="0" y="19067564"/>
             <a:chExt cx="32933976" cy="26992623"/>
           </a:xfrm>
@@ -3676,7 +3676,21 @@
                 <a:latin typeface="Arial Hebrew"/>
                 <a:cs typeface="Arial Hebrew"/>
               </a:rPr>
-              <a:t> social signal </a:t>
+              <a:t> social </a:t>
+            </a:r>
+            <a:r>
+              <a:rPr lang="fr-FR" sz="12000" b="1" dirty="0" err="1" smtClean="0">
+                <a:latin typeface="Arial Hebrew"/>
+                <a:cs typeface="Arial Hebrew"/>
+              </a:rPr>
+              <a:t>signals</a:t>
+            </a:r>
+            <a:r>
+              <a:rPr lang="fr-FR" sz="12000" b="1" dirty="0" smtClean="0">
+                <a:latin typeface="Arial Hebrew"/>
+                <a:cs typeface="Arial Hebrew"/>
+              </a:rPr>
+              <a:t> </a:t>
             </a:r>
             <a:r>
               <a:rPr lang="fr-FR" sz="12000" b="1" dirty="0" err="1" smtClean="0">
@@ -3740,11 +3754,7 @@
             <a:pPr algn="ctr"/>
             <a:r>
               <a:rPr lang="fr-FR" sz="5000" dirty="0" smtClean="0"/>
-              <a:t>Thomas </a:t>
-            </a:r>
-            <a:r>
-              <a:rPr lang="fr-FR" sz="5000" dirty="0" smtClean="0"/>
-              <a:t>Gargot</a:t>
+              <a:t>Thomas Gargot</a:t>
             </a:r>
             <a:r>
               <a:rPr lang="fr-FR" sz="5000" baseline="30000" dirty="0" smtClean="0"/>
@@ -3778,13 +3788,12 @@
               <a:rPr lang="fr-FR" sz="5000" dirty="0" smtClean="0"/>
               <a:t>, </a:t>
             </a:r>
-            <a:endParaRPr lang="fr-FR" sz="5000" dirty="0" smtClean="0"/>
           </a:p>
           <a:p>
             <a:pPr algn="ctr"/>
             <a:r>
               <a:rPr lang="fr-FR" sz="5000" dirty="0" smtClean="0"/>
-              <a:t>Mohammed Chettouani</a:t>
+              <a:t>Mohamed Chetouani</a:t>
             </a:r>
             <a:r>
               <a:rPr lang="fr-FR" sz="5000" baseline="30000" dirty="0" smtClean="0"/>
@@ -3792,11 +3801,7 @@
             </a:r>
             <a:r>
               <a:rPr lang="fr-FR" sz="5000" dirty="0" smtClean="0"/>
-              <a:t>, </a:t>
-            </a:r>
-            <a:r>
-              <a:rPr lang="fr-FR" sz="5000" dirty="0" smtClean="0"/>
-              <a:t>Michel </a:t>
+              <a:t>, Michel </a:t>
             </a:r>
             <a:r>
               <a:rPr lang="fr-FR" sz="5000" dirty="0"/>
@@ -3846,11 +3851,7 @@
             </a:r>
             <a:r>
               <a:rPr lang="fr-FR" sz="4800" dirty="0" err="1" smtClean="0"/>
-              <a:t>thomas_gargot</a:t>
-            </a:r>
-            <a:r>
-              <a:rPr lang="fr-FR" sz="4800" dirty="0" err="1" smtClean="0"/>
-              <a:t>@hotmail.com</a:t>
+              <a:t>thomas_gargot@hotmail.com</a:t>
             </a:r>
             <a:endParaRPr lang="fr-FR" sz="4800" dirty="0"/>
           </a:p>
@@ -3864,7 +3865,7 @@
         </p:nvSpPr>
         <p:spPr>
           <a:xfrm>
-            <a:off x="25895727" y="49794621"/>
+            <a:off x="23174100" y="49794621"/>
             <a:ext cx="8941101" cy="630942"/>
           </a:xfrm>
           <a:prstGeom prst="rect">
@@ -4258,8 +4259,8 @@
         </p:nvSpPr>
         <p:spPr>
           <a:xfrm>
-            <a:off x="16840408" y="7480146"/>
-            <a:ext cx="16862335" cy="14711720"/>
+            <a:off x="16840408" y="7706941"/>
+            <a:ext cx="16862335" cy="17943374"/>
           </a:xfrm>
           <a:prstGeom prst="rect">
             <a:avLst/>
@@ -4273,6 +4274,62 @@
           <a:p>
             <a:pPr algn="just"/>
             <a:r>
+              <a:rPr lang="fr-FR" sz="5500" dirty="0" err="1">
+                <a:latin typeface="Abadi MT Condensed Extra Bold"/>
+                <a:cs typeface="Abadi MT Condensed Extra Bold"/>
+              </a:rPr>
+              <a:t>Towards</a:t>
+            </a:r>
+            <a:r>
+              <a:rPr lang="fr-FR" sz="5500" dirty="0">
+                <a:latin typeface="Abadi MT Condensed Extra Bold"/>
+                <a:cs typeface="Abadi MT Condensed Extra Bold"/>
+              </a:rPr>
+              <a:t> an </a:t>
+            </a:r>
+            <a:r>
+              <a:rPr lang="fr-FR" sz="5500" dirty="0" err="1">
+                <a:latin typeface="Abadi MT Condensed Extra Bold"/>
+                <a:cs typeface="Abadi MT Condensed Extra Bold"/>
+              </a:rPr>
+              <a:t>automated</a:t>
+            </a:r>
+            <a:r>
+              <a:rPr lang="fr-FR" sz="5500" dirty="0">
+                <a:latin typeface="Abadi MT Condensed Extra Bold"/>
+                <a:cs typeface="Abadi MT Condensed Extra Bold"/>
+              </a:rPr>
+              <a:t> </a:t>
+            </a:r>
+            <a:r>
+              <a:rPr lang="fr-FR" sz="5500" dirty="0" err="1">
+                <a:latin typeface="Abadi MT Condensed Extra Bold"/>
+                <a:cs typeface="Abadi MT Condensed Extra Bold"/>
+              </a:rPr>
+              <a:t>research</a:t>
+            </a:r>
+            <a:r>
+              <a:rPr lang="fr-FR" sz="5500" dirty="0">
+                <a:latin typeface="Abadi MT Condensed Extra Bold"/>
+                <a:cs typeface="Abadi MT Condensed Extra Bold"/>
+              </a:rPr>
+              <a:t> </a:t>
+            </a:r>
+            <a:r>
+              <a:rPr lang="fr-FR" sz="5500" dirty="0" err="1">
+                <a:latin typeface="Abadi MT Condensed Extra Bold"/>
+                <a:cs typeface="Abadi MT Condensed Extra Bold"/>
+              </a:rPr>
+              <a:t>framework</a:t>
+            </a:r>
+            <a:endParaRPr lang="fr-FR" sz="5500" dirty="0">
+              <a:latin typeface="Abadi MT Condensed Extra Bold"/>
+              <a:cs typeface="Abadi MT Condensed Extra Bold"/>
+            </a:endParaRPr>
+          </a:p>
+          <a:p>
+            <a:pPr algn="just"/>
+            <a:r>
               <a:rPr lang="fr-FR" sz="5000" dirty="0" err="1" smtClean="0"/>
               <a:t>Here</a:t>
             </a:r>
@@ -4470,15 +4527,270 @@
             </a:r>
             <a:r>
               <a:rPr lang="fr-FR" sz="5000" dirty="0"/>
-              <a:t>Ramseyer, 2011) and </a:t>
+              <a:t>Ramseyer, 2011</a:t>
+            </a:r>
+            <a:r>
+              <a:rPr lang="fr-FR" sz="5000" dirty="0"/>
+              <a:t>). </a:t>
+            </a:r>
+            <a:r>
+              <a:rPr lang="fr-FR" sz="5000" dirty="0" err="1"/>
+              <a:t>Varni</a:t>
+            </a:r>
+            <a:r>
+              <a:rPr lang="fr-FR" sz="5000" dirty="0"/>
+              <a:t> et al. </a:t>
             </a:r>
             <a:r>
               <a:rPr lang="fr-FR" sz="5000" dirty="0" smtClean="0"/>
-              <a:t>one </a:t>
+              <a:t>2015 </a:t>
+            </a:r>
+            <a:r>
+              <a:rPr lang="fr-FR" sz="5000" dirty="0" err="1" smtClean="0"/>
+              <a:t>developped</a:t>
+            </a:r>
+            <a:r>
+              <a:rPr lang="fr-FR" sz="5000" dirty="0" smtClean="0"/>
+              <a:t> </a:t>
             </a:r>
             <a:r>
               <a:rPr lang="fr-FR" sz="5000" dirty="0"/>
-              <a:t>of us </a:t>
+              <a:t>the </a:t>
+            </a:r>
+            <a:r>
+              <a:rPr lang="fr-FR" sz="5000" dirty="0" err="1"/>
+              <a:t>SyncPy</a:t>
+            </a:r>
+            <a:r>
+              <a:rPr lang="fr-FR" sz="5000" dirty="0"/>
+              <a:t> open source python </a:t>
+            </a:r>
+            <a:r>
+              <a:rPr lang="fr-FR" sz="5000" dirty="0" err="1"/>
+              <a:t>library</a:t>
+            </a:r>
+            <a:r>
+              <a:rPr lang="fr-FR" sz="5000" dirty="0"/>
+              <a:t> </a:t>
+            </a:r>
+            <a:r>
+              <a:rPr lang="fr-FR" sz="5000" dirty="0" smtClean="0"/>
+              <a:t>to </a:t>
+            </a:r>
+            <a:r>
+              <a:rPr lang="fr-FR" sz="5000" dirty="0"/>
+              <a:t>help </a:t>
+            </a:r>
+            <a:r>
+              <a:rPr lang="fr-FR" sz="5000" dirty="0" err="1"/>
+              <a:t>researchers</a:t>
+            </a:r>
+            <a:r>
+              <a:rPr lang="fr-FR" sz="5000" dirty="0"/>
+              <a:t> and </a:t>
+            </a:r>
+            <a:r>
+              <a:rPr lang="fr-FR" sz="5000" dirty="0" err="1"/>
+              <a:t>practitioners</a:t>
+            </a:r>
+            <a:r>
+              <a:rPr lang="fr-FR" sz="5000" dirty="0"/>
+              <a:t> to </a:t>
+            </a:r>
+            <a:r>
+              <a:rPr lang="fr-FR" sz="5000" dirty="0" err="1"/>
+              <a:t>automatically</a:t>
+            </a:r>
+            <a:r>
+              <a:rPr lang="fr-FR" sz="5000" dirty="0"/>
+              <a:t> analyse </a:t>
+            </a:r>
+            <a:r>
+              <a:rPr lang="fr-FR" sz="5000" dirty="0" err="1" smtClean="0"/>
+              <a:t>synchrony</a:t>
+            </a:r>
+            <a:r>
+              <a:rPr lang="fr-FR" sz="5000" dirty="0" smtClean="0"/>
+              <a:t>. </a:t>
+            </a:r>
+            <a:r>
+              <a:rPr lang="fr-FR" sz="5000" dirty="0" smtClean="0"/>
+              <a:t>It </a:t>
+            </a:r>
+            <a:r>
+              <a:rPr lang="fr-FR" sz="5000" dirty="0" err="1" smtClean="0"/>
+              <a:t>could</a:t>
+            </a:r>
+            <a:r>
+              <a:rPr lang="fr-FR" sz="5000" dirty="0" smtClean="0"/>
+              <a:t> </a:t>
+            </a:r>
+            <a:r>
+              <a:rPr lang="fr-FR" sz="5000" dirty="0" err="1" smtClean="0"/>
+              <a:t>be</a:t>
+            </a:r>
+            <a:r>
+              <a:rPr lang="fr-FR" sz="5000" dirty="0" smtClean="0"/>
+              <a:t> possible to </a:t>
+            </a:r>
+            <a:r>
+              <a:rPr lang="fr-FR" sz="5000" dirty="0" err="1" smtClean="0"/>
+              <a:t>measure</a:t>
+            </a:r>
+            <a:r>
+              <a:rPr lang="fr-FR" sz="5000" dirty="0" smtClean="0"/>
+              <a:t> </a:t>
+            </a:r>
+            <a:r>
+              <a:rPr lang="fr-FR" sz="5000" dirty="0" err="1" smtClean="0"/>
+              <a:t>synchrony</a:t>
+            </a:r>
+            <a:r>
+              <a:rPr lang="fr-FR" sz="5000" dirty="0" smtClean="0"/>
+              <a:t> </a:t>
+            </a:r>
+            <a:r>
+              <a:rPr lang="fr-FR" sz="5000" dirty="0" err="1" smtClean="0"/>
+              <a:t>even</a:t>
+            </a:r>
+            <a:r>
+              <a:rPr lang="fr-FR" sz="5000" dirty="0" smtClean="0"/>
+              <a:t> in familial </a:t>
+            </a:r>
+            <a:r>
+              <a:rPr lang="fr-FR" sz="5000" dirty="0" err="1" smtClean="0"/>
+              <a:t>therapies</a:t>
+            </a:r>
+            <a:r>
+              <a:rPr lang="fr-FR" sz="5000" dirty="0" smtClean="0"/>
+              <a:t>. </a:t>
+            </a:r>
+            <a:r>
+              <a:rPr lang="fr-FR" sz="5000" dirty="0" err="1" smtClean="0"/>
+              <a:t>Other</a:t>
+            </a:r>
+            <a:r>
+              <a:rPr lang="fr-FR" sz="5000" dirty="0" smtClean="0"/>
+              <a:t> </a:t>
+            </a:r>
+            <a:r>
+              <a:rPr lang="fr-FR" sz="5000" dirty="0" err="1" smtClean="0"/>
+              <a:t>features</a:t>
+            </a:r>
+            <a:r>
+              <a:rPr lang="fr-FR" sz="5000" dirty="0" smtClean="0"/>
+              <a:t> </a:t>
+            </a:r>
+            <a:r>
+              <a:rPr lang="fr-FR" sz="5000" dirty="0" err="1" smtClean="0"/>
+              <a:t>could</a:t>
+            </a:r>
+            <a:r>
+              <a:rPr lang="fr-FR" sz="5000" dirty="0" smtClean="0"/>
+              <a:t> </a:t>
+            </a:r>
+            <a:r>
+              <a:rPr lang="fr-FR" sz="5000" dirty="0" err="1" smtClean="0"/>
+              <a:t>be</a:t>
+            </a:r>
+            <a:r>
+              <a:rPr lang="fr-FR" sz="5000" dirty="0" smtClean="0"/>
+              <a:t> </a:t>
+            </a:r>
+            <a:r>
+              <a:rPr lang="fr-FR" sz="5000" dirty="0" err="1" smtClean="0"/>
+              <a:t>quite</a:t>
+            </a:r>
+            <a:r>
+              <a:rPr lang="fr-FR" sz="5000" dirty="0" smtClean="0"/>
+              <a:t> </a:t>
+            </a:r>
+            <a:r>
+              <a:rPr lang="fr-FR" sz="5000" dirty="0" err="1" smtClean="0"/>
+              <a:t>easilly</a:t>
+            </a:r>
+            <a:r>
+              <a:rPr lang="fr-FR" sz="5000" dirty="0" smtClean="0"/>
+              <a:t> </a:t>
+            </a:r>
+            <a:r>
+              <a:rPr lang="fr-FR" sz="5000" dirty="0" err="1" smtClean="0"/>
+              <a:t>extracted</a:t>
+            </a:r>
+            <a:r>
+              <a:rPr lang="fr-FR" sz="5000" dirty="0" smtClean="0"/>
+              <a:t> </a:t>
+            </a:r>
+            <a:r>
+              <a:rPr lang="fr-FR" sz="5000" dirty="0" err="1" smtClean="0"/>
+              <a:t>manually</a:t>
+            </a:r>
+            <a:r>
+              <a:rPr lang="fr-FR" sz="5000" dirty="0" smtClean="0"/>
+              <a:t> </a:t>
+            </a:r>
+            <a:r>
+              <a:rPr lang="fr-FR" sz="5000" dirty="0" err="1" smtClean="0"/>
+              <a:t>like</a:t>
+            </a:r>
+            <a:r>
+              <a:rPr lang="fr-FR" sz="5000" dirty="0" smtClean="0"/>
+              <a:t> direction of the body, gaze direction or </a:t>
+            </a:r>
+            <a:r>
+              <a:rPr lang="fr-FR" sz="5000" dirty="0" err="1" smtClean="0"/>
+              <a:t>smiles</a:t>
+            </a:r>
+            <a:r>
+              <a:rPr lang="fr-FR" sz="5000" dirty="0" smtClean="0"/>
+              <a:t>.</a:t>
+            </a:r>
+          </a:p>
+          <a:p>
+            <a:pPr algn="just"/>
+            <a:endParaRPr lang="fr-FR" sz="5000" dirty="0"/>
+          </a:p>
+          <a:p>
+            <a:pPr algn="just"/>
+            <a:r>
+              <a:rPr lang="fr-FR" sz="5000" dirty="0" err="1"/>
+              <a:t>Using</a:t>
+            </a:r>
+            <a:r>
+              <a:rPr lang="fr-FR" sz="5000" dirty="0"/>
+              <a:t> </a:t>
+            </a:r>
+            <a:r>
+              <a:rPr lang="fr-FR" sz="5000" dirty="0" smtClean="0"/>
+              <a:t>an </a:t>
+            </a:r>
+            <a:r>
+              <a:rPr lang="fr-FR" sz="5000" dirty="0" err="1" smtClean="0"/>
+              <a:t>interdiciplinary</a:t>
+            </a:r>
+            <a:r>
+              <a:rPr lang="fr-FR" sz="5000" dirty="0" smtClean="0"/>
+              <a:t> and </a:t>
+            </a:r>
+            <a:r>
+              <a:rPr lang="fr-FR" sz="5000" dirty="0"/>
+              <a:t>open science </a:t>
+            </a:r>
+            <a:r>
+              <a:rPr lang="fr-FR" sz="5000" dirty="0" err="1" smtClean="0"/>
+              <a:t>approach</a:t>
+            </a:r>
+            <a:r>
+              <a:rPr lang="fr-FR" sz="5000" dirty="0" smtClean="0"/>
+              <a:t>, </a:t>
+            </a:r>
+            <a:r>
+              <a:rPr lang="fr-FR" sz="5000" dirty="0" err="1"/>
+              <a:t>we</a:t>
+            </a:r>
+            <a:r>
+              <a:rPr lang="fr-FR" sz="5000" dirty="0"/>
+              <a:t> </a:t>
             </a:r>
             <a:r>
               <a:rPr lang="fr-FR" sz="5000" dirty="0" err="1"/>
@@ -4486,23 +4798,303 @@
             </a:r>
             <a:r>
               <a:rPr lang="fr-FR" sz="5000" dirty="0"/>
-              <a:t> a free module to analyse </a:t>
+              <a:t> </a:t>
+            </a:r>
+            <a:r>
+              <a:rPr lang="fr-FR" sz="5000" dirty="0" err="1"/>
+              <a:t>some</a:t>
+            </a:r>
+            <a:r>
+              <a:rPr lang="fr-FR" sz="5000" dirty="0"/>
+              <a:t> modules </a:t>
+            </a:r>
+            <a:r>
+              <a:rPr lang="fr-FR" sz="5000" dirty="0" err="1"/>
+              <a:t>toward</a:t>
+            </a:r>
+            <a:r>
+              <a:rPr lang="fr-FR" sz="5000" dirty="0"/>
+              <a:t> </a:t>
+            </a:r>
+            <a:r>
+              <a:rPr lang="fr-FR" sz="5000" dirty="0" err="1"/>
+              <a:t>this</a:t>
+            </a:r>
+            <a:r>
+              <a:rPr lang="fr-FR" sz="5000" dirty="0"/>
+              <a:t> goal </a:t>
+            </a:r>
+            <a:r>
+              <a:rPr lang="fr-FR" sz="5000" dirty="0" err="1"/>
+              <a:t>that</a:t>
+            </a:r>
+            <a:r>
+              <a:rPr lang="fr-FR" sz="5000" dirty="0"/>
+              <a:t> </a:t>
+            </a:r>
+            <a:r>
+              <a:rPr lang="fr-FR" sz="5000" dirty="0" err="1"/>
+              <a:t>could</a:t>
+            </a:r>
+            <a:r>
+              <a:rPr lang="fr-FR" sz="5000" dirty="0"/>
+              <a:t> </a:t>
+            </a:r>
+            <a:r>
+              <a:rPr lang="fr-FR" sz="5000" dirty="0" err="1"/>
+              <a:t>be</a:t>
+            </a:r>
+            <a:r>
+              <a:rPr lang="fr-FR" sz="5000" dirty="0"/>
+              <a:t> </a:t>
+            </a:r>
+            <a:r>
+              <a:rPr lang="fr-FR" sz="5000" dirty="0" err="1"/>
+              <a:t>freely</a:t>
+            </a:r>
+            <a:r>
+              <a:rPr lang="fr-FR" sz="5000" dirty="0"/>
+              <a:t> and </a:t>
+            </a:r>
+            <a:r>
+              <a:rPr lang="fr-FR" sz="5000" dirty="0" err="1"/>
+              <a:t>easilly</a:t>
+            </a:r>
+            <a:r>
+              <a:rPr lang="fr-FR" sz="5000" dirty="0"/>
+              <a:t> </a:t>
+            </a:r>
+            <a:r>
+              <a:rPr lang="fr-FR" sz="5000" dirty="0" err="1"/>
+              <a:t>re-used</a:t>
+            </a:r>
+            <a:r>
+              <a:rPr lang="fr-FR" sz="5000" dirty="0"/>
+              <a:t> by </a:t>
+            </a:r>
+            <a:r>
+              <a:rPr lang="fr-FR" sz="5000" dirty="0" err="1"/>
+              <a:t>other</a:t>
+            </a:r>
+            <a:r>
+              <a:rPr lang="fr-FR" sz="5000" dirty="0"/>
+              <a:t> teams in </a:t>
+            </a:r>
+            <a:r>
+              <a:rPr lang="fr-FR" sz="5000" dirty="0" err="1"/>
+              <a:t>other</a:t>
+            </a:r>
+            <a:r>
+              <a:rPr lang="fr-FR" sz="5000" dirty="0"/>
+              <a:t> </a:t>
+            </a:r>
+            <a:r>
+              <a:rPr lang="fr-FR" sz="5000" dirty="0" err="1"/>
+              <a:t>databases</a:t>
+            </a:r>
+            <a:r>
+              <a:rPr lang="fr-FR" sz="5000" dirty="0"/>
+              <a:t> or </a:t>
+            </a:r>
+            <a:r>
+              <a:rPr lang="fr-FR" sz="5000" dirty="0" err="1"/>
+              <a:t>with</a:t>
+            </a:r>
+            <a:r>
+              <a:rPr lang="fr-FR" sz="5000" dirty="0"/>
+              <a:t> </a:t>
+            </a:r>
+            <a:r>
+              <a:rPr lang="fr-FR" sz="5000" dirty="0" err="1"/>
+              <a:t>other</a:t>
+            </a:r>
+            <a:r>
+              <a:rPr lang="fr-FR" sz="5000" dirty="0"/>
+              <a:t> modules</a:t>
+            </a:r>
+            <a:r>
+              <a:rPr lang="fr-FR" sz="5000" dirty="0" smtClean="0"/>
+              <a:t>.</a:t>
+            </a:r>
+            <a:endParaRPr lang="fr-FR" sz="5000" dirty="0" smtClean="0"/>
+          </a:p>
+          <a:p>
+            <a:pPr algn="just"/>
+            <a:endParaRPr lang="fr-FR" sz="5000" dirty="0" smtClean="0">
+              <a:latin typeface="Abadi MT Condensed Extra Bold"/>
+              <a:cs typeface="Abadi MT Condensed Extra Bold"/>
+            </a:endParaRPr>
+          </a:p>
+          <a:p>
+            <a:pPr algn="just"/>
+            <a:r>
+              <a:rPr lang="fr-FR" sz="5500" dirty="0">
+                <a:latin typeface="Abadi MT Condensed Extra Bold"/>
+                <a:cs typeface="Abadi MT Condensed Extra Bold"/>
+              </a:rPr>
+              <a:t>Future </a:t>
+            </a:r>
+            <a:r>
+              <a:rPr lang="fr-FR" sz="5500" dirty="0" err="1">
+                <a:latin typeface="Abadi MT Condensed Extra Bold"/>
+                <a:cs typeface="Abadi MT Condensed Extra Bold"/>
+              </a:rPr>
+              <a:t>work</a:t>
+            </a:r>
+            <a:endParaRPr lang="fr-FR" sz="5500" dirty="0">
+              <a:latin typeface="Abadi MT Condensed Extra Bold"/>
+              <a:cs typeface="Abadi MT Condensed Extra Bold"/>
+            </a:endParaRPr>
+          </a:p>
+          <a:p>
+            <a:pPr algn="just"/>
+            <a:r>
+              <a:rPr lang="fr-FR" sz="5000" dirty="0" smtClean="0"/>
+              <a:t>The </a:t>
             </a:r>
             <a:r>
               <a:rPr lang="fr-FR" sz="5000" dirty="0" err="1" smtClean="0"/>
-              <a:t>synchrony</a:t>
+              <a:t>next</a:t>
             </a:r>
             <a:r>
               <a:rPr lang="fr-FR" sz="5000" dirty="0" smtClean="0"/>
-              <a:t> (</a:t>
+              <a:t> </a:t>
             </a:r>
             <a:r>
               <a:rPr lang="fr-FR" sz="5000" dirty="0" err="1" smtClean="0"/>
-              <a:t>Varni</a:t>
+              <a:t>step</a:t>
             </a:r>
             <a:r>
               <a:rPr lang="fr-FR" sz="5000" dirty="0" smtClean="0"/>
-              <a:t> et al, 2015). It </a:t>
+              <a:t> </a:t>
+            </a:r>
+            <a:r>
+              <a:rPr lang="fr-FR" sz="5000" dirty="0" err="1" smtClean="0"/>
+              <a:t>would</a:t>
+            </a:r>
+            <a:r>
+              <a:rPr lang="fr-FR" sz="5000" dirty="0" smtClean="0"/>
+              <a:t> </a:t>
+            </a:r>
+            <a:r>
+              <a:rPr lang="fr-FR" sz="5000" dirty="0" err="1" smtClean="0"/>
+              <a:t>be</a:t>
+            </a:r>
+            <a:r>
+              <a:rPr lang="fr-FR" sz="5000" dirty="0" smtClean="0"/>
+              <a:t> to design a </a:t>
+            </a:r>
+            <a:r>
+              <a:rPr lang="fr-FR" sz="5000" dirty="0" err="1" smtClean="0"/>
+              <a:t>specific</a:t>
+            </a:r>
+            <a:r>
+              <a:rPr lang="fr-FR" sz="5000" dirty="0" smtClean="0"/>
+              <a:t> </a:t>
+            </a:r>
+            <a:r>
+              <a:rPr lang="fr-FR" sz="5000" dirty="0" err="1" smtClean="0"/>
+              <a:t>database</a:t>
+            </a:r>
+            <a:r>
+              <a:rPr lang="fr-FR" sz="5000" dirty="0" smtClean="0"/>
+              <a:t> </a:t>
+            </a:r>
+            <a:r>
+              <a:rPr lang="fr-FR" sz="5000" dirty="0" err="1" smtClean="0"/>
+              <a:t>anticipating</a:t>
+            </a:r>
+            <a:r>
+              <a:rPr lang="fr-FR" sz="5000" dirty="0" smtClean="0"/>
+              <a:t> </a:t>
+            </a:r>
+            <a:r>
+              <a:rPr lang="fr-FR" sz="5000" dirty="0" err="1" smtClean="0"/>
+              <a:t>some</a:t>
+            </a:r>
+            <a:r>
+              <a:rPr lang="fr-FR" sz="5000" dirty="0" smtClean="0"/>
+              <a:t> </a:t>
+            </a:r>
+            <a:r>
+              <a:rPr lang="fr-FR" sz="5000" dirty="0" err="1" smtClean="0"/>
+              <a:t>technicals</a:t>
+            </a:r>
+            <a:r>
+              <a:rPr lang="fr-FR" sz="5000" dirty="0" smtClean="0"/>
+              <a:t> </a:t>
+            </a:r>
+            <a:r>
+              <a:rPr lang="fr-FR" sz="5000" dirty="0" err="1" smtClean="0"/>
+              <a:t>problems</a:t>
+            </a:r>
+            <a:r>
+              <a:rPr lang="fr-FR" sz="5000" dirty="0" smtClean="0"/>
+              <a:t> (speech segmentation, </a:t>
+            </a:r>
+            <a:r>
+              <a:rPr lang="fr-FR" sz="5000" dirty="0" err="1" smtClean="0"/>
+              <a:t>overlapping</a:t>
+            </a:r>
+            <a:r>
+              <a:rPr lang="fr-FR" sz="5000" dirty="0" smtClean="0"/>
+              <a:t> of </a:t>
+            </a:r>
+            <a:r>
+              <a:rPr lang="fr-FR" sz="5000" dirty="0" err="1" smtClean="0"/>
+              <a:t>subjects</a:t>
+            </a:r>
+            <a:r>
+              <a:rPr lang="fr-FR" sz="5000" dirty="0" smtClean="0"/>
+              <a:t>, micro-</a:t>
+            </a:r>
+            <a:r>
+              <a:rPr lang="fr-FR" sz="5000" dirty="0" err="1" smtClean="0"/>
+              <a:t>movements</a:t>
+            </a:r>
+            <a:r>
+              <a:rPr lang="fr-FR" sz="5000" dirty="0" smtClean="0"/>
+              <a:t>) and </a:t>
+            </a:r>
+            <a:r>
+              <a:rPr lang="fr-FR" sz="5000" dirty="0" err="1" smtClean="0"/>
+              <a:t>define</a:t>
+            </a:r>
+            <a:r>
+              <a:rPr lang="fr-FR" sz="5000" dirty="0" smtClean="0"/>
+              <a:t> more </a:t>
+            </a:r>
+            <a:r>
+              <a:rPr lang="fr-FR" sz="5000" dirty="0" err="1" smtClean="0"/>
+              <a:t>precisely</a:t>
+            </a:r>
+            <a:r>
+              <a:rPr lang="fr-FR" sz="5000" dirty="0" smtClean="0"/>
+              <a:t> </a:t>
+            </a:r>
+            <a:r>
+              <a:rPr lang="fr-FR" sz="5000" dirty="0" err="1" smtClean="0"/>
+              <a:t>different</a:t>
+            </a:r>
+            <a:r>
+              <a:rPr lang="fr-FR" sz="5000" dirty="0" smtClean="0"/>
+              <a:t> conditions of </a:t>
+            </a:r>
+            <a:r>
+              <a:rPr lang="fr-FR" sz="5000" dirty="0" err="1" smtClean="0"/>
+              <a:t>psychotherapy</a:t>
+            </a:r>
+            <a:r>
+              <a:rPr lang="fr-FR" sz="5000" dirty="0" smtClean="0"/>
+              <a:t> </a:t>
+            </a:r>
+            <a:r>
+              <a:rPr lang="fr-FR" sz="5000" dirty="0" err="1" smtClean="0"/>
+              <a:t>that</a:t>
+            </a:r>
+            <a:r>
+              <a:rPr lang="fr-FR" sz="5000" dirty="0" smtClean="0"/>
+              <a:t> </a:t>
             </a:r>
             <a:r>
               <a:rPr lang="fr-FR" sz="5000" dirty="0" err="1" smtClean="0"/>
@@ -4518,454 +5110,15 @@
             </a:r>
             <a:r>
               <a:rPr lang="fr-FR" sz="5000" dirty="0" smtClean="0"/>
-              <a:t> possible to </a:t>
+              <a:t> </a:t>
             </a:r>
             <a:r>
               <a:rPr lang="fr-FR" sz="5000" dirty="0" err="1" smtClean="0"/>
-              <a:t>measure</a:t>
-            </a:r>
-            <a:r>
-              <a:rPr lang="fr-FR" sz="5000" dirty="0" smtClean="0"/>
-              <a:t> </a:t>
-            </a:r>
-            <a:r>
-              <a:rPr lang="fr-FR" sz="5000" dirty="0" err="1" smtClean="0"/>
-              <a:t>synchrony</a:t>
-            </a:r>
-            <a:r>
-              <a:rPr lang="fr-FR" sz="5000" dirty="0" smtClean="0"/>
-              <a:t> </a:t>
-            </a:r>
-            <a:r>
-              <a:rPr lang="fr-FR" sz="5000" dirty="0" err="1" smtClean="0"/>
-              <a:t>even</a:t>
-            </a:r>
-            <a:r>
-              <a:rPr lang="fr-FR" sz="5000" dirty="0" smtClean="0"/>
-              <a:t> in familial </a:t>
-            </a:r>
-            <a:r>
-              <a:rPr lang="fr-FR" sz="5000" dirty="0" err="1" smtClean="0"/>
-              <a:t>therapies</a:t>
-            </a:r>
-            <a:r>
-              <a:rPr lang="fr-FR" sz="5000" dirty="0" smtClean="0"/>
-              <a:t>. </a:t>
-            </a:r>
-            <a:r>
-              <a:rPr lang="fr-FR" sz="5000" dirty="0" err="1" smtClean="0"/>
-              <a:t>Other</a:t>
-            </a:r>
-            <a:r>
-              <a:rPr lang="fr-FR" sz="5000" dirty="0" smtClean="0"/>
-              <a:t> </a:t>
-            </a:r>
-            <a:r>
-              <a:rPr lang="fr-FR" sz="5000" dirty="0" err="1" smtClean="0"/>
-              <a:t>features</a:t>
-            </a:r>
-            <a:r>
-              <a:rPr lang="fr-FR" sz="5000" dirty="0" smtClean="0"/>
-              <a:t> </a:t>
-            </a:r>
-            <a:r>
-              <a:rPr lang="fr-FR" sz="5000" dirty="0" err="1" smtClean="0"/>
-              <a:t>could</a:t>
-            </a:r>
-            <a:r>
-              <a:rPr lang="fr-FR" sz="5000" dirty="0" smtClean="0"/>
-              <a:t> </a:t>
-            </a:r>
-            <a:r>
-              <a:rPr lang="fr-FR" sz="5000" dirty="0" err="1" smtClean="0"/>
-              <a:t>be</a:t>
-            </a:r>
-            <a:r>
-              <a:rPr lang="fr-FR" sz="5000" dirty="0" smtClean="0"/>
-              <a:t> </a:t>
-            </a:r>
-            <a:r>
-              <a:rPr lang="fr-FR" sz="5000" dirty="0" err="1" smtClean="0"/>
-              <a:t>quite</a:t>
-            </a:r>
-            <a:r>
-              <a:rPr lang="fr-FR" sz="5000" dirty="0" smtClean="0"/>
-              <a:t> </a:t>
-            </a:r>
-            <a:r>
-              <a:rPr lang="fr-FR" sz="5000" dirty="0" err="1" smtClean="0"/>
-              <a:t>easilly</a:t>
-            </a:r>
-            <a:r>
-              <a:rPr lang="fr-FR" sz="5000" dirty="0" smtClean="0"/>
-              <a:t> </a:t>
-            </a:r>
-            <a:r>
-              <a:rPr lang="fr-FR" sz="5000" dirty="0" err="1" smtClean="0"/>
-              <a:t>extracted</a:t>
-            </a:r>
-            <a:r>
-              <a:rPr lang="fr-FR" sz="5000" dirty="0" smtClean="0"/>
-              <a:t> </a:t>
-            </a:r>
-            <a:r>
-              <a:rPr lang="fr-FR" sz="5000" dirty="0" err="1" smtClean="0"/>
-              <a:t>manually</a:t>
-            </a:r>
-            <a:r>
-              <a:rPr lang="fr-FR" sz="5000" dirty="0" smtClean="0"/>
-              <a:t> </a:t>
-            </a:r>
-            <a:r>
-              <a:rPr lang="fr-FR" sz="5000" dirty="0" err="1" smtClean="0"/>
-              <a:t>like</a:t>
-            </a:r>
-            <a:r>
-              <a:rPr lang="fr-FR" sz="5000" dirty="0" smtClean="0"/>
-              <a:t> direction of the body, gaze direction or </a:t>
-            </a:r>
-            <a:r>
-              <a:rPr lang="fr-FR" sz="5000" dirty="0" err="1" smtClean="0"/>
-              <a:t>smiles</a:t>
+              <a:t>contrasted</a:t>
             </a:r>
             <a:r>
               <a:rPr lang="fr-FR" sz="5000" dirty="0" smtClean="0"/>
               <a:t>.</a:t>
-            </a:r>
-          </a:p>
-          <a:p>
-            <a:pPr algn="just"/>
-            <a:endParaRPr lang="fr-FR" sz="5000" dirty="0"/>
-          </a:p>
-          <a:p>
-            <a:pPr algn="just"/>
-            <a:r>
-              <a:rPr lang="fr-FR" sz="5000" dirty="0" smtClean="0"/>
-              <a:t>The </a:t>
-            </a:r>
-            <a:r>
-              <a:rPr lang="fr-FR" sz="5000" dirty="0" err="1" smtClean="0"/>
-              <a:t>next</a:t>
-            </a:r>
-            <a:r>
-              <a:rPr lang="fr-FR" sz="5000" dirty="0" smtClean="0"/>
-              <a:t> </a:t>
-            </a:r>
-            <a:r>
-              <a:rPr lang="fr-FR" sz="5000" dirty="0" err="1" smtClean="0"/>
-              <a:t>step</a:t>
-            </a:r>
-            <a:r>
-              <a:rPr lang="fr-FR" sz="5000" dirty="0" smtClean="0"/>
-              <a:t> </a:t>
-            </a:r>
-            <a:r>
-              <a:rPr lang="fr-FR" sz="5000" dirty="0" err="1" smtClean="0"/>
-              <a:t>would</a:t>
-            </a:r>
-            <a:r>
-              <a:rPr lang="fr-FR" sz="5000" dirty="0" smtClean="0"/>
-              <a:t> </a:t>
-            </a:r>
-            <a:r>
-              <a:rPr lang="fr-FR" sz="5000" dirty="0" err="1" smtClean="0"/>
-              <a:t>be</a:t>
-            </a:r>
-            <a:r>
-              <a:rPr lang="fr-FR" sz="5000" dirty="0" smtClean="0"/>
-              <a:t> to design a </a:t>
-            </a:r>
-            <a:r>
-              <a:rPr lang="fr-FR" sz="5000" dirty="0" err="1" smtClean="0"/>
-              <a:t>specific</a:t>
-            </a:r>
-            <a:r>
-              <a:rPr lang="fr-FR" sz="5000" dirty="0" smtClean="0"/>
-              <a:t> </a:t>
-            </a:r>
-            <a:r>
-              <a:rPr lang="fr-FR" sz="5000" dirty="0" err="1" smtClean="0"/>
-              <a:t>database</a:t>
-            </a:r>
-            <a:r>
-              <a:rPr lang="fr-FR" sz="5000" dirty="0" smtClean="0"/>
-              <a:t> </a:t>
-            </a:r>
-            <a:r>
-              <a:rPr lang="fr-FR" sz="5000" dirty="0" err="1" smtClean="0"/>
-              <a:t>anticipating</a:t>
-            </a:r>
-            <a:r>
-              <a:rPr lang="fr-FR" sz="5000" dirty="0" smtClean="0"/>
-              <a:t> </a:t>
-            </a:r>
-            <a:r>
-              <a:rPr lang="fr-FR" sz="5000" dirty="0" err="1" smtClean="0"/>
-              <a:t>some</a:t>
-            </a:r>
-            <a:r>
-              <a:rPr lang="fr-FR" sz="5000" dirty="0" smtClean="0"/>
-              <a:t> </a:t>
-            </a:r>
-            <a:r>
-              <a:rPr lang="fr-FR" sz="5000" dirty="0" err="1" smtClean="0"/>
-              <a:t>technicals</a:t>
-            </a:r>
-            <a:r>
-              <a:rPr lang="fr-FR" sz="5000" dirty="0" smtClean="0"/>
-              <a:t> </a:t>
-            </a:r>
-            <a:r>
-              <a:rPr lang="fr-FR" sz="5000" dirty="0" err="1" smtClean="0"/>
-              <a:t>problems</a:t>
-            </a:r>
-            <a:r>
-              <a:rPr lang="fr-FR" sz="5000" dirty="0" smtClean="0"/>
-              <a:t> (speech segmentation, </a:t>
-            </a:r>
-            <a:r>
-              <a:rPr lang="fr-FR" sz="5000" dirty="0" err="1" smtClean="0"/>
-              <a:t>overlapping</a:t>
-            </a:r>
-            <a:r>
-              <a:rPr lang="fr-FR" sz="5000" dirty="0" smtClean="0"/>
-              <a:t> of </a:t>
-            </a:r>
-            <a:r>
-              <a:rPr lang="fr-FR" sz="5000" dirty="0" err="1" smtClean="0"/>
-              <a:t>subjects</a:t>
-            </a:r>
-            <a:r>
-              <a:rPr lang="fr-FR" sz="5000" dirty="0" smtClean="0"/>
-              <a:t>, micro-</a:t>
-            </a:r>
-            <a:r>
-              <a:rPr lang="fr-FR" sz="5000" dirty="0" err="1" smtClean="0"/>
-              <a:t>movements</a:t>
-            </a:r>
-            <a:r>
-              <a:rPr lang="fr-FR" sz="5000" dirty="0" smtClean="0"/>
-              <a:t>) and </a:t>
-            </a:r>
-            <a:r>
-              <a:rPr lang="fr-FR" sz="5000" dirty="0" err="1" smtClean="0"/>
-              <a:t>define</a:t>
-            </a:r>
-            <a:r>
-              <a:rPr lang="fr-FR" sz="5000" dirty="0" smtClean="0"/>
-              <a:t> more </a:t>
-            </a:r>
-            <a:r>
-              <a:rPr lang="fr-FR" sz="5000" dirty="0" err="1" smtClean="0"/>
-              <a:t>precisely</a:t>
-            </a:r>
-            <a:r>
-              <a:rPr lang="fr-FR" sz="5000" dirty="0" smtClean="0"/>
-              <a:t> </a:t>
-            </a:r>
-            <a:r>
-              <a:rPr lang="fr-FR" sz="5000" dirty="0" err="1" smtClean="0"/>
-              <a:t>different</a:t>
-            </a:r>
-            <a:r>
-              <a:rPr lang="fr-FR" sz="5000" dirty="0" smtClean="0"/>
-              <a:t> conditions of </a:t>
-            </a:r>
-            <a:r>
-              <a:rPr lang="fr-FR" sz="5000" dirty="0" err="1" smtClean="0"/>
-              <a:t>psychotherapy</a:t>
-            </a:r>
-            <a:r>
-              <a:rPr lang="fr-FR" sz="5000" dirty="0" smtClean="0"/>
-              <a:t> </a:t>
-            </a:r>
-            <a:r>
-              <a:rPr lang="fr-FR" sz="5000" dirty="0" err="1" smtClean="0"/>
-              <a:t>that</a:t>
-            </a:r>
-            <a:r>
-              <a:rPr lang="fr-FR" sz="5000" dirty="0" smtClean="0"/>
-              <a:t> </a:t>
-            </a:r>
-            <a:r>
-              <a:rPr lang="fr-FR" sz="5000" dirty="0" err="1" smtClean="0"/>
-              <a:t>could</a:t>
-            </a:r>
-            <a:r>
-              <a:rPr lang="fr-FR" sz="5000" dirty="0" smtClean="0"/>
-              <a:t> </a:t>
-            </a:r>
-            <a:r>
-              <a:rPr lang="fr-FR" sz="5000" dirty="0" err="1" smtClean="0"/>
-              <a:t>be</a:t>
-            </a:r>
-            <a:r>
-              <a:rPr lang="fr-FR" sz="5000" dirty="0" smtClean="0"/>
-              <a:t> </a:t>
-            </a:r>
-            <a:r>
-              <a:rPr lang="fr-FR" sz="5000" dirty="0" err="1" smtClean="0"/>
-              <a:t>contrasted</a:t>
-            </a:r>
-            <a:r>
-              <a:rPr lang="fr-FR" sz="5000" dirty="0" smtClean="0"/>
-              <a:t>.</a:t>
-            </a:r>
-            <a:endParaRPr lang="fr-FR" sz="5000" dirty="0"/>
-          </a:p>
-          <a:p>
-            <a:pPr algn="just"/>
-            <a:endParaRPr lang="fr-FR" sz="5000" dirty="0" smtClean="0"/>
-          </a:p>
-          <a:p>
-            <a:pPr algn="just"/>
-            <a:r>
-              <a:rPr lang="fr-FR" sz="5000" dirty="0" err="1" smtClean="0"/>
-              <a:t>Using</a:t>
-            </a:r>
-            <a:r>
-              <a:rPr lang="fr-FR" sz="5000" dirty="0" smtClean="0"/>
-              <a:t> an open </a:t>
-            </a:r>
-            <a:r>
-              <a:rPr lang="fr-FR" sz="5000" dirty="0"/>
-              <a:t>science </a:t>
-            </a:r>
-            <a:r>
-              <a:rPr lang="fr-FR" sz="5000" dirty="0" err="1" smtClean="0"/>
-              <a:t>approach</a:t>
-            </a:r>
-            <a:r>
-              <a:rPr lang="fr-FR" sz="5000" dirty="0" smtClean="0"/>
-              <a:t> </a:t>
-            </a:r>
-            <a:r>
-              <a:rPr lang="fr-FR" sz="5000" dirty="0" err="1" smtClean="0"/>
-              <a:t>we</a:t>
-            </a:r>
-            <a:r>
-              <a:rPr lang="fr-FR" sz="5000" dirty="0" smtClean="0"/>
-              <a:t> </a:t>
-            </a:r>
-            <a:r>
-              <a:rPr lang="fr-FR" sz="5000" dirty="0" err="1" smtClean="0"/>
-              <a:t>developped</a:t>
-            </a:r>
-            <a:r>
-              <a:rPr lang="fr-FR" sz="5000" dirty="0" smtClean="0"/>
-              <a:t> </a:t>
-            </a:r>
-            <a:r>
-              <a:rPr lang="fr-FR" sz="5000" dirty="0" err="1" smtClean="0"/>
-              <a:t>some</a:t>
-            </a:r>
-            <a:r>
-              <a:rPr lang="fr-FR" sz="5000" dirty="0" smtClean="0"/>
-              <a:t> modules </a:t>
-            </a:r>
-            <a:r>
-              <a:rPr lang="fr-FR" sz="5000" dirty="0" err="1" smtClean="0"/>
-              <a:t>toward</a:t>
-            </a:r>
-            <a:r>
-              <a:rPr lang="fr-FR" sz="5000" dirty="0" smtClean="0"/>
-              <a:t> </a:t>
-            </a:r>
-            <a:r>
-              <a:rPr lang="fr-FR" sz="5000" dirty="0" err="1" smtClean="0"/>
-              <a:t>this</a:t>
-            </a:r>
-            <a:r>
-              <a:rPr lang="fr-FR" sz="5000" dirty="0" smtClean="0"/>
-              <a:t> goal </a:t>
-            </a:r>
-            <a:r>
-              <a:rPr lang="fr-FR" sz="5000" dirty="0" err="1" smtClean="0"/>
-              <a:t>that</a:t>
-            </a:r>
-            <a:r>
-              <a:rPr lang="fr-FR" sz="5000" dirty="0" smtClean="0"/>
-              <a:t> </a:t>
-            </a:r>
-            <a:r>
-              <a:rPr lang="fr-FR" sz="5000" dirty="0" err="1" smtClean="0"/>
-              <a:t>could</a:t>
-            </a:r>
-            <a:r>
-              <a:rPr lang="fr-FR" sz="5000" dirty="0" smtClean="0"/>
-              <a:t> </a:t>
-            </a:r>
-            <a:r>
-              <a:rPr lang="fr-FR" sz="5000" dirty="0" err="1" smtClean="0"/>
-              <a:t>be</a:t>
-            </a:r>
-            <a:r>
-              <a:rPr lang="fr-FR" sz="5000" dirty="0" smtClean="0"/>
-              <a:t> </a:t>
-            </a:r>
-            <a:r>
-              <a:rPr lang="fr-FR" sz="5000" dirty="0" err="1" smtClean="0"/>
-              <a:t>freely</a:t>
-            </a:r>
-            <a:r>
-              <a:rPr lang="fr-FR" sz="5000" dirty="0" smtClean="0"/>
-              <a:t> and </a:t>
-            </a:r>
-            <a:r>
-              <a:rPr lang="fr-FR" sz="5000" dirty="0" err="1" smtClean="0"/>
-              <a:t>easilly</a:t>
-            </a:r>
-            <a:r>
-              <a:rPr lang="fr-FR" sz="5000" dirty="0" smtClean="0"/>
-              <a:t> </a:t>
-            </a:r>
-            <a:r>
-              <a:rPr lang="fr-FR" sz="5000" dirty="0" err="1" smtClean="0"/>
-              <a:t>re-used</a:t>
-            </a:r>
-            <a:r>
-              <a:rPr lang="fr-FR" sz="5000" dirty="0" smtClean="0"/>
-              <a:t> by </a:t>
-            </a:r>
-            <a:r>
-              <a:rPr lang="fr-FR" sz="5000" dirty="0" err="1" smtClean="0"/>
-              <a:t>other</a:t>
-            </a:r>
-            <a:r>
-              <a:rPr lang="fr-FR" sz="5000" dirty="0" smtClean="0"/>
-              <a:t> teams in </a:t>
-            </a:r>
-            <a:r>
-              <a:rPr lang="fr-FR" sz="5000" dirty="0" err="1" smtClean="0"/>
-              <a:t>other</a:t>
-            </a:r>
-            <a:r>
-              <a:rPr lang="fr-FR" sz="5000" dirty="0" smtClean="0"/>
-              <a:t> </a:t>
-            </a:r>
-            <a:r>
-              <a:rPr lang="fr-FR" sz="5000" dirty="0" err="1" smtClean="0"/>
-              <a:t>databases</a:t>
-            </a:r>
-            <a:r>
-              <a:rPr lang="fr-FR" sz="5000" dirty="0" smtClean="0"/>
-              <a:t> or </a:t>
-            </a:r>
-            <a:r>
-              <a:rPr lang="fr-FR" sz="5000" dirty="0" err="1" smtClean="0"/>
-              <a:t>with</a:t>
-            </a:r>
-            <a:r>
-              <a:rPr lang="fr-FR" sz="5000" dirty="0" smtClean="0"/>
-              <a:t> </a:t>
-            </a:r>
-            <a:r>
-              <a:rPr lang="fr-FR" sz="5000" dirty="0" err="1" smtClean="0"/>
-              <a:t>other</a:t>
-            </a:r>
-            <a:r>
-              <a:rPr lang="fr-FR" sz="5000" dirty="0" smtClean="0"/>
-              <a:t> modules.</a:t>
             </a:r>
             <a:endParaRPr lang="fr-FR" sz="5000" dirty="0"/>
           </a:p>
@@ -4983,9 +5136,12 @@
         </p:nvSpPr>
         <p:spPr>
           <a:xfrm>
-            <a:off x="45360" y="7302487"/>
-            <a:ext cx="16884000" cy="17792045"/>
+            <a:off x="45360" y="7529282"/>
+            <a:ext cx="16884000" cy="18290874"/>
           </a:xfrm>
+          <a:ln>
+            <a:noFill/>
+          </a:ln>
         </p:spPr>
         <p:txBody>
           <a:bodyPr>
@@ -4995,7 +5151,20 @@
           <a:p>
             <a:pPr algn="just"/>
             <a:r>
-              <a:rPr lang="fr-FR" sz="5000" dirty="0" err="1" smtClean="0">
+              <a:rPr lang="fr-FR" sz="5500" b="1" dirty="0" smtClean="0">
+                <a:solidFill>
+                  <a:schemeClr val="tx1"/>
+                </a:solidFill>
+                <a:latin typeface="Abadi MT Condensed Extra Bold"/>
+                <a:cs typeface="Abadi MT Condensed Extra Bold"/>
+              </a:rPr>
+              <a:t>Introduction and motivation</a:t>
+            </a:r>
+          </a:p>
+          <a:p>
+            <a:pPr algn="just"/>
+            <a:r>
+              <a:rPr lang="fr-FR" sz="4800" dirty="0" err="1" smtClean="0">
                 <a:solidFill>
                   <a:schemeClr val="tx1"/>
                 </a:solidFill>
@@ -5003,15 +5172,15 @@
               <a:t>Psychotherapy</a:t>
             </a:r>
             <a:r>
-              <a:rPr lang="fr-FR" sz="5000" dirty="0" smtClean="0">
-                <a:solidFill>
-                  <a:schemeClr val="tx1"/>
-                </a:solidFill>
-              </a:rPr>
-              <a:t> </a:t>
-            </a:r>
-            <a:r>
-              <a:rPr lang="fr-FR" sz="5000" dirty="0" err="1" smtClean="0">
+              <a:rPr lang="fr-FR" sz="4800" dirty="0" smtClean="0">
+                <a:solidFill>
+                  <a:schemeClr val="tx1"/>
+                </a:solidFill>
+              </a:rPr>
+              <a:t> </a:t>
+            </a:r>
+            <a:r>
+              <a:rPr lang="fr-FR" sz="4800" dirty="0" err="1" smtClean="0">
                 <a:solidFill>
                   <a:schemeClr val="tx1"/>
                 </a:solidFill>
@@ -5019,7 +5188,7 @@
               <a:t>is</a:t>
             </a:r>
             <a:r>
-              <a:rPr lang="fr-FR" sz="5000" dirty="0" smtClean="0">
+              <a:rPr lang="fr-FR" sz="4800" dirty="0" smtClean="0">
                 <a:solidFill>
                   <a:schemeClr val="tx1"/>
                 </a:solidFill>
@@ -5027,7 +5196,7 @@
               <a:t> an important part of </a:t>
             </a:r>
             <a:r>
-              <a:rPr lang="fr-FR" sz="5000" dirty="0" err="1" smtClean="0">
+              <a:rPr lang="fr-FR" sz="4800" dirty="0" err="1" smtClean="0">
                 <a:solidFill>
                   <a:schemeClr val="tx1"/>
                 </a:solidFill>
@@ -5035,7 +5204,7 @@
               <a:t>treatment</a:t>
             </a:r>
             <a:r>
-              <a:rPr lang="fr-FR" sz="5000" dirty="0" smtClean="0">
+              <a:rPr lang="fr-FR" sz="4800" dirty="0" smtClean="0">
                 <a:solidFill>
                   <a:schemeClr val="tx1"/>
                 </a:solidFill>
@@ -5043,7 +5212,7 @@
               <a:t> of mental </a:t>
             </a:r>
             <a:r>
-              <a:rPr lang="fr-FR" sz="5000" dirty="0" err="1" smtClean="0">
+              <a:rPr lang="fr-FR" sz="4800" dirty="0" err="1" smtClean="0">
                 <a:solidFill>
                   <a:schemeClr val="tx1"/>
                 </a:solidFill>
@@ -5051,15 +5220,15 @@
               <a:t>disorders</a:t>
             </a:r>
             <a:r>
-              <a:rPr lang="fr-FR" sz="5000" dirty="0" smtClean="0">
-                <a:solidFill>
-                  <a:schemeClr val="tx1"/>
-                </a:solidFill>
-              </a:rPr>
-              <a:t> </a:t>
-            </a:r>
-            <a:r>
-              <a:rPr lang="fr-FR" sz="5000" dirty="0" err="1" smtClean="0">
+              <a:rPr lang="fr-FR" sz="4800" dirty="0" smtClean="0">
+                <a:solidFill>
+                  <a:schemeClr val="tx1"/>
+                </a:solidFill>
+              </a:rPr>
+              <a:t> </a:t>
+            </a:r>
+            <a:r>
+              <a:rPr lang="fr-FR" sz="4800" dirty="0" err="1" smtClean="0">
                 <a:solidFill>
                   <a:schemeClr val="tx1"/>
                 </a:solidFill>
@@ -5067,7 +5236,7 @@
               <a:t>alone</a:t>
             </a:r>
             <a:r>
-              <a:rPr lang="fr-FR" sz="5000" dirty="0" smtClean="0">
+              <a:rPr lang="fr-FR" sz="4800" dirty="0" smtClean="0">
                 <a:solidFill>
                   <a:schemeClr val="tx1"/>
                 </a:solidFill>
@@ -5075,7 +5244,7 @@
               <a:t> or </a:t>
             </a:r>
             <a:r>
-              <a:rPr lang="fr-FR" sz="5000" dirty="0" err="1" smtClean="0">
+              <a:rPr lang="fr-FR" sz="4800" dirty="0" err="1" smtClean="0">
                 <a:solidFill>
                   <a:schemeClr val="tx1"/>
                 </a:solidFill>
@@ -5083,15 +5252,15 @@
               <a:t>complementary</a:t>
             </a:r>
             <a:r>
-              <a:rPr lang="fr-FR" sz="5000" dirty="0" smtClean="0">
-                <a:solidFill>
-                  <a:schemeClr val="tx1"/>
-                </a:solidFill>
-              </a:rPr>
-              <a:t> </a:t>
-            </a:r>
-            <a:r>
-              <a:rPr lang="fr-FR" sz="5000" dirty="0" err="1" smtClean="0">
+              <a:rPr lang="fr-FR" sz="4800" dirty="0" smtClean="0">
+                <a:solidFill>
+                  <a:schemeClr val="tx1"/>
+                </a:solidFill>
+              </a:rPr>
+              <a:t> </a:t>
+            </a:r>
+            <a:r>
+              <a:rPr lang="fr-FR" sz="4800" dirty="0" err="1" smtClean="0">
                 <a:solidFill>
                   <a:schemeClr val="tx1"/>
                 </a:solidFill>
@@ -5099,15 +5268,15 @@
               <a:t>with</a:t>
             </a:r>
             <a:r>
-              <a:rPr lang="fr-FR" sz="5000" dirty="0" smtClean="0">
-                <a:solidFill>
-                  <a:schemeClr val="tx1"/>
-                </a:solidFill>
-              </a:rPr>
-              <a:t> </a:t>
-            </a:r>
-            <a:r>
-              <a:rPr lang="fr-FR" sz="5000" dirty="0" err="1" smtClean="0">
+              <a:rPr lang="fr-FR" sz="4800" dirty="0" smtClean="0">
+                <a:solidFill>
+                  <a:schemeClr val="tx1"/>
+                </a:solidFill>
+              </a:rPr>
+              <a:t> </a:t>
+            </a:r>
+            <a:r>
+              <a:rPr lang="fr-FR" sz="4800" dirty="0" err="1" smtClean="0">
                 <a:solidFill>
                   <a:schemeClr val="tx1"/>
                 </a:solidFill>
@@ -5115,7 +5284,7 @@
               <a:t>pharmacotherapy</a:t>
             </a:r>
             <a:r>
-              <a:rPr lang="fr-FR" sz="5000" dirty="0" smtClean="0">
+              <a:rPr lang="fr-FR" sz="4800" dirty="0" smtClean="0">
                 <a:solidFill>
                   <a:schemeClr val="tx1"/>
                 </a:solidFill>
@@ -5123,7 +5292,7 @@
               <a:t>. Somes techniques are </a:t>
             </a:r>
             <a:r>
-              <a:rPr lang="fr-FR" sz="5000" dirty="0" err="1" smtClean="0">
+              <a:rPr lang="fr-FR" sz="4800" dirty="0" err="1" smtClean="0">
                 <a:solidFill>
                   <a:schemeClr val="tx1"/>
                 </a:solidFill>
@@ -5131,15 +5300,15 @@
               <a:t>now</a:t>
             </a:r>
             <a:r>
-              <a:rPr lang="fr-FR" sz="5000" dirty="0" smtClean="0">
-                <a:solidFill>
-                  <a:schemeClr val="tx1"/>
-                </a:solidFill>
-              </a:rPr>
-              <a:t> </a:t>
-            </a:r>
-            <a:r>
-              <a:rPr lang="fr-FR" sz="5000" dirty="0" err="1" smtClean="0">
+              <a:rPr lang="fr-FR" sz="4800" dirty="0" smtClean="0">
+                <a:solidFill>
+                  <a:schemeClr val="tx1"/>
+                </a:solidFill>
+              </a:rPr>
+              <a:t> </a:t>
+            </a:r>
+            <a:r>
+              <a:rPr lang="fr-FR" sz="4800" dirty="0" err="1" smtClean="0">
                 <a:solidFill>
                   <a:schemeClr val="tx1"/>
                 </a:solidFill>
@@ -5147,15 +5316,15 @@
               <a:t>widely</a:t>
             </a:r>
             <a:r>
-              <a:rPr lang="fr-FR" sz="5000" dirty="0" smtClean="0">
-                <a:solidFill>
-                  <a:schemeClr val="tx1"/>
-                </a:solidFill>
-              </a:rPr>
-              <a:t> </a:t>
-            </a:r>
-            <a:r>
-              <a:rPr lang="fr-FR" sz="5000" dirty="0" err="1" smtClean="0">
+              <a:rPr lang="fr-FR" sz="4800" dirty="0" smtClean="0">
+                <a:solidFill>
+                  <a:schemeClr val="tx1"/>
+                </a:solidFill>
+              </a:rPr>
+              <a:t> </a:t>
+            </a:r>
+            <a:r>
+              <a:rPr lang="fr-FR" sz="4800" dirty="0" err="1" smtClean="0">
                 <a:solidFill>
                   <a:schemeClr val="tx1"/>
                 </a:solidFill>
@@ -5163,7 +5332,7 @@
               <a:t>evidence-based</a:t>
             </a:r>
             <a:r>
-              <a:rPr lang="fr-FR" sz="5000" dirty="0" smtClean="0">
+              <a:rPr lang="fr-FR" sz="4800" dirty="0" smtClean="0">
                 <a:solidFill>
                   <a:schemeClr val="tx1"/>
                 </a:solidFill>
@@ -5171,7 +5340,7 @@
               <a:t> and </a:t>
             </a:r>
             <a:r>
-              <a:rPr lang="fr-FR" sz="5000" dirty="0" err="1" smtClean="0">
+              <a:rPr lang="fr-FR" sz="4800" dirty="0" err="1" smtClean="0">
                 <a:solidFill>
                   <a:schemeClr val="tx1"/>
                 </a:solidFill>
@@ -5179,15 +5348,15 @@
               <a:t>very</a:t>
             </a:r>
             <a:r>
-              <a:rPr lang="fr-FR" sz="5000" dirty="0" smtClean="0">
-                <a:solidFill>
-                  <a:schemeClr val="tx1"/>
-                </a:solidFill>
-              </a:rPr>
-              <a:t> </a:t>
-            </a:r>
-            <a:r>
-              <a:rPr lang="fr-FR" sz="5000" dirty="0" err="1" smtClean="0">
+              <a:rPr lang="fr-FR" sz="4800" dirty="0" smtClean="0">
+                <a:solidFill>
+                  <a:schemeClr val="tx1"/>
+                </a:solidFill>
+              </a:rPr>
+              <a:t> </a:t>
+            </a:r>
+            <a:r>
+              <a:rPr lang="fr-FR" sz="4800" dirty="0" err="1" smtClean="0">
                 <a:solidFill>
                   <a:schemeClr val="tx1"/>
                 </a:solidFill>
@@ -5195,7 +5364,7 @@
               <a:t>cost</a:t>
             </a:r>
             <a:r>
-              <a:rPr lang="fr-FR" sz="5000" dirty="0" smtClean="0">
+              <a:rPr lang="fr-FR" sz="4800" dirty="0" smtClean="0">
                 <a:solidFill>
                   <a:schemeClr val="tx1"/>
                 </a:solidFill>
@@ -5203,7 +5372,7 @@
               <a:t> effective (</a:t>
             </a:r>
             <a:r>
-              <a:rPr lang="fr-FR" sz="5000" dirty="0" err="1" smtClean="0">
+              <a:rPr lang="fr-FR" sz="4800" dirty="0" err="1" smtClean="0">
                 <a:solidFill>
                   <a:schemeClr val="tx1"/>
                 </a:solidFill>
@@ -5211,7 +5380,7 @@
               <a:t>Layard</a:t>
             </a:r>
             <a:r>
-              <a:rPr lang="fr-FR" sz="5000" dirty="0" smtClean="0">
+              <a:rPr lang="fr-FR" sz="4800" dirty="0" smtClean="0">
                 <a:solidFill>
                   <a:schemeClr val="tx1"/>
                 </a:solidFill>
@@ -5221,7 +5390,7 @@
           </a:p>
           <a:p>
             <a:pPr algn="just"/>
-            <a:endParaRPr lang="fr-FR" sz="5000" dirty="0">
+            <a:endParaRPr lang="fr-FR" sz="4800" dirty="0">
               <a:solidFill>
                 <a:schemeClr val="tx1"/>
               </a:solidFill>
@@ -5230,7 +5399,7 @@
           <a:p>
             <a:pPr algn="just"/>
             <a:r>
-              <a:rPr lang="fr-FR" sz="5000" dirty="0" smtClean="0">
+              <a:rPr lang="fr-FR" sz="4800" dirty="0" smtClean="0">
                 <a:solidFill>
                   <a:schemeClr val="tx1"/>
                 </a:solidFill>
@@ -5238,7 +5407,7 @@
               <a:t>Most of </a:t>
             </a:r>
             <a:r>
-              <a:rPr lang="fr-FR" sz="5000" dirty="0" err="1" smtClean="0">
+              <a:rPr lang="fr-FR" sz="4800" dirty="0" err="1" smtClean="0">
                 <a:solidFill>
                   <a:schemeClr val="tx1"/>
                 </a:solidFill>
@@ -5246,7 +5415,7 @@
               <a:t>studies</a:t>
             </a:r>
             <a:r>
-              <a:rPr lang="fr-FR" sz="5000" dirty="0" smtClean="0">
+              <a:rPr lang="fr-FR" sz="4800" dirty="0" smtClean="0">
                 <a:solidFill>
                   <a:schemeClr val="tx1"/>
                 </a:solidFill>
@@ -5254,7 +5423,7 @@
               <a:t> are </a:t>
             </a:r>
             <a:r>
-              <a:rPr lang="fr-FR" sz="5000" dirty="0" err="1" smtClean="0">
+              <a:rPr lang="fr-FR" sz="4800" dirty="0" err="1" smtClean="0">
                 <a:solidFill>
                   <a:schemeClr val="tx1"/>
                 </a:solidFill>
@@ -5262,15 +5431,15 @@
               <a:t>indirectly</a:t>
             </a:r>
             <a:r>
-              <a:rPr lang="fr-FR" sz="5000" dirty="0" smtClean="0">
-                <a:solidFill>
-                  <a:schemeClr val="tx1"/>
-                </a:solidFill>
-              </a:rPr>
-              <a:t> </a:t>
-            </a:r>
-            <a:r>
-              <a:rPr lang="fr-FR" sz="5000" dirty="0" err="1" smtClean="0">
+              <a:rPr lang="fr-FR" sz="4800" dirty="0" smtClean="0">
+                <a:solidFill>
+                  <a:schemeClr val="tx1"/>
+                </a:solidFill>
+              </a:rPr>
+              <a:t> </a:t>
+            </a:r>
+            <a:r>
+              <a:rPr lang="fr-FR" sz="4800" dirty="0" err="1" smtClean="0">
                 <a:solidFill>
                   <a:schemeClr val="tx1"/>
                 </a:solidFill>
@@ -5278,7 +5447,7 @@
               <a:t>based</a:t>
             </a:r>
             <a:r>
-              <a:rPr lang="fr-FR" sz="5000" dirty="0" smtClean="0">
+              <a:rPr lang="fr-FR" sz="4800" dirty="0" smtClean="0">
                 <a:solidFill>
                   <a:schemeClr val="tx1"/>
                 </a:solidFill>
@@ -5286,7 +5455,7 @@
               <a:t> on patient </a:t>
             </a:r>
             <a:r>
-              <a:rPr lang="fr-FR" sz="5000" dirty="0" err="1" smtClean="0">
+              <a:rPr lang="fr-FR" sz="4800" dirty="0" err="1" smtClean="0">
                 <a:solidFill>
                   <a:schemeClr val="tx1"/>
                 </a:solidFill>
@@ -5294,15 +5463,15 @@
               <a:t>reported</a:t>
             </a:r>
             <a:r>
-              <a:rPr lang="fr-FR" sz="5000" dirty="0" smtClean="0">
-                <a:solidFill>
-                  <a:schemeClr val="tx1"/>
-                </a:solidFill>
-              </a:rPr>
-              <a:t> </a:t>
-            </a:r>
-            <a:r>
-              <a:rPr lang="fr-FR" sz="5000" dirty="0" err="1" smtClean="0">
+              <a:rPr lang="fr-FR" sz="4800" dirty="0" smtClean="0">
+                <a:solidFill>
+                  <a:schemeClr val="tx1"/>
+                </a:solidFill>
+              </a:rPr>
+              <a:t> </a:t>
+            </a:r>
+            <a:r>
+              <a:rPr lang="fr-FR" sz="4800" dirty="0" err="1" smtClean="0">
                 <a:solidFill>
                   <a:schemeClr val="tx1"/>
                 </a:solidFill>
@@ -5310,7 +5479,7 @@
               <a:t>outcomes</a:t>
             </a:r>
             <a:r>
-              <a:rPr lang="fr-FR" sz="5000" dirty="0" smtClean="0">
+              <a:rPr lang="fr-FR" sz="4800" dirty="0" smtClean="0">
                 <a:solidFill>
                   <a:schemeClr val="tx1"/>
                 </a:solidFill>
@@ -5318,7 +5487,7 @@
               <a:t> or </a:t>
             </a:r>
             <a:r>
-              <a:rPr lang="fr-FR" sz="5000" dirty="0" err="1" smtClean="0">
+              <a:rPr lang="fr-FR" sz="4800" dirty="0" err="1" smtClean="0">
                 <a:solidFill>
                   <a:schemeClr val="tx1"/>
                 </a:solidFill>
@@ -5326,15 +5495,15 @@
               <a:t>problematic</a:t>
             </a:r>
             <a:r>
-              <a:rPr lang="fr-FR" sz="5000" dirty="0" smtClean="0">
-                <a:solidFill>
-                  <a:schemeClr val="tx1"/>
-                </a:solidFill>
-              </a:rPr>
-              <a:t> </a:t>
-            </a:r>
-            <a:r>
-              <a:rPr lang="fr-FR" sz="5000" dirty="0" err="1" smtClean="0">
+              <a:rPr lang="fr-FR" sz="4800" dirty="0" smtClean="0">
+                <a:solidFill>
+                  <a:schemeClr val="tx1"/>
+                </a:solidFill>
+              </a:rPr>
+              <a:t> </a:t>
+            </a:r>
+            <a:r>
+              <a:rPr lang="fr-FR" sz="4800" dirty="0" err="1" smtClean="0">
                 <a:solidFill>
                   <a:schemeClr val="tx1"/>
                 </a:solidFill>
@@ -5342,15 +5511,15 @@
               <a:t>behaviors</a:t>
             </a:r>
             <a:r>
-              <a:rPr lang="fr-FR" sz="5000" dirty="0" smtClean="0">
-                <a:solidFill>
-                  <a:schemeClr val="tx1"/>
-                </a:solidFill>
-              </a:rPr>
-              <a:t> </a:t>
-            </a:r>
-            <a:r>
-              <a:rPr lang="fr-FR" sz="5000" dirty="0" err="1" smtClean="0">
+              <a:rPr lang="fr-FR" sz="4800" dirty="0" smtClean="0">
+                <a:solidFill>
+                  <a:schemeClr val="tx1"/>
+                </a:solidFill>
+              </a:rPr>
+              <a:t> </a:t>
+            </a:r>
+            <a:r>
+              <a:rPr lang="fr-FR" sz="4800" dirty="0" err="1" smtClean="0">
                 <a:solidFill>
                   <a:schemeClr val="tx1"/>
                 </a:solidFill>
@@ -5358,7 +5527,7 @@
               <a:t>that</a:t>
             </a:r>
             <a:r>
-              <a:rPr lang="fr-FR" sz="5000" dirty="0" smtClean="0">
+              <a:rPr lang="fr-FR" sz="4800" dirty="0" smtClean="0">
                 <a:solidFill>
                   <a:schemeClr val="tx1"/>
                 </a:solidFill>
@@ -5366,7 +5535,7 @@
               <a:t> are </a:t>
             </a:r>
             <a:r>
-              <a:rPr lang="fr-FR" sz="5000" dirty="0" err="1" smtClean="0">
+              <a:rPr lang="fr-FR" sz="4800" dirty="0" err="1" smtClean="0">
                 <a:solidFill>
                   <a:schemeClr val="tx1"/>
                 </a:solidFill>
@@ -5374,15 +5543,15 @@
               <a:t>evaluated</a:t>
             </a:r>
             <a:r>
-              <a:rPr lang="fr-FR" sz="5000" dirty="0" smtClean="0">
-                <a:solidFill>
-                  <a:schemeClr val="tx1"/>
-                </a:solidFill>
-              </a:rPr>
-              <a:t> </a:t>
-            </a:r>
-            <a:r>
-              <a:rPr lang="fr-FR" sz="5000" dirty="0" err="1" smtClean="0">
+              <a:rPr lang="fr-FR" sz="4800" dirty="0" smtClean="0">
+                <a:solidFill>
+                  <a:schemeClr val="tx1"/>
+                </a:solidFill>
+              </a:rPr>
+              <a:t> </a:t>
+            </a:r>
+            <a:r>
+              <a:rPr lang="fr-FR" sz="4800" dirty="0" err="1" smtClean="0">
                 <a:solidFill>
                   <a:schemeClr val="tx1"/>
                 </a:solidFill>
@@ -5390,7 +5559,7 @@
               <a:t>before</a:t>
             </a:r>
             <a:r>
-              <a:rPr lang="fr-FR" sz="5000" dirty="0" smtClean="0">
+              <a:rPr lang="fr-FR" sz="4800" dirty="0" smtClean="0">
                 <a:solidFill>
                   <a:schemeClr val="tx1"/>
                 </a:solidFill>
@@ -5398,7 +5567,7 @@
               <a:t> and </a:t>
             </a:r>
             <a:r>
-              <a:rPr lang="fr-FR" sz="5000" dirty="0" err="1" smtClean="0">
+              <a:rPr lang="fr-FR" sz="4800" dirty="0" err="1" smtClean="0">
                 <a:solidFill>
                   <a:schemeClr val="tx1"/>
                 </a:solidFill>
@@ -5406,7 +5575,7 @@
               <a:t>after</a:t>
             </a:r>
             <a:r>
-              <a:rPr lang="fr-FR" sz="5000" dirty="0" smtClean="0">
+              <a:rPr lang="fr-FR" sz="4800" dirty="0" smtClean="0">
                 <a:solidFill>
                   <a:schemeClr val="tx1"/>
                 </a:solidFill>
@@ -5414,7 +5583,7 @@
               <a:t> the </a:t>
             </a:r>
             <a:r>
-              <a:rPr lang="fr-FR" sz="5000" dirty="0" err="1" smtClean="0">
+              <a:rPr lang="fr-FR" sz="4800" dirty="0" err="1" smtClean="0">
                 <a:solidFill>
                   <a:schemeClr val="tx1"/>
                 </a:solidFill>
@@ -5422,7 +5591,7 @@
               <a:t>psychotherapy</a:t>
             </a:r>
             <a:r>
-              <a:rPr lang="fr-FR" sz="5000" dirty="0" smtClean="0">
+              <a:rPr lang="fr-FR" sz="4800" dirty="0" smtClean="0">
                 <a:solidFill>
                   <a:schemeClr val="tx1"/>
                 </a:solidFill>
@@ -5430,7 +5599,7 @@
               <a:t>. </a:t>
             </a:r>
             <a:r>
-              <a:rPr lang="fr-FR" sz="5000" dirty="0" err="1" smtClean="0">
+              <a:rPr lang="fr-FR" sz="4800" dirty="0" err="1" smtClean="0">
                 <a:solidFill>
                   <a:schemeClr val="tx1"/>
                 </a:solidFill>
@@ -5438,7 +5607,7 @@
               <a:t>Unfortunatelly</a:t>
             </a:r>
             <a:r>
-              <a:rPr lang="fr-FR" sz="5000" dirty="0" smtClean="0">
+              <a:rPr lang="fr-FR" sz="4800" dirty="0" smtClean="0">
                 <a:solidFill>
                   <a:schemeClr val="tx1"/>
                 </a:solidFill>
@@ -5446,7 +5615,7 @@
               <a:t>, </a:t>
             </a:r>
             <a:r>
-              <a:rPr lang="fr-FR" sz="5000" dirty="0" err="1" smtClean="0">
+              <a:rPr lang="fr-FR" sz="4800" dirty="0" err="1" smtClean="0">
                 <a:solidFill>
                   <a:schemeClr val="tx1"/>
                 </a:solidFill>
@@ -5454,15 +5623,15 @@
               <a:t>studies</a:t>
             </a:r>
             <a:r>
-              <a:rPr lang="fr-FR" sz="5000" dirty="0" smtClean="0">
-                <a:solidFill>
-                  <a:schemeClr val="tx1"/>
-                </a:solidFill>
-              </a:rPr>
-              <a:t> </a:t>
-            </a:r>
-            <a:r>
-              <a:rPr lang="fr-FR" sz="5000" dirty="0" err="1" smtClean="0">
+              <a:rPr lang="fr-FR" sz="4800" dirty="0" smtClean="0">
+                <a:solidFill>
+                  <a:schemeClr val="tx1"/>
+                </a:solidFill>
+              </a:rPr>
+              <a:t> </a:t>
+            </a:r>
+            <a:r>
+              <a:rPr lang="fr-FR" sz="4800" dirty="0" err="1" smtClean="0">
                 <a:solidFill>
                   <a:schemeClr val="tx1"/>
                 </a:solidFill>
@@ -5470,7 +5639,7 @@
               <a:t>hardly</a:t>
             </a:r>
             <a:r>
-              <a:rPr lang="fr-FR" sz="5000" dirty="0" smtClean="0">
+              <a:rPr lang="fr-FR" sz="4800" dirty="0" smtClean="0">
                 <a:solidFill>
                   <a:schemeClr val="tx1"/>
                 </a:solidFill>
@@ -5478,7 +5647,7 @@
               <a:t> control </a:t>
             </a:r>
             <a:r>
-              <a:rPr lang="fr-FR" sz="5000" dirty="0" err="1" smtClean="0">
+              <a:rPr lang="fr-FR" sz="4800" dirty="0" err="1" smtClean="0">
                 <a:solidFill>
                   <a:schemeClr val="tx1"/>
                 </a:solidFill>
@@ -5486,15 +5655,15 @@
               <a:t>what</a:t>
             </a:r>
             <a:r>
-              <a:rPr lang="fr-FR" sz="5000" dirty="0" smtClean="0">
-                <a:solidFill>
-                  <a:schemeClr val="tx1"/>
-                </a:solidFill>
-              </a:rPr>
-              <a:t> </a:t>
-            </a:r>
-            <a:r>
-              <a:rPr lang="fr-FR" sz="5000" dirty="0" err="1" smtClean="0">
+              <a:rPr lang="fr-FR" sz="4800" dirty="0" smtClean="0">
+                <a:solidFill>
+                  <a:schemeClr val="tx1"/>
+                </a:solidFill>
+              </a:rPr>
+              <a:t> </a:t>
+            </a:r>
+            <a:r>
+              <a:rPr lang="fr-FR" sz="4800" dirty="0" err="1" smtClean="0">
                 <a:solidFill>
                   <a:schemeClr val="tx1"/>
                 </a:solidFill>
@@ -5502,15 +5671,15 @@
               <a:t>is</a:t>
             </a:r>
             <a:r>
-              <a:rPr lang="fr-FR" sz="5000" dirty="0" smtClean="0">
-                <a:solidFill>
-                  <a:schemeClr val="tx1"/>
-                </a:solidFill>
-              </a:rPr>
-              <a:t> </a:t>
-            </a:r>
-            <a:r>
-              <a:rPr lang="fr-FR" sz="5000" dirty="0" err="1" smtClean="0">
+              <a:rPr lang="fr-FR" sz="4800" dirty="0" smtClean="0">
+                <a:solidFill>
+                  <a:schemeClr val="tx1"/>
+                </a:solidFill>
+              </a:rPr>
+              <a:t> </a:t>
+            </a:r>
+            <a:r>
+              <a:rPr lang="fr-FR" sz="4800" dirty="0" err="1" smtClean="0">
                 <a:solidFill>
                   <a:schemeClr val="tx1"/>
                 </a:solidFill>
@@ -5518,7 +5687,7 @@
               <a:t>directly</a:t>
             </a:r>
             <a:r>
-              <a:rPr lang="fr-FR" sz="5000" dirty="0" smtClean="0">
+              <a:rPr lang="fr-FR" sz="4800" dirty="0" smtClean="0">
                 <a:solidFill>
                   <a:schemeClr val="tx1"/>
                 </a:solidFill>
@@ -5526,7 +5695,7 @@
               <a:t> happening </a:t>
             </a:r>
             <a:r>
-              <a:rPr lang="fr-FR" sz="5000" dirty="0" err="1" smtClean="0">
+              <a:rPr lang="fr-FR" sz="4800" dirty="0" err="1" smtClean="0">
                 <a:solidFill>
                   <a:schemeClr val="tx1"/>
                 </a:solidFill>
@@ -5534,15 +5703,15 @@
               <a:t>during</a:t>
             </a:r>
             <a:r>
-              <a:rPr lang="fr-FR" sz="5000" dirty="0" smtClean="0">
-                <a:solidFill>
-                  <a:schemeClr val="tx1"/>
-                </a:solidFill>
-              </a:rPr>
-              <a:t> </a:t>
-            </a:r>
-            <a:r>
-              <a:rPr lang="fr-FR" sz="5000" dirty="0" err="1" smtClean="0">
+              <a:rPr lang="fr-FR" sz="4800" dirty="0" smtClean="0">
+                <a:solidFill>
+                  <a:schemeClr val="tx1"/>
+                </a:solidFill>
+              </a:rPr>
+              <a:t> </a:t>
+            </a:r>
+            <a:r>
+              <a:rPr lang="fr-FR" sz="4800" dirty="0" err="1" smtClean="0">
                 <a:solidFill>
                   <a:schemeClr val="tx1"/>
                 </a:solidFill>
@@ -5550,15 +5719,15 @@
               <a:t>psychotherapy</a:t>
             </a:r>
             <a:r>
-              <a:rPr lang="fr-FR" sz="5000" dirty="0" smtClean="0">
-                <a:solidFill>
-                  <a:schemeClr val="tx1"/>
-                </a:solidFill>
-              </a:rPr>
-              <a:t> </a:t>
-            </a:r>
-            <a:r>
-              <a:rPr lang="fr-FR" sz="5000" dirty="0" err="1" smtClean="0">
+              <a:rPr lang="fr-FR" sz="4800" dirty="0" smtClean="0">
+                <a:solidFill>
+                  <a:schemeClr val="tx1"/>
+                </a:solidFill>
+              </a:rPr>
+              <a:t> </a:t>
+            </a:r>
+            <a:r>
+              <a:rPr lang="fr-FR" sz="4800" dirty="0" err="1" smtClean="0">
                 <a:solidFill>
                   <a:schemeClr val="tx1"/>
                 </a:solidFill>
@@ -5566,7 +5735,7 @@
               <a:t>especially</a:t>
             </a:r>
             <a:r>
-              <a:rPr lang="fr-FR" sz="5000" dirty="0" smtClean="0">
+              <a:rPr lang="fr-FR" sz="4800" dirty="0" smtClean="0">
                 <a:solidFill>
                   <a:schemeClr val="tx1"/>
                 </a:solidFill>
@@ -5574,7 +5743,7 @@
               <a:t> the interaction </a:t>
             </a:r>
             <a:r>
-              <a:rPr lang="fr-FR" sz="5000" dirty="0" err="1" smtClean="0">
+              <a:rPr lang="fr-FR" sz="4800" dirty="0" err="1" smtClean="0">
                 <a:solidFill>
                   <a:schemeClr val="tx1"/>
                 </a:solidFill>
@@ -5582,7 +5751,7 @@
               <a:t>between</a:t>
             </a:r>
             <a:r>
-              <a:rPr lang="fr-FR" sz="5000" dirty="0" smtClean="0">
+              <a:rPr lang="fr-FR" sz="4800" dirty="0" smtClean="0">
                 <a:solidFill>
                   <a:schemeClr val="tx1"/>
                 </a:solidFill>
@@ -5590,7 +5759,7 @@
               <a:t> the patient and the </a:t>
             </a:r>
             <a:r>
-              <a:rPr lang="fr-FR" sz="5000" dirty="0" err="1" smtClean="0">
+              <a:rPr lang="fr-FR" sz="4800" dirty="0" err="1" smtClean="0">
                 <a:solidFill>
                   <a:schemeClr val="tx1"/>
                 </a:solidFill>
@@ -5598,15 +5767,15 @@
               <a:t>therapist</a:t>
             </a:r>
             <a:r>
-              <a:rPr lang="fr-FR" sz="5000" dirty="0" smtClean="0">
-                <a:solidFill>
-                  <a:schemeClr val="tx1"/>
-                </a:solidFill>
-              </a:rPr>
-              <a:t> </a:t>
-            </a:r>
-            <a:r>
-              <a:rPr lang="fr-FR" sz="5000" dirty="0" err="1" smtClean="0">
+              <a:rPr lang="fr-FR" sz="4800" dirty="0" smtClean="0">
+                <a:solidFill>
+                  <a:schemeClr val="tx1"/>
+                </a:solidFill>
+              </a:rPr>
+              <a:t> </a:t>
+            </a:r>
+            <a:r>
+              <a:rPr lang="fr-FR" sz="4800" dirty="0" err="1" smtClean="0">
                 <a:solidFill>
                   <a:schemeClr val="tx1"/>
                 </a:solidFill>
@@ -5614,15 +5783,15 @@
               <a:t>that</a:t>
             </a:r>
             <a:r>
-              <a:rPr lang="fr-FR" sz="5000" dirty="0" smtClean="0">
-                <a:solidFill>
-                  <a:schemeClr val="tx1"/>
-                </a:solidFill>
-              </a:rPr>
-              <a:t> </a:t>
-            </a:r>
-            <a:r>
-              <a:rPr lang="fr-FR" sz="5000" dirty="0" err="1" smtClean="0">
+              <a:rPr lang="fr-FR" sz="4800" dirty="0" smtClean="0">
+                <a:solidFill>
+                  <a:schemeClr val="tx1"/>
+                </a:solidFill>
+              </a:rPr>
+              <a:t> </a:t>
+            </a:r>
+            <a:r>
+              <a:rPr lang="fr-FR" sz="4800" dirty="0" err="1" smtClean="0">
                 <a:solidFill>
                   <a:schemeClr val="tx1"/>
                 </a:solidFill>
@@ -5630,15 +5799,15 @@
               <a:t>could</a:t>
             </a:r>
             <a:r>
-              <a:rPr lang="fr-FR" sz="5000" dirty="0" smtClean="0">
-                <a:solidFill>
-                  <a:schemeClr val="tx1"/>
-                </a:solidFill>
-              </a:rPr>
-              <a:t> </a:t>
-            </a:r>
-            <a:r>
-              <a:rPr lang="fr-FR" sz="5000" dirty="0" err="1" smtClean="0">
+              <a:rPr lang="fr-FR" sz="4800" dirty="0" smtClean="0">
+                <a:solidFill>
+                  <a:schemeClr val="tx1"/>
+                </a:solidFill>
+              </a:rPr>
+              <a:t> </a:t>
+            </a:r>
+            <a:r>
+              <a:rPr lang="fr-FR" sz="4800" dirty="0" err="1" smtClean="0">
                 <a:solidFill>
                   <a:schemeClr val="tx1"/>
                 </a:solidFill>
@@ -5646,7 +5815,7 @@
               <a:t>be</a:t>
             </a:r>
             <a:r>
-              <a:rPr lang="fr-FR" sz="5000" dirty="0" smtClean="0">
+              <a:rPr lang="fr-FR" sz="4800" dirty="0" smtClean="0">
                 <a:solidFill>
                   <a:schemeClr val="tx1"/>
                 </a:solidFill>
@@ -5654,7 +5823,7 @@
               <a:t> a </a:t>
             </a:r>
             <a:r>
-              <a:rPr lang="fr-FR" sz="5000" dirty="0" err="1" smtClean="0">
+              <a:rPr lang="fr-FR" sz="4800" dirty="0" err="1" smtClean="0">
                 <a:solidFill>
                   <a:schemeClr val="tx1"/>
                 </a:solidFill>
@@ -5662,7 +5831,7 @@
               <a:t>predictor</a:t>
             </a:r>
             <a:r>
-              <a:rPr lang="fr-FR" sz="5000" dirty="0" smtClean="0">
+              <a:rPr lang="fr-FR" sz="4800" dirty="0" smtClean="0">
                 <a:solidFill>
                   <a:schemeClr val="tx1"/>
                 </a:solidFill>
@@ -5670,7 +5839,7 @@
               <a:t> of the </a:t>
             </a:r>
             <a:r>
-              <a:rPr lang="fr-FR" sz="5000" dirty="0" err="1" smtClean="0">
+              <a:rPr lang="fr-FR" sz="4800" dirty="0" err="1" smtClean="0">
                 <a:solidFill>
                   <a:schemeClr val="tx1"/>
                 </a:solidFill>
@@ -5678,23 +5847,23 @@
               <a:t>psychotherapy</a:t>
             </a:r>
             <a:r>
-              <a:rPr lang="fr-FR" sz="5000" dirty="0" smtClean="0">
-                <a:solidFill>
-                  <a:schemeClr val="tx1"/>
-                </a:solidFill>
-              </a:rPr>
-              <a:t> </a:t>
-            </a:r>
-            <a:r>
-              <a:rPr lang="fr-FR" sz="5000" dirty="0" err="1" smtClean="0">
-                <a:solidFill>
-                  <a:schemeClr val="tx1"/>
-                </a:solidFill>
-              </a:rPr>
-              <a:t>outcome</a:t>
-            </a:r>
-            <a:r>
-              <a:rPr lang="fr-FR" sz="5000" dirty="0" smtClean="0">
+              <a:rPr lang="fr-FR" sz="4800" dirty="0" smtClean="0">
+                <a:solidFill>
+                  <a:schemeClr val="tx1"/>
+                </a:solidFill>
+              </a:rPr>
+              <a:t> </a:t>
+            </a:r>
+            <a:r>
+              <a:rPr lang="fr-FR" sz="4800" dirty="0" err="1" smtClean="0">
+                <a:solidFill>
+                  <a:schemeClr val="tx1"/>
+                </a:solidFill>
+              </a:rPr>
+              <a:t>efficacy</a:t>
+            </a:r>
+            <a:r>
+              <a:rPr lang="fr-FR" sz="4800" dirty="0" smtClean="0">
                 <a:solidFill>
                   <a:schemeClr val="tx1"/>
                 </a:solidFill>
@@ -5702,7 +5871,7 @@
               <a:t>. </a:t>
             </a:r>
             <a:r>
-              <a:rPr lang="fr-FR" sz="5000" dirty="0" err="1" smtClean="0">
+              <a:rPr lang="fr-FR" sz="4800" dirty="0" err="1" smtClean="0">
                 <a:solidFill>
                   <a:schemeClr val="tx1"/>
                 </a:solidFill>
@@ -5710,7 +5879,7 @@
               <a:t>Consequently</a:t>
             </a:r>
             <a:r>
-              <a:rPr lang="fr-FR" sz="5000" dirty="0" smtClean="0">
+              <a:rPr lang="fr-FR" sz="4800" dirty="0" smtClean="0">
                 <a:solidFill>
                   <a:schemeClr val="tx1"/>
                 </a:solidFill>
@@ -5718,7 +5887,7 @@
               <a:t>,  </a:t>
             </a:r>
             <a:r>
-              <a:rPr lang="fr-FR" sz="5000" dirty="0" err="1" smtClean="0">
+              <a:rPr lang="fr-FR" sz="4800" dirty="0" err="1" smtClean="0">
                 <a:solidFill>
                   <a:schemeClr val="tx1"/>
                 </a:solidFill>
@@ -5726,15 +5895,15 @@
               <a:t>it</a:t>
             </a:r>
             <a:r>
-              <a:rPr lang="fr-FR" sz="5000" dirty="0" smtClean="0">
-                <a:solidFill>
-                  <a:schemeClr val="tx1"/>
-                </a:solidFill>
-              </a:rPr>
-              <a:t> </a:t>
-            </a:r>
-            <a:r>
-              <a:rPr lang="fr-FR" sz="5000" dirty="0" err="1" smtClean="0">
+              <a:rPr lang="fr-FR" sz="4800" dirty="0" smtClean="0">
+                <a:solidFill>
+                  <a:schemeClr val="tx1"/>
+                </a:solidFill>
+              </a:rPr>
+              <a:t> </a:t>
+            </a:r>
+            <a:r>
+              <a:rPr lang="fr-FR" sz="4800" dirty="0" err="1" smtClean="0">
                 <a:solidFill>
                   <a:schemeClr val="tx1"/>
                 </a:solidFill>
@@ -5742,15 +5911,15 @@
               <a:t>is</a:t>
             </a:r>
             <a:r>
-              <a:rPr lang="fr-FR" sz="5000" dirty="0" smtClean="0">
-                <a:solidFill>
-                  <a:schemeClr val="tx1"/>
-                </a:solidFill>
-              </a:rPr>
-              <a:t> </a:t>
-            </a:r>
-            <a:r>
-              <a:rPr lang="fr-FR" sz="5000" dirty="0" err="1" smtClean="0">
+              <a:rPr lang="fr-FR" sz="4800" dirty="0" smtClean="0">
+                <a:solidFill>
+                  <a:schemeClr val="tx1"/>
+                </a:solidFill>
+              </a:rPr>
+              <a:t> </a:t>
+            </a:r>
+            <a:r>
+              <a:rPr lang="fr-FR" sz="4800" dirty="0" err="1" smtClean="0">
                 <a:solidFill>
                   <a:schemeClr val="tx1"/>
                 </a:solidFill>
@@ -5758,39 +5927,103 @@
               <a:t>difficult</a:t>
             </a:r>
             <a:r>
-              <a:rPr lang="fr-FR" sz="5000" dirty="0" smtClean="0">
-                <a:solidFill>
-                  <a:schemeClr val="tx1"/>
-                </a:solidFill>
-              </a:rPr>
-              <a:t> to control application of </a:t>
-            </a:r>
-            <a:r>
-              <a:rPr lang="fr-FR" sz="5000" dirty="0" err="1" smtClean="0">
-                <a:solidFill>
-                  <a:schemeClr val="tx1"/>
-                </a:solidFill>
-              </a:rPr>
-              <a:t>some</a:t>
-            </a:r>
-            <a:r>
-              <a:rPr lang="fr-FR" sz="5000" dirty="0">
-                <a:solidFill>
-                  <a:schemeClr val="tx1"/>
-                </a:solidFill>
-              </a:rPr>
-              <a:t> </a:t>
-            </a:r>
-            <a:r>
-              <a:rPr lang="fr-FR" sz="5000" dirty="0" smtClean="0">
-                <a:solidFill>
-                  <a:schemeClr val="tx1"/>
-                </a:solidFill>
-              </a:rPr>
-              <a:t>techniques and to </a:t>
-            </a:r>
-            <a:r>
-              <a:rPr lang="fr-FR" sz="5000" dirty="0" err="1">
+              <a:rPr lang="fr-FR" sz="4800" dirty="0" smtClean="0">
+                <a:solidFill>
+                  <a:schemeClr val="tx1"/>
+                </a:solidFill>
+              </a:rPr>
+              <a:t> to </a:t>
+            </a:r>
+            <a:r>
+              <a:rPr lang="fr-FR" sz="4800" dirty="0" err="1" smtClean="0">
+                <a:solidFill>
+                  <a:schemeClr val="tx1"/>
+                </a:solidFill>
+              </a:rPr>
+              <a:t>make</a:t>
+            </a:r>
+            <a:r>
+              <a:rPr lang="fr-FR" sz="4800" dirty="0" smtClean="0">
+                <a:solidFill>
+                  <a:schemeClr val="tx1"/>
+                </a:solidFill>
+              </a:rPr>
+              <a:t> </a:t>
+            </a:r>
+            <a:r>
+              <a:rPr lang="fr-FR" sz="4800" dirty="0" err="1" smtClean="0">
+                <a:solidFill>
+                  <a:schemeClr val="tx1"/>
+                </a:solidFill>
+              </a:rPr>
+              <a:t>precise</a:t>
+            </a:r>
+            <a:r>
+              <a:rPr lang="fr-FR" sz="4800" dirty="0" smtClean="0">
+                <a:solidFill>
+                  <a:schemeClr val="tx1"/>
+                </a:solidFill>
+              </a:rPr>
+              <a:t> links </a:t>
+            </a:r>
+            <a:r>
+              <a:rPr lang="fr-FR" sz="4800" dirty="0" err="1" smtClean="0">
+                <a:solidFill>
+                  <a:schemeClr val="tx1"/>
+                </a:solidFill>
+              </a:rPr>
+              <a:t>between</a:t>
+            </a:r>
+            <a:r>
+              <a:rPr lang="fr-FR" sz="4800" dirty="0" smtClean="0">
+                <a:solidFill>
+                  <a:schemeClr val="tx1"/>
+                </a:solidFill>
+              </a:rPr>
+              <a:t> </a:t>
+            </a:r>
+            <a:r>
+              <a:rPr lang="fr-FR" sz="4800" dirty="0" err="1" smtClean="0">
+                <a:solidFill>
+                  <a:schemeClr val="tx1"/>
+                </a:solidFill>
+              </a:rPr>
+              <a:t>theory</a:t>
+            </a:r>
+            <a:r>
+              <a:rPr lang="fr-FR" sz="4800" dirty="0" smtClean="0">
+                <a:solidFill>
+                  <a:schemeClr val="tx1"/>
+                </a:solidFill>
+              </a:rPr>
+              <a:t> and practice, control </a:t>
+            </a:r>
+            <a:r>
+              <a:rPr lang="fr-FR" sz="4800" dirty="0" err="1" smtClean="0">
+                <a:solidFill>
+                  <a:schemeClr val="tx1"/>
+                </a:solidFill>
+              </a:rPr>
+              <a:t>its</a:t>
+            </a:r>
+            <a:r>
+              <a:rPr lang="fr-FR" sz="4800" dirty="0" smtClean="0">
+                <a:solidFill>
+                  <a:schemeClr val="tx1"/>
+                </a:solidFill>
+              </a:rPr>
+              <a:t> application and </a:t>
+            </a:r>
+            <a:r>
+              <a:rPr lang="fr-FR" sz="4800" dirty="0" smtClean="0">
+                <a:solidFill>
+                  <a:schemeClr val="tx1"/>
+                </a:solidFill>
+              </a:rPr>
+              <a:t>to </a:t>
+            </a:r>
+            <a:r>
+              <a:rPr lang="fr-FR" sz="4800" dirty="0" err="1">
                 <a:solidFill>
                   <a:schemeClr val="tx1"/>
                 </a:solidFill>
@@ -5798,15 +6031,15 @@
               <a:t>understand</a:t>
             </a:r>
             <a:r>
-              <a:rPr lang="fr-FR" sz="5000" dirty="0">
-                <a:solidFill>
-                  <a:schemeClr val="tx1"/>
-                </a:solidFill>
-              </a:rPr>
-              <a:t> </a:t>
-            </a:r>
-            <a:r>
-              <a:rPr lang="fr-FR" sz="5000" dirty="0" err="1">
+              <a:rPr lang="fr-FR" sz="4800" dirty="0">
+                <a:solidFill>
+                  <a:schemeClr val="tx1"/>
+                </a:solidFill>
+              </a:rPr>
+              <a:t> </a:t>
+            </a:r>
+            <a:r>
+              <a:rPr lang="fr-FR" sz="4800" dirty="0" err="1">
                 <a:solidFill>
                   <a:schemeClr val="tx1"/>
                 </a:solidFill>
@@ -5814,7 +6047,7 @@
               <a:t>which</a:t>
             </a:r>
             <a:r>
-              <a:rPr lang="fr-FR" sz="5000" dirty="0">
+              <a:rPr lang="fr-FR" sz="4800" dirty="0">
                 <a:solidFill>
                   <a:schemeClr val="tx1"/>
                 </a:solidFill>
@@ -5822,7 +6055,7 @@
               <a:t> of </a:t>
             </a:r>
             <a:r>
-              <a:rPr lang="fr-FR" sz="5000" dirty="0" err="1">
+              <a:rPr lang="fr-FR" sz="4800" dirty="0" err="1">
                 <a:solidFill>
                   <a:schemeClr val="tx1"/>
                 </a:solidFill>
@@ -5830,15 +6063,15 @@
               <a:t>their</a:t>
             </a:r>
             <a:r>
-              <a:rPr lang="fr-FR" sz="5000" dirty="0">
-                <a:solidFill>
-                  <a:schemeClr val="tx1"/>
-                </a:solidFill>
-              </a:rPr>
-              <a:t> </a:t>
-            </a:r>
-            <a:r>
-              <a:rPr lang="fr-FR" sz="5000" dirty="0" err="1">
+              <a:rPr lang="fr-FR" sz="4800" dirty="0">
+                <a:solidFill>
+                  <a:schemeClr val="tx1"/>
+                </a:solidFill>
+              </a:rPr>
+              <a:t> </a:t>
+            </a:r>
+            <a:r>
+              <a:rPr lang="fr-FR" sz="4800" dirty="0" err="1">
                 <a:solidFill>
                   <a:schemeClr val="tx1"/>
                 </a:solidFill>
@@ -5846,7 +6079,7 @@
               <a:t>ingredients</a:t>
             </a:r>
             <a:r>
-              <a:rPr lang="fr-FR" sz="5000" dirty="0">
+              <a:rPr lang="fr-FR" sz="4800" dirty="0">
                 <a:solidFill>
                   <a:schemeClr val="tx1"/>
                 </a:solidFill>
@@ -5854,7 +6087,7 @@
               <a:t> are the </a:t>
             </a:r>
             <a:r>
-              <a:rPr lang="fr-FR" sz="5000" dirty="0" err="1">
+              <a:rPr lang="fr-FR" sz="4800" dirty="0" err="1">
                 <a:solidFill>
                   <a:schemeClr val="tx1"/>
                 </a:solidFill>
@@ -5862,22 +6095,22 @@
               <a:t>most</a:t>
             </a:r>
             <a:r>
-              <a:rPr lang="fr-FR" sz="5000" dirty="0">
-                <a:solidFill>
-                  <a:schemeClr val="tx1"/>
-                </a:solidFill>
-              </a:rPr>
-              <a:t> </a:t>
-            </a:r>
-            <a:r>
-              <a:rPr lang="fr-FR" sz="5000" dirty="0" smtClean="0">
+              <a:rPr lang="fr-FR" sz="4800" dirty="0">
+                <a:solidFill>
+                  <a:schemeClr val="tx1"/>
+                </a:solidFill>
+              </a:rPr>
+              <a:t> </a:t>
+            </a:r>
+            <a:r>
+              <a:rPr lang="fr-FR" sz="4800" dirty="0" smtClean="0">
                 <a:solidFill>
                   <a:schemeClr val="tx1"/>
                 </a:solidFill>
               </a:rPr>
               <a:t>importants. </a:t>
             </a:r>
-            <a:endParaRPr lang="fr-FR" sz="5000" dirty="0">
+            <a:endParaRPr lang="fr-FR" sz="4800" dirty="0">
               <a:solidFill>
                 <a:schemeClr val="tx1"/>
               </a:solidFill>
@@ -5886,7 +6119,7 @@
           <a:p>
             <a:pPr algn="just"/>
             <a:r>
-              <a:rPr lang="fr-FR" sz="5000" dirty="0" smtClean="0">
+              <a:rPr lang="fr-FR" sz="4800" dirty="0" smtClean="0">
                 <a:solidFill>
                   <a:schemeClr val="tx1"/>
                 </a:solidFill>
@@ -5894,7 +6127,7 @@
               <a:t>It </a:t>
             </a:r>
             <a:r>
-              <a:rPr lang="fr-FR" sz="5000" dirty="0" err="1" smtClean="0">
+              <a:rPr lang="fr-FR" sz="4800" dirty="0" err="1" smtClean="0">
                 <a:solidFill>
                   <a:schemeClr val="tx1"/>
                 </a:solidFill>
@@ -5902,15 +6135,15 @@
               <a:t>is</a:t>
             </a:r>
             <a:r>
-              <a:rPr lang="fr-FR" sz="5000" dirty="0" smtClean="0">
-                <a:solidFill>
-                  <a:schemeClr val="tx1"/>
-                </a:solidFill>
-              </a:rPr>
-              <a:t> </a:t>
-            </a:r>
-            <a:r>
-              <a:rPr lang="fr-FR" sz="5000" dirty="0" err="1" smtClean="0">
+              <a:rPr lang="fr-FR" sz="4800" dirty="0" smtClean="0">
+                <a:solidFill>
+                  <a:schemeClr val="tx1"/>
+                </a:solidFill>
+              </a:rPr>
+              <a:t> </a:t>
+            </a:r>
+            <a:r>
+              <a:rPr lang="fr-FR" sz="4800" dirty="0" err="1" smtClean="0">
                 <a:solidFill>
                   <a:schemeClr val="tx1"/>
                 </a:solidFill>
@@ -5918,7 +6151,7 @@
               <a:t>yet</a:t>
             </a:r>
             <a:r>
-              <a:rPr lang="fr-FR" sz="5000" dirty="0" smtClean="0">
+              <a:rPr lang="fr-FR" sz="4800" dirty="0" smtClean="0">
                 <a:solidFill>
                   <a:schemeClr val="tx1"/>
                 </a:solidFill>
@@ -5926,7 +6159,7 @@
               <a:t> possible to </a:t>
             </a:r>
             <a:r>
-              <a:rPr lang="fr-FR" sz="5000" dirty="0" err="1" smtClean="0">
+              <a:rPr lang="fr-FR" sz="4800" dirty="0" err="1" smtClean="0">
                 <a:solidFill>
                   <a:schemeClr val="tx1"/>
                 </a:solidFill>
@@ -5934,15 +6167,15 @@
               <a:t>annotate</a:t>
             </a:r>
             <a:r>
-              <a:rPr lang="fr-FR" sz="5000" dirty="0" smtClean="0">
-                <a:solidFill>
-                  <a:schemeClr val="tx1"/>
-                </a:solidFill>
-              </a:rPr>
-              <a:t> </a:t>
-            </a:r>
-            <a:r>
-              <a:rPr lang="fr-FR" sz="5000" dirty="0" err="1" smtClean="0">
+              <a:rPr lang="fr-FR" sz="4800" dirty="0" smtClean="0">
+                <a:solidFill>
+                  <a:schemeClr val="tx1"/>
+                </a:solidFill>
+              </a:rPr>
+              <a:t> </a:t>
+            </a:r>
+            <a:r>
+              <a:rPr lang="fr-FR" sz="4800" dirty="0" err="1" smtClean="0">
                 <a:solidFill>
                   <a:schemeClr val="tx1"/>
                 </a:solidFill>
@@ -5950,15 +6183,15 @@
               <a:t>manually</a:t>
             </a:r>
             <a:r>
-              <a:rPr lang="fr-FR" sz="5000" dirty="0" smtClean="0">
-                <a:solidFill>
-                  <a:schemeClr val="tx1"/>
-                </a:solidFill>
-              </a:rPr>
-              <a:t> </a:t>
-            </a:r>
-            <a:r>
-              <a:rPr lang="fr-FR" sz="5000" dirty="0" err="1" smtClean="0">
+              <a:rPr lang="fr-FR" sz="4800" dirty="0" smtClean="0">
+                <a:solidFill>
+                  <a:schemeClr val="tx1"/>
+                </a:solidFill>
+              </a:rPr>
+              <a:t> </a:t>
+            </a:r>
+            <a:r>
+              <a:rPr lang="fr-FR" sz="4800" dirty="0" err="1" smtClean="0">
                 <a:solidFill>
                   <a:schemeClr val="tx1"/>
                 </a:solidFill>
@@ -5966,7 +6199,7 @@
               <a:t>videos</a:t>
             </a:r>
             <a:r>
-              <a:rPr lang="fr-FR" sz="5000" dirty="0" smtClean="0">
+              <a:rPr lang="fr-FR" sz="4800" dirty="0" smtClean="0">
                 <a:solidFill>
                   <a:schemeClr val="tx1"/>
                 </a:solidFill>
@@ -5974,7 +6207,7 @@
               <a:t>. </a:t>
             </a:r>
             <a:r>
-              <a:rPr lang="fr-FR" sz="5000" dirty="0" err="1" smtClean="0">
+              <a:rPr lang="fr-FR" sz="4800" dirty="0" err="1" smtClean="0">
                 <a:solidFill>
                   <a:schemeClr val="tx1"/>
                 </a:solidFill>
@@ -5982,7 +6215,7 @@
               <a:t>However</a:t>
             </a:r>
             <a:r>
-              <a:rPr lang="fr-FR" sz="5000" dirty="0" smtClean="0">
+              <a:rPr lang="fr-FR" sz="4800" dirty="0" smtClean="0">
                 <a:solidFill>
                   <a:schemeClr val="tx1"/>
                 </a:solidFill>
@@ -5990,7 +6223,7 @@
               <a:t>, </a:t>
             </a:r>
             <a:r>
-              <a:rPr lang="fr-FR" sz="5000" dirty="0" err="1" smtClean="0">
+              <a:rPr lang="fr-FR" sz="4800" dirty="0" err="1" smtClean="0">
                 <a:solidFill>
                   <a:schemeClr val="tx1"/>
                 </a:solidFill>
@@ -5998,15 +6231,15 @@
               <a:t>this</a:t>
             </a:r>
             <a:r>
-              <a:rPr lang="fr-FR" sz="5000" dirty="0" smtClean="0">
-                <a:solidFill>
-                  <a:schemeClr val="tx1"/>
-                </a:solidFill>
-              </a:rPr>
-              <a:t> </a:t>
-            </a:r>
-            <a:r>
-              <a:rPr lang="fr-FR" sz="5000" dirty="0" err="1" smtClean="0">
+              <a:rPr lang="fr-FR" sz="4800" dirty="0" smtClean="0">
+                <a:solidFill>
+                  <a:schemeClr val="tx1"/>
+                </a:solidFill>
+              </a:rPr>
+              <a:t> </a:t>
+            </a:r>
+            <a:r>
+              <a:rPr lang="fr-FR" sz="4800" dirty="0" err="1" smtClean="0">
                 <a:solidFill>
                   <a:schemeClr val="tx1"/>
                 </a:solidFill>
@@ -6014,15 +6247,15 @@
               <a:t>task</a:t>
             </a:r>
             <a:r>
-              <a:rPr lang="fr-FR" sz="5000" dirty="0" smtClean="0">
-                <a:solidFill>
-                  <a:schemeClr val="tx1"/>
-                </a:solidFill>
-              </a:rPr>
-              <a:t> </a:t>
-            </a:r>
-            <a:r>
-              <a:rPr lang="fr-FR" sz="5000" dirty="0" err="1" smtClean="0">
+              <a:rPr lang="fr-FR" sz="4800" dirty="0" smtClean="0">
+                <a:solidFill>
+                  <a:schemeClr val="tx1"/>
+                </a:solidFill>
+              </a:rPr>
+              <a:t> </a:t>
+            </a:r>
+            <a:r>
+              <a:rPr lang="fr-FR" sz="4800" dirty="0" err="1" smtClean="0">
                 <a:solidFill>
                   <a:schemeClr val="tx1"/>
                 </a:solidFill>
@@ -6030,15 +6263,15 @@
               <a:t>is</a:t>
             </a:r>
             <a:r>
-              <a:rPr lang="fr-FR" sz="5000" dirty="0" smtClean="0">
-                <a:solidFill>
-                  <a:schemeClr val="tx1"/>
-                </a:solidFill>
-              </a:rPr>
-              <a:t> </a:t>
-            </a:r>
-            <a:r>
-              <a:rPr lang="fr-FR" sz="5000" dirty="0" err="1" smtClean="0">
+              <a:rPr lang="fr-FR" sz="4800" dirty="0" smtClean="0">
+                <a:solidFill>
+                  <a:schemeClr val="tx1"/>
+                </a:solidFill>
+              </a:rPr>
+              <a:t> </a:t>
+            </a:r>
+            <a:r>
+              <a:rPr lang="fr-FR" sz="4800" dirty="0" err="1" smtClean="0">
                 <a:solidFill>
                   <a:schemeClr val="tx1"/>
                 </a:solidFill>
@@ -6046,15 +6279,15 @@
               <a:t>challenging</a:t>
             </a:r>
             <a:r>
-              <a:rPr lang="fr-FR" sz="5000" dirty="0" smtClean="0">
-                <a:solidFill>
-                  <a:schemeClr val="tx1"/>
-                </a:solidFill>
-              </a:rPr>
-              <a:t> </a:t>
-            </a:r>
-            <a:r>
-              <a:rPr lang="fr-FR" sz="5000" dirty="0" err="1" smtClean="0">
+              <a:rPr lang="fr-FR" sz="4800" dirty="0" smtClean="0">
+                <a:solidFill>
+                  <a:schemeClr val="tx1"/>
+                </a:solidFill>
+              </a:rPr>
+              <a:t> </a:t>
+            </a:r>
+            <a:r>
+              <a:rPr lang="fr-FR" sz="4800" dirty="0" err="1" smtClean="0">
                 <a:solidFill>
                   <a:schemeClr val="tx1"/>
                 </a:solidFill>
@@ -6062,15 +6295,15 @@
               <a:t>since</a:t>
             </a:r>
             <a:r>
-              <a:rPr lang="fr-FR" sz="5000" dirty="0" smtClean="0">
-                <a:solidFill>
-                  <a:schemeClr val="tx1"/>
-                </a:solidFill>
-              </a:rPr>
-              <a:t> </a:t>
-            </a:r>
-            <a:r>
-              <a:rPr lang="fr-FR" sz="5000" dirty="0" err="1" smtClean="0">
+              <a:rPr lang="fr-FR" sz="4800" dirty="0" smtClean="0">
+                <a:solidFill>
+                  <a:schemeClr val="tx1"/>
+                </a:solidFill>
+              </a:rPr>
+              <a:t> </a:t>
+            </a:r>
+            <a:r>
+              <a:rPr lang="fr-FR" sz="4800" dirty="0" err="1" smtClean="0">
                 <a:solidFill>
                   <a:schemeClr val="tx1"/>
                 </a:solidFill>
@@ -6078,15 +6311,15 @@
               <a:t>it</a:t>
             </a:r>
             <a:r>
-              <a:rPr lang="fr-FR" sz="5000" dirty="0" smtClean="0">
-                <a:solidFill>
-                  <a:schemeClr val="tx1"/>
-                </a:solidFill>
-              </a:rPr>
-              <a:t> </a:t>
-            </a:r>
-            <a:r>
-              <a:rPr lang="fr-FR" sz="5000" dirty="0" err="1" smtClean="0">
+              <a:rPr lang="fr-FR" sz="4800" dirty="0" smtClean="0">
+                <a:solidFill>
+                  <a:schemeClr val="tx1"/>
+                </a:solidFill>
+              </a:rPr>
+              <a:t> </a:t>
+            </a:r>
+            <a:r>
+              <a:rPr lang="fr-FR" sz="4800" dirty="0" err="1" smtClean="0">
                 <a:solidFill>
                   <a:schemeClr val="tx1"/>
                 </a:solidFill>
@@ -6094,15 +6327,15 @@
               <a:t>can</a:t>
             </a:r>
             <a:r>
-              <a:rPr lang="fr-FR" sz="5000" dirty="0" smtClean="0">
-                <a:solidFill>
-                  <a:schemeClr val="tx1"/>
-                </a:solidFill>
-              </a:rPr>
-              <a:t> </a:t>
-            </a:r>
-            <a:r>
-              <a:rPr lang="fr-FR" sz="5000" dirty="0" err="1" smtClean="0">
+              <a:rPr lang="fr-FR" sz="4800" dirty="0" smtClean="0">
+                <a:solidFill>
+                  <a:schemeClr val="tx1"/>
+                </a:solidFill>
+              </a:rPr>
+              <a:t> </a:t>
+            </a:r>
+            <a:r>
+              <a:rPr lang="fr-FR" sz="4800" dirty="0" err="1" smtClean="0">
                 <a:solidFill>
                   <a:schemeClr val="tx1"/>
                 </a:solidFill>
@@ -6110,15 +6343,15 @@
               <a:t>be</a:t>
             </a:r>
             <a:r>
-              <a:rPr lang="fr-FR" sz="5000" dirty="0" smtClean="0">
-                <a:solidFill>
-                  <a:schemeClr val="tx1"/>
-                </a:solidFill>
-              </a:rPr>
-              <a:t> </a:t>
-            </a:r>
-            <a:r>
-              <a:rPr lang="fr-FR" sz="5000" dirty="0" err="1" smtClean="0">
+              <a:rPr lang="fr-FR" sz="4800" dirty="0" smtClean="0">
+                <a:solidFill>
+                  <a:schemeClr val="tx1"/>
+                </a:solidFill>
+              </a:rPr>
+              <a:t> </a:t>
+            </a:r>
+            <a:r>
+              <a:rPr lang="fr-FR" sz="4800" dirty="0" err="1" smtClean="0">
                 <a:solidFill>
                   <a:schemeClr val="tx1"/>
                 </a:solidFill>
@@ -6126,15 +6359,15 @@
               <a:t>either</a:t>
             </a:r>
             <a:r>
-              <a:rPr lang="fr-FR" sz="5000" dirty="0" smtClean="0">
-                <a:solidFill>
-                  <a:schemeClr val="tx1"/>
-                </a:solidFill>
-              </a:rPr>
-              <a:t> </a:t>
-            </a:r>
-            <a:r>
-              <a:rPr lang="fr-FR" sz="5000" dirty="0" err="1" smtClean="0">
+              <a:rPr lang="fr-FR" sz="4800" dirty="0" smtClean="0">
+                <a:solidFill>
+                  <a:schemeClr val="tx1"/>
+                </a:solidFill>
+              </a:rPr>
+              <a:t> </a:t>
+            </a:r>
+            <a:r>
+              <a:rPr lang="fr-FR" sz="4800" dirty="0" err="1" smtClean="0">
                 <a:solidFill>
                   <a:schemeClr val="tx1"/>
                 </a:solidFill>
@@ -6142,15 +6375,15 @@
               <a:t>very</a:t>
             </a:r>
             <a:r>
-              <a:rPr lang="fr-FR" sz="5000" dirty="0" smtClean="0">
-                <a:solidFill>
-                  <a:schemeClr val="tx1"/>
-                </a:solidFill>
-              </a:rPr>
-              <a:t> </a:t>
-            </a:r>
-            <a:r>
-              <a:rPr lang="fr-FR" sz="5000" dirty="0" err="1" smtClean="0">
+              <a:rPr lang="fr-FR" sz="4800" dirty="0" smtClean="0">
+                <a:solidFill>
+                  <a:schemeClr val="tx1"/>
+                </a:solidFill>
+              </a:rPr>
+              <a:t> </a:t>
+            </a:r>
+            <a:r>
+              <a:rPr lang="fr-FR" sz="4800" dirty="0" err="1" smtClean="0">
                 <a:solidFill>
                   <a:schemeClr val="tx1"/>
                 </a:solidFill>
@@ -6158,7 +6391,7 @@
               <a:t>repetitive</a:t>
             </a:r>
             <a:r>
-              <a:rPr lang="fr-FR" sz="5000" dirty="0" smtClean="0">
+              <a:rPr lang="fr-FR" sz="4800" dirty="0" smtClean="0">
                 <a:solidFill>
                   <a:schemeClr val="tx1"/>
                 </a:solidFill>
@@ -6166,7 +6399,7 @@
               <a:t> (annotation of </a:t>
             </a:r>
             <a:r>
-              <a:rPr lang="fr-FR" sz="5000" dirty="0" err="1" smtClean="0">
+              <a:rPr lang="fr-FR" sz="4800" dirty="0" err="1" smtClean="0">
                 <a:solidFill>
                   <a:schemeClr val="tx1"/>
                 </a:solidFill>
@@ -6174,7 +6407,7 @@
               <a:t>turn-taking</a:t>
             </a:r>
             <a:r>
-              <a:rPr lang="fr-FR" sz="5000" dirty="0" smtClean="0">
+              <a:rPr lang="fr-FR" sz="4800" dirty="0" smtClean="0">
                 <a:solidFill>
                   <a:schemeClr val="tx1"/>
                 </a:solidFill>
@@ -6182,7 +6415,7 @@
               <a:t> or non-verbal </a:t>
             </a:r>
             <a:r>
-              <a:rPr lang="fr-FR" sz="5000" dirty="0" err="1" smtClean="0">
+              <a:rPr lang="fr-FR" sz="4800" dirty="0" err="1" smtClean="0">
                 <a:solidFill>
                   <a:schemeClr val="tx1"/>
                 </a:solidFill>
@@ -6190,7 +6423,7 @@
               <a:t>behavior</a:t>
             </a:r>
             <a:r>
-              <a:rPr lang="fr-FR" sz="5000" dirty="0" smtClean="0">
+              <a:rPr lang="fr-FR" sz="4800" dirty="0" smtClean="0">
                 <a:solidFill>
                   <a:schemeClr val="tx1"/>
                 </a:solidFill>
@@ -6198,7 +6431,7 @@
               <a:t>) or </a:t>
             </a:r>
             <a:r>
-              <a:rPr lang="fr-FR" sz="5000" dirty="0" err="1" smtClean="0">
+              <a:rPr lang="fr-FR" sz="4800" dirty="0" err="1" smtClean="0">
                 <a:solidFill>
                   <a:schemeClr val="tx1"/>
                 </a:solidFill>
@@ -6206,15 +6439,15 @@
               <a:t>very</a:t>
             </a:r>
             <a:r>
-              <a:rPr lang="fr-FR" sz="5000" dirty="0" smtClean="0">
-                <a:solidFill>
-                  <a:schemeClr val="tx1"/>
-                </a:solidFill>
-              </a:rPr>
-              <a:t> </a:t>
-            </a:r>
-            <a:r>
-              <a:rPr lang="fr-FR" sz="5000" dirty="0" err="1" smtClean="0">
+              <a:rPr lang="fr-FR" sz="4800" dirty="0" smtClean="0">
+                <a:solidFill>
+                  <a:schemeClr val="tx1"/>
+                </a:solidFill>
+              </a:rPr>
+              <a:t> </a:t>
+            </a:r>
+            <a:r>
+              <a:rPr lang="fr-FR" sz="4800" dirty="0" err="1" smtClean="0">
                 <a:solidFill>
                   <a:schemeClr val="tx1"/>
                 </a:solidFill>
@@ -6222,7 +6455,7 @@
               <a:t>technical</a:t>
             </a:r>
             <a:r>
-              <a:rPr lang="fr-FR" sz="5000" dirty="0" smtClean="0">
+              <a:rPr lang="fr-FR" sz="4800" dirty="0" smtClean="0">
                 <a:solidFill>
                   <a:schemeClr val="tx1"/>
                 </a:solidFill>
@@ -6230,7 +6463,7 @@
               <a:t> (annotation of application of </a:t>
             </a:r>
             <a:r>
-              <a:rPr lang="fr-FR" sz="5000" dirty="0" err="1" smtClean="0">
+              <a:rPr lang="fr-FR" sz="4800" dirty="0" err="1" smtClean="0">
                 <a:solidFill>
                   <a:schemeClr val="tx1"/>
                 </a:solidFill>
@@ -6238,15 +6471,15 @@
               <a:t>some</a:t>
             </a:r>
             <a:r>
-              <a:rPr lang="fr-FR" sz="5000" dirty="0" smtClean="0">
-                <a:solidFill>
-                  <a:schemeClr val="tx1"/>
-                </a:solidFill>
-              </a:rPr>
-              <a:t> </a:t>
-            </a:r>
-            <a:r>
-              <a:rPr lang="fr-FR" sz="5000" dirty="0" err="1" smtClean="0">
+              <a:rPr lang="fr-FR" sz="4800" dirty="0" smtClean="0">
+                <a:solidFill>
+                  <a:schemeClr val="tx1"/>
+                </a:solidFill>
+              </a:rPr>
+              <a:t> </a:t>
+            </a:r>
+            <a:r>
+              <a:rPr lang="fr-FR" sz="4800" dirty="0" err="1" smtClean="0">
                 <a:solidFill>
                   <a:schemeClr val="tx1"/>
                 </a:solidFill>
@@ -6254,7 +6487,7 @@
               <a:t>specific</a:t>
             </a:r>
             <a:r>
-              <a:rPr lang="fr-FR" sz="5000" dirty="0" smtClean="0">
+              <a:rPr lang="fr-FR" sz="4800" dirty="0" smtClean="0">
                 <a:solidFill>
                   <a:schemeClr val="tx1"/>
                 </a:solidFill>
@@ -6262,7 +6495,7 @@
               <a:t> techniques </a:t>
             </a:r>
             <a:r>
-              <a:rPr lang="fr-FR" sz="5000" dirty="0" err="1" smtClean="0">
+              <a:rPr lang="fr-FR" sz="4800" dirty="0" err="1" smtClean="0">
                 <a:solidFill>
                   <a:schemeClr val="tx1"/>
                 </a:solidFill>
@@ -6270,7 +6503,7 @@
               <a:t>like</a:t>
             </a:r>
             <a:r>
-              <a:rPr lang="fr-FR" sz="5000" dirty="0" smtClean="0">
+              <a:rPr lang="fr-FR" sz="4800" dirty="0" smtClean="0">
                 <a:solidFill>
                   <a:schemeClr val="tx1"/>
                 </a:solidFill>
@@ -6278,7 +6511,7 @@
               <a:t> in </a:t>
             </a:r>
             <a:r>
-              <a:rPr lang="fr-FR" sz="5000" dirty="0" err="1" smtClean="0">
+              <a:rPr lang="fr-FR" sz="4800" dirty="0" err="1" smtClean="0">
                 <a:solidFill>
                   <a:schemeClr val="tx1"/>
                 </a:solidFill>
@@ -6286,15 +6519,15 @@
               <a:t>motivational</a:t>
             </a:r>
             <a:r>
-              <a:rPr lang="fr-FR" sz="5000" dirty="0" smtClean="0">
-                <a:solidFill>
-                  <a:schemeClr val="tx1"/>
-                </a:solidFill>
-              </a:rPr>
-              <a:t> </a:t>
-            </a:r>
-            <a:r>
-              <a:rPr lang="fr-FR" sz="5000" dirty="0" err="1" smtClean="0">
+              <a:rPr lang="fr-FR" sz="4800" dirty="0" smtClean="0">
+                <a:solidFill>
+                  <a:schemeClr val="tx1"/>
+                </a:solidFill>
+              </a:rPr>
+              <a:t> </a:t>
+            </a:r>
+            <a:r>
+              <a:rPr lang="fr-FR" sz="4800" dirty="0" err="1" smtClean="0">
                 <a:solidFill>
                   <a:schemeClr val="tx1"/>
                 </a:solidFill>
@@ -6302,7 +6535,7 @@
               <a:t>interviewing</a:t>
             </a:r>
             <a:r>
-              <a:rPr lang="fr-FR" sz="5000" dirty="0" smtClean="0">
+              <a:rPr lang="fr-FR" sz="4800" dirty="0" smtClean="0">
                 <a:solidFill>
                   <a:schemeClr val="tx1"/>
                 </a:solidFill>
@@ -6310,7 +6543,7 @@
               <a:t> (</a:t>
             </a:r>
             <a:r>
-              <a:rPr lang="fr-FR" sz="5000" dirty="0" err="1" smtClean="0">
+              <a:rPr lang="fr-FR" sz="4800" dirty="0" err="1" smtClean="0">
                 <a:solidFill>
                   <a:schemeClr val="tx1"/>
                 </a:solidFill>
@@ -6318,7 +6551,7 @@
               <a:t>Moyers</a:t>
             </a:r>
             <a:r>
-              <a:rPr lang="fr-FR" sz="5000" dirty="0" smtClean="0">
+              <a:rPr lang="fr-FR" sz="4800" dirty="0" smtClean="0">
                 <a:solidFill>
                   <a:schemeClr val="tx1"/>
                 </a:solidFill>
@@ -6328,7 +6561,7 @@
           </a:p>
           <a:p>
             <a:pPr algn="just"/>
-            <a:endParaRPr lang="fr-FR" sz="5000" dirty="0">
+            <a:endParaRPr lang="fr-FR" sz="4800" dirty="0">
               <a:solidFill>
                 <a:schemeClr val="tx1"/>
               </a:solidFill>
@@ -6337,7 +6570,7 @@
           <a:p>
             <a:pPr algn="just"/>
             <a:r>
-              <a:rPr lang="fr-FR" sz="5000" dirty="0" smtClean="0">
+              <a:rPr lang="fr-FR" sz="4800" dirty="0" smtClean="0">
                 <a:solidFill>
                   <a:schemeClr val="tx1"/>
                 </a:solidFill>
@@ -6345,7 +6578,7 @@
               <a:t>In the future, an </a:t>
             </a:r>
             <a:r>
-              <a:rPr lang="fr-FR" sz="5000" dirty="0" err="1" smtClean="0">
+              <a:rPr lang="fr-FR" sz="4800" dirty="0" err="1" smtClean="0">
                 <a:solidFill>
                   <a:schemeClr val="tx1"/>
                 </a:solidFill>
@@ -6353,7 +6586,7 @@
               <a:t>automatic</a:t>
             </a:r>
             <a:r>
-              <a:rPr lang="fr-FR" sz="5000" dirty="0" smtClean="0">
+              <a:rPr lang="fr-FR" sz="4800" dirty="0" smtClean="0">
                 <a:solidFill>
                   <a:schemeClr val="tx1"/>
                 </a:solidFill>
@@ -6361,7 +6594,7 @@
               <a:t> feedback of the </a:t>
             </a:r>
             <a:r>
-              <a:rPr lang="fr-FR" sz="5000" dirty="0" err="1" smtClean="0">
+              <a:rPr lang="fr-FR" sz="4800" dirty="0" err="1" smtClean="0">
                 <a:solidFill>
                   <a:schemeClr val="tx1"/>
                 </a:solidFill>
@@ -6369,15 +6602,15 @@
               <a:t>psychotherapy</a:t>
             </a:r>
             <a:r>
-              <a:rPr lang="fr-FR" sz="5000" dirty="0" smtClean="0">
-                <a:solidFill>
-                  <a:schemeClr val="tx1"/>
-                </a:solidFill>
-              </a:rPr>
-              <a:t> </a:t>
-            </a:r>
-            <a:r>
-              <a:rPr lang="fr-FR" sz="5000" dirty="0" err="1" smtClean="0">
+              <a:rPr lang="fr-FR" sz="4800" dirty="0" smtClean="0">
+                <a:solidFill>
+                  <a:schemeClr val="tx1"/>
+                </a:solidFill>
+              </a:rPr>
+              <a:t> </a:t>
+            </a:r>
+            <a:r>
+              <a:rPr lang="fr-FR" sz="4800" dirty="0" err="1" smtClean="0">
                 <a:solidFill>
                   <a:schemeClr val="tx1"/>
                 </a:solidFill>
@@ -6385,15 +6618,15 @@
               <a:t>could</a:t>
             </a:r>
             <a:r>
-              <a:rPr lang="fr-FR" sz="5000" dirty="0" smtClean="0">
-                <a:solidFill>
-                  <a:schemeClr val="tx1"/>
-                </a:solidFill>
-              </a:rPr>
-              <a:t> </a:t>
-            </a:r>
-            <a:r>
-              <a:rPr lang="fr-FR" sz="5000" dirty="0" err="1" smtClean="0">
+              <a:rPr lang="fr-FR" sz="4800" dirty="0" smtClean="0">
+                <a:solidFill>
+                  <a:schemeClr val="tx1"/>
+                </a:solidFill>
+              </a:rPr>
+              <a:t> </a:t>
+            </a:r>
+            <a:r>
+              <a:rPr lang="fr-FR" sz="4800" dirty="0" err="1" smtClean="0">
                 <a:solidFill>
                   <a:schemeClr val="tx1"/>
                 </a:solidFill>
@@ -6401,15 +6634,15 @@
               <a:t>also</a:t>
             </a:r>
             <a:r>
-              <a:rPr lang="fr-FR" sz="5000" dirty="0" smtClean="0">
-                <a:solidFill>
-                  <a:schemeClr val="tx1"/>
-                </a:solidFill>
-              </a:rPr>
-              <a:t> </a:t>
-            </a:r>
-            <a:r>
-              <a:rPr lang="fr-FR" sz="5000" dirty="0" err="1" smtClean="0">
+              <a:rPr lang="fr-FR" sz="4800" dirty="0" smtClean="0">
+                <a:solidFill>
+                  <a:schemeClr val="tx1"/>
+                </a:solidFill>
+              </a:rPr>
+              <a:t> </a:t>
+            </a:r>
+            <a:r>
+              <a:rPr lang="fr-FR" sz="4800" dirty="0" err="1" smtClean="0">
                 <a:solidFill>
                   <a:schemeClr val="tx1"/>
                 </a:solidFill>
@@ -6417,7 +6650,7 @@
               <a:t>even</a:t>
             </a:r>
             <a:r>
-              <a:rPr lang="fr-FR" sz="5000" dirty="0" smtClean="0">
+              <a:rPr lang="fr-FR" sz="4800" dirty="0" smtClean="0">
                 <a:solidFill>
                   <a:schemeClr val="tx1"/>
                 </a:solidFill>
@@ -6425,7 +6658,7 @@
               <a:t> help a </a:t>
             </a:r>
             <a:r>
-              <a:rPr lang="fr-FR" sz="5000" dirty="0" err="1" smtClean="0">
+              <a:rPr lang="fr-FR" sz="4800" dirty="0" err="1" smtClean="0">
                 <a:solidFill>
                   <a:schemeClr val="tx1"/>
                 </a:solidFill>
@@ -6433,15 +6666,55 @@
               <a:t>therapist</a:t>
             </a:r>
             <a:r>
-              <a:rPr lang="fr-FR" sz="5000" dirty="0" smtClean="0">
-                <a:solidFill>
-                  <a:schemeClr val="tx1"/>
-                </a:solidFill>
-              </a:rPr>
-              <a:t> to guide a </a:t>
-            </a:r>
-            <a:r>
-              <a:rPr lang="fr-FR" sz="5000" dirty="0" err="1" smtClean="0">
+              <a:rPr lang="fr-FR" sz="4800" dirty="0" smtClean="0">
+                <a:solidFill>
+                  <a:schemeClr val="tx1"/>
+                </a:solidFill>
+              </a:rPr>
+              <a:t> to </a:t>
+            </a:r>
+            <a:r>
+              <a:rPr lang="fr-FR" sz="4800" dirty="0" smtClean="0">
+                <a:solidFill>
+                  <a:schemeClr val="tx1"/>
+                </a:solidFill>
+              </a:rPr>
+              <a:t>guide </a:t>
+            </a:r>
+            <a:r>
+              <a:rPr lang="fr-FR" sz="4800" dirty="0" err="1" smtClean="0">
+                <a:solidFill>
+                  <a:schemeClr val="tx1"/>
+                </a:solidFill>
+              </a:rPr>
+              <a:t>them</a:t>
+            </a:r>
+            <a:r>
+              <a:rPr lang="fr-FR" sz="4800" dirty="0" smtClean="0">
+                <a:solidFill>
+                  <a:schemeClr val="tx1"/>
+                </a:solidFill>
+              </a:rPr>
+              <a:t> to </a:t>
+            </a:r>
+            <a:r>
+              <a:rPr lang="fr-FR" sz="4800" dirty="0" err="1" smtClean="0">
+                <a:solidFill>
+                  <a:schemeClr val="tx1"/>
+                </a:solidFill>
+              </a:rPr>
+              <a:t>reorganize</a:t>
+            </a:r>
+            <a:r>
+              <a:rPr lang="fr-FR" sz="4800" dirty="0" smtClean="0">
+                <a:solidFill>
+                  <a:schemeClr val="tx1"/>
+                </a:solidFill>
+              </a:rPr>
+              <a:t> a </a:t>
+            </a:r>
+            <a:r>
+              <a:rPr lang="fr-FR" sz="4800" dirty="0" err="1" smtClean="0">
                 <a:solidFill>
                   <a:schemeClr val="tx1"/>
                 </a:solidFill>
@@ -6449,7 +6722,7 @@
               <a:t>treatment</a:t>
             </a:r>
             <a:r>
-              <a:rPr lang="fr-FR" sz="5000" dirty="0" smtClean="0">
+              <a:rPr lang="fr-FR" sz="4800" dirty="0" smtClean="0">
                 <a:solidFill>
                   <a:schemeClr val="tx1"/>
                 </a:solidFill>

--- a/Monrado/Reports/ECNPPoster.pptx
+++ b/Monrado/Reports/ECNPPoster.pptx
@@ -3550,7 +3550,7 @@
         </p:nvGrpSpPr>
         <p:grpSpPr>
           <a:xfrm>
-            <a:off x="0" y="25094410"/>
+            <a:off x="0" y="25820154"/>
             <a:ext cx="30207213" cy="24073920"/>
             <a:chOff x="0" y="19067564"/>
             <a:chExt cx="32933976" cy="26992623"/>
@@ -4259,8 +4259,8 @@
         </p:nvSpPr>
         <p:spPr>
           <a:xfrm>
-            <a:off x="16840408" y="7706941"/>
-            <a:ext cx="16862335" cy="17943374"/>
+            <a:off x="16840408" y="7616223"/>
+            <a:ext cx="16862335" cy="18712815"/>
           </a:xfrm>
           <a:prstGeom prst="rect">
             <a:avLst/>
@@ -4530,8 +4530,24 @@
               <a:t>Ramseyer, 2011</a:t>
             </a:r>
             <a:r>
-              <a:rPr lang="fr-FR" sz="5000" dirty="0"/>
-              <a:t>). </a:t>
+              <a:rPr lang="fr-FR" sz="5000" dirty="0" smtClean="0"/>
+              <a:t>) and a relevant signal on the </a:t>
+            </a:r>
+            <a:r>
+              <a:rPr lang="fr-FR" sz="5000" dirty="0" err="1" smtClean="0"/>
+              <a:t>study</a:t>
+            </a:r>
+            <a:r>
+              <a:rPr lang="fr-FR" sz="5000" dirty="0" smtClean="0"/>
+              <a:t> of </a:t>
+            </a:r>
+            <a:r>
+              <a:rPr lang="fr-FR" sz="5000" dirty="0" err="1" smtClean="0"/>
+              <a:t>mother-child</a:t>
+            </a:r>
+            <a:r>
+              <a:rPr lang="fr-FR" sz="5000" dirty="0" smtClean="0"/>
+              <a:t> interaction. </a:t>
             </a:r>
             <a:r>
               <a:rPr lang="fr-FR" sz="5000" dirty="0" err="1"/>
@@ -5136,7 +5152,7 @@
         </p:nvSpPr>
         <p:spPr>
           <a:xfrm>
-            <a:off x="45360" y="7529282"/>
+            <a:off x="45360" y="7483923"/>
             <a:ext cx="16884000" cy="18290874"/>
           </a:xfrm>
           <a:ln>

--- a/Monrado/Reports/ECNPPoster.pptx
+++ b/Monrado/Reports/ECNPPoster.pptx
@@ -107,6 +107,17 @@
       </a:defRPr>
     </a:lvl9pPr>
   </p:defaultTextStyle>
+  <p:extLst>
+    <p:ext uri="{521415D9-36F7-43E2-AB2F-B90AF26B5E84}">
+      <p14:sectionLst xmlns:p14="http://schemas.microsoft.com/office/powerpoint/2010/main">
+        <p14:section name="Section sans titre" id="{0AF94E22-F4F6-574C-B2FA-925A7F61E855}">
+          <p14:sldIdLst>
+            <p14:sldId id="256"/>
+          </p14:sldIdLst>
+        </p14:section>
+      </p14:sectionLst>
+    </p:ext>
+  </p:extLst>
 </p:presentation>
 </file>
 
@@ -3542,89 +3553,29 @@
           <a:chExt cx="0" cy="0"/>
         </a:xfrm>
       </p:grpSpPr>
-      <p:grpSp>
-        <p:nvGrpSpPr>
-          <p:cNvPr id="15" name="Grouper 14"/>
-          <p:cNvGrpSpPr/>
+      <p:pic>
+        <p:nvPicPr>
+          <p:cNvPr id="5" name="Image 4"/>
+          <p:cNvPicPr>
+            <a:picLocks noChangeAspect="1"/>
+          </p:cNvPicPr>
           <p:nvPr/>
-        </p:nvGrpSpPr>
-        <p:grpSpPr>
+        </p:nvPicPr>
+        <p:blipFill rotWithShape="1">
+          <a:blip r:embed="rId3"/>
+          <a:srcRect t="10580" r="20808"/>
+          <a:stretch/>
+        </p:blipFill>
+        <p:spPr>
           <a:xfrm>
-            <a:off x="0" y="25820154"/>
-            <a:ext cx="30207213" cy="24073920"/>
-            <a:chOff x="0" y="19067564"/>
-            <a:chExt cx="32933976" cy="26992623"/>
+            <a:off x="45360" y="26329038"/>
+            <a:ext cx="22847588" cy="19935359"/>
           </a:xfrm>
-        </p:grpSpPr>
-        <p:pic>
-          <p:nvPicPr>
-            <p:cNvPr id="9" name="Image 8"/>
-            <p:cNvPicPr>
-              <a:picLocks noChangeAspect="1"/>
-            </p:cNvPicPr>
-            <p:nvPr/>
-          </p:nvPicPr>
-          <p:blipFill rotWithShape="1">
-            <a:blip r:embed="rId3"/>
-            <a:srcRect r="5845"/>
-            <a:stretch/>
-          </p:blipFill>
-          <p:spPr>
-            <a:xfrm>
-              <a:off x="44029" y="19067564"/>
-              <a:ext cx="32889947" cy="26992623"/>
-            </a:xfrm>
-            <a:prstGeom prst="rect">
-              <a:avLst/>
-            </a:prstGeom>
-          </p:spPr>
-        </p:pic>
-        <p:sp>
-          <p:nvSpPr>
-            <p:cNvPr id="14" name="Rectangle 13"/>
-            <p:cNvSpPr/>
-            <p:nvPr/>
-          </p:nvSpPr>
-          <p:spPr>
-            <a:xfrm>
-              <a:off x="0" y="19440815"/>
-              <a:ext cx="13789577" cy="4473802"/>
-            </a:xfrm>
-            <a:prstGeom prst="rect">
-              <a:avLst/>
-            </a:prstGeom>
-            <a:solidFill>
-              <a:schemeClr val="bg1"/>
-            </a:solidFill>
-            <a:ln>
-              <a:noFill/>
-            </a:ln>
-            <a:effectLst/>
-          </p:spPr>
-          <p:style>
-            <a:lnRef idx="1">
-              <a:schemeClr val="accent1"/>
-            </a:lnRef>
-            <a:fillRef idx="3">
-              <a:schemeClr val="accent1"/>
-            </a:fillRef>
-            <a:effectRef idx="2">
-              <a:schemeClr val="accent1"/>
-            </a:effectRef>
-            <a:fontRef idx="minor">
-              <a:schemeClr val="lt1"/>
-            </a:fontRef>
-          </p:style>
-          <p:txBody>
-            <a:bodyPr rtlCol="0" anchor="ctr"/>
-            <a:lstStyle/>
-            <a:p>
-              <a:pPr algn="ctr"/>
-              <a:endParaRPr lang="fr-FR"/>
-            </a:p>
-          </p:txBody>
-        </p:sp>
-      </p:grpSp>
+          <a:prstGeom prst="rect">
+            <a:avLst/>
+          </a:prstGeom>
+        </p:spPr>
+      </p:pic>
       <p:sp>
         <p:nvSpPr>
           <p:cNvPr id="2" name="Titre 1"/>
@@ -3865,8 +3816,8 @@
         </p:nvSpPr>
         <p:spPr>
           <a:xfrm>
-            <a:off x="23174100" y="49794621"/>
-            <a:ext cx="8941101" cy="630942"/>
+            <a:off x="27352932" y="49780121"/>
+            <a:ext cx="6854518" cy="630942"/>
           </a:xfrm>
           <a:prstGeom prst="rect">
             <a:avLst/>
@@ -3881,49 +3832,49 @@
           <a:p>
             <a:r>
               <a:rPr lang="fr-FR" sz="3500" dirty="0" smtClean="0">
-                <a:latin typeface="Arial Hebrew"/>
-                <a:cs typeface="Arial Hebrew"/>
+                <a:latin typeface="Abadi MT Condensed Extra Bold"/>
+                <a:cs typeface="Abadi MT Condensed Extra Bold"/>
               </a:rPr>
               <a:t>No </a:t>
             </a:r>
             <a:r>
               <a:rPr lang="fr-FR" sz="3500" dirty="0" err="1" smtClean="0">
-                <a:latin typeface="Arial Hebrew"/>
-                <a:cs typeface="Arial Hebrew"/>
+                <a:latin typeface="Abadi MT Condensed Extra Bold"/>
+                <a:cs typeface="Abadi MT Condensed Extra Bold"/>
               </a:rPr>
               <a:t>potential</a:t>
             </a:r>
             <a:r>
               <a:rPr lang="fr-FR" sz="3500" dirty="0" smtClean="0">
-                <a:latin typeface="Arial Hebrew"/>
-                <a:cs typeface="Arial Hebrew"/>
+                <a:latin typeface="Abadi MT Condensed Extra Bold"/>
+                <a:cs typeface="Abadi MT Condensed Extra Bold"/>
               </a:rPr>
               <a:t> </a:t>
             </a:r>
             <a:r>
               <a:rPr lang="fr-FR" sz="3500" dirty="0" err="1" smtClean="0">
-                <a:latin typeface="Arial Hebrew"/>
-                <a:cs typeface="Arial Hebrew"/>
+                <a:latin typeface="Abadi MT Condensed Extra Bold"/>
+                <a:cs typeface="Abadi MT Condensed Extra Bold"/>
               </a:rPr>
               <a:t>conflicts</a:t>
             </a:r>
             <a:r>
               <a:rPr lang="fr-FR" sz="3500" dirty="0" smtClean="0">
-                <a:latin typeface="Arial Hebrew"/>
-                <a:cs typeface="Arial Hebrew"/>
+                <a:latin typeface="Abadi MT Condensed Extra Bold"/>
+                <a:cs typeface="Abadi MT Condensed Extra Bold"/>
               </a:rPr>
               <a:t> of </a:t>
             </a:r>
             <a:r>
               <a:rPr lang="fr-FR" sz="3500" dirty="0" err="1" smtClean="0">
-                <a:latin typeface="Arial Hebrew"/>
-                <a:cs typeface="Arial Hebrew"/>
+                <a:latin typeface="Abadi MT Condensed Extra Bold"/>
+                <a:cs typeface="Abadi MT Condensed Extra Bold"/>
               </a:rPr>
               <a:t>interests</a:t>
             </a:r>
             <a:endParaRPr lang="fr-FR" sz="3500" dirty="0">
-              <a:latin typeface="Arial Hebrew"/>
-              <a:cs typeface="Arial Hebrew"/>
+              <a:latin typeface="Abadi MT Condensed Extra Bold"/>
+              <a:cs typeface="Abadi MT Condensed Extra Bold"/>
             </a:endParaRPr>
           </a:p>
         </p:txBody>
@@ -4627,11 +4578,7 @@
             </a:r>
             <a:r>
               <a:rPr lang="fr-FR" sz="5000" dirty="0" smtClean="0"/>
-              <a:t>. </a:t>
-            </a:r>
-            <a:r>
-              <a:rPr lang="fr-FR" sz="5000" dirty="0" smtClean="0"/>
-              <a:t>It </a:t>
+              <a:t>. It </a:t>
             </a:r>
             <a:r>
               <a:rPr lang="fr-FR" sz="5000" dirty="0" err="1" smtClean="0"/>
@@ -4932,7 +4879,6 @@
               <a:rPr lang="fr-FR" sz="5000" dirty="0" smtClean="0"/>
               <a:t>.</a:t>
             </a:r>
-            <a:endParaRPr lang="fr-FR" sz="5000" dirty="0" smtClean="0"/>
           </a:p>
           <a:p>
             <a:pPr algn="just"/>
@@ -6028,15 +5974,7 @@
                   <a:schemeClr val="tx1"/>
                 </a:solidFill>
               </a:rPr>
-              <a:t> application and </a:t>
-            </a:r>
-            <a:r>
-              <a:rPr lang="fr-FR" sz="4800" dirty="0" smtClean="0">
-                <a:solidFill>
-                  <a:schemeClr val="tx1"/>
-                </a:solidFill>
-              </a:rPr>
-              <a:t>to </a:t>
+              <a:t> application and to </a:t>
             </a:r>
             <a:r>
               <a:rPr lang="fr-FR" sz="4800" dirty="0" err="1">
@@ -6687,15 +6625,7 @@
                   <a:schemeClr val="tx1"/>
                 </a:solidFill>
               </a:rPr>
-              <a:t> to </a:t>
-            </a:r>
-            <a:r>
-              <a:rPr lang="fr-FR" sz="4800" dirty="0" smtClean="0">
-                <a:solidFill>
-                  <a:schemeClr val="tx1"/>
-                </a:solidFill>
-              </a:rPr>
-              <a:t>guide </a:t>
+              <a:t> to guide </a:t>
             </a:r>
             <a:r>
               <a:rPr lang="fr-FR" sz="4800" dirty="0" err="1" smtClean="0">
@@ -6780,6 +6710,394 @@
           </a:prstGeom>
         </p:spPr>
       </p:pic>
+      <p:sp>
+        <p:nvSpPr>
+          <p:cNvPr id="18" name="Rectangle 17"/>
+          <p:cNvSpPr/>
+          <p:nvPr/>
+        </p:nvSpPr>
+        <p:spPr>
+          <a:xfrm>
+            <a:off x="127808" y="45765448"/>
+            <a:ext cx="33603104" cy="4801314"/>
+          </a:xfrm>
+          <a:prstGeom prst="rect">
+            <a:avLst/>
+          </a:prstGeom>
+        </p:spPr>
+        <p:txBody>
+          <a:bodyPr wrap="square" numCol="2">
+            <a:spAutoFit/>
+          </a:bodyPr>
+          <a:lstStyle/>
+          <a:p>
+            <a:r>
+              <a:rPr lang="fr-FR" sz="5000" dirty="0" err="1" smtClean="0">
+                <a:latin typeface="Abadi MT Condensed Extra Bold"/>
+                <a:cs typeface="Abadi MT Condensed Extra Bold"/>
+              </a:rPr>
+              <a:t>References</a:t>
+            </a:r>
+            <a:endParaRPr lang="fr-FR" sz="5000" dirty="0">
+              <a:latin typeface="Abadi MT Condensed Extra Bold"/>
+              <a:cs typeface="Abadi MT Condensed Extra Bold"/>
+            </a:endParaRPr>
+          </a:p>
+          <a:p>
+            <a:endParaRPr lang="fr-FR" sz="3200" b="1" dirty="0" smtClean="0"/>
+          </a:p>
+          <a:p>
+            <a:r>
+              <a:rPr lang="fr-FR" sz="3200" b="1" dirty="0" err="1" smtClean="0"/>
+              <a:t>Layard</a:t>
+            </a:r>
+            <a:r>
+              <a:rPr lang="fr-FR" sz="3200" dirty="0"/>
+              <a:t>, R., &amp; Clark, D. M. (2014). </a:t>
+            </a:r>
+            <a:r>
+              <a:rPr lang="fr-FR" sz="3200" i="1" dirty="0" err="1"/>
+              <a:t>Thrive</a:t>
+            </a:r>
+            <a:r>
+              <a:rPr lang="fr-FR" sz="3200" i="1" dirty="0"/>
+              <a:t>: The power of </a:t>
+            </a:r>
+            <a:r>
+              <a:rPr lang="fr-FR" sz="3200" i="1" dirty="0" err="1"/>
+              <a:t>evidence-based</a:t>
+            </a:r>
+            <a:r>
+              <a:rPr lang="fr-FR" sz="3200" i="1" dirty="0"/>
+              <a:t> </a:t>
+            </a:r>
+            <a:r>
+              <a:rPr lang="fr-FR" sz="3200" i="1" dirty="0" err="1"/>
+              <a:t>psychological</a:t>
+            </a:r>
+            <a:r>
+              <a:rPr lang="fr-FR" sz="3200" i="1" dirty="0"/>
+              <a:t> </a:t>
+            </a:r>
+            <a:r>
+              <a:rPr lang="fr-FR" sz="3200" i="1" dirty="0" err="1"/>
+              <a:t>therapies</a:t>
+            </a:r>
+            <a:r>
+              <a:rPr lang="fr-FR" sz="3200" dirty="0"/>
+              <a:t>. </a:t>
+            </a:r>
+            <a:r>
+              <a:rPr lang="fr-FR" sz="3200" dirty="0" err="1"/>
+              <a:t>Penguin</a:t>
+            </a:r>
+            <a:r>
+              <a:rPr lang="fr-FR" sz="3200" dirty="0"/>
+              <a:t> UK</a:t>
+            </a:r>
+            <a:r>
+              <a:rPr lang="fr-FR" sz="3200" dirty="0" smtClean="0"/>
+              <a:t>.</a:t>
+            </a:r>
+          </a:p>
+          <a:p>
+            <a:endParaRPr lang="fr-FR" sz="3200" dirty="0"/>
+          </a:p>
+          <a:p>
+            <a:r>
+              <a:rPr lang="fr-FR" sz="3200" b="1" dirty="0" err="1"/>
+              <a:t>Moyers</a:t>
+            </a:r>
+            <a:r>
+              <a:rPr lang="fr-FR" sz="3200" dirty="0"/>
+              <a:t>, </a:t>
+            </a:r>
+            <a:r>
+              <a:rPr lang="fr-FR" sz="3200" dirty="0" err="1"/>
+              <a:t>T</a:t>
+            </a:r>
+            <a:r>
+              <a:rPr lang="fr-FR" sz="3200" dirty="0"/>
+              <a:t>. B., J. K. Manuel, and D. Ernst. "</a:t>
+            </a:r>
+            <a:r>
+              <a:rPr lang="fr-FR" sz="3200" dirty="0" err="1"/>
+              <a:t>Motivational</a:t>
+            </a:r>
+            <a:r>
+              <a:rPr lang="fr-FR" sz="3200" dirty="0"/>
+              <a:t> </a:t>
+            </a:r>
+            <a:r>
+              <a:rPr lang="fr-FR" sz="3200" dirty="0" err="1"/>
+              <a:t>Interviewing</a:t>
+            </a:r>
+            <a:r>
+              <a:rPr lang="fr-FR" sz="3200" dirty="0"/>
+              <a:t> </a:t>
+            </a:r>
+            <a:r>
+              <a:rPr lang="fr-FR" sz="3200" dirty="0" err="1"/>
+              <a:t>Treatment</a:t>
+            </a:r>
+            <a:r>
+              <a:rPr lang="fr-FR" sz="3200" dirty="0"/>
+              <a:t> </a:t>
+            </a:r>
+            <a:r>
+              <a:rPr lang="fr-FR" sz="3200" dirty="0" err="1"/>
+              <a:t>Integrity</a:t>
+            </a:r>
+            <a:r>
+              <a:rPr lang="fr-FR" sz="3200" dirty="0"/>
+              <a:t> </a:t>
+            </a:r>
+            <a:r>
+              <a:rPr lang="fr-FR" sz="3200" dirty="0" err="1"/>
+              <a:t>Coding</a:t>
+            </a:r>
+            <a:r>
+              <a:rPr lang="fr-FR" sz="3200" dirty="0"/>
+              <a:t> </a:t>
+            </a:r>
+            <a:r>
+              <a:rPr lang="fr-FR" sz="3200" dirty="0" err="1"/>
+              <a:t>Manual</a:t>
+            </a:r>
+            <a:r>
+              <a:rPr lang="fr-FR" sz="3200" dirty="0"/>
+              <a:t> 4.1</a:t>
+            </a:r>
+            <a:r>
+              <a:rPr lang="fr-FR" sz="3200" dirty="0" smtClean="0"/>
+              <a:t>."  </a:t>
+            </a:r>
+            <a:r>
+              <a:rPr lang="fr-FR" sz="3200" dirty="0"/>
+              <a:t>(2014)</a:t>
+            </a:r>
+            <a:r>
+              <a:rPr lang="fr-FR" sz="3200" dirty="0" smtClean="0"/>
+              <a:t>.</a:t>
+            </a:r>
+          </a:p>
+          <a:p>
+            <a:endParaRPr lang="fr-FR" sz="3200" dirty="0"/>
+          </a:p>
+          <a:p>
+            <a:endParaRPr lang="fr-FR" sz="3200" dirty="0" smtClean="0"/>
+          </a:p>
+          <a:p>
+            <a:endParaRPr lang="fr-FR" sz="3200" dirty="0" smtClean="0"/>
+          </a:p>
+          <a:p>
+            <a:endParaRPr lang="fr-FR" sz="3200" dirty="0" smtClean="0"/>
+          </a:p>
+          <a:p>
+            <a:r>
+              <a:rPr lang="fr-FR" sz="3200" b="1" dirty="0" smtClean="0"/>
+              <a:t>Ramseyer</a:t>
+            </a:r>
+            <a:r>
+              <a:rPr lang="fr-FR" sz="3200" dirty="0"/>
+              <a:t>, Fabian, et Wolfgang </a:t>
+            </a:r>
+            <a:r>
+              <a:rPr lang="fr-FR" sz="3200" dirty="0" err="1"/>
+              <a:t>Tschacher</a:t>
+            </a:r>
+            <a:r>
+              <a:rPr lang="fr-FR" sz="3200" dirty="0"/>
+              <a:t>. « </a:t>
+            </a:r>
+            <a:r>
+              <a:rPr lang="fr-FR" sz="3200" dirty="0" err="1"/>
+              <a:t>Nonverbal</a:t>
+            </a:r>
+            <a:r>
+              <a:rPr lang="fr-FR" sz="3200" dirty="0"/>
+              <a:t> </a:t>
+            </a:r>
+            <a:r>
+              <a:rPr lang="fr-FR" sz="3200" dirty="0" err="1"/>
+              <a:t>synchrony</a:t>
+            </a:r>
+            <a:r>
+              <a:rPr lang="fr-FR" sz="3200" dirty="0"/>
+              <a:t> in </a:t>
+            </a:r>
+            <a:r>
+              <a:rPr lang="fr-FR" sz="3200" dirty="0" err="1"/>
+              <a:t>psychotherapy</a:t>
+            </a:r>
+            <a:r>
+              <a:rPr lang="fr-FR" sz="3200" dirty="0"/>
+              <a:t>: </a:t>
+            </a:r>
+            <a:r>
+              <a:rPr lang="fr-FR" sz="3200" dirty="0" err="1"/>
+              <a:t>Coordinated</a:t>
+            </a:r>
+            <a:r>
+              <a:rPr lang="fr-FR" sz="3200" dirty="0"/>
+              <a:t> body </a:t>
+            </a:r>
+            <a:r>
+              <a:rPr lang="fr-FR" sz="3200" dirty="0" err="1"/>
+              <a:t>movement</a:t>
+            </a:r>
+            <a:r>
+              <a:rPr lang="fr-FR" sz="3200" dirty="0"/>
+              <a:t> </a:t>
+            </a:r>
+            <a:r>
+              <a:rPr lang="fr-FR" sz="3200" dirty="0" err="1"/>
+              <a:t>reflects</a:t>
+            </a:r>
+            <a:r>
+              <a:rPr lang="fr-FR" sz="3200" dirty="0"/>
+              <a:t> </a:t>
+            </a:r>
+            <a:r>
+              <a:rPr lang="fr-FR" sz="3200" dirty="0" err="1"/>
+              <a:t>relationship</a:t>
+            </a:r>
+            <a:r>
+              <a:rPr lang="fr-FR" sz="3200" dirty="0"/>
+              <a:t> </a:t>
+            </a:r>
+            <a:r>
+              <a:rPr lang="fr-FR" sz="3200" dirty="0" err="1"/>
+              <a:t>quality</a:t>
+            </a:r>
+            <a:r>
+              <a:rPr lang="fr-FR" sz="3200" dirty="0"/>
+              <a:t> and </a:t>
+            </a:r>
+            <a:r>
+              <a:rPr lang="fr-FR" sz="3200" dirty="0" err="1"/>
+              <a:t>outcome</a:t>
+            </a:r>
+            <a:r>
+              <a:rPr lang="fr-FR" sz="3200" dirty="0"/>
+              <a:t> ». </a:t>
+            </a:r>
+            <a:r>
+              <a:rPr lang="fr-FR" sz="3200" i="1" dirty="0"/>
+              <a:t>Journal of Consulting and </a:t>
+            </a:r>
+            <a:r>
+              <a:rPr lang="fr-FR" sz="3200" i="1" dirty="0" err="1"/>
+              <a:t>Clinical</a:t>
+            </a:r>
+            <a:r>
+              <a:rPr lang="fr-FR" sz="3200" i="1" dirty="0"/>
+              <a:t> </a:t>
+            </a:r>
+            <a:r>
+              <a:rPr lang="fr-FR" sz="3200" i="1" dirty="0" err="1"/>
+              <a:t>Psychology</a:t>
+            </a:r>
+            <a:r>
+              <a:rPr lang="fr-FR" sz="3200" dirty="0"/>
+              <a:t> 79.3 (2011): 284‑295</a:t>
+            </a:r>
+            <a:r>
+              <a:rPr lang="fr-FR" sz="3200" dirty="0" smtClean="0"/>
+              <a:t>.</a:t>
+            </a:r>
+            <a:endParaRPr lang="fr-FR" sz="3200" dirty="0"/>
+          </a:p>
+          <a:p>
+            <a:endParaRPr lang="fr-FR" sz="3200" dirty="0" smtClean="0"/>
+          </a:p>
+          <a:p>
+            <a:r>
+              <a:rPr lang="fr-FR" sz="3200" b="1" dirty="0" err="1"/>
+              <a:t>Varni</a:t>
+            </a:r>
+            <a:r>
+              <a:rPr lang="fr-FR" sz="3200" dirty="0"/>
+              <a:t>, G., et al. "</a:t>
+            </a:r>
+            <a:r>
+              <a:rPr lang="fr-FR" sz="3200" dirty="0" err="1"/>
+              <a:t>SyncPy</a:t>
+            </a:r>
+            <a:r>
+              <a:rPr lang="fr-FR" sz="3200" dirty="0"/>
+              <a:t>: a </a:t>
+            </a:r>
+            <a:r>
+              <a:rPr lang="fr-FR" sz="3200" dirty="0" err="1"/>
+              <a:t>Unified</a:t>
+            </a:r>
+            <a:r>
+              <a:rPr lang="fr-FR" sz="3200" dirty="0"/>
+              <a:t> Open-source </a:t>
+            </a:r>
+            <a:r>
+              <a:rPr lang="fr-FR" sz="3200" dirty="0" err="1"/>
+              <a:t>Analytic</a:t>
+            </a:r>
+            <a:r>
+              <a:rPr lang="fr-FR" sz="3200" dirty="0"/>
+              <a:t> Library for </a:t>
+            </a:r>
+            <a:r>
+              <a:rPr lang="fr-FR" sz="3200" dirty="0" err="1"/>
+              <a:t>Synchrony</a:t>
+            </a:r>
+            <a:r>
+              <a:rPr lang="fr-FR" sz="3200" dirty="0"/>
+              <a:t>." </a:t>
+            </a:r>
+            <a:r>
+              <a:rPr lang="fr-FR" sz="3200" i="1" dirty="0" err="1"/>
+              <a:t>Proceedings</a:t>
+            </a:r>
+            <a:r>
+              <a:rPr lang="fr-FR" sz="3200" i="1" dirty="0"/>
+              <a:t> of the 1st Workshop on </a:t>
+            </a:r>
+            <a:r>
+              <a:rPr lang="fr-FR" sz="3200" i="1" dirty="0" err="1"/>
+              <a:t>Modeling</a:t>
+            </a:r>
+            <a:r>
+              <a:rPr lang="fr-FR" sz="3200" i="1" dirty="0"/>
+              <a:t> </a:t>
+            </a:r>
+            <a:r>
+              <a:rPr lang="fr-FR" sz="3200" i="1" dirty="0" err="1"/>
+              <a:t>INTERPERsonal</a:t>
+            </a:r>
+            <a:r>
+              <a:rPr lang="fr-FR" sz="3200" i="1" dirty="0"/>
+              <a:t> </a:t>
+            </a:r>
+            <a:r>
+              <a:rPr lang="fr-FR" sz="3200" i="1" dirty="0" err="1"/>
+              <a:t>SynchrONy</a:t>
+            </a:r>
+            <a:r>
+              <a:rPr lang="fr-FR" sz="3200" i="1" dirty="0"/>
+              <a:t> And </a:t>
+            </a:r>
+            <a:r>
+              <a:rPr lang="fr-FR" sz="3200" i="1" dirty="0" err="1"/>
+              <a:t>infLuence</a:t>
+            </a:r>
+            <a:r>
+              <a:rPr lang="fr-FR" sz="3200" dirty="0"/>
+              <a:t>. ACM, 2015.</a:t>
+            </a:r>
+          </a:p>
+          <a:p>
+            <a:endParaRPr lang="fr-FR" sz="3200" dirty="0"/>
+          </a:p>
+        </p:txBody>
+      </p:sp>
     </p:spTree>
     <p:extLst>
       <p:ext uri="{BB962C8B-B14F-4D97-AF65-F5344CB8AC3E}">

--- a/Monrado/Reports/ECNPPoster.pptx
+++ b/Monrado/Reports/ECNPPoster.pptx
@@ -203,7 +203,7 @@
           <a:p>
             <a:fld id="{DFA8D195-C53E-7448-B1B5-70C25ACF49F5}" type="datetimeFigureOut">
               <a:rPr lang="fr-FR" smtClean="0"/>
-              <a:t>11/05/16</a:t>
+              <a:t>13/05/16</a:t>
             </a:fld>
             <a:endParaRPr lang="fr-FR"/>
           </a:p>
@@ -741,7 +741,7 @@
           <a:p>
             <a:fld id="{841464F7-D333-D34B-8E9E-ECC7901A7EBB}" type="datetimeFigureOut">
               <a:rPr lang="fr-FR" smtClean="0"/>
-              <a:t>11/05/16</a:t>
+              <a:t>13/05/16</a:t>
             </a:fld>
             <a:endParaRPr lang="fr-FR"/>
           </a:p>
@@ -911,7 +911,7 @@
           <a:p>
             <a:fld id="{841464F7-D333-D34B-8E9E-ECC7901A7EBB}" type="datetimeFigureOut">
               <a:rPr lang="fr-FR" smtClean="0"/>
-              <a:t>11/05/16</a:t>
+              <a:t>13/05/16</a:t>
             </a:fld>
             <a:endParaRPr lang="fr-FR"/>
           </a:p>
@@ -1091,7 +1091,7 @@
           <a:p>
             <a:fld id="{841464F7-D333-D34B-8E9E-ECC7901A7EBB}" type="datetimeFigureOut">
               <a:rPr lang="fr-FR" smtClean="0"/>
-              <a:t>11/05/16</a:t>
+              <a:t>13/05/16</a:t>
             </a:fld>
             <a:endParaRPr lang="fr-FR"/>
           </a:p>
@@ -1261,7 +1261,7 @@
           <a:p>
             <a:fld id="{841464F7-D333-D34B-8E9E-ECC7901A7EBB}" type="datetimeFigureOut">
               <a:rPr lang="fr-FR" smtClean="0"/>
-              <a:t>11/05/16</a:t>
+              <a:t>13/05/16</a:t>
             </a:fld>
             <a:endParaRPr lang="fr-FR"/>
           </a:p>
@@ -1507,7 +1507,7 @@
           <a:p>
             <a:fld id="{841464F7-D333-D34B-8E9E-ECC7901A7EBB}" type="datetimeFigureOut">
               <a:rPr lang="fr-FR" smtClean="0"/>
-              <a:t>11/05/16</a:t>
+              <a:t>13/05/16</a:t>
             </a:fld>
             <a:endParaRPr lang="fr-FR"/>
           </a:p>
@@ -1795,7 +1795,7 @@
           <a:p>
             <a:fld id="{841464F7-D333-D34B-8E9E-ECC7901A7EBB}" type="datetimeFigureOut">
               <a:rPr lang="fr-FR" smtClean="0"/>
-              <a:t>11/05/16</a:t>
+              <a:t>13/05/16</a:t>
             </a:fld>
             <a:endParaRPr lang="fr-FR"/>
           </a:p>
@@ -2222,7 +2222,7 @@
           <a:p>
             <a:fld id="{841464F7-D333-D34B-8E9E-ECC7901A7EBB}" type="datetimeFigureOut">
               <a:rPr lang="fr-FR" smtClean="0"/>
-              <a:t>11/05/16</a:t>
+              <a:t>13/05/16</a:t>
             </a:fld>
             <a:endParaRPr lang="fr-FR"/>
           </a:p>
@@ -2340,7 +2340,7 @@
           <a:p>
             <a:fld id="{841464F7-D333-D34B-8E9E-ECC7901A7EBB}" type="datetimeFigureOut">
               <a:rPr lang="fr-FR" smtClean="0"/>
-              <a:t>11/05/16</a:t>
+              <a:t>13/05/16</a:t>
             </a:fld>
             <a:endParaRPr lang="fr-FR"/>
           </a:p>
@@ -2435,7 +2435,7 @@
           <a:p>
             <a:fld id="{841464F7-D333-D34B-8E9E-ECC7901A7EBB}" type="datetimeFigureOut">
               <a:rPr lang="fr-FR" smtClean="0"/>
-              <a:t>11/05/16</a:t>
+              <a:t>13/05/16</a:t>
             </a:fld>
             <a:endParaRPr lang="fr-FR"/>
           </a:p>
@@ -2712,7 +2712,7 @@
           <a:p>
             <a:fld id="{841464F7-D333-D34B-8E9E-ECC7901A7EBB}" type="datetimeFigureOut">
               <a:rPr lang="fr-FR" smtClean="0"/>
-              <a:t>11/05/16</a:t>
+              <a:t>13/05/16</a:t>
             </a:fld>
             <a:endParaRPr lang="fr-FR"/>
           </a:p>
@@ -2965,7 +2965,7 @@
           <a:p>
             <a:fld id="{841464F7-D333-D34B-8E9E-ECC7901A7EBB}" type="datetimeFigureOut">
               <a:rPr lang="fr-FR" smtClean="0"/>
-              <a:t>11/05/16</a:t>
+              <a:t>13/05/16</a:t>
             </a:fld>
             <a:endParaRPr lang="fr-FR"/>
           </a:p>
@@ -3178,7 +3178,7 @@
           <a:p>
             <a:fld id="{841464F7-D333-D34B-8E9E-ECC7901A7EBB}" type="datetimeFigureOut">
               <a:rPr lang="fr-FR" smtClean="0"/>
-              <a:t>11/05/16</a:t>
+              <a:t>13/05/16</a:t>
             </a:fld>
             <a:endParaRPr lang="fr-FR"/>
           </a:p>
@@ -7095,6 +7095,283 @@
           </a:p>
           <a:p>
             <a:endParaRPr lang="fr-FR" sz="3200" dirty="0"/>
+          </a:p>
+        </p:txBody>
+      </p:sp>
+      <p:pic>
+        <p:nvPicPr>
+          <p:cNvPr id="9" name="Image 8"/>
+          <p:cNvPicPr>
+            <a:picLocks noChangeAspect="1"/>
+          </p:cNvPicPr>
+          <p:nvPr/>
+        </p:nvPicPr>
+        <p:blipFill>
+          <a:blip r:embed="rId9"/>
+          <a:stretch>
+            <a:fillRect/>
+          </a:stretch>
+        </p:blipFill>
+        <p:spPr>
+          <a:xfrm>
+            <a:off x="22892948" y="36355454"/>
+            <a:ext cx="11314502" cy="8485877"/>
+          </a:xfrm>
+          <a:prstGeom prst="rect">
+            <a:avLst/>
+          </a:prstGeom>
+        </p:spPr>
+      </p:pic>
+      <p:pic>
+        <p:nvPicPr>
+          <p:cNvPr id="14" name="Image 13"/>
+          <p:cNvPicPr>
+            <a:picLocks noChangeAspect="1"/>
+          </p:cNvPicPr>
+          <p:nvPr/>
+        </p:nvPicPr>
+        <p:blipFill>
+          <a:blip r:embed="rId10"/>
+          <a:stretch>
+            <a:fillRect/>
+          </a:stretch>
+        </p:blipFill>
+        <p:spPr>
+          <a:xfrm>
+            <a:off x="22892948" y="28268456"/>
+            <a:ext cx="11048584" cy="8286438"/>
+          </a:xfrm>
+          <a:prstGeom prst="rect">
+            <a:avLst/>
+          </a:prstGeom>
+        </p:spPr>
+      </p:pic>
+      <p:sp>
+        <p:nvSpPr>
+          <p:cNvPr id="15" name="ZoneTexte 14"/>
+          <p:cNvSpPr txBox="1"/>
+          <p:nvPr/>
+        </p:nvSpPr>
+        <p:spPr>
+          <a:xfrm>
+            <a:off x="24993676" y="36554894"/>
+            <a:ext cx="7121656" cy="1169551"/>
+          </a:xfrm>
+          <a:prstGeom prst="rect">
+            <a:avLst/>
+          </a:prstGeom>
+          <a:solidFill>
+            <a:srgbClr val="FFFFFF"/>
+          </a:solidFill>
+        </p:spPr>
+        <p:txBody>
+          <a:bodyPr wrap="square" rtlCol="0">
+            <a:spAutoFit/>
+          </a:bodyPr>
+          <a:lstStyle/>
+          <a:p>
+            <a:r>
+              <a:rPr lang="fr-FR" sz="7000" dirty="0" smtClean="0">
+                <a:latin typeface="Abadi MT Condensed Extra Bold"/>
+                <a:cs typeface="Abadi MT Condensed Extra Bold"/>
+              </a:rPr>
+              <a:t>2. </a:t>
+            </a:r>
+            <a:r>
+              <a:rPr lang="fr-FR" sz="7000" dirty="0" err="1" smtClean="0">
+                <a:latin typeface="Abadi MT Condensed Extra Bold"/>
+                <a:cs typeface="Abadi MT Condensed Extra Bold"/>
+              </a:rPr>
+              <a:t>Synchrony</a:t>
+            </a:r>
+            <a:r>
+              <a:rPr lang="fr-FR" sz="7000" dirty="0" smtClean="0">
+                <a:latin typeface="Abadi MT Condensed Extra Bold"/>
+                <a:cs typeface="Abadi MT Condensed Extra Bold"/>
+              </a:rPr>
+              <a:t> score</a:t>
+            </a:r>
+            <a:endParaRPr lang="fr-FR" sz="7000" dirty="0">
+              <a:latin typeface="Abadi MT Condensed Extra Bold"/>
+              <a:cs typeface="Abadi MT Condensed Extra Bold"/>
+            </a:endParaRPr>
+          </a:p>
+        </p:txBody>
+      </p:sp>
+      <p:sp>
+        <p:nvSpPr>
+          <p:cNvPr id="19" name="ZoneTexte 18"/>
+          <p:cNvSpPr txBox="1"/>
+          <p:nvPr/>
+        </p:nvSpPr>
+        <p:spPr>
+          <a:xfrm>
+            <a:off x="23768292" y="28608643"/>
+            <a:ext cx="9526207" cy="1169551"/>
+          </a:xfrm>
+          <a:prstGeom prst="rect">
+            <a:avLst/>
+          </a:prstGeom>
+          <a:solidFill>
+            <a:srgbClr val="FFFFFF"/>
+          </a:solidFill>
+        </p:spPr>
+        <p:txBody>
+          <a:bodyPr wrap="square" rtlCol="0">
+            <a:spAutoFit/>
+          </a:bodyPr>
+          <a:lstStyle/>
+          <a:p>
+            <a:pPr algn="ctr"/>
+            <a:r>
+              <a:rPr lang="fr-FR" sz="7000" dirty="0" smtClean="0">
+                <a:latin typeface="Abadi MT Condensed Extra Bold"/>
+                <a:cs typeface="Abadi MT Condensed Extra Bold"/>
+              </a:rPr>
+              <a:t>1. Motion </a:t>
+            </a:r>
+            <a:r>
+              <a:rPr lang="fr-FR" sz="7000" dirty="0" err="1" smtClean="0">
+                <a:latin typeface="Abadi MT Condensed Extra Bold"/>
+                <a:cs typeface="Abadi MT Condensed Extra Bold"/>
+              </a:rPr>
+              <a:t>history</a:t>
+            </a:r>
+            <a:endParaRPr lang="fr-FR" sz="7000" dirty="0">
+              <a:latin typeface="Abadi MT Condensed Extra Bold"/>
+              <a:cs typeface="Abadi MT Condensed Extra Bold"/>
+            </a:endParaRPr>
+          </a:p>
+        </p:txBody>
+      </p:sp>
+      <p:sp>
+        <p:nvSpPr>
+          <p:cNvPr id="20" name="ZoneTexte 19"/>
+          <p:cNvSpPr txBox="1"/>
+          <p:nvPr/>
+        </p:nvSpPr>
+        <p:spPr>
+          <a:xfrm>
+            <a:off x="16796991" y="36947309"/>
+            <a:ext cx="1712019" cy="1554272"/>
+          </a:xfrm>
+          <a:prstGeom prst="rect">
+            <a:avLst/>
+          </a:prstGeom>
+          <a:noFill/>
+        </p:spPr>
+        <p:txBody>
+          <a:bodyPr wrap="square" rtlCol="0">
+            <a:spAutoFit/>
+          </a:bodyPr>
+          <a:lstStyle/>
+          <a:p>
+            <a:r>
+              <a:rPr lang="fr-FR" dirty="0" smtClean="0"/>
+              <a:t>1.</a:t>
+            </a:r>
+            <a:endParaRPr lang="fr-FR" dirty="0"/>
+          </a:p>
+        </p:txBody>
+      </p:sp>
+      <p:sp>
+        <p:nvSpPr>
+          <p:cNvPr id="21" name="ZoneTexte 20"/>
+          <p:cNvSpPr txBox="1"/>
+          <p:nvPr/>
+        </p:nvSpPr>
+        <p:spPr>
+          <a:xfrm>
+            <a:off x="11642218" y="38175702"/>
+            <a:ext cx="1712019" cy="1554272"/>
+          </a:xfrm>
+          <a:prstGeom prst="rect">
+            <a:avLst/>
+          </a:prstGeom>
+          <a:noFill/>
+        </p:spPr>
+        <p:txBody>
+          <a:bodyPr wrap="square" rtlCol="0">
+            <a:spAutoFit/>
+          </a:bodyPr>
+          <a:lstStyle/>
+          <a:p>
+            <a:r>
+              <a:rPr lang="fr-FR" dirty="0"/>
+              <a:t>2</a:t>
+            </a:r>
+            <a:r>
+              <a:rPr lang="fr-FR" dirty="0" smtClean="0"/>
+              <a:t>.</a:t>
+            </a:r>
+            <a:endParaRPr lang="fr-FR" dirty="0"/>
+          </a:p>
+        </p:txBody>
+      </p:sp>
+      <p:sp>
+        <p:nvSpPr>
+          <p:cNvPr id="22" name="ZoneTexte 21"/>
+          <p:cNvSpPr txBox="1"/>
+          <p:nvPr/>
+        </p:nvSpPr>
+        <p:spPr>
+          <a:xfrm>
+            <a:off x="23449393" y="27098905"/>
+            <a:ext cx="10401551" cy="1169551"/>
+          </a:xfrm>
+          <a:prstGeom prst="rect">
+            <a:avLst/>
+          </a:prstGeom>
+          <a:solidFill>
+            <a:srgbClr val="FFFFFF"/>
+          </a:solidFill>
+        </p:spPr>
+        <p:txBody>
+          <a:bodyPr wrap="square" rtlCol="0">
+            <a:spAutoFit/>
+          </a:bodyPr>
+          <a:lstStyle/>
+          <a:p>
+            <a:pPr algn="ctr"/>
+            <a:r>
+              <a:rPr lang="fr-FR" sz="7000" u="sng" dirty="0" err="1" smtClean="0">
+                <a:latin typeface="Abadi MT Condensed Extra Bold"/>
+                <a:cs typeface="Abadi MT Condensed Extra Bold"/>
+              </a:rPr>
+              <a:t>Example</a:t>
+            </a:r>
+            <a:r>
+              <a:rPr lang="fr-FR" sz="7000" u="sng" dirty="0" smtClean="0">
+                <a:latin typeface="Abadi MT Condensed Extra Bold"/>
+                <a:cs typeface="Abadi MT Condensed Extra Bold"/>
+              </a:rPr>
+              <a:t> on a </a:t>
+            </a:r>
+            <a:r>
+              <a:rPr lang="fr-FR" sz="7000" u="sng" dirty="0" err="1" smtClean="0">
+                <a:latin typeface="Abadi MT Condensed Extra Bold"/>
+                <a:cs typeface="Abadi MT Condensed Extra Bold"/>
+              </a:rPr>
+              <a:t>conflict</a:t>
+            </a:r>
+            <a:r>
+              <a:rPr lang="fr-FR" sz="7000" u="sng" dirty="0" smtClean="0">
+                <a:latin typeface="Abadi MT Condensed Extra Bold"/>
+                <a:cs typeface="Abadi MT Condensed Extra Bold"/>
+              </a:rPr>
+              <a:t> </a:t>
+            </a:r>
+            <a:r>
+              <a:rPr lang="fr-FR" sz="7000" u="sng" dirty="0" err="1" smtClean="0">
+                <a:latin typeface="Abadi MT Condensed Extra Bold"/>
+                <a:cs typeface="Abadi MT Condensed Extra Bold"/>
+              </a:rPr>
+              <a:t>video</a:t>
+            </a:r>
+            <a:endParaRPr lang="fr-FR" sz="7000" u="sng" dirty="0">
+              <a:latin typeface="Abadi MT Condensed Extra Bold"/>
+              <a:cs typeface="Abadi MT Condensed Extra Bold"/>
+            </a:endParaRPr>
           </a:p>
         </p:txBody>
       </p:sp>

--- a/Monrado/Reports/ECNPPoster.pptx
+++ b/Monrado/Reports/ECNPPoster.pptx
@@ -3553,6 +3553,1670 @@
           <a:chExt cx="0" cy="0"/>
         </a:xfrm>
       </p:grpSpPr>
+      <p:sp>
+        <p:nvSpPr>
+          <p:cNvPr id="3" name="Sous-titre 2"/>
+          <p:cNvSpPr>
+            <a:spLocks noGrp="1"/>
+          </p:cNvSpPr>
+          <p:nvPr>
+            <p:ph type="subTitle" idx="1"/>
+          </p:nvPr>
+        </p:nvSpPr>
+        <p:spPr>
+          <a:xfrm>
+            <a:off x="45360" y="7483923"/>
+            <a:ext cx="16884000" cy="18290874"/>
+          </a:xfrm>
+          <a:ln>
+            <a:noFill/>
+          </a:ln>
+        </p:spPr>
+        <p:txBody>
+          <a:bodyPr>
+            <a:noAutofit/>
+          </a:bodyPr>
+          <a:lstStyle/>
+          <a:p>
+            <a:pPr algn="just"/>
+            <a:r>
+              <a:rPr lang="fr-FR" sz="5500" b="1" dirty="0" smtClean="0">
+                <a:solidFill>
+                  <a:schemeClr val="tx1"/>
+                </a:solidFill>
+                <a:latin typeface="Abadi MT Condensed Extra Bold"/>
+                <a:cs typeface="Abadi MT Condensed Extra Bold"/>
+              </a:rPr>
+              <a:t>Introduction and motivation</a:t>
+            </a:r>
+          </a:p>
+          <a:p>
+            <a:pPr algn="just"/>
+            <a:r>
+              <a:rPr lang="fr-FR" sz="4800" dirty="0" err="1" smtClean="0">
+                <a:solidFill>
+                  <a:schemeClr val="tx1"/>
+                </a:solidFill>
+              </a:rPr>
+              <a:t>Psychotherapy</a:t>
+            </a:r>
+            <a:r>
+              <a:rPr lang="fr-FR" sz="4800" dirty="0" smtClean="0">
+                <a:solidFill>
+                  <a:schemeClr val="tx1"/>
+                </a:solidFill>
+              </a:rPr>
+              <a:t> </a:t>
+            </a:r>
+            <a:r>
+              <a:rPr lang="fr-FR" sz="4800" dirty="0" err="1" smtClean="0">
+                <a:solidFill>
+                  <a:schemeClr val="tx1"/>
+                </a:solidFill>
+              </a:rPr>
+              <a:t>is</a:t>
+            </a:r>
+            <a:r>
+              <a:rPr lang="fr-FR" sz="4800" dirty="0" smtClean="0">
+                <a:solidFill>
+                  <a:schemeClr val="tx1"/>
+                </a:solidFill>
+              </a:rPr>
+              <a:t> an important part of </a:t>
+            </a:r>
+            <a:r>
+              <a:rPr lang="fr-FR" sz="4800" dirty="0" err="1" smtClean="0">
+                <a:solidFill>
+                  <a:schemeClr val="tx1"/>
+                </a:solidFill>
+              </a:rPr>
+              <a:t>treatment</a:t>
+            </a:r>
+            <a:r>
+              <a:rPr lang="fr-FR" sz="4800" dirty="0" smtClean="0">
+                <a:solidFill>
+                  <a:schemeClr val="tx1"/>
+                </a:solidFill>
+              </a:rPr>
+              <a:t> of mental </a:t>
+            </a:r>
+            <a:r>
+              <a:rPr lang="fr-FR" sz="4800" dirty="0" err="1" smtClean="0">
+                <a:solidFill>
+                  <a:schemeClr val="tx1"/>
+                </a:solidFill>
+              </a:rPr>
+              <a:t>disorders</a:t>
+            </a:r>
+            <a:r>
+              <a:rPr lang="fr-FR" sz="4800" dirty="0" smtClean="0">
+                <a:solidFill>
+                  <a:schemeClr val="tx1"/>
+                </a:solidFill>
+              </a:rPr>
+              <a:t> </a:t>
+            </a:r>
+            <a:r>
+              <a:rPr lang="fr-FR" sz="4800" dirty="0" err="1" smtClean="0">
+                <a:solidFill>
+                  <a:schemeClr val="tx1"/>
+                </a:solidFill>
+              </a:rPr>
+              <a:t>alone</a:t>
+            </a:r>
+            <a:r>
+              <a:rPr lang="fr-FR" sz="4800" dirty="0" smtClean="0">
+                <a:solidFill>
+                  <a:schemeClr val="tx1"/>
+                </a:solidFill>
+              </a:rPr>
+              <a:t> or </a:t>
+            </a:r>
+            <a:r>
+              <a:rPr lang="fr-FR" sz="4800" dirty="0" err="1" smtClean="0">
+                <a:solidFill>
+                  <a:schemeClr val="tx1"/>
+                </a:solidFill>
+              </a:rPr>
+              <a:t>complementary</a:t>
+            </a:r>
+            <a:r>
+              <a:rPr lang="fr-FR" sz="4800" dirty="0" smtClean="0">
+                <a:solidFill>
+                  <a:schemeClr val="tx1"/>
+                </a:solidFill>
+              </a:rPr>
+              <a:t> </a:t>
+            </a:r>
+            <a:r>
+              <a:rPr lang="fr-FR" sz="4800" dirty="0" err="1" smtClean="0">
+                <a:solidFill>
+                  <a:schemeClr val="tx1"/>
+                </a:solidFill>
+              </a:rPr>
+              <a:t>with</a:t>
+            </a:r>
+            <a:r>
+              <a:rPr lang="fr-FR" sz="4800" dirty="0" smtClean="0">
+                <a:solidFill>
+                  <a:schemeClr val="tx1"/>
+                </a:solidFill>
+              </a:rPr>
+              <a:t> </a:t>
+            </a:r>
+            <a:r>
+              <a:rPr lang="fr-FR" sz="4800" dirty="0" err="1" smtClean="0">
+                <a:solidFill>
+                  <a:schemeClr val="tx1"/>
+                </a:solidFill>
+              </a:rPr>
+              <a:t>pharmacotherapy</a:t>
+            </a:r>
+            <a:r>
+              <a:rPr lang="fr-FR" sz="4800" dirty="0" smtClean="0">
+                <a:solidFill>
+                  <a:schemeClr val="tx1"/>
+                </a:solidFill>
+              </a:rPr>
+              <a:t>. </a:t>
+            </a:r>
+            <a:r>
+              <a:rPr lang="fr-FR" sz="4800" dirty="0" err="1" smtClean="0">
+                <a:solidFill>
+                  <a:schemeClr val="tx1"/>
+                </a:solidFill>
+              </a:rPr>
+              <a:t>Some</a:t>
+            </a:r>
+            <a:r>
+              <a:rPr lang="fr-FR" sz="4800" dirty="0" smtClean="0">
+                <a:solidFill>
+                  <a:schemeClr val="tx1"/>
+                </a:solidFill>
+              </a:rPr>
+              <a:t> </a:t>
+            </a:r>
+            <a:r>
+              <a:rPr lang="fr-FR" sz="4800" dirty="0" smtClean="0">
+                <a:solidFill>
+                  <a:schemeClr val="tx1"/>
+                </a:solidFill>
+              </a:rPr>
+              <a:t>techniques are </a:t>
+            </a:r>
+            <a:r>
+              <a:rPr lang="fr-FR" sz="4800" dirty="0" err="1" smtClean="0">
+                <a:solidFill>
+                  <a:schemeClr val="tx1"/>
+                </a:solidFill>
+              </a:rPr>
+              <a:t>now</a:t>
+            </a:r>
+            <a:r>
+              <a:rPr lang="fr-FR" sz="4800" dirty="0" smtClean="0">
+                <a:solidFill>
+                  <a:schemeClr val="tx1"/>
+                </a:solidFill>
+              </a:rPr>
+              <a:t> </a:t>
+            </a:r>
+            <a:r>
+              <a:rPr lang="fr-FR" sz="4800" dirty="0" err="1" smtClean="0">
+                <a:solidFill>
+                  <a:schemeClr val="tx1"/>
+                </a:solidFill>
+              </a:rPr>
+              <a:t>widely</a:t>
+            </a:r>
+            <a:r>
+              <a:rPr lang="fr-FR" sz="4800" dirty="0" smtClean="0">
+                <a:solidFill>
+                  <a:schemeClr val="tx1"/>
+                </a:solidFill>
+              </a:rPr>
+              <a:t> </a:t>
+            </a:r>
+            <a:r>
+              <a:rPr lang="fr-FR" sz="4800" dirty="0" err="1" smtClean="0">
+                <a:solidFill>
+                  <a:schemeClr val="tx1"/>
+                </a:solidFill>
+              </a:rPr>
+              <a:t>evidence-based</a:t>
+            </a:r>
+            <a:r>
+              <a:rPr lang="fr-FR" sz="4800" dirty="0" smtClean="0">
+                <a:solidFill>
+                  <a:schemeClr val="tx1"/>
+                </a:solidFill>
+              </a:rPr>
+              <a:t> and </a:t>
+            </a:r>
+            <a:r>
+              <a:rPr lang="fr-FR" sz="4800" dirty="0" err="1" smtClean="0">
+                <a:solidFill>
+                  <a:schemeClr val="tx1"/>
+                </a:solidFill>
+              </a:rPr>
+              <a:t>very</a:t>
+            </a:r>
+            <a:r>
+              <a:rPr lang="fr-FR" sz="4800" dirty="0" smtClean="0">
+                <a:solidFill>
+                  <a:schemeClr val="tx1"/>
+                </a:solidFill>
+              </a:rPr>
+              <a:t> </a:t>
+            </a:r>
+            <a:r>
+              <a:rPr lang="fr-FR" sz="4800" dirty="0" err="1" smtClean="0">
+                <a:solidFill>
+                  <a:schemeClr val="tx1"/>
+                </a:solidFill>
+              </a:rPr>
+              <a:t>cost</a:t>
+            </a:r>
+            <a:r>
+              <a:rPr lang="fr-FR" sz="4800" dirty="0" smtClean="0">
+                <a:solidFill>
+                  <a:schemeClr val="tx1"/>
+                </a:solidFill>
+              </a:rPr>
+              <a:t> effective (</a:t>
+            </a:r>
+            <a:r>
+              <a:rPr lang="fr-FR" sz="4800" dirty="0" err="1" smtClean="0">
+                <a:solidFill>
+                  <a:schemeClr val="tx1"/>
+                </a:solidFill>
+              </a:rPr>
+              <a:t>Layard</a:t>
+            </a:r>
+            <a:r>
+              <a:rPr lang="fr-FR" sz="4800" dirty="0" smtClean="0">
+                <a:solidFill>
+                  <a:schemeClr val="tx1"/>
+                </a:solidFill>
+              </a:rPr>
+              <a:t> &amp; Clark, 2014).</a:t>
+            </a:r>
+          </a:p>
+          <a:p>
+            <a:pPr algn="just"/>
+            <a:endParaRPr lang="fr-FR" sz="4800" dirty="0">
+              <a:solidFill>
+                <a:schemeClr val="tx1"/>
+              </a:solidFill>
+            </a:endParaRPr>
+          </a:p>
+          <a:p>
+            <a:pPr algn="just"/>
+            <a:r>
+              <a:rPr lang="fr-FR" sz="4800" dirty="0" smtClean="0">
+                <a:solidFill>
+                  <a:schemeClr val="tx1"/>
+                </a:solidFill>
+              </a:rPr>
+              <a:t>Most of </a:t>
+            </a:r>
+            <a:r>
+              <a:rPr lang="fr-FR" sz="4800" dirty="0" smtClean="0">
+                <a:solidFill>
+                  <a:schemeClr val="tx1"/>
+                </a:solidFill>
+              </a:rPr>
+              <a:t>the </a:t>
+            </a:r>
+            <a:r>
+              <a:rPr lang="fr-FR" sz="4800" dirty="0" err="1" smtClean="0">
+                <a:solidFill>
+                  <a:schemeClr val="tx1"/>
+                </a:solidFill>
+              </a:rPr>
+              <a:t>studies</a:t>
+            </a:r>
+            <a:r>
+              <a:rPr lang="fr-FR" sz="4800" dirty="0" smtClean="0">
+                <a:solidFill>
+                  <a:schemeClr val="tx1"/>
+                </a:solidFill>
+              </a:rPr>
+              <a:t> </a:t>
+            </a:r>
+            <a:r>
+              <a:rPr lang="fr-FR" sz="4800" dirty="0" smtClean="0">
+                <a:solidFill>
+                  <a:schemeClr val="tx1"/>
+                </a:solidFill>
+              </a:rPr>
+              <a:t>are </a:t>
+            </a:r>
+            <a:r>
+              <a:rPr lang="fr-FR" sz="4800" dirty="0" err="1" smtClean="0">
+                <a:solidFill>
+                  <a:schemeClr val="tx1"/>
+                </a:solidFill>
+              </a:rPr>
+              <a:t>indirectly</a:t>
+            </a:r>
+            <a:r>
+              <a:rPr lang="fr-FR" sz="4800" dirty="0" smtClean="0">
+                <a:solidFill>
+                  <a:schemeClr val="tx1"/>
+                </a:solidFill>
+              </a:rPr>
+              <a:t> </a:t>
+            </a:r>
+            <a:r>
+              <a:rPr lang="fr-FR" sz="4800" dirty="0" err="1" smtClean="0">
+                <a:solidFill>
+                  <a:schemeClr val="tx1"/>
+                </a:solidFill>
+              </a:rPr>
+              <a:t>based</a:t>
+            </a:r>
+            <a:r>
+              <a:rPr lang="fr-FR" sz="4800" dirty="0" smtClean="0">
+                <a:solidFill>
+                  <a:schemeClr val="tx1"/>
+                </a:solidFill>
+              </a:rPr>
+              <a:t> on patient </a:t>
+            </a:r>
+            <a:r>
+              <a:rPr lang="fr-FR" sz="4800" dirty="0" err="1" smtClean="0">
+                <a:solidFill>
+                  <a:schemeClr val="tx1"/>
+                </a:solidFill>
+              </a:rPr>
+              <a:t>reported</a:t>
+            </a:r>
+            <a:r>
+              <a:rPr lang="fr-FR" sz="4800" dirty="0" smtClean="0">
+                <a:solidFill>
+                  <a:schemeClr val="tx1"/>
+                </a:solidFill>
+              </a:rPr>
+              <a:t> </a:t>
+            </a:r>
+            <a:r>
+              <a:rPr lang="fr-FR" sz="4800" dirty="0" err="1" smtClean="0">
+                <a:solidFill>
+                  <a:schemeClr val="tx1"/>
+                </a:solidFill>
+              </a:rPr>
+              <a:t>outcomes</a:t>
+            </a:r>
+            <a:r>
+              <a:rPr lang="fr-FR" sz="4800" dirty="0" smtClean="0">
+                <a:solidFill>
+                  <a:schemeClr val="tx1"/>
+                </a:solidFill>
+              </a:rPr>
+              <a:t> or </a:t>
+            </a:r>
+            <a:r>
+              <a:rPr lang="fr-FR" sz="4800" dirty="0" err="1" smtClean="0">
+                <a:solidFill>
+                  <a:schemeClr val="tx1"/>
+                </a:solidFill>
+              </a:rPr>
+              <a:t>problematic</a:t>
+            </a:r>
+            <a:r>
+              <a:rPr lang="fr-FR" sz="4800" dirty="0" smtClean="0">
+                <a:solidFill>
+                  <a:schemeClr val="tx1"/>
+                </a:solidFill>
+              </a:rPr>
+              <a:t> </a:t>
+            </a:r>
+            <a:r>
+              <a:rPr lang="fr-FR" sz="4800" dirty="0" err="1" smtClean="0">
+                <a:solidFill>
+                  <a:schemeClr val="tx1"/>
+                </a:solidFill>
+              </a:rPr>
+              <a:t>behaviors</a:t>
+            </a:r>
+            <a:r>
+              <a:rPr lang="fr-FR" sz="4800" dirty="0" smtClean="0">
+                <a:solidFill>
+                  <a:schemeClr val="tx1"/>
+                </a:solidFill>
+              </a:rPr>
+              <a:t> </a:t>
+            </a:r>
+            <a:r>
+              <a:rPr lang="fr-FR" sz="4800" dirty="0" err="1" smtClean="0">
+                <a:solidFill>
+                  <a:schemeClr val="tx1"/>
+                </a:solidFill>
+              </a:rPr>
+              <a:t>that</a:t>
+            </a:r>
+            <a:r>
+              <a:rPr lang="fr-FR" sz="4800" dirty="0" smtClean="0">
+                <a:solidFill>
+                  <a:schemeClr val="tx1"/>
+                </a:solidFill>
+              </a:rPr>
+              <a:t> are </a:t>
+            </a:r>
+            <a:r>
+              <a:rPr lang="fr-FR" sz="4800" dirty="0" err="1" smtClean="0">
+                <a:solidFill>
+                  <a:schemeClr val="tx1"/>
+                </a:solidFill>
+              </a:rPr>
+              <a:t>evaluated</a:t>
+            </a:r>
+            <a:r>
+              <a:rPr lang="fr-FR" sz="4800" dirty="0" smtClean="0">
+                <a:solidFill>
+                  <a:schemeClr val="tx1"/>
+                </a:solidFill>
+              </a:rPr>
+              <a:t> </a:t>
+            </a:r>
+            <a:r>
+              <a:rPr lang="fr-FR" sz="4800" dirty="0" err="1" smtClean="0">
+                <a:solidFill>
+                  <a:schemeClr val="tx1"/>
+                </a:solidFill>
+              </a:rPr>
+              <a:t>before</a:t>
+            </a:r>
+            <a:r>
+              <a:rPr lang="fr-FR" sz="4800" dirty="0" smtClean="0">
+                <a:solidFill>
+                  <a:schemeClr val="tx1"/>
+                </a:solidFill>
+              </a:rPr>
+              <a:t> and </a:t>
+            </a:r>
+            <a:r>
+              <a:rPr lang="fr-FR" sz="4800" dirty="0" err="1" smtClean="0">
+                <a:solidFill>
+                  <a:schemeClr val="tx1"/>
+                </a:solidFill>
+              </a:rPr>
+              <a:t>after</a:t>
+            </a:r>
+            <a:r>
+              <a:rPr lang="fr-FR" sz="4800" dirty="0" smtClean="0">
+                <a:solidFill>
+                  <a:schemeClr val="tx1"/>
+                </a:solidFill>
+              </a:rPr>
+              <a:t> the </a:t>
+            </a:r>
+            <a:r>
+              <a:rPr lang="fr-FR" sz="4800" dirty="0" err="1" smtClean="0">
+                <a:solidFill>
+                  <a:schemeClr val="tx1"/>
+                </a:solidFill>
+              </a:rPr>
+              <a:t>psychotherapy</a:t>
+            </a:r>
+            <a:r>
+              <a:rPr lang="fr-FR" sz="4800" dirty="0" smtClean="0">
+                <a:solidFill>
+                  <a:schemeClr val="tx1"/>
+                </a:solidFill>
+              </a:rPr>
+              <a:t>. </a:t>
+            </a:r>
+            <a:r>
+              <a:rPr lang="fr-FR" sz="4800" dirty="0" err="1" smtClean="0">
+                <a:solidFill>
+                  <a:schemeClr val="tx1"/>
+                </a:solidFill>
+              </a:rPr>
+              <a:t>Unfortunatelly</a:t>
+            </a:r>
+            <a:r>
+              <a:rPr lang="fr-FR" sz="4800" dirty="0" smtClean="0">
+                <a:solidFill>
+                  <a:schemeClr val="tx1"/>
+                </a:solidFill>
+              </a:rPr>
+              <a:t>, </a:t>
+            </a:r>
+            <a:r>
+              <a:rPr lang="fr-FR" sz="4800" dirty="0" err="1" smtClean="0">
+                <a:solidFill>
+                  <a:schemeClr val="tx1"/>
+                </a:solidFill>
+              </a:rPr>
+              <a:t>studies</a:t>
+            </a:r>
+            <a:r>
+              <a:rPr lang="fr-FR" sz="4800" dirty="0" smtClean="0">
+                <a:solidFill>
+                  <a:schemeClr val="tx1"/>
+                </a:solidFill>
+              </a:rPr>
+              <a:t> </a:t>
+            </a:r>
+            <a:r>
+              <a:rPr lang="fr-FR" sz="4800" dirty="0" err="1" smtClean="0">
+                <a:solidFill>
+                  <a:schemeClr val="tx1"/>
+                </a:solidFill>
+              </a:rPr>
+              <a:t>hardly</a:t>
+            </a:r>
+            <a:r>
+              <a:rPr lang="fr-FR" sz="4800" dirty="0" smtClean="0">
+                <a:solidFill>
+                  <a:schemeClr val="tx1"/>
+                </a:solidFill>
+              </a:rPr>
+              <a:t> control </a:t>
+            </a:r>
+            <a:r>
+              <a:rPr lang="fr-FR" sz="4800" dirty="0" err="1" smtClean="0">
+                <a:solidFill>
+                  <a:schemeClr val="tx1"/>
+                </a:solidFill>
+              </a:rPr>
+              <a:t>what</a:t>
+            </a:r>
+            <a:r>
+              <a:rPr lang="fr-FR" sz="4800" dirty="0" smtClean="0">
+                <a:solidFill>
+                  <a:schemeClr val="tx1"/>
+                </a:solidFill>
+              </a:rPr>
+              <a:t> </a:t>
+            </a:r>
+            <a:r>
+              <a:rPr lang="fr-FR" sz="4800" dirty="0" err="1" smtClean="0">
+                <a:solidFill>
+                  <a:schemeClr val="tx1"/>
+                </a:solidFill>
+              </a:rPr>
+              <a:t>is</a:t>
+            </a:r>
+            <a:r>
+              <a:rPr lang="fr-FR" sz="4800" dirty="0" smtClean="0">
+                <a:solidFill>
+                  <a:schemeClr val="tx1"/>
+                </a:solidFill>
+              </a:rPr>
+              <a:t> </a:t>
+            </a:r>
+            <a:r>
+              <a:rPr lang="fr-FR" sz="4800" dirty="0" err="1" smtClean="0">
+                <a:solidFill>
+                  <a:schemeClr val="tx1"/>
+                </a:solidFill>
+              </a:rPr>
+              <a:t>directly</a:t>
+            </a:r>
+            <a:r>
+              <a:rPr lang="fr-FR" sz="4800" dirty="0" smtClean="0">
+                <a:solidFill>
+                  <a:schemeClr val="tx1"/>
+                </a:solidFill>
+              </a:rPr>
+              <a:t> happening </a:t>
+            </a:r>
+            <a:r>
+              <a:rPr lang="fr-FR" sz="4800" dirty="0" err="1" smtClean="0">
+                <a:solidFill>
+                  <a:schemeClr val="tx1"/>
+                </a:solidFill>
+              </a:rPr>
+              <a:t>during</a:t>
+            </a:r>
+            <a:r>
+              <a:rPr lang="fr-FR" sz="4800" dirty="0" smtClean="0">
+                <a:solidFill>
+                  <a:schemeClr val="tx1"/>
+                </a:solidFill>
+              </a:rPr>
+              <a:t> </a:t>
+            </a:r>
+            <a:r>
+              <a:rPr lang="fr-FR" sz="4800" dirty="0" err="1" smtClean="0">
+                <a:solidFill>
+                  <a:schemeClr val="tx1"/>
+                </a:solidFill>
+              </a:rPr>
+              <a:t>psychotherapy</a:t>
+            </a:r>
+            <a:r>
+              <a:rPr lang="fr-FR" sz="4800" dirty="0" smtClean="0">
+                <a:solidFill>
+                  <a:schemeClr val="tx1"/>
+                </a:solidFill>
+              </a:rPr>
+              <a:t>, </a:t>
+            </a:r>
+            <a:r>
+              <a:rPr lang="fr-FR" sz="4800" dirty="0" err="1" smtClean="0">
+                <a:solidFill>
+                  <a:schemeClr val="tx1"/>
+                </a:solidFill>
+              </a:rPr>
+              <a:t>especially</a:t>
+            </a:r>
+            <a:r>
+              <a:rPr lang="fr-FR" sz="4800" dirty="0" smtClean="0">
+                <a:solidFill>
+                  <a:schemeClr val="tx1"/>
+                </a:solidFill>
+              </a:rPr>
+              <a:t> the interaction </a:t>
+            </a:r>
+            <a:r>
+              <a:rPr lang="fr-FR" sz="4800" dirty="0" err="1" smtClean="0">
+                <a:solidFill>
+                  <a:schemeClr val="tx1"/>
+                </a:solidFill>
+              </a:rPr>
+              <a:t>between</a:t>
+            </a:r>
+            <a:r>
+              <a:rPr lang="fr-FR" sz="4800" dirty="0" smtClean="0">
+                <a:solidFill>
+                  <a:schemeClr val="tx1"/>
+                </a:solidFill>
+              </a:rPr>
+              <a:t> the patient and the </a:t>
+            </a:r>
+            <a:r>
+              <a:rPr lang="fr-FR" sz="4800" dirty="0" err="1" smtClean="0">
+                <a:solidFill>
+                  <a:schemeClr val="tx1"/>
+                </a:solidFill>
+              </a:rPr>
+              <a:t>therapist</a:t>
+            </a:r>
+            <a:r>
+              <a:rPr lang="fr-FR" sz="4800" dirty="0" smtClean="0">
+                <a:solidFill>
+                  <a:schemeClr val="tx1"/>
+                </a:solidFill>
+              </a:rPr>
+              <a:t> </a:t>
+            </a:r>
+            <a:r>
+              <a:rPr lang="fr-FR" sz="4800" dirty="0" err="1" smtClean="0">
+                <a:solidFill>
+                  <a:schemeClr val="tx1"/>
+                </a:solidFill>
+              </a:rPr>
+              <a:t>that</a:t>
+            </a:r>
+            <a:r>
+              <a:rPr lang="fr-FR" sz="4800" dirty="0" smtClean="0">
+                <a:solidFill>
+                  <a:schemeClr val="tx1"/>
+                </a:solidFill>
+              </a:rPr>
+              <a:t> </a:t>
+            </a:r>
+            <a:r>
+              <a:rPr lang="fr-FR" sz="4800" dirty="0" err="1" smtClean="0">
+                <a:solidFill>
+                  <a:schemeClr val="tx1"/>
+                </a:solidFill>
+              </a:rPr>
+              <a:t>could</a:t>
+            </a:r>
+            <a:r>
+              <a:rPr lang="fr-FR" sz="4800" dirty="0" smtClean="0">
+                <a:solidFill>
+                  <a:schemeClr val="tx1"/>
+                </a:solidFill>
+              </a:rPr>
+              <a:t> </a:t>
+            </a:r>
+            <a:r>
+              <a:rPr lang="fr-FR" sz="4800" dirty="0" err="1" smtClean="0">
+                <a:solidFill>
+                  <a:schemeClr val="tx1"/>
+                </a:solidFill>
+              </a:rPr>
+              <a:t>be</a:t>
+            </a:r>
+            <a:r>
+              <a:rPr lang="fr-FR" sz="4800" dirty="0" smtClean="0">
+                <a:solidFill>
+                  <a:schemeClr val="tx1"/>
+                </a:solidFill>
+              </a:rPr>
+              <a:t> a </a:t>
+            </a:r>
+            <a:r>
+              <a:rPr lang="fr-FR" sz="4800" dirty="0" err="1" smtClean="0">
+                <a:solidFill>
+                  <a:schemeClr val="tx1"/>
+                </a:solidFill>
+              </a:rPr>
+              <a:t>predictor</a:t>
+            </a:r>
+            <a:r>
+              <a:rPr lang="fr-FR" sz="4800" dirty="0" smtClean="0">
+                <a:solidFill>
+                  <a:schemeClr val="tx1"/>
+                </a:solidFill>
+              </a:rPr>
+              <a:t> of the </a:t>
+            </a:r>
+            <a:r>
+              <a:rPr lang="fr-FR" sz="4800" dirty="0" err="1" smtClean="0">
+                <a:solidFill>
+                  <a:schemeClr val="tx1"/>
+                </a:solidFill>
+              </a:rPr>
+              <a:t>psychotherapy</a:t>
+            </a:r>
+            <a:r>
+              <a:rPr lang="fr-FR" sz="4800" dirty="0" smtClean="0">
+                <a:solidFill>
+                  <a:schemeClr val="tx1"/>
+                </a:solidFill>
+              </a:rPr>
+              <a:t> </a:t>
+            </a:r>
+            <a:r>
+              <a:rPr lang="fr-FR" sz="4800" dirty="0" err="1" smtClean="0">
+                <a:solidFill>
+                  <a:schemeClr val="tx1"/>
+                </a:solidFill>
+              </a:rPr>
+              <a:t>efficacy</a:t>
+            </a:r>
+            <a:r>
+              <a:rPr lang="fr-FR" sz="4800" dirty="0" smtClean="0">
+                <a:solidFill>
+                  <a:schemeClr val="tx1"/>
+                </a:solidFill>
+              </a:rPr>
+              <a:t>. </a:t>
+            </a:r>
+            <a:r>
+              <a:rPr lang="fr-FR" sz="4800" dirty="0" err="1" smtClean="0">
+                <a:solidFill>
+                  <a:schemeClr val="tx1"/>
+                </a:solidFill>
+              </a:rPr>
+              <a:t>Consequently</a:t>
+            </a:r>
+            <a:r>
+              <a:rPr lang="fr-FR" sz="4800" dirty="0" smtClean="0">
+                <a:solidFill>
+                  <a:schemeClr val="tx1"/>
+                </a:solidFill>
+              </a:rPr>
+              <a:t>,  </a:t>
+            </a:r>
+            <a:r>
+              <a:rPr lang="fr-FR" sz="4800" dirty="0" err="1" smtClean="0">
+                <a:solidFill>
+                  <a:schemeClr val="tx1"/>
+                </a:solidFill>
+              </a:rPr>
+              <a:t>it</a:t>
+            </a:r>
+            <a:r>
+              <a:rPr lang="fr-FR" sz="4800" dirty="0" smtClean="0">
+                <a:solidFill>
+                  <a:schemeClr val="tx1"/>
+                </a:solidFill>
+              </a:rPr>
+              <a:t> </a:t>
+            </a:r>
+            <a:r>
+              <a:rPr lang="fr-FR" sz="4800" dirty="0" err="1" smtClean="0">
+                <a:solidFill>
+                  <a:schemeClr val="tx1"/>
+                </a:solidFill>
+              </a:rPr>
+              <a:t>is</a:t>
+            </a:r>
+            <a:r>
+              <a:rPr lang="fr-FR" sz="4800" dirty="0" smtClean="0">
+                <a:solidFill>
+                  <a:schemeClr val="tx1"/>
+                </a:solidFill>
+              </a:rPr>
+              <a:t> </a:t>
+            </a:r>
+            <a:r>
+              <a:rPr lang="fr-FR" sz="4800" dirty="0" err="1" smtClean="0">
+                <a:solidFill>
+                  <a:schemeClr val="tx1"/>
+                </a:solidFill>
+              </a:rPr>
+              <a:t>difficult</a:t>
+            </a:r>
+            <a:r>
+              <a:rPr lang="fr-FR" sz="4800" dirty="0" smtClean="0">
+                <a:solidFill>
+                  <a:schemeClr val="tx1"/>
+                </a:solidFill>
+              </a:rPr>
+              <a:t> to </a:t>
+            </a:r>
+            <a:r>
+              <a:rPr lang="fr-FR" sz="4800" dirty="0" err="1" smtClean="0">
+                <a:solidFill>
+                  <a:schemeClr val="tx1"/>
+                </a:solidFill>
+              </a:rPr>
+              <a:t>make</a:t>
+            </a:r>
+            <a:r>
+              <a:rPr lang="fr-FR" sz="4800" dirty="0" smtClean="0">
+                <a:solidFill>
+                  <a:schemeClr val="tx1"/>
+                </a:solidFill>
+              </a:rPr>
+              <a:t> </a:t>
+            </a:r>
+            <a:r>
+              <a:rPr lang="fr-FR" sz="4800" dirty="0" err="1" smtClean="0">
+                <a:solidFill>
+                  <a:schemeClr val="tx1"/>
+                </a:solidFill>
+              </a:rPr>
+              <a:t>precise</a:t>
+            </a:r>
+            <a:r>
+              <a:rPr lang="fr-FR" sz="4800" dirty="0" smtClean="0">
+                <a:solidFill>
+                  <a:schemeClr val="tx1"/>
+                </a:solidFill>
+              </a:rPr>
+              <a:t> links </a:t>
+            </a:r>
+            <a:r>
+              <a:rPr lang="fr-FR" sz="4800" dirty="0" err="1" smtClean="0">
+                <a:solidFill>
+                  <a:schemeClr val="tx1"/>
+                </a:solidFill>
+              </a:rPr>
+              <a:t>between</a:t>
+            </a:r>
+            <a:r>
+              <a:rPr lang="fr-FR" sz="4800" dirty="0" smtClean="0">
+                <a:solidFill>
+                  <a:schemeClr val="tx1"/>
+                </a:solidFill>
+              </a:rPr>
+              <a:t> </a:t>
+            </a:r>
+            <a:r>
+              <a:rPr lang="fr-FR" sz="4800" dirty="0" err="1" smtClean="0">
+                <a:solidFill>
+                  <a:schemeClr val="tx1"/>
+                </a:solidFill>
+              </a:rPr>
+              <a:t>theory</a:t>
+            </a:r>
+            <a:r>
+              <a:rPr lang="fr-FR" sz="4800" dirty="0" smtClean="0">
+                <a:solidFill>
+                  <a:schemeClr val="tx1"/>
+                </a:solidFill>
+              </a:rPr>
+              <a:t> and practice, control </a:t>
+            </a:r>
+            <a:r>
+              <a:rPr lang="fr-FR" sz="4800" dirty="0" err="1" smtClean="0">
+                <a:solidFill>
+                  <a:schemeClr val="tx1"/>
+                </a:solidFill>
+              </a:rPr>
+              <a:t>its</a:t>
+            </a:r>
+            <a:r>
+              <a:rPr lang="fr-FR" sz="4800" dirty="0" smtClean="0">
+                <a:solidFill>
+                  <a:schemeClr val="tx1"/>
+                </a:solidFill>
+              </a:rPr>
+              <a:t> application </a:t>
+            </a:r>
+            <a:r>
+              <a:rPr lang="fr-FR" sz="4800" dirty="0" smtClean="0">
+                <a:solidFill>
+                  <a:schemeClr val="tx1"/>
+                </a:solidFill>
+              </a:rPr>
+              <a:t>and </a:t>
+            </a:r>
+            <a:r>
+              <a:rPr lang="fr-FR" sz="4800" dirty="0" err="1">
+                <a:solidFill>
+                  <a:schemeClr val="tx1"/>
+                </a:solidFill>
+              </a:rPr>
+              <a:t>understand</a:t>
+            </a:r>
+            <a:r>
+              <a:rPr lang="fr-FR" sz="4800" dirty="0">
+                <a:solidFill>
+                  <a:schemeClr val="tx1"/>
+                </a:solidFill>
+              </a:rPr>
+              <a:t> </a:t>
+            </a:r>
+            <a:r>
+              <a:rPr lang="fr-FR" sz="4800" dirty="0" err="1">
+                <a:solidFill>
+                  <a:schemeClr val="tx1"/>
+                </a:solidFill>
+              </a:rPr>
+              <a:t>which</a:t>
+            </a:r>
+            <a:r>
+              <a:rPr lang="fr-FR" sz="4800" dirty="0">
+                <a:solidFill>
+                  <a:schemeClr val="tx1"/>
+                </a:solidFill>
+              </a:rPr>
+              <a:t> of </a:t>
+            </a:r>
+            <a:r>
+              <a:rPr lang="fr-FR" sz="4800" dirty="0" err="1" smtClean="0">
+                <a:solidFill>
+                  <a:schemeClr val="tx1"/>
+                </a:solidFill>
+              </a:rPr>
+              <a:t>its</a:t>
+            </a:r>
+            <a:r>
+              <a:rPr lang="fr-FR" sz="4800" dirty="0" smtClean="0">
+                <a:solidFill>
+                  <a:schemeClr val="tx1"/>
+                </a:solidFill>
+              </a:rPr>
+              <a:t> </a:t>
+            </a:r>
+            <a:r>
+              <a:rPr lang="fr-FR" sz="4800" dirty="0" err="1" smtClean="0">
+                <a:solidFill>
+                  <a:schemeClr val="tx1"/>
+                </a:solidFill>
+              </a:rPr>
+              <a:t>ingredients</a:t>
+            </a:r>
+            <a:r>
+              <a:rPr lang="fr-FR" sz="4800" dirty="0" smtClean="0">
+                <a:solidFill>
+                  <a:schemeClr val="tx1"/>
+                </a:solidFill>
+              </a:rPr>
+              <a:t> </a:t>
+            </a:r>
+            <a:r>
+              <a:rPr lang="fr-FR" sz="4800" dirty="0">
+                <a:solidFill>
+                  <a:schemeClr val="tx1"/>
+                </a:solidFill>
+              </a:rPr>
+              <a:t>are the </a:t>
+            </a:r>
+            <a:r>
+              <a:rPr lang="fr-FR" sz="4800" dirty="0" err="1">
+                <a:solidFill>
+                  <a:schemeClr val="tx1"/>
+                </a:solidFill>
+              </a:rPr>
+              <a:t>most</a:t>
+            </a:r>
+            <a:r>
+              <a:rPr lang="fr-FR" sz="4800" dirty="0">
+                <a:solidFill>
+                  <a:schemeClr val="tx1"/>
+                </a:solidFill>
+              </a:rPr>
+              <a:t> </a:t>
+            </a:r>
+            <a:r>
+              <a:rPr lang="fr-FR" sz="4800" dirty="0" smtClean="0">
+                <a:solidFill>
+                  <a:schemeClr val="tx1"/>
+                </a:solidFill>
+              </a:rPr>
+              <a:t>important. </a:t>
+            </a:r>
+            <a:endParaRPr lang="fr-FR" sz="4800" dirty="0">
+              <a:solidFill>
+                <a:schemeClr val="tx1"/>
+              </a:solidFill>
+            </a:endParaRPr>
+          </a:p>
+          <a:p>
+            <a:pPr algn="just"/>
+            <a:r>
+              <a:rPr lang="fr-FR" sz="4800" dirty="0" smtClean="0">
+                <a:solidFill>
+                  <a:schemeClr val="tx1"/>
+                </a:solidFill>
+              </a:rPr>
+              <a:t>It </a:t>
+            </a:r>
+            <a:r>
+              <a:rPr lang="fr-FR" sz="4800" dirty="0" err="1" smtClean="0">
+                <a:solidFill>
+                  <a:schemeClr val="tx1"/>
+                </a:solidFill>
+              </a:rPr>
+              <a:t>is</a:t>
+            </a:r>
+            <a:r>
+              <a:rPr lang="fr-FR" sz="4800" dirty="0" smtClean="0">
+                <a:solidFill>
+                  <a:schemeClr val="tx1"/>
+                </a:solidFill>
+              </a:rPr>
+              <a:t> </a:t>
+            </a:r>
+            <a:r>
+              <a:rPr lang="fr-FR" sz="4800" dirty="0" err="1" smtClean="0">
+                <a:solidFill>
+                  <a:schemeClr val="tx1"/>
+                </a:solidFill>
+              </a:rPr>
+              <a:t>yet</a:t>
+            </a:r>
+            <a:r>
+              <a:rPr lang="fr-FR" sz="4800" dirty="0" smtClean="0">
+                <a:solidFill>
+                  <a:schemeClr val="tx1"/>
+                </a:solidFill>
+              </a:rPr>
+              <a:t> possible to </a:t>
+            </a:r>
+            <a:r>
+              <a:rPr lang="fr-FR" sz="4800" dirty="0" err="1" smtClean="0">
+                <a:solidFill>
+                  <a:schemeClr val="tx1"/>
+                </a:solidFill>
+              </a:rPr>
+              <a:t>annotate</a:t>
+            </a:r>
+            <a:r>
+              <a:rPr lang="fr-FR" sz="4800" dirty="0" smtClean="0">
+                <a:solidFill>
+                  <a:schemeClr val="tx1"/>
+                </a:solidFill>
+              </a:rPr>
+              <a:t> </a:t>
+            </a:r>
+            <a:r>
+              <a:rPr lang="fr-FR" sz="4800" dirty="0" err="1" smtClean="0">
+                <a:solidFill>
+                  <a:schemeClr val="tx1"/>
+                </a:solidFill>
+              </a:rPr>
+              <a:t>manually</a:t>
+            </a:r>
+            <a:r>
+              <a:rPr lang="fr-FR" sz="4800" dirty="0" smtClean="0">
+                <a:solidFill>
+                  <a:schemeClr val="tx1"/>
+                </a:solidFill>
+              </a:rPr>
+              <a:t> </a:t>
+            </a:r>
+            <a:r>
+              <a:rPr lang="fr-FR" sz="4800" dirty="0" err="1" smtClean="0">
+                <a:solidFill>
+                  <a:schemeClr val="tx1"/>
+                </a:solidFill>
+              </a:rPr>
+              <a:t>videos</a:t>
+            </a:r>
+            <a:r>
+              <a:rPr lang="fr-FR" sz="4800" dirty="0" smtClean="0">
+                <a:solidFill>
+                  <a:schemeClr val="tx1"/>
+                </a:solidFill>
+              </a:rPr>
+              <a:t>. </a:t>
+            </a:r>
+            <a:r>
+              <a:rPr lang="fr-FR" sz="4800" dirty="0" err="1" smtClean="0">
+                <a:solidFill>
+                  <a:schemeClr val="tx1"/>
+                </a:solidFill>
+              </a:rPr>
+              <a:t>However</a:t>
+            </a:r>
+            <a:r>
+              <a:rPr lang="fr-FR" sz="4800" dirty="0" smtClean="0">
+                <a:solidFill>
+                  <a:schemeClr val="tx1"/>
+                </a:solidFill>
+              </a:rPr>
+              <a:t>, </a:t>
+            </a:r>
+            <a:r>
+              <a:rPr lang="fr-FR" sz="4800" dirty="0" err="1" smtClean="0">
+                <a:solidFill>
+                  <a:schemeClr val="tx1"/>
+                </a:solidFill>
+              </a:rPr>
+              <a:t>this</a:t>
+            </a:r>
+            <a:r>
+              <a:rPr lang="fr-FR" sz="4800" dirty="0" smtClean="0">
+                <a:solidFill>
+                  <a:schemeClr val="tx1"/>
+                </a:solidFill>
+              </a:rPr>
+              <a:t> </a:t>
+            </a:r>
+            <a:r>
+              <a:rPr lang="fr-FR" sz="4800" dirty="0" err="1" smtClean="0">
+                <a:solidFill>
+                  <a:schemeClr val="tx1"/>
+                </a:solidFill>
+              </a:rPr>
+              <a:t>task</a:t>
+            </a:r>
+            <a:r>
+              <a:rPr lang="fr-FR" sz="4800" dirty="0" smtClean="0">
+                <a:solidFill>
+                  <a:schemeClr val="tx1"/>
+                </a:solidFill>
+              </a:rPr>
+              <a:t> </a:t>
+            </a:r>
+            <a:r>
+              <a:rPr lang="fr-FR" sz="4800" dirty="0" err="1" smtClean="0">
+                <a:solidFill>
+                  <a:schemeClr val="tx1"/>
+                </a:solidFill>
+              </a:rPr>
+              <a:t>is</a:t>
+            </a:r>
+            <a:r>
+              <a:rPr lang="fr-FR" sz="4800" dirty="0" smtClean="0">
+                <a:solidFill>
+                  <a:schemeClr val="tx1"/>
+                </a:solidFill>
+              </a:rPr>
+              <a:t> </a:t>
+            </a:r>
+            <a:r>
+              <a:rPr lang="fr-FR" sz="4800" dirty="0" err="1" smtClean="0">
+                <a:solidFill>
+                  <a:schemeClr val="tx1"/>
+                </a:solidFill>
+              </a:rPr>
+              <a:t>challenging</a:t>
+            </a:r>
+            <a:r>
+              <a:rPr lang="fr-FR" sz="4800" dirty="0" smtClean="0">
+                <a:solidFill>
+                  <a:schemeClr val="tx1"/>
+                </a:solidFill>
+              </a:rPr>
+              <a:t> </a:t>
+            </a:r>
+            <a:r>
+              <a:rPr lang="fr-FR" sz="4800" dirty="0" err="1" smtClean="0">
+                <a:solidFill>
+                  <a:schemeClr val="tx1"/>
+                </a:solidFill>
+              </a:rPr>
+              <a:t>since</a:t>
+            </a:r>
+            <a:r>
+              <a:rPr lang="fr-FR" sz="4800" dirty="0" smtClean="0">
+                <a:solidFill>
+                  <a:schemeClr val="tx1"/>
+                </a:solidFill>
+              </a:rPr>
+              <a:t> </a:t>
+            </a:r>
+            <a:r>
+              <a:rPr lang="fr-FR" sz="4800" dirty="0" err="1" smtClean="0">
+                <a:solidFill>
+                  <a:schemeClr val="tx1"/>
+                </a:solidFill>
+              </a:rPr>
+              <a:t>it</a:t>
+            </a:r>
+            <a:r>
+              <a:rPr lang="fr-FR" sz="4800" dirty="0" smtClean="0">
+                <a:solidFill>
+                  <a:schemeClr val="tx1"/>
+                </a:solidFill>
+              </a:rPr>
+              <a:t> </a:t>
+            </a:r>
+            <a:r>
+              <a:rPr lang="fr-FR" sz="4800" dirty="0" err="1" smtClean="0">
+                <a:solidFill>
+                  <a:schemeClr val="tx1"/>
+                </a:solidFill>
+              </a:rPr>
+              <a:t>can</a:t>
+            </a:r>
+            <a:r>
+              <a:rPr lang="fr-FR" sz="4800" dirty="0" smtClean="0">
+                <a:solidFill>
+                  <a:schemeClr val="tx1"/>
+                </a:solidFill>
+              </a:rPr>
+              <a:t> </a:t>
+            </a:r>
+            <a:r>
+              <a:rPr lang="fr-FR" sz="4800" dirty="0" err="1" smtClean="0">
+                <a:solidFill>
+                  <a:schemeClr val="tx1"/>
+                </a:solidFill>
+              </a:rPr>
+              <a:t>be</a:t>
+            </a:r>
+            <a:r>
+              <a:rPr lang="fr-FR" sz="4800" dirty="0" smtClean="0">
+                <a:solidFill>
+                  <a:schemeClr val="tx1"/>
+                </a:solidFill>
+              </a:rPr>
+              <a:t> </a:t>
+            </a:r>
+            <a:r>
+              <a:rPr lang="fr-FR" sz="4800" dirty="0" err="1" smtClean="0">
+                <a:solidFill>
+                  <a:schemeClr val="tx1"/>
+                </a:solidFill>
+              </a:rPr>
+              <a:t>either</a:t>
+            </a:r>
+            <a:r>
+              <a:rPr lang="fr-FR" sz="4800" dirty="0" smtClean="0">
+                <a:solidFill>
+                  <a:schemeClr val="tx1"/>
+                </a:solidFill>
+              </a:rPr>
+              <a:t> </a:t>
+            </a:r>
+            <a:r>
+              <a:rPr lang="fr-FR" sz="4800" dirty="0" err="1" smtClean="0">
+                <a:solidFill>
+                  <a:schemeClr val="tx1"/>
+                </a:solidFill>
+              </a:rPr>
+              <a:t>very</a:t>
+            </a:r>
+            <a:r>
+              <a:rPr lang="fr-FR" sz="4800" dirty="0" smtClean="0">
+                <a:solidFill>
+                  <a:schemeClr val="tx1"/>
+                </a:solidFill>
+              </a:rPr>
+              <a:t> </a:t>
+            </a:r>
+            <a:r>
+              <a:rPr lang="fr-FR" sz="4800" dirty="0" err="1" smtClean="0">
+                <a:solidFill>
+                  <a:schemeClr val="tx1"/>
+                </a:solidFill>
+              </a:rPr>
+              <a:t>repetitive</a:t>
+            </a:r>
+            <a:r>
+              <a:rPr lang="fr-FR" sz="4800" dirty="0" smtClean="0">
+                <a:solidFill>
+                  <a:schemeClr val="tx1"/>
+                </a:solidFill>
+              </a:rPr>
+              <a:t> (annotation of </a:t>
+            </a:r>
+            <a:r>
+              <a:rPr lang="fr-FR" sz="4800" dirty="0" err="1" smtClean="0">
+                <a:solidFill>
+                  <a:schemeClr val="tx1"/>
+                </a:solidFill>
+              </a:rPr>
+              <a:t>turn-taking</a:t>
+            </a:r>
+            <a:r>
+              <a:rPr lang="fr-FR" sz="4800" dirty="0" smtClean="0">
+                <a:solidFill>
+                  <a:schemeClr val="tx1"/>
+                </a:solidFill>
+              </a:rPr>
+              <a:t> or non-verbal </a:t>
+            </a:r>
+            <a:r>
+              <a:rPr lang="fr-FR" sz="4800" dirty="0" err="1" smtClean="0">
+                <a:solidFill>
+                  <a:schemeClr val="tx1"/>
+                </a:solidFill>
+              </a:rPr>
+              <a:t>behavior</a:t>
+            </a:r>
+            <a:r>
+              <a:rPr lang="fr-FR" sz="4800" dirty="0" smtClean="0">
+                <a:solidFill>
+                  <a:schemeClr val="tx1"/>
+                </a:solidFill>
+              </a:rPr>
+              <a:t>) or </a:t>
+            </a:r>
+            <a:r>
+              <a:rPr lang="fr-FR" sz="4800" dirty="0" err="1" smtClean="0">
+                <a:solidFill>
+                  <a:schemeClr val="tx1"/>
+                </a:solidFill>
+              </a:rPr>
+              <a:t>very</a:t>
+            </a:r>
+            <a:r>
+              <a:rPr lang="fr-FR" sz="4800" dirty="0" smtClean="0">
+                <a:solidFill>
+                  <a:schemeClr val="tx1"/>
+                </a:solidFill>
+              </a:rPr>
+              <a:t> </a:t>
+            </a:r>
+            <a:r>
+              <a:rPr lang="fr-FR" sz="4800" dirty="0" err="1" smtClean="0">
+                <a:solidFill>
+                  <a:schemeClr val="tx1"/>
+                </a:solidFill>
+              </a:rPr>
+              <a:t>technical</a:t>
+            </a:r>
+            <a:r>
+              <a:rPr lang="fr-FR" sz="4800" dirty="0" smtClean="0">
+                <a:solidFill>
+                  <a:schemeClr val="tx1"/>
+                </a:solidFill>
+              </a:rPr>
+              <a:t> (annotation of application of </a:t>
+            </a:r>
+            <a:r>
+              <a:rPr lang="fr-FR" sz="4800" dirty="0" err="1" smtClean="0">
+                <a:solidFill>
+                  <a:schemeClr val="tx1"/>
+                </a:solidFill>
+              </a:rPr>
+              <a:t>some</a:t>
+            </a:r>
+            <a:r>
+              <a:rPr lang="fr-FR" sz="4800" dirty="0" smtClean="0">
+                <a:solidFill>
+                  <a:schemeClr val="tx1"/>
+                </a:solidFill>
+              </a:rPr>
+              <a:t> </a:t>
+            </a:r>
+            <a:r>
+              <a:rPr lang="fr-FR" sz="4800" dirty="0" err="1" smtClean="0">
+                <a:solidFill>
+                  <a:schemeClr val="tx1"/>
+                </a:solidFill>
+              </a:rPr>
+              <a:t>specific</a:t>
+            </a:r>
+            <a:r>
+              <a:rPr lang="fr-FR" sz="4800" dirty="0" smtClean="0">
+                <a:solidFill>
+                  <a:schemeClr val="tx1"/>
+                </a:solidFill>
+              </a:rPr>
+              <a:t> techniques </a:t>
+            </a:r>
+            <a:r>
+              <a:rPr lang="fr-FR" sz="4800" dirty="0" err="1" smtClean="0">
+                <a:solidFill>
+                  <a:schemeClr val="tx1"/>
+                </a:solidFill>
+              </a:rPr>
+              <a:t>like</a:t>
+            </a:r>
+            <a:r>
+              <a:rPr lang="fr-FR" sz="4800" dirty="0" smtClean="0">
+                <a:solidFill>
+                  <a:schemeClr val="tx1"/>
+                </a:solidFill>
+              </a:rPr>
+              <a:t> in </a:t>
+            </a:r>
+            <a:r>
+              <a:rPr lang="fr-FR" sz="4800" dirty="0" err="1" smtClean="0">
+                <a:solidFill>
+                  <a:schemeClr val="tx1"/>
+                </a:solidFill>
+              </a:rPr>
+              <a:t>motivational</a:t>
+            </a:r>
+            <a:r>
+              <a:rPr lang="fr-FR" sz="4800" dirty="0" smtClean="0">
+                <a:solidFill>
+                  <a:schemeClr val="tx1"/>
+                </a:solidFill>
+              </a:rPr>
+              <a:t> </a:t>
+            </a:r>
+            <a:r>
+              <a:rPr lang="fr-FR" sz="4800" dirty="0" err="1" smtClean="0">
+                <a:solidFill>
+                  <a:schemeClr val="tx1"/>
+                </a:solidFill>
+              </a:rPr>
+              <a:t>interviewing</a:t>
+            </a:r>
+            <a:r>
+              <a:rPr lang="fr-FR" sz="4800" dirty="0" smtClean="0">
+                <a:solidFill>
+                  <a:schemeClr val="tx1"/>
+                </a:solidFill>
+              </a:rPr>
+              <a:t> (</a:t>
+            </a:r>
+            <a:r>
+              <a:rPr lang="fr-FR" sz="4800" dirty="0" err="1" smtClean="0">
+                <a:solidFill>
+                  <a:schemeClr val="tx1"/>
+                </a:solidFill>
+              </a:rPr>
+              <a:t>Moyers</a:t>
+            </a:r>
+            <a:r>
+              <a:rPr lang="fr-FR" sz="4800" dirty="0" smtClean="0">
+                <a:solidFill>
+                  <a:schemeClr val="tx1"/>
+                </a:solidFill>
+              </a:rPr>
+              <a:t> et al, 2015).  </a:t>
+            </a:r>
+          </a:p>
+          <a:p>
+            <a:pPr algn="just"/>
+            <a:endParaRPr lang="fr-FR" sz="4800" dirty="0">
+              <a:solidFill>
+                <a:schemeClr val="tx1"/>
+              </a:solidFill>
+            </a:endParaRPr>
+          </a:p>
+          <a:p>
+            <a:pPr algn="just"/>
+            <a:r>
+              <a:rPr lang="fr-FR" sz="4800" dirty="0" smtClean="0">
+                <a:solidFill>
+                  <a:schemeClr val="tx1"/>
+                </a:solidFill>
+              </a:rPr>
+              <a:t>In the future, an </a:t>
+            </a:r>
+            <a:r>
+              <a:rPr lang="fr-FR" sz="4800" dirty="0" err="1" smtClean="0">
+                <a:solidFill>
+                  <a:schemeClr val="tx1"/>
+                </a:solidFill>
+              </a:rPr>
+              <a:t>automatic</a:t>
+            </a:r>
+            <a:r>
+              <a:rPr lang="fr-FR" sz="4800" dirty="0" smtClean="0">
+                <a:solidFill>
+                  <a:schemeClr val="tx1"/>
+                </a:solidFill>
+              </a:rPr>
+              <a:t> feedback of the </a:t>
+            </a:r>
+            <a:r>
+              <a:rPr lang="fr-FR" sz="4800" dirty="0" err="1" smtClean="0">
+                <a:solidFill>
+                  <a:schemeClr val="tx1"/>
+                </a:solidFill>
+              </a:rPr>
+              <a:t>psychotherapy</a:t>
+            </a:r>
+            <a:r>
+              <a:rPr lang="fr-FR" sz="4800" dirty="0" smtClean="0">
+                <a:solidFill>
+                  <a:schemeClr val="tx1"/>
+                </a:solidFill>
+              </a:rPr>
+              <a:t> </a:t>
+            </a:r>
+            <a:r>
+              <a:rPr lang="fr-FR" sz="4800" dirty="0" err="1" smtClean="0">
+                <a:solidFill>
+                  <a:schemeClr val="tx1"/>
+                </a:solidFill>
+              </a:rPr>
+              <a:t>could</a:t>
+            </a:r>
+            <a:r>
+              <a:rPr lang="fr-FR" sz="4800" dirty="0" smtClean="0">
+                <a:solidFill>
+                  <a:schemeClr val="tx1"/>
+                </a:solidFill>
+              </a:rPr>
+              <a:t> </a:t>
+            </a:r>
+            <a:r>
+              <a:rPr lang="fr-FR" sz="4800" dirty="0" err="1" smtClean="0">
+                <a:solidFill>
+                  <a:schemeClr val="tx1"/>
+                </a:solidFill>
+              </a:rPr>
+              <a:t>also</a:t>
+            </a:r>
+            <a:r>
+              <a:rPr lang="fr-FR" sz="4800" dirty="0" smtClean="0">
+                <a:solidFill>
+                  <a:schemeClr val="tx1"/>
+                </a:solidFill>
+              </a:rPr>
+              <a:t> </a:t>
+            </a:r>
+            <a:r>
+              <a:rPr lang="fr-FR" sz="4800" dirty="0" err="1" smtClean="0">
+                <a:solidFill>
+                  <a:schemeClr val="tx1"/>
+                </a:solidFill>
+              </a:rPr>
+              <a:t>even</a:t>
+            </a:r>
+            <a:r>
+              <a:rPr lang="fr-FR" sz="4800" dirty="0" smtClean="0">
+                <a:solidFill>
+                  <a:schemeClr val="tx1"/>
+                </a:solidFill>
+              </a:rPr>
+              <a:t> help a </a:t>
+            </a:r>
+            <a:r>
+              <a:rPr lang="fr-FR" sz="4800" dirty="0" err="1" smtClean="0">
+                <a:solidFill>
+                  <a:schemeClr val="tx1"/>
+                </a:solidFill>
+              </a:rPr>
+              <a:t>therapist</a:t>
+            </a:r>
+            <a:r>
+              <a:rPr lang="fr-FR" sz="4800" dirty="0" smtClean="0">
+                <a:solidFill>
+                  <a:schemeClr val="tx1"/>
+                </a:solidFill>
+              </a:rPr>
+              <a:t>, </a:t>
+            </a:r>
+            <a:r>
+              <a:rPr lang="fr-FR" sz="4800" dirty="0" smtClean="0">
+                <a:solidFill>
+                  <a:schemeClr val="tx1"/>
+                </a:solidFill>
+              </a:rPr>
+              <a:t>to guide </a:t>
+            </a:r>
+            <a:r>
+              <a:rPr lang="fr-FR" sz="4800" dirty="0" err="1" smtClean="0">
+                <a:solidFill>
+                  <a:schemeClr val="tx1"/>
+                </a:solidFill>
+              </a:rPr>
+              <a:t>him</a:t>
+            </a:r>
+            <a:r>
+              <a:rPr lang="fr-FR" sz="4800" dirty="0" smtClean="0">
+                <a:solidFill>
+                  <a:schemeClr val="tx1"/>
+                </a:solidFill>
+              </a:rPr>
+              <a:t> to </a:t>
+            </a:r>
+            <a:r>
+              <a:rPr lang="fr-FR" sz="4800" dirty="0" err="1" smtClean="0">
+                <a:solidFill>
+                  <a:schemeClr val="tx1"/>
+                </a:solidFill>
+              </a:rPr>
+              <a:t>reorganize</a:t>
+            </a:r>
+            <a:r>
+              <a:rPr lang="fr-FR" sz="4800" dirty="0" smtClean="0">
+                <a:solidFill>
+                  <a:schemeClr val="tx1"/>
+                </a:solidFill>
+              </a:rPr>
+              <a:t> a </a:t>
+            </a:r>
+            <a:r>
+              <a:rPr lang="fr-FR" sz="4800" dirty="0" err="1" smtClean="0">
+                <a:solidFill>
+                  <a:schemeClr val="tx1"/>
+                </a:solidFill>
+              </a:rPr>
+              <a:t>treatment</a:t>
+            </a:r>
+            <a:r>
+              <a:rPr lang="fr-FR" sz="4800" dirty="0" smtClean="0">
+                <a:solidFill>
+                  <a:schemeClr val="tx1"/>
+                </a:solidFill>
+              </a:rPr>
+              <a:t>.</a:t>
+            </a:r>
+          </a:p>
+          <a:p>
+            <a:pPr algn="just"/>
+            <a:endParaRPr lang="fr-FR" sz="5000" dirty="0" smtClean="0">
+              <a:solidFill>
+                <a:schemeClr val="tx1"/>
+              </a:solidFill>
+            </a:endParaRPr>
+          </a:p>
+        </p:txBody>
+      </p:sp>
       <p:pic>
         <p:nvPicPr>
           <p:cNvPr id="5" name="Image 4"/>
@@ -3895,7 +5559,7 @@
         </p:blipFill>
         <p:spPr>
           <a:xfrm>
-            <a:off x="7018010" y="25593361"/>
+            <a:off x="5566490" y="25593361"/>
             <a:ext cx="2924564" cy="2924564"/>
           </a:xfrm>
           <a:prstGeom prst="rect">
@@ -3911,7 +5575,7 @@
         </p:nvSpPr>
         <p:spPr>
           <a:xfrm>
-            <a:off x="2768500" y="26512500"/>
+            <a:off x="1362340" y="26512500"/>
             <a:ext cx="5020637" cy="861774"/>
           </a:xfrm>
           <a:prstGeom prst="rect">
@@ -4211,7 +5875,7 @@
         <p:spPr>
           <a:xfrm>
             <a:off x="16840408" y="7616223"/>
-            <a:ext cx="16862335" cy="18712815"/>
+            <a:ext cx="16862335" cy="17943374"/>
           </a:xfrm>
           <a:prstGeom prst="rect">
             <a:avLst/>
@@ -4410,7 +6074,7 @@
             </a:r>
             <a:r>
               <a:rPr lang="fr-FR" sz="5000" dirty="0" smtClean="0"/>
-              <a:t>, </a:t>
+              <a:t> </a:t>
             </a:r>
             <a:r>
               <a:rPr lang="fr-FR" sz="5000" dirty="0" err="1" smtClean="0"/>
@@ -4670,7 +6334,7 @@
             </a:r>
             <a:r>
               <a:rPr lang="fr-FR" sz="5000" dirty="0" err="1" smtClean="0"/>
-              <a:t>easilly</a:t>
+              <a:t>easily</a:t>
             </a:r>
             <a:r>
               <a:rPr lang="fr-FR" sz="5000" dirty="0" smtClean="0"/>
@@ -4756,11 +6420,11 @@
               <a:t> </a:t>
             </a:r>
             <a:r>
-              <a:rPr lang="fr-FR" sz="5000" dirty="0" err="1"/>
-              <a:t>developped</a:t>
-            </a:r>
-            <a:r>
-              <a:rPr lang="fr-FR" sz="5000" dirty="0"/>
+              <a:rPr lang="fr-FR" sz="5000" dirty="0" err="1" smtClean="0"/>
+              <a:t>developed</a:t>
+            </a:r>
+            <a:r>
+              <a:rPr lang="fr-FR" sz="5000" dirty="0" smtClean="0"/>
               <a:t> </a:t>
             </a:r>
             <a:r>
@@ -4820,11 +6484,11 @@
               <a:t> and </a:t>
             </a:r>
             <a:r>
-              <a:rPr lang="fr-FR" sz="5000" dirty="0" err="1"/>
-              <a:t>easilly</a:t>
-            </a:r>
-            <a:r>
-              <a:rPr lang="fr-FR" sz="5000" dirty="0"/>
+              <a:rPr lang="fr-FR" sz="5000" dirty="0" err="1" smtClean="0"/>
+              <a:t>easily</a:t>
+            </a:r>
+            <a:r>
+              <a:rPr lang="fr-FR" sz="5000" dirty="0" smtClean="0"/>
               <a:t> </a:t>
             </a:r>
             <a:r>
@@ -4980,7 +6644,7 @@
             </a:r>
             <a:r>
               <a:rPr lang="fr-FR" sz="5000" dirty="0" err="1" smtClean="0"/>
-              <a:t>technicals</a:t>
+              <a:t>technical</a:t>
             </a:r>
             <a:r>
               <a:rPr lang="fr-FR" sz="5000" dirty="0" smtClean="0"/>
@@ -5083,1606 +6747,6 @@
               <a:t>.</a:t>
             </a:r>
             <a:endParaRPr lang="fr-FR" sz="5000" dirty="0"/>
-          </a:p>
-        </p:txBody>
-      </p:sp>
-      <p:sp>
-        <p:nvSpPr>
-          <p:cNvPr id="3" name="Sous-titre 2"/>
-          <p:cNvSpPr>
-            <a:spLocks noGrp="1"/>
-          </p:cNvSpPr>
-          <p:nvPr>
-            <p:ph type="subTitle" idx="1"/>
-          </p:nvPr>
-        </p:nvSpPr>
-        <p:spPr>
-          <a:xfrm>
-            <a:off x="45360" y="7483923"/>
-            <a:ext cx="16884000" cy="18290874"/>
-          </a:xfrm>
-          <a:ln>
-            <a:noFill/>
-          </a:ln>
-        </p:spPr>
-        <p:txBody>
-          <a:bodyPr>
-            <a:noAutofit/>
-          </a:bodyPr>
-          <a:lstStyle/>
-          <a:p>
-            <a:pPr algn="just"/>
-            <a:r>
-              <a:rPr lang="fr-FR" sz="5500" b="1" dirty="0" smtClean="0">
-                <a:solidFill>
-                  <a:schemeClr val="tx1"/>
-                </a:solidFill>
-                <a:latin typeface="Abadi MT Condensed Extra Bold"/>
-                <a:cs typeface="Abadi MT Condensed Extra Bold"/>
-              </a:rPr>
-              <a:t>Introduction and motivation</a:t>
-            </a:r>
-          </a:p>
-          <a:p>
-            <a:pPr algn="just"/>
-            <a:r>
-              <a:rPr lang="fr-FR" sz="4800" dirty="0" err="1" smtClean="0">
-                <a:solidFill>
-                  <a:schemeClr val="tx1"/>
-                </a:solidFill>
-              </a:rPr>
-              <a:t>Psychotherapy</a:t>
-            </a:r>
-            <a:r>
-              <a:rPr lang="fr-FR" sz="4800" dirty="0" smtClean="0">
-                <a:solidFill>
-                  <a:schemeClr val="tx1"/>
-                </a:solidFill>
-              </a:rPr>
-              <a:t> </a:t>
-            </a:r>
-            <a:r>
-              <a:rPr lang="fr-FR" sz="4800" dirty="0" err="1" smtClean="0">
-                <a:solidFill>
-                  <a:schemeClr val="tx1"/>
-                </a:solidFill>
-              </a:rPr>
-              <a:t>is</a:t>
-            </a:r>
-            <a:r>
-              <a:rPr lang="fr-FR" sz="4800" dirty="0" smtClean="0">
-                <a:solidFill>
-                  <a:schemeClr val="tx1"/>
-                </a:solidFill>
-              </a:rPr>
-              <a:t> an important part of </a:t>
-            </a:r>
-            <a:r>
-              <a:rPr lang="fr-FR" sz="4800" dirty="0" err="1" smtClean="0">
-                <a:solidFill>
-                  <a:schemeClr val="tx1"/>
-                </a:solidFill>
-              </a:rPr>
-              <a:t>treatment</a:t>
-            </a:r>
-            <a:r>
-              <a:rPr lang="fr-FR" sz="4800" dirty="0" smtClean="0">
-                <a:solidFill>
-                  <a:schemeClr val="tx1"/>
-                </a:solidFill>
-              </a:rPr>
-              <a:t> of mental </a:t>
-            </a:r>
-            <a:r>
-              <a:rPr lang="fr-FR" sz="4800" dirty="0" err="1" smtClean="0">
-                <a:solidFill>
-                  <a:schemeClr val="tx1"/>
-                </a:solidFill>
-              </a:rPr>
-              <a:t>disorders</a:t>
-            </a:r>
-            <a:r>
-              <a:rPr lang="fr-FR" sz="4800" dirty="0" smtClean="0">
-                <a:solidFill>
-                  <a:schemeClr val="tx1"/>
-                </a:solidFill>
-              </a:rPr>
-              <a:t> </a:t>
-            </a:r>
-            <a:r>
-              <a:rPr lang="fr-FR" sz="4800" dirty="0" err="1" smtClean="0">
-                <a:solidFill>
-                  <a:schemeClr val="tx1"/>
-                </a:solidFill>
-              </a:rPr>
-              <a:t>alone</a:t>
-            </a:r>
-            <a:r>
-              <a:rPr lang="fr-FR" sz="4800" dirty="0" smtClean="0">
-                <a:solidFill>
-                  <a:schemeClr val="tx1"/>
-                </a:solidFill>
-              </a:rPr>
-              <a:t> or </a:t>
-            </a:r>
-            <a:r>
-              <a:rPr lang="fr-FR" sz="4800" dirty="0" err="1" smtClean="0">
-                <a:solidFill>
-                  <a:schemeClr val="tx1"/>
-                </a:solidFill>
-              </a:rPr>
-              <a:t>complementary</a:t>
-            </a:r>
-            <a:r>
-              <a:rPr lang="fr-FR" sz="4800" dirty="0" smtClean="0">
-                <a:solidFill>
-                  <a:schemeClr val="tx1"/>
-                </a:solidFill>
-              </a:rPr>
-              <a:t> </a:t>
-            </a:r>
-            <a:r>
-              <a:rPr lang="fr-FR" sz="4800" dirty="0" err="1" smtClean="0">
-                <a:solidFill>
-                  <a:schemeClr val="tx1"/>
-                </a:solidFill>
-              </a:rPr>
-              <a:t>with</a:t>
-            </a:r>
-            <a:r>
-              <a:rPr lang="fr-FR" sz="4800" dirty="0" smtClean="0">
-                <a:solidFill>
-                  <a:schemeClr val="tx1"/>
-                </a:solidFill>
-              </a:rPr>
-              <a:t> </a:t>
-            </a:r>
-            <a:r>
-              <a:rPr lang="fr-FR" sz="4800" dirty="0" err="1" smtClean="0">
-                <a:solidFill>
-                  <a:schemeClr val="tx1"/>
-                </a:solidFill>
-              </a:rPr>
-              <a:t>pharmacotherapy</a:t>
-            </a:r>
-            <a:r>
-              <a:rPr lang="fr-FR" sz="4800" dirty="0" smtClean="0">
-                <a:solidFill>
-                  <a:schemeClr val="tx1"/>
-                </a:solidFill>
-              </a:rPr>
-              <a:t>. Somes techniques are </a:t>
-            </a:r>
-            <a:r>
-              <a:rPr lang="fr-FR" sz="4800" dirty="0" err="1" smtClean="0">
-                <a:solidFill>
-                  <a:schemeClr val="tx1"/>
-                </a:solidFill>
-              </a:rPr>
-              <a:t>now</a:t>
-            </a:r>
-            <a:r>
-              <a:rPr lang="fr-FR" sz="4800" dirty="0" smtClean="0">
-                <a:solidFill>
-                  <a:schemeClr val="tx1"/>
-                </a:solidFill>
-              </a:rPr>
-              <a:t> </a:t>
-            </a:r>
-            <a:r>
-              <a:rPr lang="fr-FR" sz="4800" dirty="0" err="1" smtClean="0">
-                <a:solidFill>
-                  <a:schemeClr val="tx1"/>
-                </a:solidFill>
-              </a:rPr>
-              <a:t>widely</a:t>
-            </a:r>
-            <a:r>
-              <a:rPr lang="fr-FR" sz="4800" dirty="0" smtClean="0">
-                <a:solidFill>
-                  <a:schemeClr val="tx1"/>
-                </a:solidFill>
-              </a:rPr>
-              <a:t> </a:t>
-            </a:r>
-            <a:r>
-              <a:rPr lang="fr-FR" sz="4800" dirty="0" err="1" smtClean="0">
-                <a:solidFill>
-                  <a:schemeClr val="tx1"/>
-                </a:solidFill>
-              </a:rPr>
-              <a:t>evidence-based</a:t>
-            </a:r>
-            <a:r>
-              <a:rPr lang="fr-FR" sz="4800" dirty="0" smtClean="0">
-                <a:solidFill>
-                  <a:schemeClr val="tx1"/>
-                </a:solidFill>
-              </a:rPr>
-              <a:t> and </a:t>
-            </a:r>
-            <a:r>
-              <a:rPr lang="fr-FR" sz="4800" dirty="0" err="1" smtClean="0">
-                <a:solidFill>
-                  <a:schemeClr val="tx1"/>
-                </a:solidFill>
-              </a:rPr>
-              <a:t>very</a:t>
-            </a:r>
-            <a:r>
-              <a:rPr lang="fr-FR" sz="4800" dirty="0" smtClean="0">
-                <a:solidFill>
-                  <a:schemeClr val="tx1"/>
-                </a:solidFill>
-              </a:rPr>
-              <a:t> </a:t>
-            </a:r>
-            <a:r>
-              <a:rPr lang="fr-FR" sz="4800" dirty="0" err="1" smtClean="0">
-                <a:solidFill>
-                  <a:schemeClr val="tx1"/>
-                </a:solidFill>
-              </a:rPr>
-              <a:t>cost</a:t>
-            </a:r>
-            <a:r>
-              <a:rPr lang="fr-FR" sz="4800" dirty="0" smtClean="0">
-                <a:solidFill>
-                  <a:schemeClr val="tx1"/>
-                </a:solidFill>
-              </a:rPr>
-              <a:t> effective (</a:t>
-            </a:r>
-            <a:r>
-              <a:rPr lang="fr-FR" sz="4800" dirty="0" err="1" smtClean="0">
-                <a:solidFill>
-                  <a:schemeClr val="tx1"/>
-                </a:solidFill>
-              </a:rPr>
-              <a:t>Layard</a:t>
-            </a:r>
-            <a:r>
-              <a:rPr lang="fr-FR" sz="4800" dirty="0" smtClean="0">
-                <a:solidFill>
-                  <a:schemeClr val="tx1"/>
-                </a:solidFill>
-              </a:rPr>
-              <a:t> &amp; Clark, 2014).</a:t>
-            </a:r>
-          </a:p>
-          <a:p>
-            <a:pPr algn="just"/>
-            <a:endParaRPr lang="fr-FR" sz="4800" dirty="0">
-              <a:solidFill>
-                <a:schemeClr val="tx1"/>
-              </a:solidFill>
-            </a:endParaRPr>
-          </a:p>
-          <a:p>
-            <a:pPr algn="just"/>
-            <a:r>
-              <a:rPr lang="fr-FR" sz="4800" dirty="0" smtClean="0">
-                <a:solidFill>
-                  <a:schemeClr val="tx1"/>
-                </a:solidFill>
-              </a:rPr>
-              <a:t>Most of </a:t>
-            </a:r>
-            <a:r>
-              <a:rPr lang="fr-FR" sz="4800" dirty="0" err="1" smtClean="0">
-                <a:solidFill>
-                  <a:schemeClr val="tx1"/>
-                </a:solidFill>
-              </a:rPr>
-              <a:t>studies</a:t>
-            </a:r>
-            <a:r>
-              <a:rPr lang="fr-FR" sz="4800" dirty="0" smtClean="0">
-                <a:solidFill>
-                  <a:schemeClr val="tx1"/>
-                </a:solidFill>
-              </a:rPr>
-              <a:t> are </a:t>
-            </a:r>
-            <a:r>
-              <a:rPr lang="fr-FR" sz="4800" dirty="0" err="1" smtClean="0">
-                <a:solidFill>
-                  <a:schemeClr val="tx1"/>
-                </a:solidFill>
-              </a:rPr>
-              <a:t>indirectly</a:t>
-            </a:r>
-            <a:r>
-              <a:rPr lang="fr-FR" sz="4800" dirty="0" smtClean="0">
-                <a:solidFill>
-                  <a:schemeClr val="tx1"/>
-                </a:solidFill>
-              </a:rPr>
-              <a:t> </a:t>
-            </a:r>
-            <a:r>
-              <a:rPr lang="fr-FR" sz="4800" dirty="0" err="1" smtClean="0">
-                <a:solidFill>
-                  <a:schemeClr val="tx1"/>
-                </a:solidFill>
-              </a:rPr>
-              <a:t>based</a:t>
-            </a:r>
-            <a:r>
-              <a:rPr lang="fr-FR" sz="4800" dirty="0" smtClean="0">
-                <a:solidFill>
-                  <a:schemeClr val="tx1"/>
-                </a:solidFill>
-              </a:rPr>
-              <a:t> on patient </a:t>
-            </a:r>
-            <a:r>
-              <a:rPr lang="fr-FR" sz="4800" dirty="0" err="1" smtClean="0">
-                <a:solidFill>
-                  <a:schemeClr val="tx1"/>
-                </a:solidFill>
-              </a:rPr>
-              <a:t>reported</a:t>
-            </a:r>
-            <a:r>
-              <a:rPr lang="fr-FR" sz="4800" dirty="0" smtClean="0">
-                <a:solidFill>
-                  <a:schemeClr val="tx1"/>
-                </a:solidFill>
-              </a:rPr>
-              <a:t> </a:t>
-            </a:r>
-            <a:r>
-              <a:rPr lang="fr-FR" sz="4800" dirty="0" err="1" smtClean="0">
-                <a:solidFill>
-                  <a:schemeClr val="tx1"/>
-                </a:solidFill>
-              </a:rPr>
-              <a:t>outcomes</a:t>
-            </a:r>
-            <a:r>
-              <a:rPr lang="fr-FR" sz="4800" dirty="0" smtClean="0">
-                <a:solidFill>
-                  <a:schemeClr val="tx1"/>
-                </a:solidFill>
-              </a:rPr>
-              <a:t> or </a:t>
-            </a:r>
-            <a:r>
-              <a:rPr lang="fr-FR" sz="4800" dirty="0" err="1" smtClean="0">
-                <a:solidFill>
-                  <a:schemeClr val="tx1"/>
-                </a:solidFill>
-              </a:rPr>
-              <a:t>problematic</a:t>
-            </a:r>
-            <a:r>
-              <a:rPr lang="fr-FR" sz="4800" dirty="0" smtClean="0">
-                <a:solidFill>
-                  <a:schemeClr val="tx1"/>
-                </a:solidFill>
-              </a:rPr>
-              <a:t> </a:t>
-            </a:r>
-            <a:r>
-              <a:rPr lang="fr-FR" sz="4800" dirty="0" err="1" smtClean="0">
-                <a:solidFill>
-                  <a:schemeClr val="tx1"/>
-                </a:solidFill>
-              </a:rPr>
-              <a:t>behaviors</a:t>
-            </a:r>
-            <a:r>
-              <a:rPr lang="fr-FR" sz="4800" dirty="0" smtClean="0">
-                <a:solidFill>
-                  <a:schemeClr val="tx1"/>
-                </a:solidFill>
-              </a:rPr>
-              <a:t> </a:t>
-            </a:r>
-            <a:r>
-              <a:rPr lang="fr-FR" sz="4800" dirty="0" err="1" smtClean="0">
-                <a:solidFill>
-                  <a:schemeClr val="tx1"/>
-                </a:solidFill>
-              </a:rPr>
-              <a:t>that</a:t>
-            </a:r>
-            <a:r>
-              <a:rPr lang="fr-FR" sz="4800" dirty="0" smtClean="0">
-                <a:solidFill>
-                  <a:schemeClr val="tx1"/>
-                </a:solidFill>
-              </a:rPr>
-              <a:t> are </a:t>
-            </a:r>
-            <a:r>
-              <a:rPr lang="fr-FR" sz="4800" dirty="0" err="1" smtClean="0">
-                <a:solidFill>
-                  <a:schemeClr val="tx1"/>
-                </a:solidFill>
-              </a:rPr>
-              <a:t>evaluated</a:t>
-            </a:r>
-            <a:r>
-              <a:rPr lang="fr-FR" sz="4800" dirty="0" smtClean="0">
-                <a:solidFill>
-                  <a:schemeClr val="tx1"/>
-                </a:solidFill>
-              </a:rPr>
-              <a:t> </a:t>
-            </a:r>
-            <a:r>
-              <a:rPr lang="fr-FR" sz="4800" dirty="0" err="1" smtClean="0">
-                <a:solidFill>
-                  <a:schemeClr val="tx1"/>
-                </a:solidFill>
-              </a:rPr>
-              <a:t>before</a:t>
-            </a:r>
-            <a:r>
-              <a:rPr lang="fr-FR" sz="4800" dirty="0" smtClean="0">
-                <a:solidFill>
-                  <a:schemeClr val="tx1"/>
-                </a:solidFill>
-              </a:rPr>
-              <a:t> and </a:t>
-            </a:r>
-            <a:r>
-              <a:rPr lang="fr-FR" sz="4800" dirty="0" err="1" smtClean="0">
-                <a:solidFill>
-                  <a:schemeClr val="tx1"/>
-                </a:solidFill>
-              </a:rPr>
-              <a:t>after</a:t>
-            </a:r>
-            <a:r>
-              <a:rPr lang="fr-FR" sz="4800" dirty="0" smtClean="0">
-                <a:solidFill>
-                  <a:schemeClr val="tx1"/>
-                </a:solidFill>
-              </a:rPr>
-              <a:t> the </a:t>
-            </a:r>
-            <a:r>
-              <a:rPr lang="fr-FR" sz="4800" dirty="0" err="1" smtClean="0">
-                <a:solidFill>
-                  <a:schemeClr val="tx1"/>
-                </a:solidFill>
-              </a:rPr>
-              <a:t>psychotherapy</a:t>
-            </a:r>
-            <a:r>
-              <a:rPr lang="fr-FR" sz="4800" dirty="0" smtClean="0">
-                <a:solidFill>
-                  <a:schemeClr val="tx1"/>
-                </a:solidFill>
-              </a:rPr>
-              <a:t>. </a:t>
-            </a:r>
-            <a:r>
-              <a:rPr lang="fr-FR" sz="4800" dirty="0" err="1" smtClean="0">
-                <a:solidFill>
-                  <a:schemeClr val="tx1"/>
-                </a:solidFill>
-              </a:rPr>
-              <a:t>Unfortunatelly</a:t>
-            </a:r>
-            <a:r>
-              <a:rPr lang="fr-FR" sz="4800" dirty="0" smtClean="0">
-                <a:solidFill>
-                  <a:schemeClr val="tx1"/>
-                </a:solidFill>
-              </a:rPr>
-              <a:t>, </a:t>
-            </a:r>
-            <a:r>
-              <a:rPr lang="fr-FR" sz="4800" dirty="0" err="1" smtClean="0">
-                <a:solidFill>
-                  <a:schemeClr val="tx1"/>
-                </a:solidFill>
-              </a:rPr>
-              <a:t>studies</a:t>
-            </a:r>
-            <a:r>
-              <a:rPr lang="fr-FR" sz="4800" dirty="0" smtClean="0">
-                <a:solidFill>
-                  <a:schemeClr val="tx1"/>
-                </a:solidFill>
-              </a:rPr>
-              <a:t> </a:t>
-            </a:r>
-            <a:r>
-              <a:rPr lang="fr-FR" sz="4800" dirty="0" err="1" smtClean="0">
-                <a:solidFill>
-                  <a:schemeClr val="tx1"/>
-                </a:solidFill>
-              </a:rPr>
-              <a:t>hardly</a:t>
-            </a:r>
-            <a:r>
-              <a:rPr lang="fr-FR" sz="4800" dirty="0" smtClean="0">
-                <a:solidFill>
-                  <a:schemeClr val="tx1"/>
-                </a:solidFill>
-              </a:rPr>
-              <a:t> control </a:t>
-            </a:r>
-            <a:r>
-              <a:rPr lang="fr-FR" sz="4800" dirty="0" err="1" smtClean="0">
-                <a:solidFill>
-                  <a:schemeClr val="tx1"/>
-                </a:solidFill>
-              </a:rPr>
-              <a:t>what</a:t>
-            </a:r>
-            <a:r>
-              <a:rPr lang="fr-FR" sz="4800" dirty="0" smtClean="0">
-                <a:solidFill>
-                  <a:schemeClr val="tx1"/>
-                </a:solidFill>
-              </a:rPr>
-              <a:t> </a:t>
-            </a:r>
-            <a:r>
-              <a:rPr lang="fr-FR" sz="4800" dirty="0" err="1" smtClean="0">
-                <a:solidFill>
-                  <a:schemeClr val="tx1"/>
-                </a:solidFill>
-              </a:rPr>
-              <a:t>is</a:t>
-            </a:r>
-            <a:r>
-              <a:rPr lang="fr-FR" sz="4800" dirty="0" smtClean="0">
-                <a:solidFill>
-                  <a:schemeClr val="tx1"/>
-                </a:solidFill>
-              </a:rPr>
-              <a:t> </a:t>
-            </a:r>
-            <a:r>
-              <a:rPr lang="fr-FR" sz="4800" dirty="0" err="1" smtClean="0">
-                <a:solidFill>
-                  <a:schemeClr val="tx1"/>
-                </a:solidFill>
-              </a:rPr>
-              <a:t>directly</a:t>
-            </a:r>
-            <a:r>
-              <a:rPr lang="fr-FR" sz="4800" dirty="0" smtClean="0">
-                <a:solidFill>
-                  <a:schemeClr val="tx1"/>
-                </a:solidFill>
-              </a:rPr>
-              <a:t> happening </a:t>
-            </a:r>
-            <a:r>
-              <a:rPr lang="fr-FR" sz="4800" dirty="0" err="1" smtClean="0">
-                <a:solidFill>
-                  <a:schemeClr val="tx1"/>
-                </a:solidFill>
-              </a:rPr>
-              <a:t>during</a:t>
-            </a:r>
-            <a:r>
-              <a:rPr lang="fr-FR" sz="4800" dirty="0" smtClean="0">
-                <a:solidFill>
-                  <a:schemeClr val="tx1"/>
-                </a:solidFill>
-              </a:rPr>
-              <a:t> </a:t>
-            </a:r>
-            <a:r>
-              <a:rPr lang="fr-FR" sz="4800" dirty="0" err="1" smtClean="0">
-                <a:solidFill>
-                  <a:schemeClr val="tx1"/>
-                </a:solidFill>
-              </a:rPr>
-              <a:t>psychotherapy</a:t>
-            </a:r>
-            <a:r>
-              <a:rPr lang="fr-FR" sz="4800" dirty="0" smtClean="0">
-                <a:solidFill>
-                  <a:schemeClr val="tx1"/>
-                </a:solidFill>
-              </a:rPr>
-              <a:t> </a:t>
-            </a:r>
-            <a:r>
-              <a:rPr lang="fr-FR" sz="4800" dirty="0" err="1" smtClean="0">
-                <a:solidFill>
-                  <a:schemeClr val="tx1"/>
-                </a:solidFill>
-              </a:rPr>
-              <a:t>especially</a:t>
-            </a:r>
-            <a:r>
-              <a:rPr lang="fr-FR" sz="4800" dirty="0" smtClean="0">
-                <a:solidFill>
-                  <a:schemeClr val="tx1"/>
-                </a:solidFill>
-              </a:rPr>
-              <a:t> the interaction </a:t>
-            </a:r>
-            <a:r>
-              <a:rPr lang="fr-FR" sz="4800" dirty="0" err="1" smtClean="0">
-                <a:solidFill>
-                  <a:schemeClr val="tx1"/>
-                </a:solidFill>
-              </a:rPr>
-              <a:t>between</a:t>
-            </a:r>
-            <a:r>
-              <a:rPr lang="fr-FR" sz="4800" dirty="0" smtClean="0">
-                <a:solidFill>
-                  <a:schemeClr val="tx1"/>
-                </a:solidFill>
-              </a:rPr>
-              <a:t> the patient and the </a:t>
-            </a:r>
-            <a:r>
-              <a:rPr lang="fr-FR" sz="4800" dirty="0" err="1" smtClean="0">
-                <a:solidFill>
-                  <a:schemeClr val="tx1"/>
-                </a:solidFill>
-              </a:rPr>
-              <a:t>therapist</a:t>
-            </a:r>
-            <a:r>
-              <a:rPr lang="fr-FR" sz="4800" dirty="0" smtClean="0">
-                <a:solidFill>
-                  <a:schemeClr val="tx1"/>
-                </a:solidFill>
-              </a:rPr>
-              <a:t> </a:t>
-            </a:r>
-            <a:r>
-              <a:rPr lang="fr-FR" sz="4800" dirty="0" err="1" smtClean="0">
-                <a:solidFill>
-                  <a:schemeClr val="tx1"/>
-                </a:solidFill>
-              </a:rPr>
-              <a:t>that</a:t>
-            </a:r>
-            <a:r>
-              <a:rPr lang="fr-FR" sz="4800" dirty="0" smtClean="0">
-                <a:solidFill>
-                  <a:schemeClr val="tx1"/>
-                </a:solidFill>
-              </a:rPr>
-              <a:t> </a:t>
-            </a:r>
-            <a:r>
-              <a:rPr lang="fr-FR" sz="4800" dirty="0" err="1" smtClean="0">
-                <a:solidFill>
-                  <a:schemeClr val="tx1"/>
-                </a:solidFill>
-              </a:rPr>
-              <a:t>could</a:t>
-            </a:r>
-            <a:r>
-              <a:rPr lang="fr-FR" sz="4800" dirty="0" smtClean="0">
-                <a:solidFill>
-                  <a:schemeClr val="tx1"/>
-                </a:solidFill>
-              </a:rPr>
-              <a:t> </a:t>
-            </a:r>
-            <a:r>
-              <a:rPr lang="fr-FR" sz="4800" dirty="0" err="1" smtClean="0">
-                <a:solidFill>
-                  <a:schemeClr val="tx1"/>
-                </a:solidFill>
-              </a:rPr>
-              <a:t>be</a:t>
-            </a:r>
-            <a:r>
-              <a:rPr lang="fr-FR" sz="4800" dirty="0" smtClean="0">
-                <a:solidFill>
-                  <a:schemeClr val="tx1"/>
-                </a:solidFill>
-              </a:rPr>
-              <a:t> a </a:t>
-            </a:r>
-            <a:r>
-              <a:rPr lang="fr-FR" sz="4800" dirty="0" err="1" smtClean="0">
-                <a:solidFill>
-                  <a:schemeClr val="tx1"/>
-                </a:solidFill>
-              </a:rPr>
-              <a:t>predictor</a:t>
-            </a:r>
-            <a:r>
-              <a:rPr lang="fr-FR" sz="4800" dirty="0" smtClean="0">
-                <a:solidFill>
-                  <a:schemeClr val="tx1"/>
-                </a:solidFill>
-              </a:rPr>
-              <a:t> of the </a:t>
-            </a:r>
-            <a:r>
-              <a:rPr lang="fr-FR" sz="4800" dirty="0" err="1" smtClean="0">
-                <a:solidFill>
-                  <a:schemeClr val="tx1"/>
-                </a:solidFill>
-              </a:rPr>
-              <a:t>psychotherapy</a:t>
-            </a:r>
-            <a:r>
-              <a:rPr lang="fr-FR" sz="4800" dirty="0" smtClean="0">
-                <a:solidFill>
-                  <a:schemeClr val="tx1"/>
-                </a:solidFill>
-              </a:rPr>
-              <a:t> </a:t>
-            </a:r>
-            <a:r>
-              <a:rPr lang="fr-FR" sz="4800" dirty="0" err="1" smtClean="0">
-                <a:solidFill>
-                  <a:schemeClr val="tx1"/>
-                </a:solidFill>
-              </a:rPr>
-              <a:t>efficacy</a:t>
-            </a:r>
-            <a:r>
-              <a:rPr lang="fr-FR" sz="4800" dirty="0" smtClean="0">
-                <a:solidFill>
-                  <a:schemeClr val="tx1"/>
-                </a:solidFill>
-              </a:rPr>
-              <a:t>. </a:t>
-            </a:r>
-            <a:r>
-              <a:rPr lang="fr-FR" sz="4800" dirty="0" err="1" smtClean="0">
-                <a:solidFill>
-                  <a:schemeClr val="tx1"/>
-                </a:solidFill>
-              </a:rPr>
-              <a:t>Consequently</a:t>
-            </a:r>
-            <a:r>
-              <a:rPr lang="fr-FR" sz="4800" dirty="0" smtClean="0">
-                <a:solidFill>
-                  <a:schemeClr val="tx1"/>
-                </a:solidFill>
-              </a:rPr>
-              <a:t>,  </a:t>
-            </a:r>
-            <a:r>
-              <a:rPr lang="fr-FR" sz="4800" dirty="0" err="1" smtClean="0">
-                <a:solidFill>
-                  <a:schemeClr val="tx1"/>
-                </a:solidFill>
-              </a:rPr>
-              <a:t>it</a:t>
-            </a:r>
-            <a:r>
-              <a:rPr lang="fr-FR" sz="4800" dirty="0" smtClean="0">
-                <a:solidFill>
-                  <a:schemeClr val="tx1"/>
-                </a:solidFill>
-              </a:rPr>
-              <a:t> </a:t>
-            </a:r>
-            <a:r>
-              <a:rPr lang="fr-FR" sz="4800" dirty="0" err="1" smtClean="0">
-                <a:solidFill>
-                  <a:schemeClr val="tx1"/>
-                </a:solidFill>
-              </a:rPr>
-              <a:t>is</a:t>
-            </a:r>
-            <a:r>
-              <a:rPr lang="fr-FR" sz="4800" dirty="0" smtClean="0">
-                <a:solidFill>
-                  <a:schemeClr val="tx1"/>
-                </a:solidFill>
-              </a:rPr>
-              <a:t> </a:t>
-            </a:r>
-            <a:r>
-              <a:rPr lang="fr-FR" sz="4800" dirty="0" err="1" smtClean="0">
-                <a:solidFill>
-                  <a:schemeClr val="tx1"/>
-                </a:solidFill>
-              </a:rPr>
-              <a:t>difficult</a:t>
-            </a:r>
-            <a:r>
-              <a:rPr lang="fr-FR" sz="4800" dirty="0" smtClean="0">
-                <a:solidFill>
-                  <a:schemeClr val="tx1"/>
-                </a:solidFill>
-              </a:rPr>
-              <a:t> to </a:t>
-            </a:r>
-            <a:r>
-              <a:rPr lang="fr-FR" sz="4800" dirty="0" err="1" smtClean="0">
-                <a:solidFill>
-                  <a:schemeClr val="tx1"/>
-                </a:solidFill>
-              </a:rPr>
-              <a:t>make</a:t>
-            </a:r>
-            <a:r>
-              <a:rPr lang="fr-FR" sz="4800" dirty="0" smtClean="0">
-                <a:solidFill>
-                  <a:schemeClr val="tx1"/>
-                </a:solidFill>
-              </a:rPr>
-              <a:t> </a:t>
-            </a:r>
-            <a:r>
-              <a:rPr lang="fr-FR" sz="4800" dirty="0" err="1" smtClean="0">
-                <a:solidFill>
-                  <a:schemeClr val="tx1"/>
-                </a:solidFill>
-              </a:rPr>
-              <a:t>precise</a:t>
-            </a:r>
-            <a:r>
-              <a:rPr lang="fr-FR" sz="4800" dirty="0" smtClean="0">
-                <a:solidFill>
-                  <a:schemeClr val="tx1"/>
-                </a:solidFill>
-              </a:rPr>
-              <a:t> links </a:t>
-            </a:r>
-            <a:r>
-              <a:rPr lang="fr-FR" sz="4800" dirty="0" err="1" smtClean="0">
-                <a:solidFill>
-                  <a:schemeClr val="tx1"/>
-                </a:solidFill>
-              </a:rPr>
-              <a:t>between</a:t>
-            </a:r>
-            <a:r>
-              <a:rPr lang="fr-FR" sz="4800" dirty="0" smtClean="0">
-                <a:solidFill>
-                  <a:schemeClr val="tx1"/>
-                </a:solidFill>
-              </a:rPr>
-              <a:t> </a:t>
-            </a:r>
-            <a:r>
-              <a:rPr lang="fr-FR" sz="4800" dirty="0" err="1" smtClean="0">
-                <a:solidFill>
-                  <a:schemeClr val="tx1"/>
-                </a:solidFill>
-              </a:rPr>
-              <a:t>theory</a:t>
-            </a:r>
-            <a:r>
-              <a:rPr lang="fr-FR" sz="4800" dirty="0" smtClean="0">
-                <a:solidFill>
-                  <a:schemeClr val="tx1"/>
-                </a:solidFill>
-              </a:rPr>
-              <a:t> and practice, control </a:t>
-            </a:r>
-            <a:r>
-              <a:rPr lang="fr-FR" sz="4800" dirty="0" err="1" smtClean="0">
-                <a:solidFill>
-                  <a:schemeClr val="tx1"/>
-                </a:solidFill>
-              </a:rPr>
-              <a:t>its</a:t>
-            </a:r>
-            <a:r>
-              <a:rPr lang="fr-FR" sz="4800" dirty="0" smtClean="0">
-                <a:solidFill>
-                  <a:schemeClr val="tx1"/>
-                </a:solidFill>
-              </a:rPr>
-              <a:t> application and to </a:t>
-            </a:r>
-            <a:r>
-              <a:rPr lang="fr-FR" sz="4800" dirty="0" err="1">
-                <a:solidFill>
-                  <a:schemeClr val="tx1"/>
-                </a:solidFill>
-              </a:rPr>
-              <a:t>understand</a:t>
-            </a:r>
-            <a:r>
-              <a:rPr lang="fr-FR" sz="4800" dirty="0">
-                <a:solidFill>
-                  <a:schemeClr val="tx1"/>
-                </a:solidFill>
-              </a:rPr>
-              <a:t> </a:t>
-            </a:r>
-            <a:r>
-              <a:rPr lang="fr-FR" sz="4800" dirty="0" err="1">
-                <a:solidFill>
-                  <a:schemeClr val="tx1"/>
-                </a:solidFill>
-              </a:rPr>
-              <a:t>which</a:t>
-            </a:r>
-            <a:r>
-              <a:rPr lang="fr-FR" sz="4800" dirty="0">
-                <a:solidFill>
-                  <a:schemeClr val="tx1"/>
-                </a:solidFill>
-              </a:rPr>
-              <a:t> of </a:t>
-            </a:r>
-            <a:r>
-              <a:rPr lang="fr-FR" sz="4800" dirty="0" err="1">
-                <a:solidFill>
-                  <a:schemeClr val="tx1"/>
-                </a:solidFill>
-              </a:rPr>
-              <a:t>their</a:t>
-            </a:r>
-            <a:r>
-              <a:rPr lang="fr-FR" sz="4800" dirty="0">
-                <a:solidFill>
-                  <a:schemeClr val="tx1"/>
-                </a:solidFill>
-              </a:rPr>
-              <a:t> </a:t>
-            </a:r>
-            <a:r>
-              <a:rPr lang="fr-FR" sz="4800" dirty="0" err="1">
-                <a:solidFill>
-                  <a:schemeClr val="tx1"/>
-                </a:solidFill>
-              </a:rPr>
-              <a:t>ingredients</a:t>
-            </a:r>
-            <a:r>
-              <a:rPr lang="fr-FR" sz="4800" dirty="0">
-                <a:solidFill>
-                  <a:schemeClr val="tx1"/>
-                </a:solidFill>
-              </a:rPr>
-              <a:t> are the </a:t>
-            </a:r>
-            <a:r>
-              <a:rPr lang="fr-FR" sz="4800" dirty="0" err="1">
-                <a:solidFill>
-                  <a:schemeClr val="tx1"/>
-                </a:solidFill>
-              </a:rPr>
-              <a:t>most</a:t>
-            </a:r>
-            <a:r>
-              <a:rPr lang="fr-FR" sz="4800" dirty="0">
-                <a:solidFill>
-                  <a:schemeClr val="tx1"/>
-                </a:solidFill>
-              </a:rPr>
-              <a:t> </a:t>
-            </a:r>
-            <a:r>
-              <a:rPr lang="fr-FR" sz="4800" dirty="0" smtClean="0">
-                <a:solidFill>
-                  <a:schemeClr val="tx1"/>
-                </a:solidFill>
-              </a:rPr>
-              <a:t>importants. </a:t>
-            </a:r>
-            <a:endParaRPr lang="fr-FR" sz="4800" dirty="0">
-              <a:solidFill>
-                <a:schemeClr val="tx1"/>
-              </a:solidFill>
-            </a:endParaRPr>
-          </a:p>
-          <a:p>
-            <a:pPr algn="just"/>
-            <a:r>
-              <a:rPr lang="fr-FR" sz="4800" dirty="0" smtClean="0">
-                <a:solidFill>
-                  <a:schemeClr val="tx1"/>
-                </a:solidFill>
-              </a:rPr>
-              <a:t>It </a:t>
-            </a:r>
-            <a:r>
-              <a:rPr lang="fr-FR" sz="4800" dirty="0" err="1" smtClean="0">
-                <a:solidFill>
-                  <a:schemeClr val="tx1"/>
-                </a:solidFill>
-              </a:rPr>
-              <a:t>is</a:t>
-            </a:r>
-            <a:r>
-              <a:rPr lang="fr-FR" sz="4800" dirty="0" smtClean="0">
-                <a:solidFill>
-                  <a:schemeClr val="tx1"/>
-                </a:solidFill>
-              </a:rPr>
-              <a:t> </a:t>
-            </a:r>
-            <a:r>
-              <a:rPr lang="fr-FR" sz="4800" dirty="0" err="1" smtClean="0">
-                <a:solidFill>
-                  <a:schemeClr val="tx1"/>
-                </a:solidFill>
-              </a:rPr>
-              <a:t>yet</a:t>
-            </a:r>
-            <a:r>
-              <a:rPr lang="fr-FR" sz="4800" dirty="0" smtClean="0">
-                <a:solidFill>
-                  <a:schemeClr val="tx1"/>
-                </a:solidFill>
-              </a:rPr>
-              <a:t> possible to </a:t>
-            </a:r>
-            <a:r>
-              <a:rPr lang="fr-FR" sz="4800" dirty="0" err="1" smtClean="0">
-                <a:solidFill>
-                  <a:schemeClr val="tx1"/>
-                </a:solidFill>
-              </a:rPr>
-              <a:t>annotate</a:t>
-            </a:r>
-            <a:r>
-              <a:rPr lang="fr-FR" sz="4800" dirty="0" smtClean="0">
-                <a:solidFill>
-                  <a:schemeClr val="tx1"/>
-                </a:solidFill>
-              </a:rPr>
-              <a:t> </a:t>
-            </a:r>
-            <a:r>
-              <a:rPr lang="fr-FR" sz="4800" dirty="0" err="1" smtClean="0">
-                <a:solidFill>
-                  <a:schemeClr val="tx1"/>
-                </a:solidFill>
-              </a:rPr>
-              <a:t>manually</a:t>
-            </a:r>
-            <a:r>
-              <a:rPr lang="fr-FR" sz="4800" dirty="0" smtClean="0">
-                <a:solidFill>
-                  <a:schemeClr val="tx1"/>
-                </a:solidFill>
-              </a:rPr>
-              <a:t> </a:t>
-            </a:r>
-            <a:r>
-              <a:rPr lang="fr-FR" sz="4800" dirty="0" err="1" smtClean="0">
-                <a:solidFill>
-                  <a:schemeClr val="tx1"/>
-                </a:solidFill>
-              </a:rPr>
-              <a:t>videos</a:t>
-            </a:r>
-            <a:r>
-              <a:rPr lang="fr-FR" sz="4800" dirty="0" smtClean="0">
-                <a:solidFill>
-                  <a:schemeClr val="tx1"/>
-                </a:solidFill>
-              </a:rPr>
-              <a:t>. </a:t>
-            </a:r>
-            <a:r>
-              <a:rPr lang="fr-FR" sz="4800" dirty="0" err="1" smtClean="0">
-                <a:solidFill>
-                  <a:schemeClr val="tx1"/>
-                </a:solidFill>
-              </a:rPr>
-              <a:t>However</a:t>
-            </a:r>
-            <a:r>
-              <a:rPr lang="fr-FR" sz="4800" dirty="0" smtClean="0">
-                <a:solidFill>
-                  <a:schemeClr val="tx1"/>
-                </a:solidFill>
-              </a:rPr>
-              <a:t>, </a:t>
-            </a:r>
-            <a:r>
-              <a:rPr lang="fr-FR" sz="4800" dirty="0" err="1" smtClean="0">
-                <a:solidFill>
-                  <a:schemeClr val="tx1"/>
-                </a:solidFill>
-              </a:rPr>
-              <a:t>this</a:t>
-            </a:r>
-            <a:r>
-              <a:rPr lang="fr-FR" sz="4800" dirty="0" smtClean="0">
-                <a:solidFill>
-                  <a:schemeClr val="tx1"/>
-                </a:solidFill>
-              </a:rPr>
-              <a:t> </a:t>
-            </a:r>
-            <a:r>
-              <a:rPr lang="fr-FR" sz="4800" dirty="0" err="1" smtClean="0">
-                <a:solidFill>
-                  <a:schemeClr val="tx1"/>
-                </a:solidFill>
-              </a:rPr>
-              <a:t>task</a:t>
-            </a:r>
-            <a:r>
-              <a:rPr lang="fr-FR" sz="4800" dirty="0" smtClean="0">
-                <a:solidFill>
-                  <a:schemeClr val="tx1"/>
-                </a:solidFill>
-              </a:rPr>
-              <a:t> </a:t>
-            </a:r>
-            <a:r>
-              <a:rPr lang="fr-FR" sz="4800" dirty="0" err="1" smtClean="0">
-                <a:solidFill>
-                  <a:schemeClr val="tx1"/>
-                </a:solidFill>
-              </a:rPr>
-              <a:t>is</a:t>
-            </a:r>
-            <a:r>
-              <a:rPr lang="fr-FR" sz="4800" dirty="0" smtClean="0">
-                <a:solidFill>
-                  <a:schemeClr val="tx1"/>
-                </a:solidFill>
-              </a:rPr>
-              <a:t> </a:t>
-            </a:r>
-            <a:r>
-              <a:rPr lang="fr-FR" sz="4800" dirty="0" err="1" smtClean="0">
-                <a:solidFill>
-                  <a:schemeClr val="tx1"/>
-                </a:solidFill>
-              </a:rPr>
-              <a:t>challenging</a:t>
-            </a:r>
-            <a:r>
-              <a:rPr lang="fr-FR" sz="4800" dirty="0" smtClean="0">
-                <a:solidFill>
-                  <a:schemeClr val="tx1"/>
-                </a:solidFill>
-              </a:rPr>
-              <a:t> </a:t>
-            </a:r>
-            <a:r>
-              <a:rPr lang="fr-FR" sz="4800" dirty="0" err="1" smtClean="0">
-                <a:solidFill>
-                  <a:schemeClr val="tx1"/>
-                </a:solidFill>
-              </a:rPr>
-              <a:t>since</a:t>
-            </a:r>
-            <a:r>
-              <a:rPr lang="fr-FR" sz="4800" dirty="0" smtClean="0">
-                <a:solidFill>
-                  <a:schemeClr val="tx1"/>
-                </a:solidFill>
-              </a:rPr>
-              <a:t> </a:t>
-            </a:r>
-            <a:r>
-              <a:rPr lang="fr-FR" sz="4800" dirty="0" err="1" smtClean="0">
-                <a:solidFill>
-                  <a:schemeClr val="tx1"/>
-                </a:solidFill>
-              </a:rPr>
-              <a:t>it</a:t>
-            </a:r>
-            <a:r>
-              <a:rPr lang="fr-FR" sz="4800" dirty="0" smtClean="0">
-                <a:solidFill>
-                  <a:schemeClr val="tx1"/>
-                </a:solidFill>
-              </a:rPr>
-              <a:t> </a:t>
-            </a:r>
-            <a:r>
-              <a:rPr lang="fr-FR" sz="4800" dirty="0" err="1" smtClean="0">
-                <a:solidFill>
-                  <a:schemeClr val="tx1"/>
-                </a:solidFill>
-              </a:rPr>
-              <a:t>can</a:t>
-            </a:r>
-            <a:r>
-              <a:rPr lang="fr-FR" sz="4800" dirty="0" smtClean="0">
-                <a:solidFill>
-                  <a:schemeClr val="tx1"/>
-                </a:solidFill>
-              </a:rPr>
-              <a:t> </a:t>
-            </a:r>
-            <a:r>
-              <a:rPr lang="fr-FR" sz="4800" dirty="0" err="1" smtClean="0">
-                <a:solidFill>
-                  <a:schemeClr val="tx1"/>
-                </a:solidFill>
-              </a:rPr>
-              <a:t>be</a:t>
-            </a:r>
-            <a:r>
-              <a:rPr lang="fr-FR" sz="4800" dirty="0" smtClean="0">
-                <a:solidFill>
-                  <a:schemeClr val="tx1"/>
-                </a:solidFill>
-              </a:rPr>
-              <a:t> </a:t>
-            </a:r>
-            <a:r>
-              <a:rPr lang="fr-FR" sz="4800" dirty="0" err="1" smtClean="0">
-                <a:solidFill>
-                  <a:schemeClr val="tx1"/>
-                </a:solidFill>
-              </a:rPr>
-              <a:t>either</a:t>
-            </a:r>
-            <a:r>
-              <a:rPr lang="fr-FR" sz="4800" dirty="0" smtClean="0">
-                <a:solidFill>
-                  <a:schemeClr val="tx1"/>
-                </a:solidFill>
-              </a:rPr>
-              <a:t> </a:t>
-            </a:r>
-            <a:r>
-              <a:rPr lang="fr-FR" sz="4800" dirty="0" err="1" smtClean="0">
-                <a:solidFill>
-                  <a:schemeClr val="tx1"/>
-                </a:solidFill>
-              </a:rPr>
-              <a:t>very</a:t>
-            </a:r>
-            <a:r>
-              <a:rPr lang="fr-FR" sz="4800" dirty="0" smtClean="0">
-                <a:solidFill>
-                  <a:schemeClr val="tx1"/>
-                </a:solidFill>
-              </a:rPr>
-              <a:t> </a:t>
-            </a:r>
-            <a:r>
-              <a:rPr lang="fr-FR" sz="4800" dirty="0" err="1" smtClean="0">
-                <a:solidFill>
-                  <a:schemeClr val="tx1"/>
-                </a:solidFill>
-              </a:rPr>
-              <a:t>repetitive</a:t>
-            </a:r>
-            <a:r>
-              <a:rPr lang="fr-FR" sz="4800" dirty="0" smtClean="0">
-                <a:solidFill>
-                  <a:schemeClr val="tx1"/>
-                </a:solidFill>
-              </a:rPr>
-              <a:t> (annotation of </a:t>
-            </a:r>
-            <a:r>
-              <a:rPr lang="fr-FR" sz="4800" dirty="0" err="1" smtClean="0">
-                <a:solidFill>
-                  <a:schemeClr val="tx1"/>
-                </a:solidFill>
-              </a:rPr>
-              <a:t>turn-taking</a:t>
-            </a:r>
-            <a:r>
-              <a:rPr lang="fr-FR" sz="4800" dirty="0" smtClean="0">
-                <a:solidFill>
-                  <a:schemeClr val="tx1"/>
-                </a:solidFill>
-              </a:rPr>
-              <a:t> or non-verbal </a:t>
-            </a:r>
-            <a:r>
-              <a:rPr lang="fr-FR" sz="4800" dirty="0" err="1" smtClean="0">
-                <a:solidFill>
-                  <a:schemeClr val="tx1"/>
-                </a:solidFill>
-              </a:rPr>
-              <a:t>behavior</a:t>
-            </a:r>
-            <a:r>
-              <a:rPr lang="fr-FR" sz="4800" dirty="0" smtClean="0">
-                <a:solidFill>
-                  <a:schemeClr val="tx1"/>
-                </a:solidFill>
-              </a:rPr>
-              <a:t>) or </a:t>
-            </a:r>
-            <a:r>
-              <a:rPr lang="fr-FR" sz="4800" dirty="0" err="1" smtClean="0">
-                <a:solidFill>
-                  <a:schemeClr val="tx1"/>
-                </a:solidFill>
-              </a:rPr>
-              <a:t>very</a:t>
-            </a:r>
-            <a:r>
-              <a:rPr lang="fr-FR" sz="4800" dirty="0" smtClean="0">
-                <a:solidFill>
-                  <a:schemeClr val="tx1"/>
-                </a:solidFill>
-              </a:rPr>
-              <a:t> </a:t>
-            </a:r>
-            <a:r>
-              <a:rPr lang="fr-FR" sz="4800" dirty="0" err="1" smtClean="0">
-                <a:solidFill>
-                  <a:schemeClr val="tx1"/>
-                </a:solidFill>
-              </a:rPr>
-              <a:t>technical</a:t>
-            </a:r>
-            <a:r>
-              <a:rPr lang="fr-FR" sz="4800" dirty="0" smtClean="0">
-                <a:solidFill>
-                  <a:schemeClr val="tx1"/>
-                </a:solidFill>
-              </a:rPr>
-              <a:t> (annotation of application of </a:t>
-            </a:r>
-            <a:r>
-              <a:rPr lang="fr-FR" sz="4800" dirty="0" err="1" smtClean="0">
-                <a:solidFill>
-                  <a:schemeClr val="tx1"/>
-                </a:solidFill>
-              </a:rPr>
-              <a:t>some</a:t>
-            </a:r>
-            <a:r>
-              <a:rPr lang="fr-FR" sz="4800" dirty="0" smtClean="0">
-                <a:solidFill>
-                  <a:schemeClr val="tx1"/>
-                </a:solidFill>
-              </a:rPr>
-              <a:t> </a:t>
-            </a:r>
-            <a:r>
-              <a:rPr lang="fr-FR" sz="4800" dirty="0" err="1" smtClean="0">
-                <a:solidFill>
-                  <a:schemeClr val="tx1"/>
-                </a:solidFill>
-              </a:rPr>
-              <a:t>specific</a:t>
-            </a:r>
-            <a:r>
-              <a:rPr lang="fr-FR" sz="4800" dirty="0" smtClean="0">
-                <a:solidFill>
-                  <a:schemeClr val="tx1"/>
-                </a:solidFill>
-              </a:rPr>
-              <a:t> techniques </a:t>
-            </a:r>
-            <a:r>
-              <a:rPr lang="fr-FR" sz="4800" dirty="0" err="1" smtClean="0">
-                <a:solidFill>
-                  <a:schemeClr val="tx1"/>
-                </a:solidFill>
-              </a:rPr>
-              <a:t>like</a:t>
-            </a:r>
-            <a:r>
-              <a:rPr lang="fr-FR" sz="4800" dirty="0" smtClean="0">
-                <a:solidFill>
-                  <a:schemeClr val="tx1"/>
-                </a:solidFill>
-              </a:rPr>
-              <a:t> in </a:t>
-            </a:r>
-            <a:r>
-              <a:rPr lang="fr-FR" sz="4800" dirty="0" err="1" smtClean="0">
-                <a:solidFill>
-                  <a:schemeClr val="tx1"/>
-                </a:solidFill>
-              </a:rPr>
-              <a:t>motivational</a:t>
-            </a:r>
-            <a:r>
-              <a:rPr lang="fr-FR" sz="4800" dirty="0" smtClean="0">
-                <a:solidFill>
-                  <a:schemeClr val="tx1"/>
-                </a:solidFill>
-              </a:rPr>
-              <a:t> </a:t>
-            </a:r>
-            <a:r>
-              <a:rPr lang="fr-FR" sz="4800" dirty="0" err="1" smtClean="0">
-                <a:solidFill>
-                  <a:schemeClr val="tx1"/>
-                </a:solidFill>
-              </a:rPr>
-              <a:t>interviewing</a:t>
-            </a:r>
-            <a:r>
-              <a:rPr lang="fr-FR" sz="4800" dirty="0" smtClean="0">
-                <a:solidFill>
-                  <a:schemeClr val="tx1"/>
-                </a:solidFill>
-              </a:rPr>
-              <a:t> (</a:t>
-            </a:r>
-            <a:r>
-              <a:rPr lang="fr-FR" sz="4800" dirty="0" err="1" smtClean="0">
-                <a:solidFill>
-                  <a:schemeClr val="tx1"/>
-                </a:solidFill>
-              </a:rPr>
-              <a:t>Moyers</a:t>
-            </a:r>
-            <a:r>
-              <a:rPr lang="fr-FR" sz="4800" dirty="0" smtClean="0">
-                <a:solidFill>
-                  <a:schemeClr val="tx1"/>
-                </a:solidFill>
-              </a:rPr>
-              <a:t> et al, 2015).  </a:t>
-            </a:r>
-          </a:p>
-          <a:p>
-            <a:pPr algn="just"/>
-            <a:endParaRPr lang="fr-FR" sz="4800" dirty="0">
-              <a:solidFill>
-                <a:schemeClr val="tx1"/>
-              </a:solidFill>
-            </a:endParaRPr>
-          </a:p>
-          <a:p>
-            <a:pPr algn="just"/>
-            <a:r>
-              <a:rPr lang="fr-FR" sz="4800" dirty="0" smtClean="0">
-                <a:solidFill>
-                  <a:schemeClr val="tx1"/>
-                </a:solidFill>
-              </a:rPr>
-              <a:t>In the future, an </a:t>
-            </a:r>
-            <a:r>
-              <a:rPr lang="fr-FR" sz="4800" dirty="0" err="1" smtClean="0">
-                <a:solidFill>
-                  <a:schemeClr val="tx1"/>
-                </a:solidFill>
-              </a:rPr>
-              <a:t>automatic</a:t>
-            </a:r>
-            <a:r>
-              <a:rPr lang="fr-FR" sz="4800" dirty="0" smtClean="0">
-                <a:solidFill>
-                  <a:schemeClr val="tx1"/>
-                </a:solidFill>
-              </a:rPr>
-              <a:t> feedback of the </a:t>
-            </a:r>
-            <a:r>
-              <a:rPr lang="fr-FR" sz="4800" dirty="0" err="1" smtClean="0">
-                <a:solidFill>
-                  <a:schemeClr val="tx1"/>
-                </a:solidFill>
-              </a:rPr>
-              <a:t>psychotherapy</a:t>
-            </a:r>
-            <a:r>
-              <a:rPr lang="fr-FR" sz="4800" dirty="0" smtClean="0">
-                <a:solidFill>
-                  <a:schemeClr val="tx1"/>
-                </a:solidFill>
-              </a:rPr>
-              <a:t> </a:t>
-            </a:r>
-            <a:r>
-              <a:rPr lang="fr-FR" sz="4800" dirty="0" err="1" smtClean="0">
-                <a:solidFill>
-                  <a:schemeClr val="tx1"/>
-                </a:solidFill>
-              </a:rPr>
-              <a:t>could</a:t>
-            </a:r>
-            <a:r>
-              <a:rPr lang="fr-FR" sz="4800" dirty="0" smtClean="0">
-                <a:solidFill>
-                  <a:schemeClr val="tx1"/>
-                </a:solidFill>
-              </a:rPr>
-              <a:t> </a:t>
-            </a:r>
-            <a:r>
-              <a:rPr lang="fr-FR" sz="4800" dirty="0" err="1" smtClean="0">
-                <a:solidFill>
-                  <a:schemeClr val="tx1"/>
-                </a:solidFill>
-              </a:rPr>
-              <a:t>also</a:t>
-            </a:r>
-            <a:r>
-              <a:rPr lang="fr-FR" sz="4800" dirty="0" smtClean="0">
-                <a:solidFill>
-                  <a:schemeClr val="tx1"/>
-                </a:solidFill>
-              </a:rPr>
-              <a:t> </a:t>
-            </a:r>
-            <a:r>
-              <a:rPr lang="fr-FR" sz="4800" dirty="0" err="1" smtClean="0">
-                <a:solidFill>
-                  <a:schemeClr val="tx1"/>
-                </a:solidFill>
-              </a:rPr>
-              <a:t>even</a:t>
-            </a:r>
-            <a:r>
-              <a:rPr lang="fr-FR" sz="4800" dirty="0" smtClean="0">
-                <a:solidFill>
-                  <a:schemeClr val="tx1"/>
-                </a:solidFill>
-              </a:rPr>
-              <a:t> help a </a:t>
-            </a:r>
-            <a:r>
-              <a:rPr lang="fr-FR" sz="4800" dirty="0" err="1" smtClean="0">
-                <a:solidFill>
-                  <a:schemeClr val="tx1"/>
-                </a:solidFill>
-              </a:rPr>
-              <a:t>therapist</a:t>
-            </a:r>
-            <a:r>
-              <a:rPr lang="fr-FR" sz="4800" dirty="0" smtClean="0">
-                <a:solidFill>
-                  <a:schemeClr val="tx1"/>
-                </a:solidFill>
-              </a:rPr>
-              <a:t> to guide </a:t>
-            </a:r>
-            <a:r>
-              <a:rPr lang="fr-FR" sz="4800" dirty="0" err="1" smtClean="0">
-                <a:solidFill>
-                  <a:schemeClr val="tx1"/>
-                </a:solidFill>
-              </a:rPr>
-              <a:t>them</a:t>
-            </a:r>
-            <a:r>
-              <a:rPr lang="fr-FR" sz="4800" dirty="0" smtClean="0">
-                <a:solidFill>
-                  <a:schemeClr val="tx1"/>
-                </a:solidFill>
-              </a:rPr>
-              <a:t> to </a:t>
-            </a:r>
-            <a:r>
-              <a:rPr lang="fr-FR" sz="4800" dirty="0" err="1" smtClean="0">
-                <a:solidFill>
-                  <a:schemeClr val="tx1"/>
-                </a:solidFill>
-              </a:rPr>
-              <a:t>reorganize</a:t>
-            </a:r>
-            <a:r>
-              <a:rPr lang="fr-FR" sz="4800" dirty="0" smtClean="0">
-                <a:solidFill>
-                  <a:schemeClr val="tx1"/>
-                </a:solidFill>
-              </a:rPr>
-              <a:t> a </a:t>
-            </a:r>
-            <a:r>
-              <a:rPr lang="fr-FR" sz="4800" dirty="0" err="1" smtClean="0">
-                <a:solidFill>
-                  <a:schemeClr val="tx1"/>
-                </a:solidFill>
-              </a:rPr>
-              <a:t>treatment</a:t>
-            </a:r>
-            <a:r>
-              <a:rPr lang="fr-FR" sz="4800" dirty="0" smtClean="0">
-                <a:solidFill>
-                  <a:schemeClr val="tx1"/>
-                </a:solidFill>
-              </a:rPr>
-              <a:t>.</a:t>
-            </a:r>
-          </a:p>
-          <a:p>
-            <a:pPr algn="just"/>
-            <a:endParaRPr lang="fr-FR" sz="5000" dirty="0" smtClean="0">
-              <a:solidFill>
-                <a:schemeClr val="tx1"/>
-              </a:solidFill>
-            </a:endParaRPr>
           </a:p>
         </p:txBody>
       </p:sp>
@@ -7252,7 +7316,7 @@
         </p:nvSpPr>
         <p:spPr>
           <a:xfrm>
-            <a:off x="16796991" y="36947309"/>
+            <a:off x="16706271" y="36947309"/>
             <a:ext cx="1712019" cy="1554272"/>
           </a:xfrm>
           <a:prstGeom prst="rect">
@@ -7267,10 +7331,16 @@
           <a:lstStyle/>
           <a:p>
             <a:r>
-              <a:rPr lang="fr-FR" dirty="0" smtClean="0"/>
+              <a:rPr lang="fr-FR" dirty="0" smtClean="0">
+                <a:latin typeface="Abadi MT Condensed Extra Bold"/>
+                <a:cs typeface="Abadi MT Condensed Extra Bold"/>
+              </a:rPr>
               <a:t>1.</a:t>
             </a:r>
-            <a:endParaRPr lang="fr-FR" dirty="0"/>
+            <a:endParaRPr lang="fr-FR" dirty="0">
+              <a:latin typeface="Abadi MT Condensed Extra Bold"/>
+              <a:cs typeface="Abadi MT Condensed Extra Bold"/>
+            </a:endParaRPr>
           </a:p>
         </p:txBody>
       </p:sp>
@@ -7297,14 +7367,23 @@
           <a:lstStyle/>
           <a:p>
             <a:r>
-              <a:rPr lang="fr-FR" dirty="0"/>
+              <a:rPr lang="fr-FR" dirty="0">
+                <a:latin typeface="Abadi MT Condensed Extra Bold"/>
+                <a:cs typeface="Abadi MT Condensed Extra Bold"/>
+              </a:rPr>
               <a:t>2</a:t>
             </a:r>
             <a:r>
-              <a:rPr lang="fr-FR" dirty="0" smtClean="0"/>
+              <a:rPr lang="fr-FR" dirty="0" smtClean="0">
+                <a:latin typeface="Abadi MT Condensed Extra Bold"/>
+                <a:cs typeface="Abadi MT Condensed Extra Bold"/>
+              </a:rPr>
               <a:t>.</a:t>
             </a:r>
-            <a:endParaRPr lang="fr-FR" dirty="0"/>
+            <a:endParaRPr lang="fr-FR" dirty="0">
+              <a:latin typeface="Abadi MT Condensed Extra Bold"/>
+              <a:cs typeface="Abadi MT Condensed Extra Bold"/>
+            </a:endParaRPr>
           </a:p>
         </p:txBody>
       </p:sp>

--- a/Monrado/Reports/ECNPPoster.pptx
+++ b/Monrado/Reports/ECNPPoster.pptx
@@ -3565,7 +3565,7 @@
         </p:nvSpPr>
         <p:spPr>
           <a:xfrm>
-            <a:off x="45360" y="7483923"/>
+            <a:off x="45360" y="7211769"/>
             <a:ext cx="16884000" cy="18290874"/>
           </a:xfrm>
           <a:ln>
@@ -3734,15 +3734,7 @@
                   <a:schemeClr val="tx1"/>
                 </a:solidFill>
               </a:rPr>
-              <a:t> </a:t>
-            </a:r>
-            <a:r>
-              <a:rPr lang="fr-FR" sz="4800" dirty="0" smtClean="0">
-                <a:solidFill>
-                  <a:schemeClr val="tx1"/>
-                </a:solidFill>
-              </a:rPr>
-              <a:t>techniques are </a:t>
+              <a:t> techniques are </a:t>
             </a:r>
             <a:r>
               <a:rPr lang="fr-FR" sz="4800" dirty="0" err="1" smtClean="0">
@@ -3857,15 +3849,7 @@
                   <a:schemeClr val="tx1"/>
                 </a:solidFill>
               </a:rPr>
-              <a:t>Most of </a:t>
-            </a:r>
-            <a:r>
-              <a:rPr lang="fr-FR" sz="4800" dirty="0" smtClean="0">
-                <a:solidFill>
-                  <a:schemeClr val="tx1"/>
-                </a:solidFill>
-              </a:rPr>
-              <a:t>the </a:t>
+              <a:t>Most of the </a:t>
             </a:r>
             <a:r>
               <a:rPr lang="fr-FR" sz="4800" dirty="0" err="1" smtClean="0">
@@ -3881,15 +3865,7 @@
                   <a:schemeClr val="tx1"/>
                 </a:solidFill>
               </a:rPr>
-              <a:t> </a:t>
-            </a:r>
-            <a:r>
-              <a:rPr lang="fr-FR" sz="4800" dirty="0" smtClean="0">
-                <a:solidFill>
-                  <a:schemeClr val="tx1"/>
-                </a:solidFill>
-              </a:rPr>
-              <a:t>are </a:t>
+              <a:t> are </a:t>
             </a:r>
             <a:r>
               <a:rPr lang="fr-FR" sz="4800" dirty="0" err="1" smtClean="0">
@@ -4481,15 +4457,7 @@
                   <a:schemeClr val="tx1"/>
                 </a:solidFill>
               </a:rPr>
-              <a:t> application </a:t>
-            </a:r>
-            <a:r>
-              <a:rPr lang="fr-FR" sz="4800" dirty="0" smtClean="0">
-                <a:solidFill>
-                  <a:schemeClr val="tx1"/>
-                </a:solidFill>
-              </a:rPr>
-              <a:t>and </a:t>
+              <a:t> application and </a:t>
             </a:r>
             <a:r>
               <a:rPr lang="fr-FR" sz="4800" dirty="0" err="1">
@@ -5148,15 +5116,7 @@
                   <a:schemeClr val="tx1"/>
                 </a:solidFill>
               </a:rPr>
-              <a:t>, </a:t>
-            </a:r>
-            <a:r>
-              <a:rPr lang="fr-FR" sz="4800" dirty="0" smtClean="0">
-                <a:solidFill>
-                  <a:schemeClr val="tx1"/>
-                </a:solidFill>
-              </a:rPr>
-              <a:t>to guide </a:t>
+              <a:t>, to guide </a:t>
             </a:r>
             <a:r>
               <a:rPr lang="fr-FR" sz="4800" dirty="0" err="1" smtClean="0">
@@ -5232,7 +5192,7 @@
         </p:blipFill>
         <p:spPr>
           <a:xfrm>
-            <a:off x="45360" y="26329038"/>
+            <a:off x="45360" y="26691910"/>
             <a:ext cx="22847588" cy="19935359"/>
           </a:xfrm>
           <a:prstGeom prst="rect">
@@ -5874,8 +5834,8 @@
         </p:nvSpPr>
         <p:spPr>
           <a:xfrm>
-            <a:off x="16840408" y="7616223"/>
-            <a:ext cx="16862335" cy="17943374"/>
+            <a:off x="16840408" y="7389428"/>
+            <a:ext cx="16862335" cy="20251698"/>
           </a:xfrm>
           <a:prstGeom prst="rect">
             <a:avLst/>
@@ -6370,8 +6330,113 @@
             </a:r>
             <a:r>
               <a:rPr lang="fr-FR" sz="5000" dirty="0" smtClean="0"/>
-              <a:t>.</a:t>
-            </a:r>
+              <a:t>. </a:t>
+            </a:r>
+            <a:r>
+              <a:rPr lang="fr-FR" sz="5000" dirty="0" err="1" smtClean="0"/>
+              <a:t>Here</a:t>
+            </a:r>
+            <a:r>
+              <a:rPr lang="fr-FR" sz="5000" dirty="0" smtClean="0"/>
+              <a:t>, </a:t>
+            </a:r>
+            <a:r>
+              <a:rPr lang="fr-FR" sz="5000" dirty="0" err="1" smtClean="0"/>
+              <a:t>we</a:t>
+            </a:r>
+            <a:r>
+              <a:rPr lang="fr-FR" sz="5000" dirty="0" smtClean="0"/>
+              <a:t> show an </a:t>
+            </a:r>
+            <a:r>
+              <a:rPr lang="fr-FR" sz="5000" dirty="0" err="1" smtClean="0"/>
+              <a:t>example</a:t>
+            </a:r>
+            <a:r>
+              <a:rPr lang="fr-FR" sz="5000" dirty="0" smtClean="0"/>
+              <a:t> of a </a:t>
+            </a:r>
+            <a:r>
+              <a:rPr lang="fr-FR" sz="5000" dirty="0" err="1" smtClean="0"/>
+              <a:t>video</a:t>
+            </a:r>
+            <a:r>
+              <a:rPr lang="fr-FR" sz="5000" dirty="0" smtClean="0"/>
+              <a:t> </a:t>
+            </a:r>
+            <a:r>
+              <a:rPr lang="fr-FR" sz="5000" dirty="0" err="1" smtClean="0"/>
+              <a:t>before</a:t>
+            </a:r>
+            <a:r>
+              <a:rPr lang="fr-FR" sz="5000" dirty="0" smtClean="0"/>
+              <a:t> and </a:t>
+            </a:r>
+            <a:r>
+              <a:rPr lang="fr-FR" sz="5000" dirty="0" err="1" smtClean="0"/>
+              <a:t>during</a:t>
+            </a:r>
+            <a:r>
+              <a:rPr lang="fr-FR" sz="5000" dirty="0" smtClean="0"/>
+              <a:t> a </a:t>
+            </a:r>
+            <a:r>
+              <a:rPr lang="fr-FR" sz="5000" dirty="0" err="1" smtClean="0"/>
+              <a:t>conflict</a:t>
+            </a:r>
+            <a:r>
+              <a:rPr lang="fr-FR" sz="5000" dirty="0" smtClean="0"/>
+              <a:t> </a:t>
+            </a:r>
+            <a:r>
+              <a:rPr lang="fr-FR" sz="5000" dirty="0" err="1" smtClean="0"/>
+              <a:t>between</a:t>
+            </a:r>
+            <a:r>
+              <a:rPr lang="fr-FR" sz="5000" dirty="0" smtClean="0"/>
+              <a:t> a girl and </a:t>
+            </a:r>
+            <a:r>
+              <a:rPr lang="fr-FR" sz="5000" dirty="0" err="1" smtClean="0"/>
+              <a:t>her</a:t>
+            </a:r>
+            <a:r>
+              <a:rPr lang="fr-FR" sz="5000" dirty="0" smtClean="0"/>
+              <a:t> </a:t>
+            </a:r>
+            <a:r>
+              <a:rPr lang="fr-FR" sz="5000" dirty="0" err="1" smtClean="0"/>
+              <a:t>father</a:t>
+            </a:r>
+            <a:r>
+              <a:rPr lang="fr-FR" sz="5000" dirty="0"/>
+              <a:t> </a:t>
+            </a:r>
+            <a:r>
+              <a:rPr lang="fr-FR" sz="5000" dirty="0" smtClean="0"/>
+              <a:t>(</a:t>
+            </a:r>
+            <a:r>
+              <a:rPr lang="fr-FR" sz="5000" dirty="0" err="1" smtClean="0"/>
+              <a:t>Fig</a:t>
+            </a:r>
+            <a:r>
+              <a:rPr lang="fr-FR" sz="5000" smtClean="0"/>
+              <a:t> 1</a:t>
+            </a:r>
+            <a:r>
+              <a:rPr lang="fr-FR" sz="5000" dirty="0" smtClean="0"/>
+              <a:t>. </a:t>
+            </a:r>
+            <a:r>
+              <a:rPr lang="fr-FR" sz="5000" dirty="0"/>
+              <a:t>and </a:t>
+            </a:r>
+            <a:r>
+              <a:rPr lang="fr-FR" sz="5000" dirty="0" smtClean="0"/>
+              <a:t>2.).</a:t>
+            </a:r>
+            <a:endParaRPr lang="fr-FR" sz="5000" dirty="0" smtClean="0"/>
           </a:p>
           <a:p>
             <a:pPr algn="just"/>
@@ -6782,7 +6847,7 @@
         </p:nvSpPr>
         <p:spPr>
           <a:xfrm>
-            <a:off x="127808" y="45765448"/>
+            <a:off x="368069" y="45765448"/>
             <a:ext cx="33603104" cy="4801314"/>
           </a:xfrm>
           <a:prstGeom prst="rect">
@@ -7162,152 +7227,6 @@
           </a:p>
         </p:txBody>
       </p:sp>
-      <p:pic>
-        <p:nvPicPr>
-          <p:cNvPr id="9" name="Image 8"/>
-          <p:cNvPicPr>
-            <a:picLocks noChangeAspect="1"/>
-          </p:cNvPicPr>
-          <p:nvPr/>
-        </p:nvPicPr>
-        <p:blipFill>
-          <a:blip r:embed="rId9"/>
-          <a:stretch>
-            <a:fillRect/>
-          </a:stretch>
-        </p:blipFill>
-        <p:spPr>
-          <a:xfrm>
-            <a:off x="22892948" y="36355454"/>
-            <a:ext cx="11314502" cy="8485877"/>
-          </a:xfrm>
-          <a:prstGeom prst="rect">
-            <a:avLst/>
-          </a:prstGeom>
-        </p:spPr>
-      </p:pic>
-      <p:pic>
-        <p:nvPicPr>
-          <p:cNvPr id="14" name="Image 13"/>
-          <p:cNvPicPr>
-            <a:picLocks noChangeAspect="1"/>
-          </p:cNvPicPr>
-          <p:nvPr/>
-        </p:nvPicPr>
-        <p:blipFill>
-          <a:blip r:embed="rId10"/>
-          <a:stretch>
-            <a:fillRect/>
-          </a:stretch>
-        </p:blipFill>
-        <p:spPr>
-          <a:xfrm>
-            <a:off x="22892948" y="28268456"/>
-            <a:ext cx="11048584" cy="8286438"/>
-          </a:xfrm>
-          <a:prstGeom prst="rect">
-            <a:avLst/>
-          </a:prstGeom>
-        </p:spPr>
-      </p:pic>
-      <p:sp>
-        <p:nvSpPr>
-          <p:cNvPr id="15" name="ZoneTexte 14"/>
-          <p:cNvSpPr txBox="1"/>
-          <p:nvPr/>
-        </p:nvSpPr>
-        <p:spPr>
-          <a:xfrm>
-            <a:off x="24993676" y="36554894"/>
-            <a:ext cx="7121656" cy="1169551"/>
-          </a:xfrm>
-          <a:prstGeom prst="rect">
-            <a:avLst/>
-          </a:prstGeom>
-          <a:solidFill>
-            <a:srgbClr val="FFFFFF"/>
-          </a:solidFill>
-        </p:spPr>
-        <p:txBody>
-          <a:bodyPr wrap="square" rtlCol="0">
-            <a:spAutoFit/>
-          </a:bodyPr>
-          <a:lstStyle/>
-          <a:p>
-            <a:r>
-              <a:rPr lang="fr-FR" sz="7000" dirty="0" smtClean="0">
-                <a:latin typeface="Abadi MT Condensed Extra Bold"/>
-                <a:cs typeface="Abadi MT Condensed Extra Bold"/>
-              </a:rPr>
-              <a:t>2. </a:t>
-            </a:r>
-            <a:r>
-              <a:rPr lang="fr-FR" sz="7000" dirty="0" err="1" smtClean="0">
-                <a:latin typeface="Abadi MT Condensed Extra Bold"/>
-                <a:cs typeface="Abadi MT Condensed Extra Bold"/>
-              </a:rPr>
-              <a:t>Synchrony</a:t>
-            </a:r>
-            <a:r>
-              <a:rPr lang="fr-FR" sz="7000" dirty="0" smtClean="0">
-                <a:latin typeface="Abadi MT Condensed Extra Bold"/>
-                <a:cs typeface="Abadi MT Condensed Extra Bold"/>
-              </a:rPr>
-              <a:t> score</a:t>
-            </a:r>
-            <a:endParaRPr lang="fr-FR" sz="7000" dirty="0">
-              <a:latin typeface="Abadi MT Condensed Extra Bold"/>
-              <a:cs typeface="Abadi MT Condensed Extra Bold"/>
-            </a:endParaRPr>
-          </a:p>
-        </p:txBody>
-      </p:sp>
-      <p:sp>
-        <p:nvSpPr>
-          <p:cNvPr id="19" name="ZoneTexte 18"/>
-          <p:cNvSpPr txBox="1"/>
-          <p:nvPr/>
-        </p:nvSpPr>
-        <p:spPr>
-          <a:xfrm>
-            <a:off x="23768292" y="28608643"/>
-            <a:ext cx="9526207" cy="1169551"/>
-          </a:xfrm>
-          <a:prstGeom prst="rect">
-            <a:avLst/>
-          </a:prstGeom>
-          <a:solidFill>
-            <a:srgbClr val="FFFFFF"/>
-          </a:solidFill>
-        </p:spPr>
-        <p:txBody>
-          <a:bodyPr wrap="square" rtlCol="0">
-            <a:spAutoFit/>
-          </a:bodyPr>
-          <a:lstStyle/>
-          <a:p>
-            <a:pPr algn="ctr"/>
-            <a:r>
-              <a:rPr lang="fr-FR" sz="7000" dirty="0" smtClean="0">
-                <a:latin typeface="Abadi MT Condensed Extra Bold"/>
-                <a:cs typeface="Abadi MT Condensed Extra Bold"/>
-              </a:rPr>
-              <a:t>1. Motion </a:t>
-            </a:r>
-            <a:r>
-              <a:rPr lang="fr-FR" sz="7000" dirty="0" err="1" smtClean="0">
-                <a:latin typeface="Abadi MT Condensed Extra Bold"/>
-                <a:cs typeface="Abadi MT Condensed Extra Bold"/>
-              </a:rPr>
-              <a:t>history</a:t>
-            </a:r>
-            <a:endParaRPr lang="fr-FR" sz="7000" dirty="0">
-              <a:latin typeface="Abadi MT Condensed Extra Bold"/>
-              <a:cs typeface="Abadi MT Condensed Extra Bold"/>
-            </a:endParaRPr>
-          </a:p>
-        </p:txBody>
-      </p:sp>
       <p:sp>
         <p:nvSpPr>
           <p:cNvPr id="20" name="ZoneTexte 19"/>
@@ -7316,7 +7235,7 @@
         </p:nvSpPr>
         <p:spPr>
           <a:xfrm>
-            <a:off x="16706271" y="36947309"/>
+            <a:off x="16706271" y="37128745"/>
             <a:ext cx="1712019" cy="1554272"/>
           </a:xfrm>
           <a:prstGeom prst="rect">
@@ -7352,7 +7271,7 @@
         </p:nvSpPr>
         <p:spPr>
           <a:xfrm>
-            <a:off x="11642218" y="38175702"/>
+            <a:off x="11642218" y="38447856"/>
             <a:ext cx="1712019" cy="1554272"/>
           </a:xfrm>
           <a:prstGeom prst="rect">
@@ -7387,73 +7306,234 @@
           </a:p>
         </p:txBody>
       </p:sp>
-      <p:sp>
-        <p:nvSpPr>
-          <p:cNvPr id="22" name="ZoneTexte 21"/>
-          <p:cNvSpPr txBox="1"/>
+      <p:grpSp>
+        <p:nvGrpSpPr>
+          <p:cNvPr id="23" name="Grouper 22"/>
+          <p:cNvGrpSpPr/>
           <p:nvPr/>
-        </p:nvSpPr>
-        <p:spPr>
+        </p:nvGrpSpPr>
+        <p:grpSpPr>
           <a:xfrm>
-            <a:off x="23449393" y="27098905"/>
-            <a:ext cx="10401551" cy="1169551"/>
+            <a:off x="22802242" y="28257532"/>
+            <a:ext cx="11314502" cy="17742426"/>
+            <a:chOff x="22892948" y="27098905"/>
+            <a:chExt cx="11314502" cy="17742426"/>
           </a:xfrm>
-          <a:prstGeom prst="rect">
-            <a:avLst/>
-          </a:prstGeom>
-          <a:solidFill>
-            <a:srgbClr val="FFFFFF"/>
-          </a:solidFill>
-        </p:spPr>
-        <p:txBody>
-          <a:bodyPr wrap="square" rtlCol="0">
-            <a:spAutoFit/>
-          </a:bodyPr>
-          <a:lstStyle/>
-          <a:p>
-            <a:pPr algn="ctr"/>
-            <a:r>
-              <a:rPr lang="fr-FR" sz="7000" u="sng" dirty="0" err="1" smtClean="0">
+        </p:grpSpPr>
+        <p:pic>
+          <p:nvPicPr>
+            <p:cNvPr id="9" name="Image 8"/>
+            <p:cNvPicPr>
+              <a:picLocks noChangeAspect="1"/>
+            </p:cNvPicPr>
+            <p:nvPr/>
+          </p:nvPicPr>
+          <p:blipFill>
+            <a:blip r:embed="rId9"/>
+            <a:stretch>
+              <a:fillRect/>
+            </a:stretch>
+          </p:blipFill>
+          <p:spPr>
+            <a:xfrm>
+              <a:off x="22892948" y="36355454"/>
+              <a:ext cx="11314502" cy="8485877"/>
+            </a:xfrm>
+            <a:prstGeom prst="rect">
+              <a:avLst/>
+            </a:prstGeom>
+          </p:spPr>
+        </p:pic>
+        <p:pic>
+          <p:nvPicPr>
+            <p:cNvPr id="14" name="Image 13"/>
+            <p:cNvPicPr>
+              <a:picLocks noChangeAspect="1"/>
+            </p:cNvPicPr>
+            <p:nvPr/>
+          </p:nvPicPr>
+          <p:blipFill>
+            <a:blip r:embed="rId10"/>
+            <a:stretch>
+              <a:fillRect/>
+            </a:stretch>
+          </p:blipFill>
+          <p:spPr>
+            <a:xfrm>
+              <a:off x="22892948" y="28268456"/>
+              <a:ext cx="11048584" cy="8286438"/>
+            </a:xfrm>
+            <a:prstGeom prst="rect">
+              <a:avLst/>
+            </a:prstGeom>
+          </p:spPr>
+        </p:pic>
+        <p:sp>
+          <p:nvSpPr>
+            <p:cNvPr id="15" name="ZoneTexte 14"/>
+            <p:cNvSpPr txBox="1"/>
+            <p:nvPr/>
+          </p:nvSpPr>
+          <p:spPr>
+            <a:xfrm>
+              <a:off x="24993676" y="36554894"/>
+              <a:ext cx="7121656" cy="1169551"/>
+            </a:xfrm>
+            <a:prstGeom prst="rect">
+              <a:avLst/>
+            </a:prstGeom>
+            <a:solidFill>
+              <a:srgbClr val="FFFFFF"/>
+            </a:solidFill>
+          </p:spPr>
+          <p:txBody>
+            <a:bodyPr wrap="square" rtlCol="0">
+              <a:spAutoFit/>
+            </a:bodyPr>
+            <a:lstStyle/>
+            <a:p>
+              <a:r>
+                <a:rPr lang="fr-FR" sz="7000" dirty="0" smtClean="0">
+                  <a:latin typeface="Abadi MT Condensed Extra Bold"/>
+                  <a:cs typeface="Abadi MT Condensed Extra Bold"/>
+                </a:rPr>
+                <a:t>2. </a:t>
+              </a:r>
+              <a:r>
+                <a:rPr lang="fr-FR" sz="7000" dirty="0" err="1" smtClean="0">
+                  <a:latin typeface="Abadi MT Condensed Extra Bold"/>
+                  <a:cs typeface="Abadi MT Condensed Extra Bold"/>
+                </a:rPr>
+                <a:t>Synchrony</a:t>
+              </a:r>
+              <a:r>
+                <a:rPr lang="fr-FR" sz="7000" dirty="0" smtClean="0">
+                  <a:latin typeface="Abadi MT Condensed Extra Bold"/>
+                  <a:cs typeface="Abadi MT Condensed Extra Bold"/>
+                </a:rPr>
+                <a:t> score</a:t>
+              </a:r>
+              <a:endParaRPr lang="fr-FR" sz="7000" dirty="0">
                 <a:latin typeface="Abadi MT Condensed Extra Bold"/>
                 <a:cs typeface="Abadi MT Condensed Extra Bold"/>
-              </a:rPr>
-              <a:t>Example</a:t>
-            </a:r>
-            <a:r>
-              <a:rPr lang="fr-FR" sz="7000" u="sng" dirty="0" smtClean="0">
+              </a:endParaRPr>
+            </a:p>
+          </p:txBody>
+        </p:sp>
+        <p:sp>
+          <p:nvSpPr>
+            <p:cNvPr id="19" name="ZoneTexte 18"/>
+            <p:cNvSpPr txBox="1"/>
+            <p:nvPr/>
+          </p:nvSpPr>
+          <p:spPr>
+            <a:xfrm>
+              <a:off x="24221962" y="28550282"/>
+              <a:ext cx="9526207" cy="1169551"/>
+            </a:xfrm>
+            <a:prstGeom prst="rect">
+              <a:avLst/>
+            </a:prstGeom>
+            <a:solidFill>
+              <a:srgbClr val="FFFFFF"/>
+            </a:solidFill>
+          </p:spPr>
+          <p:txBody>
+            <a:bodyPr wrap="square" rtlCol="0">
+              <a:spAutoFit/>
+            </a:bodyPr>
+            <a:lstStyle/>
+            <a:p>
+              <a:pPr algn="ctr"/>
+              <a:r>
+                <a:rPr lang="fr-FR" sz="7000" dirty="0" smtClean="0">
+                  <a:latin typeface="Abadi MT Condensed Extra Bold"/>
+                  <a:cs typeface="Abadi MT Condensed Extra Bold"/>
+                </a:rPr>
+                <a:t>1. Motion </a:t>
+              </a:r>
+              <a:r>
+                <a:rPr lang="fr-FR" sz="7000" dirty="0" err="1" smtClean="0">
+                  <a:latin typeface="Abadi MT Condensed Extra Bold"/>
+                  <a:cs typeface="Abadi MT Condensed Extra Bold"/>
+                </a:rPr>
+                <a:t>history</a:t>
+              </a:r>
+              <a:endParaRPr lang="fr-FR" sz="7000" dirty="0">
                 <a:latin typeface="Abadi MT Condensed Extra Bold"/>
                 <a:cs typeface="Abadi MT Condensed Extra Bold"/>
-              </a:rPr>
-              <a:t> on a </a:t>
-            </a:r>
-            <a:r>
-              <a:rPr lang="fr-FR" sz="7000" u="sng" dirty="0" err="1" smtClean="0">
+              </a:endParaRPr>
+            </a:p>
+          </p:txBody>
+        </p:sp>
+        <p:sp>
+          <p:nvSpPr>
+            <p:cNvPr id="22" name="ZoneTexte 21"/>
+            <p:cNvSpPr txBox="1"/>
+            <p:nvPr/>
+          </p:nvSpPr>
+          <p:spPr>
+            <a:xfrm>
+              <a:off x="23449393" y="27098905"/>
+              <a:ext cx="10401551" cy="1169551"/>
+            </a:xfrm>
+            <a:prstGeom prst="rect">
+              <a:avLst/>
+            </a:prstGeom>
+            <a:solidFill>
+              <a:srgbClr val="FFFFFF"/>
+            </a:solidFill>
+          </p:spPr>
+          <p:txBody>
+            <a:bodyPr wrap="square" rtlCol="0">
+              <a:spAutoFit/>
+            </a:bodyPr>
+            <a:lstStyle/>
+            <a:p>
+              <a:pPr algn="ctr"/>
+              <a:r>
+                <a:rPr lang="fr-FR" sz="7000" u="sng" dirty="0" err="1" smtClean="0">
+                  <a:latin typeface="Abadi MT Condensed Extra Bold"/>
+                  <a:cs typeface="Abadi MT Condensed Extra Bold"/>
+                </a:rPr>
+                <a:t>Example</a:t>
+              </a:r>
+              <a:r>
+                <a:rPr lang="fr-FR" sz="7000" u="sng" dirty="0" smtClean="0">
+                  <a:latin typeface="Abadi MT Condensed Extra Bold"/>
+                  <a:cs typeface="Abadi MT Condensed Extra Bold"/>
+                </a:rPr>
+                <a:t> on a </a:t>
+              </a:r>
+              <a:r>
+                <a:rPr lang="fr-FR" sz="7000" u="sng" dirty="0" err="1" smtClean="0">
+                  <a:latin typeface="Abadi MT Condensed Extra Bold"/>
+                  <a:cs typeface="Abadi MT Condensed Extra Bold"/>
+                </a:rPr>
+                <a:t>conflict</a:t>
+              </a:r>
+              <a:r>
+                <a:rPr lang="fr-FR" sz="7000" u="sng" dirty="0" smtClean="0">
+                  <a:latin typeface="Abadi MT Condensed Extra Bold"/>
+                  <a:cs typeface="Abadi MT Condensed Extra Bold"/>
+                </a:rPr>
+                <a:t> </a:t>
+              </a:r>
+              <a:r>
+                <a:rPr lang="fr-FR" sz="7000" u="sng" dirty="0" err="1" smtClean="0">
+                  <a:latin typeface="Abadi MT Condensed Extra Bold"/>
+                  <a:cs typeface="Abadi MT Condensed Extra Bold"/>
+                </a:rPr>
+                <a:t>video</a:t>
+              </a:r>
+              <a:endParaRPr lang="fr-FR" sz="7000" u="sng" dirty="0">
                 <a:latin typeface="Abadi MT Condensed Extra Bold"/>
                 <a:cs typeface="Abadi MT Condensed Extra Bold"/>
-              </a:rPr>
-              <a:t>conflict</a:t>
-            </a:r>
-            <a:r>
-              <a:rPr lang="fr-FR" sz="7000" u="sng" dirty="0" smtClean="0">
-                <a:latin typeface="Abadi MT Condensed Extra Bold"/>
-                <a:cs typeface="Abadi MT Condensed Extra Bold"/>
-              </a:rPr>
-              <a:t> </a:t>
-            </a:r>
-            <a:r>
-              <a:rPr lang="fr-FR" sz="7000" u="sng" dirty="0" err="1" smtClean="0">
-                <a:latin typeface="Abadi MT Condensed Extra Bold"/>
-                <a:cs typeface="Abadi MT Condensed Extra Bold"/>
-              </a:rPr>
-              <a:t>video</a:t>
-            </a:r>
-            <a:endParaRPr lang="fr-FR" sz="7000" u="sng" dirty="0">
-              <a:latin typeface="Abadi MT Condensed Extra Bold"/>
-              <a:cs typeface="Abadi MT Condensed Extra Bold"/>
-            </a:endParaRPr>
-          </a:p>
-        </p:txBody>
-      </p:sp>
+              </a:endParaRPr>
+            </a:p>
+          </p:txBody>
+        </p:sp>
+      </p:grpSp>
     </p:spTree>
     <p:extLst>
       <p:ext uri="{BB962C8B-B14F-4D97-AF65-F5344CB8AC3E}">
@@ -7464,6 +7544,13 @@
   <p:clrMapOvr>
     <a:masterClrMapping/>
   </p:clrMapOvr>
+  <p:timing>
+    <p:tnLst>
+      <p:par>
+        <p:cTn xmlns:p14="http://schemas.microsoft.com/office/powerpoint/2010/main" id="1" dur="indefinite" restart="never" nodeType="tmRoot"/>
+      </p:par>
+    </p:tnLst>
+  </p:timing>
 </p:sld>
 </file>
 

--- a/Monrado/Reports/ECNPPoster.pptx
+++ b/Monrado/Reports/ECNPPoster.pptx
@@ -5519,8 +5519,8 @@
         </p:blipFill>
         <p:spPr>
           <a:xfrm>
-            <a:off x="5566490" y="25593361"/>
-            <a:ext cx="2924564" cy="2924564"/>
+            <a:off x="4715766" y="26732654"/>
+            <a:ext cx="2694429" cy="2694429"/>
           </a:xfrm>
           <a:prstGeom prst="rect">
             <a:avLst/>
@@ -5535,7 +5535,7 @@
         </p:nvSpPr>
         <p:spPr>
           <a:xfrm>
-            <a:off x="1362340" y="26512500"/>
+            <a:off x="368069" y="26261023"/>
             <a:ext cx="5020637" cy="861774"/>
           </a:xfrm>
           <a:prstGeom prst="rect">
@@ -5942,7 +5942,19 @@
             </a:r>
             <a:r>
               <a:rPr lang="fr-FR" sz="5000" dirty="0" smtClean="0"/>
-              <a:t> to </a:t>
+              <a:t> (</a:t>
+            </a:r>
+            <a:r>
+              <a:rPr lang="fr-FR" sz="5000" dirty="0" err="1" smtClean="0"/>
+              <a:t>Fig</a:t>
+            </a:r>
+            <a:r>
+              <a:rPr lang="fr-FR" sz="5000" dirty="0" smtClean="0"/>
+              <a:t> 1.) </a:t>
+            </a:r>
+            <a:r>
+              <a:rPr lang="fr-FR" sz="5000" dirty="0" smtClean="0"/>
+              <a:t>to </a:t>
             </a:r>
             <a:r>
               <a:rPr lang="fr-FR" sz="5000" dirty="0" err="1" smtClean="0"/>
@@ -6421,20 +6433,16 @@
               <a:t>Fig</a:t>
             </a:r>
             <a:r>
-              <a:rPr lang="fr-FR" sz="5000" smtClean="0"/>
-              <a:t> 1</a:t>
-            </a:r>
-            <a:r>
-              <a:rPr lang="fr-FR" sz="5000" dirty="0" smtClean="0"/>
-              <a:t>. </a:t>
+              <a:rPr lang="fr-FR" sz="5000" dirty="0" smtClean="0"/>
+              <a:t> 2. </a:t>
             </a:r>
             <a:r>
               <a:rPr lang="fr-FR" sz="5000" dirty="0"/>
-              <a:t>and </a:t>
-            </a:r>
-            <a:r>
-              <a:rPr lang="fr-FR" sz="5000" dirty="0" smtClean="0"/>
-              <a:t>2.).</a:t>
+              <a:t>and 3</a:t>
+            </a:r>
+            <a:r>
+              <a:rPr lang="fr-FR" sz="5000" dirty="0" smtClean="0"/>
+              <a:t>.).</a:t>
             </a:r>
             <a:endParaRPr lang="fr-FR" sz="5000" dirty="0" smtClean="0"/>
           </a:p>
@@ -7250,11 +7258,18 @@
           <a:lstStyle/>
           <a:p>
             <a:r>
+              <a:rPr lang="fr-FR" dirty="0">
+                <a:latin typeface="Abadi MT Condensed Extra Bold"/>
+                <a:cs typeface="Abadi MT Condensed Extra Bold"/>
+              </a:rPr>
+              <a:t>2</a:t>
+            </a:r>
+            <a:r>
               <a:rPr lang="fr-FR" dirty="0" smtClean="0">
                 <a:latin typeface="Abadi MT Condensed Extra Bold"/>
                 <a:cs typeface="Abadi MT Condensed Extra Bold"/>
               </a:rPr>
-              <a:t>1.</a:t>
+              <a:t>.</a:t>
             </a:r>
             <a:endParaRPr lang="fr-FR" dirty="0">
               <a:latin typeface="Abadi MT Condensed Extra Bold"/>
@@ -7290,7 +7305,7 @@
                 <a:latin typeface="Abadi MT Condensed Extra Bold"/>
                 <a:cs typeface="Abadi MT Condensed Extra Bold"/>
               </a:rPr>
-              <a:t>2</a:t>
+              <a:t>3</a:t>
             </a:r>
             <a:r>
               <a:rPr lang="fr-FR" dirty="0" smtClean="0">
@@ -7397,7 +7412,7 @@
                   <a:latin typeface="Abadi MT Condensed Extra Bold"/>
                   <a:cs typeface="Abadi MT Condensed Extra Bold"/>
                 </a:rPr>
-                <a:t>2. </a:t>
+                <a:t>3. </a:t>
               </a:r>
               <a:r>
                 <a:rPr lang="fr-FR" sz="7000" dirty="0" err="1" smtClean="0">
@@ -7450,7 +7465,7 @@
                   <a:latin typeface="Abadi MT Condensed Extra Bold"/>
                   <a:cs typeface="Abadi MT Condensed Extra Bold"/>
                 </a:rPr>
-                <a:t>1. Motion </a:t>
+                <a:t>2. Motion </a:t>
               </a:r>
               <a:r>
                 <a:rPr lang="fr-FR" sz="7000" dirty="0" err="1" smtClean="0">
@@ -7534,6 +7549,50 @@
           </p:txBody>
         </p:sp>
       </p:grpSp>
+      <p:sp>
+        <p:nvSpPr>
+          <p:cNvPr id="24" name="ZoneTexte 23"/>
+          <p:cNvSpPr txBox="1"/>
+          <p:nvPr/>
+        </p:nvSpPr>
+        <p:spPr>
+          <a:xfrm>
+            <a:off x="7410195" y="25953246"/>
+            <a:ext cx="6698875" cy="1169551"/>
+          </a:xfrm>
+          <a:prstGeom prst="rect">
+            <a:avLst/>
+          </a:prstGeom>
+          <a:noFill/>
+        </p:spPr>
+        <p:txBody>
+          <a:bodyPr wrap="square" rtlCol="0">
+            <a:spAutoFit/>
+          </a:bodyPr>
+          <a:lstStyle/>
+          <a:p>
+            <a:pPr algn="just"/>
+            <a:r>
+              <a:rPr lang="fr-FR" sz="7000" dirty="0" smtClean="0">
+                <a:latin typeface="Abadi MT Condensed Extra Bold"/>
+                <a:cs typeface="Abadi MT Condensed Extra Bold"/>
+              </a:rPr>
+              <a:t>1. </a:t>
+            </a:r>
+            <a:r>
+              <a:rPr lang="fr-FR" sz="7000" dirty="0" err="1" smtClean="0">
+                <a:latin typeface="Abadi MT Condensed Extra Bold"/>
+                <a:cs typeface="Abadi MT Condensed Extra Bold"/>
+              </a:rPr>
+              <a:t>Procedure</a:t>
+            </a:r>
+            <a:endParaRPr lang="fr-FR" sz="7000" dirty="0">
+              <a:latin typeface="Abadi MT Condensed Extra Bold"/>
+              <a:cs typeface="Abadi MT Condensed Extra Bold"/>
+            </a:endParaRPr>
+          </a:p>
+        </p:txBody>
+      </p:sp>
     </p:spTree>
     <p:extLst>
       <p:ext uri="{BB962C8B-B14F-4D97-AF65-F5344CB8AC3E}">

--- a/Monrado/Reports/ECNPPoster.pptx
+++ b/Monrado/Reports/ECNPPoster.pptx
@@ -203,7 +203,7 @@
           <a:p>
             <a:fld id="{DFA8D195-C53E-7448-B1B5-70C25ACF49F5}" type="datetimeFigureOut">
               <a:rPr lang="fr-FR" smtClean="0"/>
-              <a:t>13/05/16</a:t>
+              <a:t>17/05/16</a:t>
             </a:fld>
             <a:endParaRPr lang="fr-FR"/>
           </a:p>
@@ -741,7 +741,7 @@
           <a:p>
             <a:fld id="{841464F7-D333-D34B-8E9E-ECC7901A7EBB}" type="datetimeFigureOut">
               <a:rPr lang="fr-FR" smtClean="0"/>
-              <a:t>13/05/16</a:t>
+              <a:t>17/05/16</a:t>
             </a:fld>
             <a:endParaRPr lang="fr-FR"/>
           </a:p>
@@ -911,7 +911,7 @@
           <a:p>
             <a:fld id="{841464F7-D333-D34B-8E9E-ECC7901A7EBB}" type="datetimeFigureOut">
               <a:rPr lang="fr-FR" smtClean="0"/>
-              <a:t>13/05/16</a:t>
+              <a:t>17/05/16</a:t>
             </a:fld>
             <a:endParaRPr lang="fr-FR"/>
           </a:p>
@@ -1091,7 +1091,7 @@
           <a:p>
             <a:fld id="{841464F7-D333-D34B-8E9E-ECC7901A7EBB}" type="datetimeFigureOut">
               <a:rPr lang="fr-FR" smtClean="0"/>
-              <a:t>13/05/16</a:t>
+              <a:t>17/05/16</a:t>
             </a:fld>
             <a:endParaRPr lang="fr-FR"/>
           </a:p>
@@ -1261,7 +1261,7 @@
           <a:p>
             <a:fld id="{841464F7-D333-D34B-8E9E-ECC7901A7EBB}" type="datetimeFigureOut">
               <a:rPr lang="fr-FR" smtClean="0"/>
-              <a:t>13/05/16</a:t>
+              <a:t>17/05/16</a:t>
             </a:fld>
             <a:endParaRPr lang="fr-FR"/>
           </a:p>
@@ -1507,7 +1507,7 @@
           <a:p>
             <a:fld id="{841464F7-D333-D34B-8E9E-ECC7901A7EBB}" type="datetimeFigureOut">
               <a:rPr lang="fr-FR" smtClean="0"/>
-              <a:t>13/05/16</a:t>
+              <a:t>17/05/16</a:t>
             </a:fld>
             <a:endParaRPr lang="fr-FR"/>
           </a:p>
@@ -1795,7 +1795,7 @@
           <a:p>
             <a:fld id="{841464F7-D333-D34B-8E9E-ECC7901A7EBB}" type="datetimeFigureOut">
               <a:rPr lang="fr-FR" smtClean="0"/>
-              <a:t>13/05/16</a:t>
+              <a:t>17/05/16</a:t>
             </a:fld>
             <a:endParaRPr lang="fr-FR"/>
           </a:p>
@@ -2222,7 +2222,7 @@
           <a:p>
             <a:fld id="{841464F7-D333-D34B-8E9E-ECC7901A7EBB}" type="datetimeFigureOut">
               <a:rPr lang="fr-FR" smtClean="0"/>
-              <a:t>13/05/16</a:t>
+              <a:t>17/05/16</a:t>
             </a:fld>
             <a:endParaRPr lang="fr-FR"/>
           </a:p>
@@ -2340,7 +2340,7 @@
           <a:p>
             <a:fld id="{841464F7-D333-D34B-8E9E-ECC7901A7EBB}" type="datetimeFigureOut">
               <a:rPr lang="fr-FR" smtClean="0"/>
-              <a:t>13/05/16</a:t>
+              <a:t>17/05/16</a:t>
             </a:fld>
             <a:endParaRPr lang="fr-FR"/>
           </a:p>
@@ -2435,7 +2435,7 @@
           <a:p>
             <a:fld id="{841464F7-D333-D34B-8E9E-ECC7901A7EBB}" type="datetimeFigureOut">
               <a:rPr lang="fr-FR" smtClean="0"/>
-              <a:t>13/05/16</a:t>
+              <a:t>17/05/16</a:t>
             </a:fld>
             <a:endParaRPr lang="fr-FR"/>
           </a:p>
@@ -2712,7 +2712,7 @@
           <a:p>
             <a:fld id="{841464F7-D333-D34B-8E9E-ECC7901A7EBB}" type="datetimeFigureOut">
               <a:rPr lang="fr-FR" smtClean="0"/>
-              <a:t>13/05/16</a:t>
+              <a:t>17/05/16</a:t>
             </a:fld>
             <a:endParaRPr lang="fr-FR"/>
           </a:p>
@@ -2965,7 +2965,7 @@
           <a:p>
             <a:fld id="{841464F7-D333-D34B-8E9E-ECC7901A7EBB}" type="datetimeFigureOut">
               <a:rPr lang="fr-FR" smtClean="0"/>
-              <a:t>13/05/16</a:t>
+              <a:t>17/05/16</a:t>
             </a:fld>
             <a:endParaRPr lang="fr-FR"/>
           </a:p>
@@ -3178,7 +3178,7 @@
           <a:p>
             <a:fld id="{841464F7-D333-D34B-8E9E-ECC7901A7EBB}" type="datetimeFigureOut">
               <a:rPr lang="fr-FR" smtClean="0"/>
-              <a:t>13/05/16</a:t>
+              <a:t>17/05/16</a:t>
             </a:fld>
             <a:endParaRPr lang="fr-FR"/>
           </a:p>
@@ -5950,11 +5950,7 @@
             </a:r>
             <a:r>
               <a:rPr lang="fr-FR" sz="5000" dirty="0" smtClean="0"/>
-              <a:t> 1.) </a:t>
-            </a:r>
-            <a:r>
-              <a:rPr lang="fr-FR" sz="5000" dirty="0" smtClean="0"/>
-              <a:t>to </a:t>
+              <a:t> 1.) to </a:t>
             </a:r>
             <a:r>
               <a:rPr lang="fr-FR" sz="5000" dirty="0" err="1" smtClean="0"/>
@@ -6444,7 +6440,6 @@
               <a:rPr lang="fr-FR" sz="5000" dirty="0" smtClean="0"/>
               <a:t>.).</a:t>
             </a:r>
-            <a:endParaRPr lang="fr-FR" sz="5000" dirty="0" smtClean="0"/>
           </a:p>
           <a:p>
             <a:pPr algn="just"/>

--- a/Monrado/Reports/ECNPPoster.pptx
+++ b/Monrado/Reports/ECNPPoster.pptx
@@ -203,7 +203,7 @@
           <a:p>
             <a:fld id="{DFA8D195-C53E-7448-B1B5-70C25ACF49F5}" type="datetimeFigureOut">
               <a:rPr lang="fr-FR" smtClean="0"/>
-              <a:t>17/05/16</a:t>
+              <a:t>25/05/16</a:t>
             </a:fld>
             <a:endParaRPr lang="fr-FR"/>
           </a:p>
@@ -741,7 +741,7 @@
           <a:p>
             <a:fld id="{841464F7-D333-D34B-8E9E-ECC7901A7EBB}" type="datetimeFigureOut">
               <a:rPr lang="fr-FR" smtClean="0"/>
-              <a:t>17/05/16</a:t>
+              <a:t>25/05/16</a:t>
             </a:fld>
             <a:endParaRPr lang="fr-FR"/>
           </a:p>
@@ -911,7 +911,7 @@
           <a:p>
             <a:fld id="{841464F7-D333-D34B-8E9E-ECC7901A7EBB}" type="datetimeFigureOut">
               <a:rPr lang="fr-FR" smtClean="0"/>
-              <a:t>17/05/16</a:t>
+              <a:t>25/05/16</a:t>
             </a:fld>
             <a:endParaRPr lang="fr-FR"/>
           </a:p>
@@ -1091,7 +1091,7 @@
           <a:p>
             <a:fld id="{841464F7-D333-D34B-8E9E-ECC7901A7EBB}" type="datetimeFigureOut">
               <a:rPr lang="fr-FR" smtClean="0"/>
-              <a:t>17/05/16</a:t>
+              <a:t>25/05/16</a:t>
             </a:fld>
             <a:endParaRPr lang="fr-FR"/>
           </a:p>
@@ -1261,7 +1261,7 @@
           <a:p>
             <a:fld id="{841464F7-D333-D34B-8E9E-ECC7901A7EBB}" type="datetimeFigureOut">
               <a:rPr lang="fr-FR" smtClean="0"/>
-              <a:t>17/05/16</a:t>
+              <a:t>25/05/16</a:t>
             </a:fld>
             <a:endParaRPr lang="fr-FR"/>
           </a:p>
@@ -1507,7 +1507,7 @@
           <a:p>
             <a:fld id="{841464F7-D333-D34B-8E9E-ECC7901A7EBB}" type="datetimeFigureOut">
               <a:rPr lang="fr-FR" smtClean="0"/>
-              <a:t>17/05/16</a:t>
+              <a:t>25/05/16</a:t>
             </a:fld>
             <a:endParaRPr lang="fr-FR"/>
           </a:p>
@@ -1795,7 +1795,7 @@
           <a:p>
             <a:fld id="{841464F7-D333-D34B-8E9E-ECC7901A7EBB}" type="datetimeFigureOut">
               <a:rPr lang="fr-FR" smtClean="0"/>
-              <a:t>17/05/16</a:t>
+              <a:t>25/05/16</a:t>
             </a:fld>
             <a:endParaRPr lang="fr-FR"/>
           </a:p>
@@ -2222,7 +2222,7 @@
           <a:p>
             <a:fld id="{841464F7-D333-D34B-8E9E-ECC7901A7EBB}" type="datetimeFigureOut">
               <a:rPr lang="fr-FR" smtClean="0"/>
-              <a:t>17/05/16</a:t>
+              <a:t>25/05/16</a:t>
             </a:fld>
             <a:endParaRPr lang="fr-FR"/>
           </a:p>
@@ -2340,7 +2340,7 @@
           <a:p>
             <a:fld id="{841464F7-D333-D34B-8E9E-ECC7901A7EBB}" type="datetimeFigureOut">
               <a:rPr lang="fr-FR" smtClean="0"/>
-              <a:t>17/05/16</a:t>
+              <a:t>25/05/16</a:t>
             </a:fld>
             <a:endParaRPr lang="fr-FR"/>
           </a:p>
@@ -2435,7 +2435,7 @@
           <a:p>
             <a:fld id="{841464F7-D333-D34B-8E9E-ECC7901A7EBB}" type="datetimeFigureOut">
               <a:rPr lang="fr-FR" smtClean="0"/>
-              <a:t>17/05/16</a:t>
+              <a:t>25/05/16</a:t>
             </a:fld>
             <a:endParaRPr lang="fr-FR"/>
           </a:p>
@@ -2712,7 +2712,7 @@
           <a:p>
             <a:fld id="{841464F7-D333-D34B-8E9E-ECC7901A7EBB}" type="datetimeFigureOut">
               <a:rPr lang="fr-FR" smtClean="0"/>
-              <a:t>17/05/16</a:t>
+              <a:t>25/05/16</a:t>
             </a:fld>
             <a:endParaRPr lang="fr-FR"/>
           </a:p>
@@ -2965,7 +2965,7 @@
           <a:p>
             <a:fld id="{841464F7-D333-D34B-8E9E-ECC7901A7EBB}" type="datetimeFigureOut">
               <a:rPr lang="fr-FR" smtClean="0"/>
-              <a:t>17/05/16</a:t>
+              <a:t>25/05/16</a:t>
             </a:fld>
             <a:endParaRPr lang="fr-FR"/>
           </a:p>
@@ -3178,7 +3178,7 @@
           <a:p>
             <a:fld id="{841464F7-D333-D34B-8E9E-ECC7901A7EBB}" type="datetimeFigureOut">
               <a:rPr lang="fr-FR" smtClean="0"/>
-              <a:t>17/05/16</a:t>
+              <a:t>25/05/16</a:t>
             </a:fld>
             <a:endParaRPr lang="fr-FR"/>
           </a:p>
@@ -4129,7 +4129,7 @@
                   <a:schemeClr val="tx1"/>
                 </a:solidFill>
               </a:rPr>
-              <a:t>directly</a:t>
+              <a:t>actually</a:t>
             </a:r>
             <a:r>
               <a:rPr lang="fr-FR" sz="4800" dirty="0" smtClean="0">
@@ -4593,15 +4593,31 @@
                   <a:schemeClr val="tx1"/>
                 </a:solidFill>
               </a:rPr>
-              <a:t>yet</a:t>
-            </a:r>
-            <a:r>
-              <a:rPr lang="fr-FR" sz="4800" dirty="0" smtClean="0">
-                <a:solidFill>
-                  <a:schemeClr val="tx1"/>
-                </a:solidFill>
-              </a:rPr>
-              <a:t> possible to </a:t>
+              <a:t>already</a:t>
+            </a:r>
+            <a:r>
+              <a:rPr lang="fr-FR" sz="4800" dirty="0" smtClean="0">
+                <a:solidFill>
+                  <a:schemeClr val="tx1"/>
+                </a:solidFill>
+              </a:rPr>
+              <a:t> </a:t>
+            </a:r>
+            <a:r>
+              <a:rPr lang="fr-FR" sz="4800" dirty="0" err="1" smtClean="0">
+                <a:solidFill>
+                  <a:schemeClr val="tx1"/>
+                </a:solidFill>
+              </a:rPr>
+              <a:t>feasible</a:t>
+            </a:r>
+            <a:r>
+              <a:rPr lang="fr-FR" sz="4800" dirty="0" smtClean="0">
+                <a:solidFill>
+                  <a:schemeClr val="tx1"/>
+                </a:solidFill>
+              </a:rPr>
+              <a:t> to </a:t>
             </a:r>
             <a:r>
               <a:rPr lang="fr-FR" sz="4800" dirty="0" err="1" smtClean="0">
@@ -4721,47 +4737,31 @@
                   <a:schemeClr val="tx1"/>
                 </a:solidFill>
               </a:rPr>
-              <a:t>challenging</a:t>
-            </a:r>
-            <a:r>
-              <a:rPr lang="fr-FR" sz="4800" dirty="0" smtClean="0">
-                <a:solidFill>
-                  <a:schemeClr val="tx1"/>
-                </a:solidFill>
-              </a:rPr>
-              <a:t> </a:t>
-            </a:r>
-            <a:r>
-              <a:rPr lang="fr-FR" sz="4800" dirty="0" err="1" smtClean="0">
-                <a:solidFill>
-                  <a:schemeClr val="tx1"/>
-                </a:solidFill>
-              </a:rPr>
-              <a:t>since</a:t>
-            </a:r>
-            <a:r>
-              <a:rPr lang="fr-FR" sz="4800" dirty="0" smtClean="0">
-                <a:solidFill>
-                  <a:schemeClr val="tx1"/>
-                </a:solidFill>
-              </a:rPr>
-              <a:t> </a:t>
-            </a:r>
-            <a:r>
-              <a:rPr lang="fr-FR" sz="4800" dirty="0" err="1" smtClean="0">
-                <a:solidFill>
-                  <a:schemeClr val="tx1"/>
-                </a:solidFill>
-              </a:rPr>
-              <a:t>it</a:t>
-            </a:r>
-            <a:r>
-              <a:rPr lang="fr-FR" sz="4800" dirty="0" smtClean="0">
-                <a:solidFill>
-                  <a:schemeClr val="tx1"/>
-                </a:solidFill>
-              </a:rPr>
-              <a:t> </a:t>
+              <a:t>tedious</a:t>
+            </a:r>
+            <a:r>
+              <a:rPr lang="fr-FR" sz="4800" dirty="0" smtClean="0">
+                <a:solidFill>
+                  <a:schemeClr val="tx1"/>
+                </a:solidFill>
+              </a:rPr>
+              <a:t>. </a:t>
+            </a:r>
+            <a:r>
+              <a:rPr lang="fr-FR" sz="4800" dirty="0">
+                <a:solidFill>
+                  <a:schemeClr val="tx1"/>
+                </a:solidFill>
+              </a:rPr>
+              <a:t>I</a:t>
+            </a:r>
+            <a:r>
+              <a:rPr lang="fr-FR" sz="4800" dirty="0" smtClean="0">
+                <a:solidFill>
+                  <a:schemeClr val="tx1"/>
+                </a:solidFill>
+              </a:rPr>
+              <a:t>t </a:t>
             </a:r>
             <a:r>
               <a:rPr lang="fr-FR" sz="4800" dirty="0" err="1" smtClean="0">
@@ -5001,7 +5001,39 @@
                   <a:schemeClr val="tx1"/>
                 </a:solidFill>
               </a:rPr>
-              <a:t> et al, 2015).  </a:t>
+              <a:t> et al, 2015) and a </a:t>
+            </a:r>
+            <a:r>
+              <a:rPr lang="fr-FR" sz="4800" dirty="0" err="1" smtClean="0">
+                <a:solidFill>
+                  <a:schemeClr val="tx1"/>
+                </a:solidFill>
+              </a:rPr>
+              <a:t>potential</a:t>
+            </a:r>
+            <a:r>
+              <a:rPr lang="fr-FR" sz="4800" dirty="0" smtClean="0">
+                <a:solidFill>
+                  <a:schemeClr val="tx1"/>
+                </a:solidFill>
+              </a:rPr>
+              <a:t> source of </a:t>
+            </a:r>
+            <a:r>
+              <a:rPr lang="fr-FR" sz="4800" dirty="0" err="1" smtClean="0">
+                <a:solidFill>
+                  <a:schemeClr val="tx1"/>
+                </a:solidFill>
+              </a:rPr>
+              <a:t>bias</a:t>
+            </a:r>
+            <a:r>
+              <a:rPr lang="fr-FR" sz="4800" dirty="0" smtClean="0">
+                <a:solidFill>
+                  <a:schemeClr val="tx1"/>
+                </a:solidFill>
+              </a:rPr>
+              <a:t>.  </a:t>
             </a:r>
           </a:p>
           <a:p>
@@ -5036,7 +5068,23 @@
                   <a:schemeClr val="tx1"/>
                 </a:solidFill>
               </a:rPr>
-              <a:t> feedback of the </a:t>
+              <a:t> feedback </a:t>
+            </a:r>
+            <a:r>
+              <a:rPr lang="fr-FR" sz="4800" dirty="0" err="1" smtClean="0">
+                <a:solidFill>
+                  <a:schemeClr val="tx1"/>
+                </a:solidFill>
+              </a:rPr>
+              <a:t>during</a:t>
+            </a:r>
+            <a:r>
+              <a:rPr lang="fr-FR" sz="4800" dirty="0" smtClean="0">
+                <a:solidFill>
+                  <a:schemeClr val="tx1"/>
+                </a:solidFill>
+              </a:rPr>
+              <a:t> the </a:t>
             </a:r>
             <a:r>
               <a:rPr lang="fr-FR" sz="4800" dirty="0" err="1" smtClean="0">
@@ -5100,31 +5148,15 @@
                   <a:schemeClr val="tx1"/>
                 </a:solidFill>
               </a:rPr>
-              <a:t> help a </a:t>
-            </a:r>
-            <a:r>
-              <a:rPr lang="fr-FR" sz="4800" dirty="0" err="1" smtClean="0">
-                <a:solidFill>
-                  <a:schemeClr val="tx1"/>
-                </a:solidFill>
-              </a:rPr>
-              <a:t>therapist</a:t>
-            </a:r>
-            <a:r>
-              <a:rPr lang="fr-FR" sz="4800" dirty="0" smtClean="0">
-                <a:solidFill>
-                  <a:schemeClr val="tx1"/>
-                </a:solidFill>
-              </a:rPr>
-              <a:t>, to guide </a:t>
-            </a:r>
-            <a:r>
-              <a:rPr lang="fr-FR" sz="4800" dirty="0" err="1" smtClean="0">
-                <a:solidFill>
-                  <a:schemeClr val="tx1"/>
-                </a:solidFill>
-              </a:rPr>
-              <a:t>him</a:t>
+              <a:t> help the </a:t>
+            </a:r>
+            <a:r>
+              <a:rPr lang="fr-FR" sz="4800" dirty="0" err="1" smtClean="0">
+                <a:solidFill>
+                  <a:schemeClr val="tx1"/>
+                </a:solidFill>
+              </a:rPr>
+              <a:t>therapists</a:t>
             </a:r>
             <a:r>
               <a:rPr lang="fr-FR" sz="4800" dirty="0" smtClean="0">
@@ -5535,7 +5567,7 @@
         </p:nvSpPr>
         <p:spPr>
           <a:xfrm>
-            <a:off x="368069" y="26261023"/>
+            <a:off x="368069" y="26927028"/>
             <a:ext cx="5020637" cy="861774"/>
           </a:xfrm>
           <a:prstGeom prst="rect">
@@ -5835,7 +5867,7 @@
         <p:spPr>
           <a:xfrm>
             <a:off x="16840408" y="7389428"/>
-            <a:ext cx="16862335" cy="20251698"/>
+            <a:ext cx="16862335" cy="18712815"/>
           </a:xfrm>
           <a:prstGeom prst="rect">
             <a:avLst/>
@@ -6006,15 +6038,7 @@
             </a:r>
             <a:r>
               <a:rPr lang="fr-FR" sz="5000" dirty="0" smtClean="0"/>
-              <a:t> </a:t>
-            </a:r>
-            <a:r>
-              <a:rPr lang="fr-FR" sz="5000" dirty="0" err="1" smtClean="0"/>
-              <a:t>focused</a:t>
-            </a:r>
-            <a:r>
-              <a:rPr lang="fr-FR" sz="5000" dirty="0" smtClean="0"/>
-              <a:t> on </a:t>
+              <a:t> focus on </a:t>
             </a:r>
             <a:r>
               <a:rPr lang="fr-FR" sz="5000" dirty="0" err="1"/>
@@ -6038,23 +6062,23 @@
             </a:r>
             <a:r>
               <a:rPr lang="fr-FR" sz="5000" dirty="0" err="1" smtClean="0"/>
-              <a:t>since</a:t>
-            </a:r>
-            <a:r>
-              <a:rPr lang="fr-FR" sz="5000" dirty="0" smtClean="0"/>
-              <a:t> </a:t>
+              <a:t>considered</a:t>
+            </a:r>
+            <a:r>
+              <a:rPr lang="fr-FR" sz="5000" dirty="0" smtClean="0"/>
+              <a:t> as a </a:t>
             </a:r>
             <a:r>
               <a:rPr lang="fr-FR" sz="5000" dirty="0" err="1" smtClean="0"/>
-              <a:t>it</a:t>
-            </a:r>
-            <a:r>
-              <a:rPr lang="fr-FR" sz="5000" dirty="0" smtClean="0"/>
-              <a:t> </a:t>
+              <a:t>predictor</a:t>
+            </a:r>
+            <a:r>
+              <a:rPr lang="fr-FR" sz="5000" dirty="0" smtClean="0"/>
+              <a:t> of </a:t>
             </a:r>
             <a:r>
               <a:rPr lang="fr-FR" sz="5000" dirty="0" err="1" smtClean="0"/>
-              <a:t>was</a:t>
+              <a:t>psychotherapy</a:t>
             </a:r>
             <a:r>
               <a:rPr lang="fr-FR" sz="5000" dirty="0" smtClean="0"/>
@@ -6062,11 +6086,131 @@
             </a:r>
             <a:r>
               <a:rPr lang="fr-FR" sz="5000" dirty="0" err="1" smtClean="0"/>
-              <a:t>found</a:t>
-            </a:r>
-            <a:r>
-              <a:rPr lang="fr-FR" sz="5000" dirty="0" smtClean="0"/>
+              <a:t>outcome</a:t>
+            </a:r>
+            <a:r>
+              <a:rPr lang="fr-FR" sz="5000" dirty="0" smtClean="0"/>
+              <a:t> in a first </a:t>
+            </a:r>
+            <a:r>
+              <a:rPr lang="fr-FR" sz="5000" dirty="0" err="1" smtClean="0"/>
+              <a:t>study</a:t>
+            </a:r>
+            <a:r>
+              <a:rPr lang="fr-FR" sz="5000" dirty="0" smtClean="0"/>
+              <a:t> (</a:t>
+            </a:r>
+            <a:r>
+              <a:rPr lang="fr-FR" sz="5000" dirty="0"/>
+              <a:t>Ramseyer, 2011</a:t>
+            </a:r>
+            <a:r>
+              <a:rPr lang="fr-FR" sz="5000" dirty="0" smtClean="0"/>
+              <a:t>) and a relevant signal for the </a:t>
+            </a:r>
+            <a:r>
+              <a:rPr lang="fr-FR" sz="5000" dirty="0" err="1" smtClean="0"/>
+              <a:t>study</a:t>
+            </a:r>
+            <a:r>
+              <a:rPr lang="fr-FR" sz="5000" dirty="0" smtClean="0"/>
+              <a:t> of </a:t>
+            </a:r>
+            <a:r>
+              <a:rPr lang="fr-FR" sz="5000" dirty="0" err="1" smtClean="0"/>
+              <a:t>mother-child</a:t>
+            </a:r>
+            <a:r>
+              <a:rPr lang="fr-FR" sz="5000" dirty="0" smtClean="0"/>
+              <a:t> interactions. </a:t>
+            </a:r>
+            <a:r>
+              <a:rPr lang="fr-FR" sz="5000" dirty="0" err="1"/>
+              <a:t>Varni</a:t>
+            </a:r>
+            <a:r>
+              <a:rPr lang="fr-FR" sz="5000" dirty="0"/>
+              <a:t> et al. </a:t>
+            </a:r>
+            <a:r>
+              <a:rPr lang="fr-FR" sz="5000" dirty="0" smtClean="0"/>
+              <a:t>2015 </a:t>
+            </a:r>
+            <a:r>
+              <a:rPr lang="fr-FR" sz="5000" dirty="0" err="1" smtClean="0"/>
+              <a:t>developped</a:t>
+            </a:r>
+            <a:r>
+              <a:rPr lang="fr-FR" sz="5000" dirty="0" smtClean="0"/>
+              <a:t> </a:t>
+            </a:r>
+            <a:r>
+              <a:rPr lang="fr-FR" sz="5000" dirty="0"/>
+              <a:t>the </a:t>
+            </a:r>
+            <a:r>
+              <a:rPr lang="fr-FR" sz="5000" dirty="0" err="1"/>
+              <a:t>SyncPy</a:t>
+            </a:r>
+            <a:r>
+              <a:rPr lang="fr-FR" sz="5000" dirty="0"/>
+              <a:t> open source python </a:t>
+            </a:r>
+            <a:r>
+              <a:rPr lang="fr-FR" sz="5000" dirty="0" err="1"/>
+              <a:t>library</a:t>
+            </a:r>
+            <a:r>
+              <a:rPr lang="fr-FR" sz="5000" dirty="0"/>
+              <a:t> </a:t>
+            </a:r>
+            <a:r>
+              <a:rPr lang="fr-FR" sz="5000" dirty="0" smtClean="0"/>
+              <a:t>to </a:t>
+            </a:r>
+            <a:r>
+              <a:rPr lang="fr-FR" sz="5000" dirty="0"/>
+              <a:t>help </a:t>
+            </a:r>
+            <a:r>
+              <a:rPr lang="fr-FR" sz="5000" dirty="0" err="1"/>
+              <a:t>researchers</a:t>
+            </a:r>
+            <a:r>
+              <a:rPr lang="fr-FR" sz="5000" dirty="0"/>
+              <a:t> and </a:t>
+            </a:r>
+            <a:r>
+              <a:rPr lang="fr-FR" sz="5000" dirty="0" err="1"/>
+              <a:t>practitioners</a:t>
+            </a:r>
+            <a:r>
+              <a:rPr lang="fr-FR" sz="5000" dirty="0"/>
               <a:t> to </a:t>
+            </a:r>
+            <a:r>
+              <a:rPr lang="fr-FR" sz="5000" dirty="0" err="1"/>
+              <a:t>automatically</a:t>
+            </a:r>
+            <a:r>
+              <a:rPr lang="fr-FR" sz="5000" dirty="0"/>
+              <a:t> analyse </a:t>
+            </a:r>
+            <a:r>
+              <a:rPr lang="fr-FR" sz="5000" dirty="0" err="1" smtClean="0"/>
+              <a:t>synchrony</a:t>
+            </a:r>
+            <a:r>
+              <a:rPr lang="fr-FR" sz="5000" dirty="0" smtClean="0"/>
+              <a:t>. It </a:t>
+            </a:r>
+            <a:r>
+              <a:rPr lang="fr-FR" sz="5000" dirty="0" err="1" smtClean="0"/>
+              <a:t>could</a:t>
+            </a:r>
+            <a:r>
+              <a:rPr lang="fr-FR" sz="5000" dirty="0" smtClean="0"/>
+              <a:t> </a:t>
             </a:r>
             <a:r>
               <a:rPr lang="fr-FR" sz="5000" dirty="0" err="1" smtClean="0"/>
@@ -6074,233 +6218,336 @@
             </a:r>
             <a:r>
               <a:rPr lang="fr-FR" sz="5000" dirty="0" smtClean="0"/>
+              <a:t> possible to </a:t>
+            </a:r>
+            <a:r>
+              <a:rPr lang="fr-FR" sz="5000" dirty="0" err="1" smtClean="0"/>
+              <a:t>measure</a:t>
+            </a:r>
+            <a:r>
+              <a:rPr lang="fr-FR" sz="5000" dirty="0" smtClean="0"/>
+              <a:t> </a:t>
+            </a:r>
+            <a:r>
+              <a:rPr lang="fr-FR" sz="5000" dirty="0" err="1" smtClean="0"/>
+              <a:t>synchrony</a:t>
+            </a:r>
+            <a:r>
+              <a:rPr lang="fr-FR" sz="5000" dirty="0" smtClean="0"/>
+              <a:t> </a:t>
+            </a:r>
+            <a:r>
+              <a:rPr lang="fr-FR" sz="5000" dirty="0" err="1" smtClean="0"/>
+              <a:t>even</a:t>
+            </a:r>
+            <a:r>
+              <a:rPr lang="fr-FR" sz="5000" dirty="0" smtClean="0"/>
+              <a:t> in familial </a:t>
+            </a:r>
+            <a:r>
+              <a:rPr lang="fr-FR" sz="5000" dirty="0" err="1" smtClean="0"/>
+              <a:t>therapies</a:t>
+            </a:r>
+            <a:r>
+              <a:rPr lang="fr-FR" sz="5000" dirty="0" smtClean="0"/>
+              <a:t>. </a:t>
+            </a:r>
+            <a:r>
+              <a:rPr lang="fr-FR" sz="5000" dirty="0" err="1" smtClean="0"/>
+              <a:t>Other</a:t>
+            </a:r>
+            <a:r>
+              <a:rPr lang="fr-FR" sz="5000" dirty="0" smtClean="0"/>
+              <a:t> </a:t>
+            </a:r>
+            <a:r>
+              <a:rPr lang="fr-FR" sz="5000" dirty="0" err="1" smtClean="0"/>
+              <a:t>features</a:t>
+            </a:r>
+            <a:r>
+              <a:rPr lang="fr-FR" sz="5000" dirty="0" smtClean="0"/>
+              <a:t> </a:t>
+            </a:r>
+            <a:r>
+              <a:rPr lang="fr-FR" sz="5000" dirty="0" err="1" smtClean="0"/>
+              <a:t>could</a:t>
+            </a:r>
+            <a:r>
+              <a:rPr lang="fr-FR" sz="5000" dirty="0" smtClean="0"/>
+              <a:t> </a:t>
+            </a:r>
+            <a:r>
+              <a:rPr lang="fr-FR" sz="5000" dirty="0" err="1" smtClean="0"/>
+              <a:t>be</a:t>
+            </a:r>
+            <a:r>
+              <a:rPr lang="fr-FR" sz="5000" dirty="0" smtClean="0"/>
+              <a:t> </a:t>
+            </a:r>
+            <a:r>
+              <a:rPr lang="fr-FR" sz="5000" dirty="0" err="1" smtClean="0"/>
+              <a:t>quite</a:t>
+            </a:r>
+            <a:r>
+              <a:rPr lang="fr-FR" sz="5000" dirty="0" smtClean="0"/>
+              <a:t> </a:t>
+            </a:r>
+            <a:r>
+              <a:rPr lang="fr-FR" sz="5000" dirty="0" err="1" smtClean="0"/>
+              <a:t>easily</a:t>
+            </a:r>
+            <a:r>
+              <a:rPr lang="fr-FR" sz="5000" dirty="0" smtClean="0"/>
+              <a:t> </a:t>
+            </a:r>
+            <a:r>
+              <a:rPr lang="fr-FR" sz="5000" dirty="0" err="1" smtClean="0"/>
+              <a:t>extracted</a:t>
+            </a:r>
+            <a:r>
+              <a:rPr lang="fr-FR" sz="5000" dirty="0" smtClean="0"/>
+              <a:t> </a:t>
+            </a:r>
+            <a:r>
+              <a:rPr lang="fr-FR" sz="5000" dirty="0" err="1" smtClean="0"/>
+              <a:t>manually</a:t>
+            </a:r>
+            <a:r>
+              <a:rPr lang="fr-FR" sz="5000" dirty="0" smtClean="0"/>
+              <a:t> </a:t>
+            </a:r>
+            <a:r>
+              <a:rPr lang="fr-FR" sz="5000" dirty="0" err="1" smtClean="0"/>
+              <a:t>like</a:t>
+            </a:r>
+            <a:r>
+              <a:rPr lang="fr-FR" sz="5000" dirty="0" smtClean="0"/>
+              <a:t> direction of the body, gaze direction or </a:t>
+            </a:r>
+            <a:r>
+              <a:rPr lang="fr-FR" sz="5000" dirty="0" err="1" smtClean="0"/>
+              <a:t>smiles</a:t>
+            </a:r>
+            <a:r>
+              <a:rPr lang="fr-FR" sz="5000" dirty="0" smtClean="0"/>
+              <a:t>. </a:t>
+            </a:r>
+            <a:r>
+              <a:rPr lang="fr-FR" sz="5000" dirty="0" err="1" smtClean="0"/>
+              <a:t>Here</a:t>
+            </a:r>
+            <a:r>
+              <a:rPr lang="fr-FR" sz="5000" dirty="0" smtClean="0"/>
+              <a:t>, </a:t>
+            </a:r>
+            <a:r>
+              <a:rPr lang="fr-FR" sz="5000" dirty="0" err="1" smtClean="0"/>
+              <a:t>we</a:t>
+            </a:r>
+            <a:r>
+              <a:rPr lang="fr-FR" sz="5000" dirty="0" smtClean="0"/>
+              <a:t> show an </a:t>
+            </a:r>
+            <a:r>
+              <a:rPr lang="fr-FR" sz="5000" dirty="0" err="1" smtClean="0"/>
+              <a:t>example</a:t>
+            </a:r>
+            <a:r>
+              <a:rPr lang="fr-FR" sz="5000" dirty="0" smtClean="0"/>
+              <a:t> of a </a:t>
+            </a:r>
+            <a:r>
+              <a:rPr lang="fr-FR" sz="5000" dirty="0" err="1" smtClean="0"/>
+              <a:t>video</a:t>
+            </a:r>
+            <a:r>
+              <a:rPr lang="fr-FR" sz="5000" dirty="0" smtClean="0"/>
+              <a:t> </a:t>
+            </a:r>
+            <a:r>
+              <a:rPr lang="fr-FR" sz="5000" dirty="0" err="1" smtClean="0"/>
+              <a:t>before</a:t>
+            </a:r>
+            <a:r>
+              <a:rPr lang="fr-FR" sz="5000" dirty="0" smtClean="0"/>
+              <a:t> and </a:t>
+            </a:r>
+            <a:r>
+              <a:rPr lang="fr-FR" sz="5000" dirty="0" err="1" smtClean="0"/>
+              <a:t>during</a:t>
+            </a:r>
+            <a:r>
+              <a:rPr lang="fr-FR" sz="5000" dirty="0" smtClean="0"/>
               <a:t> a </a:t>
             </a:r>
             <a:r>
               <a:rPr lang="fr-FR" sz="5000" dirty="0" err="1" smtClean="0"/>
-              <a:t>predictor</a:t>
-            </a:r>
-            <a:r>
-              <a:rPr lang="fr-FR" sz="5000" dirty="0" smtClean="0"/>
-              <a:t> of </a:t>
+              <a:t>conflictual</a:t>
+            </a:r>
+            <a:r>
+              <a:rPr lang="fr-FR" sz="5000" dirty="0" smtClean="0"/>
+              <a:t> talk </a:t>
             </a:r>
             <a:r>
               <a:rPr lang="fr-FR" sz="5000" dirty="0" err="1" smtClean="0"/>
-              <a:t>psychotherapy</a:t>
-            </a:r>
-            <a:r>
-              <a:rPr lang="fr-FR" sz="5000" dirty="0" smtClean="0"/>
-              <a:t> </a:t>
+              <a:t>between</a:t>
+            </a:r>
+            <a:r>
+              <a:rPr lang="fr-FR" sz="5000" dirty="0" smtClean="0"/>
+              <a:t> a girl </a:t>
             </a:r>
             <a:r>
               <a:rPr lang="fr-FR" sz="5000" dirty="0" err="1" smtClean="0"/>
-              <a:t>outcome</a:t>
-            </a:r>
-            <a:r>
-              <a:rPr lang="fr-FR" sz="5000" dirty="0" smtClean="0"/>
-              <a:t> in a first </a:t>
+              <a:t>with</a:t>
+            </a:r>
+            <a:r>
+              <a:rPr lang="fr-FR" sz="5000" dirty="0" smtClean="0"/>
+              <a:t> </a:t>
             </a:r>
             <a:r>
               <a:rPr lang="fr-FR" sz="5000" dirty="0" err="1" smtClean="0"/>
-              <a:t>study</a:t>
-            </a:r>
-            <a:r>
-              <a:rPr lang="fr-FR" sz="5000" dirty="0" smtClean="0"/>
-              <a:t> (</a:t>
+              <a:t>her</a:t>
+            </a:r>
+            <a:r>
+              <a:rPr lang="fr-FR" sz="5000" dirty="0" smtClean="0"/>
+              <a:t> </a:t>
+            </a:r>
+            <a:r>
+              <a:rPr lang="fr-FR" sz="5000" dirty="0" err="1" smtClean="0"/>
+              <a:t>father</a:t>
             </a:r>
             <a:r>
               <a:rPr lang="fr-FR" sz="5000" dirty="0"/>
-              <a:t>Ramseyer, 2011</a:t>
-            </a:r>
-            <a:r>
-              <a:rPr lang="fr-FR" sz="5000" dirty="0" smtClean="0"/>
-              <a:t>) and a relevant signal on the </a:t>
+              <a:t> </a:t>
+            </a:r>
+            <a:r>
+              <a:rPr lang="fr-FR" sz="5000" dirty="0" smtClean="0"/>
+              <a:t>(</a:t>
             </a:r>
             <a:r>
               <a:rPr lang="fr-FR" sz="5000" dirty="0" err="1" smtClean="0"/>
-              <a:t>study</a:t>
-            </a:r>
-            <a:r>
-              <a:rPr lang="fr-FR" sz="5000" dirty="0" smtClean="0"/>
-              <a:t> of </a:t>
-            </a:r>
+              <a:t>Fig</a:t>
+            </a:r>
+            <a:r>
+              <a:rPr lang="fr-FR" sz="5000" dirty="0" smtClean="0"/>
+              <a:t> 2. </a:t>
+            </a:r>
+            <a:r>
+              <a:rPr lang="fr-FR" sz="5000" dirty="0"/>
+              <a:t>and 3</a:t>
+            </a:r>
+            <a:r>
+              <a:rPr lang="fr-FR" sz="5000" dirty="0" smtClean="0"/>
+              <a:t>.).</a:t>
+            </a:r>
+          </a:p>
+          <a:p>
+            <a:pPr algn="just"/>
+            <a:endParaRPr lang="fr-FR" sz="5000" dirty="0"/>
+          </a:p>
+          <a:p>
+            <a:pPr algn="just"/>
             <a:r>
               <a:rPr lang="fr-FR" sz="5000" dirty="0" err="1" smtClean="0"/>
-              <a:t>mother-child</a:t>
-            </a:r>
-            <a:r>
-              <a:rPr lang="fr-FR" sz="5000" dirty="0" smtClean="0"/>
-              <a:t> interaction. </a:t>
+              <a:t>With</a:t>
+            </a:r>
+            <a:r>
+              <a:rPr lang="fr-FR" sz="5000" dirty="0" smtClean="0"/>
+              <a:t> an </a:t>
+            </a:r>
+            <a:r>
+              <a:rPr lang="fr-FR" sz="5000" dirty="0" err="1" smtClean="0"/>
+              <a:t>interdiciplinary</a:t>
+            </a:r>
+            <a:r>
+              <a:rPr lang="fr-FR" sz="5000" dirty="0" smtClean="0"/>
+              <a:t> and </a:t>
+            </a:r>
+            <a:r>
+              <a:rPr lang="fr-FR" sz="5000" dirty="0"/>
+              <a:t>open science </a:t>
+            </a:r>
+            <a:r>
+              <a:rPr lang="fr-FR" sz="5000" dirty="0" err="1" smtClean="0"/>
+              <a:t>approach</a:t>
+            </a:r>
+            <a:r>
+              <a:rPr lang="fr-FR" sz="5000" dirty="0" smtClean="0"/>
+              <a:t>, </a:t>
             </a:r>
             <a:r>
               <a:rPr lang="fr-FR" sz="5000" dirty="0" err="1"/>
-              <a:t>Varni</a:t>
+              <a:t>we</a:t>
             </a:r>
             <a:r>
               <a:rPr lang="fr-FR" sz="5000" dirty="0"/>
-              <a:t> et al. </a:t>
-            </a:r>
-            <a:r>
-              <a:rPr lang="fr-FR" sz="5000" dirty="0" smtClean="0"/>
-              <a:t>2015 </a:t>
+              <a:t> </a:t>
             </a:r>
             <a:r>
               <a:rPr lang="fr-FR" sz="5000" dirty="0" err="1" smtClean="0"/>
-              <a:t>developped</a:t>
-            </a:r>
-            <a:r>
-              <a:rPr lang="fr-FR" sz="5000" dirty="0" smtClean="0"/>
-              <a:t> </a:t>
+              <a:t>developed</a:t>
+            </a:r>
+            <a:r>
+              <a:rPr lang="fr-FR" sz="5000" dirty="0" smtClean="0"/>
+              <a:t> </a:t>
+            </a:r>
+            <a:r>
+              <a:rPr lang="fr-FR" sz="5000" dirty="0" err="1"/>
+              <a:t>some</a:t>
             </a:r>
             <a:r>
               <a:rPr lang="fr-FR" sz="5000" dirty="0"/>
-              <a:t>the </a:t>
+              <a:t> modules </a:t>
             </a:r>
             <a:r>
               <a:rPr lang="fr-FR" sz="5000" dirty="0" err="1"/>
-              <a:t>SyncPy</a:t>
+              <a:t>toward</a:t>
             </a:r>
             <a:r>
               <a:rPr lang="fr-FR" sz="5000" dirty="0"/>
-              <a:t> open source python </a:t>
+              <a:t> </a:t>
             </a:r>
             <a:r>
               <a:rPr lang="fr-FR" sz="5000" dirty="0" err="1"/>
-              <a:t>library</a:t>
+              <a:t>this</a:t>
             </a:r>
             <a:r>
               <a:rPr lang="fr-FR" sz="5000" dirty="0"/>
-              <a:t> </a:t>
-            </a:r>
-            <a:r>
-              <a:rPr lang="fr-FR" sz="5000" dirty="0" smtClean="0"/>
-              <a:t>to </a:t>
+              <a:t> goal </a:t>
+            </a:r>
+            <a:r>
+              <a:rPr lang="fr-FR" sz="5000" dirty="0" err="1"/>
+              <a:t>that</a:t>
             </a:r>
             <a:r>
               <a:rPr lang="fr-FR" sz="5000" dirty="0"/>
-              <a:t>help </a:t>
+              <a:t> </a:t>
             </a:r>
             <a:r>
               <a:rPr lang="fr-FR" sz="5000" dirty="0" err="1"/>
-              <a:t>researchers</a:t>
+              <a:t>could</a:t>
+            </a:r>
+            <a:r>
+              <a:rPr lang="fr-FR" sz="5000" dirty="0"/>
+              <a:t> </a:t>
+            </a:r>
+            <a:r>
+              <a:rPr lang="fr-FR" sz="5000" dirty="0" err="1"/>
+              <a:t>be</a:t>
+            </a:r>
+            <a:r>
+              <a:rPr lang="fr-FR" sz="5000" dirty="0"/>
+              <a:t> </a:t>
+            </a:r>
+            <a:r>
+              <a:rPr lang="fr-FR" sz="5000" dirty="0" err="1"/>
+              <a:t>freely</a:t>
             </a:r>
             <a:r>
               <a:rPr lang="fr-FR" sz="5000" dirty="0"/>
               <a:t> and </a:t>
             </a:r>
             <a:r>
-              <a:rPr lang="fr-FR" sz="5000" dirty="0" err="1"/>
-              <a:t>practitioners</a:t>
-            </a:r>
-            <a:r>
-              <a:rPr lang="fr-FR" sz="5000" dirty="0"/>
-              <a:t> to </a:t>
-            </a:r>
-            <a:r>
-              <a:rPr lang="fr-FR" sz="5000" dirty="0" err="1"/>
-              <a:t>automatically</a:t>
-            </a:r>
-            <a:r>
-              <a:rPr lang="fr-FR" sz="5000" dirty="0"/>
-              <a:t> analyse </a:t>
-            </a:r>
-            <a:r>
-              <a:rPr lang="fr-FR" sz="5000" dirty="0" err="1" smtClean="0"/>
-              <a:t>synchrony</a:t>
-            </a:r>
-            <a:r>
-              <a:rPr lang="fr-FR" sz="5000" dirty="0" smtClean="0"/>
-              <a:t>. It </a:t>
-            </a:r>
-            <a:r>
-              <a:rPr lang="fr-FR" sz="5000" dirty="0" err="1" smtClean="0"/>
-              <a:t>could</a:t>
-            </a:r>
-            <a:r>
-              <a:rPr lang="fr-FR" sz="5000" dirty="0" smtClean="0"/>
-              <a:t> </a:t>
-            </a:r>
-            <a:r>
-              <a:rPr lang="fr-FR" sz="5000" dirty="0" err="1" smtClean="0"/>
-              <a:t>be</a:t>
-            </a:r>
-            <a:r>
-              <a:rPr lang="fr-FR" sz="5000" dirty="0" smtClean="0"/>
-              <a:t> possible to </a:t>
-            </a:r>
-            <a:r>
-              <a:rPr lang="fr-FR" sz="5000" dirty="0" err="1" smtClean="0"/>
-              <a:t>measure</a:t>
-            </a:r>
-            <a:r>
-              <a:rPr lang="fr-FR" sz="5000" dirty="0" smtClean="0"/>
-              <a:t> </a:t>
-            </a:r>
-            <a:r>
-              <a:rPr lang="fr-FR" sz="5000" dirty="0" err="1" smtClean="0"/>
-              <a:t>synchrony</a:t>
-            </a:r>
-            <a:r>
-              <a:rPr lang="fr-FR" sz="5000" dirty="0" smtClean="0"/>
-              <a:t> </a:t>
-            </a:r>
-            <a:r>
-              <a:rPr lang="fr-FR" sz="5000" dirty="0" err="1" smtClean="0"/>
-              <a:t>even</a:t>
-            </a:r>
-            <a:r>
-              <a:rPr lang="fr-FR" sz="5000" dirty="0" smtClean="0"/>
-              <a:t> in familial </a:t>
-            </a:r>
-            <a:r>
-              <a:rPr lang="fr-FR" sz="5000" dirty="0" err="1" smtClean="0"/>
-              <a:t>therapies</a:t>
-            </a:r>
-            <a:r>
-              <a:rPr lang="fr-FR" sz="5000" dirty="0" smtClean="0"/>
-              <a:t>. </a:t>
-            </a:r>
-            <a:r>
-              <a:rPr lang="fr-FR" sz="5000" dirty="0" err="1" smtClean="0"/>
-              <a:t>Other</a:t>
-            </a:r>
-            <a:r>
-              <a:rPr lang="fr-FR" sz="5000" dirty="0" smtClean="0"/>
-              <a:t> </a:t>
-            </a:r>
-            <a:r>
-              <a:rPr lang="fr-FR" sz="5000" dirty="0" err="1" smtClean="0"/>
-              <a:t>features</a:t>
-            </a:r>
-            <a:r>
-              <a:rPr lang="fr-FR" sz="5000" dirty="0" smtClean="0"/>
-              <a:t> </a:t>
-            </a:r>
-            <a:r>
-              <a:rPr lang="fr-FR" sz="5000" dirty="0" err="1" smtClean="0"/>
-              <a:t>could</a:t>
-            </a:r>
-            <a:r>
-              <a:rPr lang="fr-FR" sz="5000" dirty="0" smtClean="0"/>
-              <a:t> </a:t>
-            </a:r>
-            <a:r>
-              <a:rPr lang="fr-FR" sz="5000" dirty="0" err="1" smtClean="0"/>
-              <a:t>be</a:t>
-            </a:r>
-            <a:r>
-              <a:rPr lang="fr-FR" sz="5000" dirty="0" smtClean="0"/>
-              <a:t> </a:t>
-            </a:r>
-            <a:r>
-              <a:rPr lang="fr-FR" sz="5000" dirty="0" err="1" smtClean="0"/>
-              <a:t>quite</a:t>
-            </a:r>
-            <a:r>
-              <a:rPr lang="fr-FR" sz="5000" dirty="0" smtClean="0"/>
-              <a:t> </a:t>
-            </a:r>
-            <a:r>
               <a:rPr lang="fr-FR" sz="5000" dirty="0" err="1" smtClean="0"/>
               <a:t>easily</a:t>
             </a:r>
@@ -6309,257 +6556,6 @@
               <a:t> </a:t>
             </a:r>
             <a:r>
-              <a:rPr lang="fr-FR" sz="5000" dirty="0" err="1" smtClean="0"/>
-              <a:t>extracted</a:t>
-            </a:r>
-            <a:r>
-              <a:rPr lang="fr-FR" sz="5000" dirty="0" smtClean="0"/>
-              <a:t> </a:t>
-            </a:r>
-            <a:r>
-              <a:rPr lang="fr-FR" sz="5000" dirty="0" err="1" smtClean="0"/>
-              <a:t>manually</a:t>
-            </a:r>
-            <a:r>
-              <a:rPr lang="fr-FR" sz="5000" dirty="0" smtClean="0"/>
-              <a:t> </a:t>
-            </a:r>
-            <a:r>
-              <a:rPr lang="fr-FR" sz="5000" dirty="0" err="1" smtClean="0"/>
-              <a:t>like</a:t>
-            </a:r>
-            <a:r>
-              <a:rPr lang="fr-FR" sz="5000" dirty="0" smtClean="0"/>
-              <a:t> direction of the body, gaze direction or </a:t>
-            </a:r>
-            <a:r>
-              <a:rPr lang="fr-FR" sz="5000" dirty="0" err="1" smtClean="0"/>
-              <a:t>smiles</a:t>
-            </a:r>
-            <a:r>
-              <a:rPr lang="fr-FR" sz="5000" dirty="0" smtClean="0"/>
-              <a:t>. </a:t>
-            </a:r>
-            <a:r>
-              <a:rPr lang="fr-FR" sz="5000" dirty="0" err="1" smtClean="0"/>
-              <a:t>Here</a:t>
-            </a:r>
-            <a:r>
-              <a:rPr lang="fr-FR" sz="5000" dirty="0" smtClean="0"/>
-              <a:t>, </a:t>
-            </a:r>
-            <a:r>
-              <a:rPr lang="fr-FR" sz="5000" dirty="0" err="1" smtClean="0"/>
-              <a:t>we</a:t>
-            </a:r>
-            <a:r>
-              <a:rPr lang="fr-FR" sz="5000" dirty="0" smtClean="0"/>
-              <a:t> show an </a:t>
-            </a:r>
-            <a:r>
-              <a:rPr lang="fr-FR" sz="5000" dirty="0" err="1" smtClean="0"/>
-              <a:t>example</a:t>
-            </a:r>
-            <a:r>
-              <a:rPr lang="fr-FR" sz="5000" dirty="0" smtClean="0"/>
-              <a:t> of a </a:t>
-            </a:r>
-            <a:r>
-              <a:rPr lang="fr-FR" sz="5000" dirty="0" err="1" smtClean="0"/>
-              <a:t>video</a:t>
-            </a:r>
-            <a:r>
-              <a:rPr lang="fr-FR" sz="5000" dirty="0" smtClean="0"/>
-              <a:t> </a:t>
-            </a:r>
-            <a:r>
-              <a:rPr lang="fr-FR" sz="5000" dirty="0" err="1" smtClean="0"/>
-              <a:t>before</a:t>
-            </a:r>
-            <a:r>
-              <a:rPr lang="fr-FR" sz="5000" dirty="0" smtClean="0"/>
-              <a:t> and </a:t>
-            </a:r>
-            <a:r>
-              <a:rPr lang="fr-FR" sz="5000" dirty="0" err="1" smtClean="0"/>
-              <a:t>during</a:t>
-            </a:r>
-            <a:r>
-              <a:rPr lang="fr-FR" sz="5000" dirty="0" smtClean="0"/>
-              <a:t> a </a:t>
-            </a:r>
-            <a:r>
-              <a:rPr lang="fr-FR" sz="5000" dirty="0" err="1" smtClean="0"/>
-              <a:t>conflict</a:t>
-            </a:r>
-            <a:r>
-              <a:rPr lang="fr-FR" sz="5000" dirty="0" smtClean="0"/>
-              <a:t> </a:t>
-            </a:r>
-            <a:r>
-              <a:rPr lang="fr-FR" sz="5000" dirty="0" err="1" smtClean="0"/>
-              <a:t>between</a:t>
-            </a:r>
-            <a:r>
-              <a:rPr lang="fr-FR" sz="5000" dirty="0" smtClean="0"/>
-              <a:t> a girl and </a:t>
-            </a:r>
-            <a:r>
-              <a:rPr lang="fr-FR" sz="5000" dirty="0" err="1" smtClean="0"/>
-              <a:t>her</a:t>
-            </a:r>
-            <a:r>
-              <a:rPr lang="fr-FR" sz="5000" dirty="0" smtClean="0"/>
-              <a:t> </a:t>
-            </a:r>
-            <a:r>
-              <a:rPr lang="fr-FR" sz="5000" dirty="0" err="1" smtClean="0"/>
-              <a:t>father</a:t>
-            </a:r>
-            <a:r>
-              <a:rPr lang="fr-FR" sz="5000" dirty="0"/>
-              <a:t> </a:t>
-            </a:r>
-            <a:r>
-              <a:rPr lang="fr-FR" sz="5000" dirty="0" smtClean="0"/>
-              <a:t>(</a:t>
-            </a:r>
-            <a:r>
-              <a:rPr lang="fr-FR" sz="5000" dirty="0" err="1" smtClean="0"/>
-              <a:t>Fig</a:t>
-            </a:r>
-            <a:r>
-              <a:rPr lang="fr-FR" sz="5000" dirty="0" smtClean="0"/>
-              <a:t> 2. </a:t>
-            </a:r>
-            <a:r>
-              <a:rPr lang="fr-FR" sz="5000" dirty="0"/>
-              <a:t>and 3</a:t>
-            </a:r>
-            <a:r>
-              <a:rPr lang="fr-FR" sz="5000" dirty="0" smtClean="0"/>
-              <a:t>.).</a:t>
-            </a:r>
-          </a:p>
-          <a:p>
-            <a:pPr algn="just"/>
-            <a:endParaRPr lang="fr-FR" sz="5000" dirty="0"/>
-          </a:p>
-          <a:p>
-            <a:pPr algn="just"/>
-            <a:r>
-              <a:rPr lang="fr-FR" sz="5000" dirty="0" err="1"/>
-              <a:t>Using</a:t>
-            </a:r>
-            <a:r>
-              <a:rPr lang="fr-FR" sz="5000" dirty="0"/>
-              <a:t> </a:t>
-            </a:r>
-            <a:r>
-              <a:rPr lang="fr-FR" sz="5000" dirty="0" smtClean="0"/>
-              <a:t>an </a:t>
-            </a:r>
-            <a:r>
-              <a:rPr lang="fr-FR" sz="5000" dirty="0" err="1" smtClean="0"/>
-              <a:t>interdiciplinary</a:t>
-            </a:r>
-            <a:r>
-              <a:rPr lang="fr-FR" sz="5000" dirty="0" smtClean="0"/>
-              <a:t> and </a:t>
-            </a:r>
-            <a:r>
-              <a:rPr lang="fr-FR" sz="5000" dirty="0"/>
-              <a:t>open science </a:t>
-            </a:r>
-            <a:r>
-              <a:rPr lang="fr-FR" sz="5000" dirty="0" err="1" smtClean="0"/>
-              <a:t>approach</a:t>
-            </a:r>
-            <a:r>
-              <a:rPr lang="fr-FR" sz="5000" dirty="0" smtClean="0"/>
-              <a:t>, </a:t>
-            </a:r>
-            <a:r>
-              <a:rPr lang="fr-FR" sz="5000" dirty="0" err="1"/>
-              <a:t>we</a:t>
-            </a:r>
-            <a:r>
-              <a:rPr lang="fr-FR" sz="5000" dirty="0"/>
-              <a:t> </a:t>
-            </a:r>
-            <a:r>
-              <a:rPr lang="fr-FR" sz="5000" dirty="0" err="1" smtClean="0"/>
-              <a:t>developed</a:t>
-            </a:r>
-            <a:r>
-              <a:rPr lang="fr-FR" sz="5000" dirty="0" smtClean="0"/>
-              <a:t> </a:t>
-            </a:r>
-            <a:r>
-              <a:rPr lang="fr-FR" sz="5000" dirty="0" err="1"/>
-              <a:t>some</a:t>
-            </a:r>
-            <a:r>
-              <a:rPr lang="fr-FR" sz="5000" dirty="0"/>
-              <a:t> modules </a:t>
-            </a:r>
-            <a:r>
-              <a:rPr lang="fr-FR" sz="5000" dirty="0" err="1"/>
-              <a:t>toward</a:t>
-            </a:r>
-            <a:r>
-              <a:rPr lang="fr-FR" sz="5000" dirty="0"/>
-              <a:t> </a:t>
-            </a:r>
-            <a:r>
-              <a:rPr lang="fr-FR" sz="5000" dirty="0" err="1"/>
-              <a:t>this</a:t>
-            </a:r>
-            <a:r>
-              <a:rPr lang="fr-FR" sz="5000" dirty="0"/>
-              <a:t> goal </a:t>
-            </a:r>
-            <a:r>
-              <a:rPr lang="fr-FR" sz="5000" dirty="0" err="1"/>
-              <a:t>that</a:t>
-            </a:r>
-            <a:r>
-              <a:rPr lang="fr-FR" sz="5000" dirty="0"/>
-              <a:t> </a:t>
-            </a:r>
-            <a:r>
-              <a:rPr lang="fr-FR" sz="5000" dirty="0" err="1"/>
-              <a:t>could</a:t>
-            </a:r>
-            <a:r>
-              <a:rPr lang="fr-FR" sz="5000" dirty="0"/>
-              <a:t> </a:t>
-            </a:r>
-            <a:r>
-              <a:rPr lang="fr-FR" sz="5000" dirty="0" err="1"/>
-              <a:t>be</a:t>
-            </a:r>
-            <a:r>
-              <a:rPr lang="fr-FR" sz="5000" dirty="0"/>
-              <a:t> </a:t>
-            </a:r>
-            <a:r>
-              <a:rPr lang="fr-FR" sz="5000" dirty="0" err="1"/>
-              <a:t>freely</a:t>
-            </a:r>
-            <a:r>
-              <a:rPr lang="fr-FR" sz="5000" dirty="0"/>
-              <a:t> and </a:t>
-            </a:r>
-            <a:r>
-              <a:rPr lang="fr-FR" sz="5000" dirty="0" err="1" smtClean="0"/>
-              <a:t>easily</a:t>
-            </a:r>
-            <a:r>
-              <a:rPr lang="fr-FR" sz="5000" dirty="0" smtClean="0"/>
-              <a:t> </a:t>
-            </a:r>
-            <a:r>
               <a:rPr lang="fr-FR" sz="5000" dirty="0" err="1"/>
               <a:t>re-used</a:t>
             </a:r>
@@ -6573,23 +6569,43 @@
             </a:r>
             <a:r>
               <a:rPr lang="fr-FR" sz="5000" dirty="0"/>
-              <a:t> teams in </a:t>
-            </a:r>
-            <a:r>
-              <a:rPr lang="fr-FR" sz="5000" dirty="0" err="1"/>
-              <a:t>other</a:t>
+              <a:t> teams </a:t>
+            </a:r>
+            <a:r>
+              <a:rPr lang="fr-FR" sz="5000" dirty="0" err="1" smtClean="0"/>
+              <a:t>with</a:t>
+            </a:r>
+            <a:r>
+              <a:rPr lang="fr-FR" sz="5000" dirty="0" smtClean="0"/>
+              <a:t> </a:t>
+            </a:r>
+            <a:r>
+              <a:rPr lang="fr-FR" sz="5000" dirty="0" err="1" smtClean="0"/>
+              <a:t>their</a:t>
+            </a:r>
+            <a:r>
+              <a:rPr lang="fr-FR" sz="5000" dirty="0" smtClean="0"/>
+              <a:t> </a:t>
+            </a:r>
+            <a:r>
+              <a:rPr lang="fr-FR" sz="5000" dirty="0" err="1" smtClean="0"/>
+              <a:t>own</a:t>
+            </a:r>
+            <a:r>
+              <a:rPr lang="fr-FR" sz="5000" dirty="0" smtClean="0"/>
+              <a:t> </a:t>
+            </a:r>
+            <a:r>
+              <a:rPr lang="fr-FR" sz="5000" dirty="0" err="1" smtClean="0"/>
+              <a:t>databases</a:t>
+            </a:r>
+            <a:r>
+              <a:rPr lang="fr-FR" sz="5000" dirty="0" smtClean="0"/>
+              <a:t> </a:t>
             </a:r>
             <a:r>
               <a:rPr lang="fr-FR" sz="5000" dirty="0"/>
-              <a:t> </a:t>
-            </a:r>
-            <a:r>
-              <a:rPr lang="fr-FR" sz="5000" dirty="0" err="1"/>
-              <a:t>databases</a:t>
-            </a:r>
-            <a:r>
-              <a:rPr lang="fr-FR" sz="5000" dirty="0"/>
-              <a:t> or </a:t>
+              <a:t>or </a:t>
             </a:r>
             <a:r>
               <a:rPr lang="fr-FR" sz="5000" dirty="0" err="1"/>
@@ -6622,18 +6638,11 @@
           <a:p>
             <a:pPr algn="just"/>
             <a:r>
-              <a:rPr lang="fr-FR" sz="5500" dirty="0">
+              <a:rPr lang="fr-FR" sz="5500" dirty="0" smtClean="0">
                 <a:latin typeface="Abadi MT Condensed Extra Bold"/>
                 <a:cs typeface="Abadi MT Condensed Extra Bold"/>
               </a:rPr>
-              <a:t>Future </a:t>
-            </a:r>
-            <a:r>
-              <a:rPr lang="fr-FR" sz="5500" dirty="0" err="1">
-                <a:latin typeface="Abadi MT Condensed Extra Bold"/>
-                <a:cs typeface="Abadi MT Condensed Extra Bold"/>
-              </a:rPr>
-              <a:t>work</a:t>
+              <a:t>Perspectives</a:t>
             </a:r>
             <a:endParaRPr lang="fr-FR" sz="5500" dirty="0">
               <a:latin typeface="Abadi MT Condensed Extra Bold"/>
@@ -6664,15 +6673,7 @@
             </a:r>
             <a:r>
               <a:rPr lang="fr-FR" sz="5000" dirty="0" err="1" smtClean="0"/>
-              <a:t>would</a:t>
-            </a:r>
-            <a:r>
-              <a:rPr lang="fr-FR" sz="5000" dirty="0" smtClean="0"/>
-              <a:t> </a:t>
-            </a:r>
-            <a:r>
-              <a:rPr lang="fr-FR" sz="5000" dirty="0" err="1" smtClean="0"/>
-              <a:t>be</a:t>
+              <a:t>is</a:t>
             </a:r>
             <a:r>
               <a:rPr lang="fr-FR" sz="5000" dirty="0" smtClean="0"/>

--- a/Monrado/Reports/ECNPPoster.pptx
+++ b/Monrado/Reports/ECNPPoster.pptx
@@ -203,7 +203,7 @@
           <a:p>
             <a:fld id="{DFA8D195-C53E-7448-B1B5-70C25ACF49F5}" type="datetimeFigureOut">
               <a:rPr lang="fr-FR" smtClean="0"/>
-              <a:t>25/05/16</a:t>
+              <a:t>08/06/16</a:t>
             </a:fld>
             <a:endParaRPr lang="fr-FR"/>
           </a:p>
@@ -741,7 +741,7 @@
           <a:p>
             <a:fld id="{841464F7-D333-D34B-8E9E-ECC7901A7EBB}" type="datetimeFigureOut">
               <a:rPr lang="fr-FR" smtClean="0"/>
-              <a:t>25/05/16</a:t>
+              <a:t>08/06/16</a:t>
             </a:fld>
             <a:endParaRPr lang="fr-FR"/>
           </a:p>
@@ -911,7 +911,7 @@
           <a:p>
             <a:fld id="{841464F7-D333-D34B-8E9E-ECC7901A7EBB}" type="datetimeFigureOut">
               <a:rPr lang="fr-FR" smtClean="0"/>
-              <a:t>25/05/16</a:t>
+              <a:t>08/06/16</a:t>
             </a:fld>
             <a:endParaRPr lang="fr-FR"/>
           </a:p>
@@ -1091,7 +1091,7 @@
           <a:p>
             <a:fld id="{841464F7-D333-D34B-8E9E-ECC7901A7EBB}" type="datetimeFigureOut">
               <a:rPr lang="fr-FR" smtClean="0"/>
-              <a:t>25/05/16</a:t>
+              <a:t>08/06/16</a:t>
             </a:fld>
             <a:endParaRPr lang="fr-FR"/>
           </a:p>
@@ -1261,7 +1261,7 @@
           <a:p>
             <a:fld id="{841464F7-D333-D34B-8E9E-ECC7901A7EBB}" type="datetimeFigureOut">
               <a:rPr lang="fr-FR" smtClean="0"/>
-              <a:t>25/05/16</a:t>
+              <a:t>08/06/16</a:t>
             </a:fld>
             <a:endParaRPr lang="fr-FR"/>
           </a:p>
@@ -1507,7 +1507,7 @@
           <a:p>
             <a:fld id="{841464F7-D333-D34B-8E9E-ECC7901A7EBB}" type="datetimeFigureOut">
               <a:rPr lang="fr-FR" smtClean="0"/>
-              <a:t>25/05/16</a:t>
+              <a:t>08/06/16</a:t>
             </a:fld>
             <a:endParaRPr lang="fr-FR"/>
           </a:p>
@@ -1795,7 +1795,7 @@
           <a:p>
             <a:fld id="{841464F7-D333-D34B-8E9E-ECC7901A7EBB}" type="datetimeFigureOut">
               <a:rPr lang="fr-FR" smtClean="0"/>
-              <a:t>25/05/16</a:t>
+              <a:t>08/06/16</a:t>
             </a:fld>
             <a:endParaRPr lang="fr-FR"/>
           </a:p>
@@ -2222,7 +2222,7 @@
           <a:p>
             <a:fld id="{841464F7-D333-D34B-8E9E-ECC7901A7EBB}" type="datetimeFigureOut">
               <a:rPr lang="fr-FR" smtClean="0"/>
-              <a:t>25/05/16</a:t>
+              <a:t>08/06/16</a:t>
             </a:fld>
             <a:endParaRPr lang="fr-FR"/>
           </a:p>
@@ -2340,7 +2340,7 @@
           <a:p>
             <a:fld id="{841464F7-D333-D34B-8E9E-ECC7901A7EBB}" type="datetimeFigureOut">
               <a:rPr lang="fr-FR" smtClean="0"/>
-              <a:t>25/05/16</a:t>
+              <a:t>08/06/16</a:t>
             </a:fld>
             <a:endParaRPr lang="fr-FR"/>
           </a:p>
@@ -2435,7 +2435,7 @@
           <a:p>
             <a:fld id="{841464F7-D333-D34B-8E9E-ECC7901A7EBB}" type="datetimeFigureOut">
               <a:rPr lang="fr-FR" smtClean="0"/>
-              <a:t>25/05/16</a:t>
+              <a:t>08/06/16</a:t>
             </a:fld>
             <a:endParaRPr lang="fr-FR"/>
           </a:p>
@@ -2712,7 +2712,7 @@
           <a:p>
             <a:fld id="{841464F7-D333-D34B-8E9E-ECC7901A7EBB}" type="datetimeFigureOut">
               <a:rPr lang="fr-FR" smtClean="0"/>
-              <a:t>25/05/16</a:t>
+              <a:t>08/06/16</a:t>
             </a:fld>
             <a:endParaRPr lang="fr-FR"/>
           </a:p>
@@ -2965,7 +2965,7 @@
           <a:p>
             <a:fld id="{841464F7-D333-D34B-8E9E-ECC7901A7EBB}" type="datetimeFigureOut">
               <a:rPr lang="fr-FR" smtClean="0"/>
-              <a:t>25/05/16</a:t>
+              <a:t>08/06/16</a:t>
             </a:fld>
             <a:endParaRPr lang="fr-FR"/>
           </a:p>
@@ -3178,7 +3178,7 @@
           <a:p>
             <a:fld id="{841464F7-D333-D34B-8E9E-ECC7901A7EBB}" type="datetimeFigureOut">
               <a:rPr lang="fr-FR" smtClean="0"/>
-              <a:t>25/05/16</a:t>
+              <a:t>08/06/16</a:t>
             </a:fld>
             <a:endParaRPr lang="fr-FR"/>
           </a:p>
@@ -4049,7 +4049,7 @@
                   <a:schemeClr val="tx1"/>
                 </a:solidFill>
               </a:rPr>
-              <a:t>Unfortunatelly</a:t>
+              <a:t>Unfortunately</a:t>
             </a:r>
             <a:r>
               <a:rPr lang="fr-FR" sz="4800" dirty="0" smtClean="0">
@@ -7583,6 +7583,62 @@
               <a:t>Procedure</a:t>
             </a:r>
             <a:endParaRPr lang="fr-FR" sz="7000" dirty="0">
+              <a:latin typeface="Abadi MT Condensed Extra Bold"/>
+              <a:cs typeface="Abadi MT Condensed Extra Bold"/>
+            </a:endParaRPr>
+          </a:p>
+        </p:txBody>
+      </p:sp>
+      <p:sp>
+        <p:nvSpPr>
+          <p:cNvPr id="25" name="Rectangle 24"/>
+          <p:cNvSpPr/>
+          <p:nvPr/>
+        </p:nvSpPr>
+        <p:spPr>
+          <a:xfrm>
+            <a:off x="583529" y="27989537"/>
+            <a:ext cx="4339650" cy="707886"/>
+          </a:xfrm>
+          <a:prstGeom prst="rect">
+            <a:avLst/>
+          </a:prstGeom>
+        </p:spPr>
+        <p:txBody>
+          <a:bodyPr wrap="none">
+            <a:spAutoFit/>
+          </a:bodyPr>
+          <a:lstStyle/>
+          <a:p>
+            <a:r>
+              <a:rPr lang="fr-FR" sz="4000" dirty="0">
+                <a:latin typeface="Abadi MT Condensed Extra Bold"/>
+                <a:cs typeface="Abadi MT Condensed Extra Bold"/>
+              </a:rPr>
+              <a:t>http://</a:t>
+            </a:r>
+            <a:r>
+              <a:rPr lang="fr-FR" sz="4000" dirty="0" err="1">
+                <a:latin typeface="Abadi MT Condensed Extra Bold"/>
+                <a:cs typeface="Abadi MT Condensed Extra Bold"/>
+              </a:rPr>
+              <a:t>bit.ly</a:t>
+            </a:r>
+            <a:r>
+              <a:rPr lang="fr-FR" sz="4000" dirty="0">
+                <a:latin typeface="Abadi MT Condensed Extra Bold"/>
+                <a:cs typeface="Abadi MT Condensed Extra Bold"/>
+              </a:rPr>
+              <a:t>/</a:t>
+            </a:r>
+            <a:r>
+              <a:rPr lang="fr-FR" sz="4000" dirty="0" err="1">
+                <a:latin typeface="Abadi MT Condensed Extra Bold"/>
+                <a:cs typeface="Abadi MT Condensed Extra Bold"/>
+              </a:rPr>
+              <a:t>syncpsy</a:t>
+            </a:r>
+            <a:endParaRPr lang="fr-FR" sz="4000" dirty="0">
               <a:latin typeface="Abadi MT Condensed Extra Bold"/>
               <a:cs typeface="Abadi MT Condensed Extra Bold"/>
             </a:endParaRPr>
